--- a/Margaret/Project Docs/CA Wildfire Dashboard Pres.pptx
+++ b/Margaret/Project Docs/CA Wildfire Dashboard Pres.pptx
@@ -5,13 +5,16 @@
     <p:sldMasterId id="2147483648" r:id="rId4"/>
   </p:sldMasterIdLst>
   <p:notesMasterIdLst>
-    <p:notesMasterId r:id="rId9"/>
+    <p:notesMasterId r:id="rId12"/>
   </p:notesMasterIdLst>
   <p:sldIdLst>
     <p:sldId id="266" r:id="rId5"/>
-    <p:sldId id="267" r:id="rId6"/>
-    <p:sldId id="268" r:id="rId7"/>
-    <p:sldId id="257" r:id="rId8"/>
+    <p:sldId id="257" r:id="rId6"/>
+    <p:sldId id="267" r:id="rId7"/>
+    <p:sldId id="271" r:id="rId8"/>
+    <p:sldId id="272" r:id="rId9"/>
+    <p:sldId id="270" r:id="rId10"/>
+    <p:sldId id="268" r:id="rId11"/>
   </p:sldIdLst>
   <p:sldSz cx="12192000" cy="6858000"/>
   <p:notesSz cx="6858000" cy="9144000"/>
@@ -904,6 +907,792 @@
 </dgm:colorsDef>
 </file>
 
+<file path=ppt/diagrams/colors2.xml><?xml version="1.0" encoding="utf-8"?>
+<dgm:colorsDef xmlns:dgm="http://schemas.openxmlformats.org/drawingml/2006/diagram" xmlns:a="http://schemas.openxmlformats.org/drawingml/2006/main" uniqueId="urn:microsoft.com/office/officeart/2018/5/colors/Iconchunking_coloredtext_colorful2">
+  <dgm:title val=""/>
+  <dgm:desc val=""/>
+  <dgm:catLst>
+    <dgm:cat type="colorful" pri="10200"/>
+  </dgm:catLst>
+  <dgm:styleLbl name="node0">
+    <dgm:fillClrLst meth="repeat">
+      <a:schemeClr val="accent1"/>
+    </dgm:fillClrLst>
+    <dgm:linClrLst meth="repeat">
+      <a:schemeClr val="lt1"/>
+    </dgm:linClrLst>
+    <dgm:effectClrLst/>
+    <dgm:txLinClrLst/>
+    <dgm:txFillClrLst/>
+    <dgm:txEffectClrLst/>
+  </dgm:styleLbl>
+  <dgm:styleLbl name="node1">
+    <dgm:fillClrLst meth="repeat">
+      <a:schemeClr val="bg1"/>
+    </dgm:fillClrLst>
+    <dgm:linClrLst meth="repeat">
+      <a:schemeClr val="lt1">
+        <a:alpha val="0"/>
+      </a:schemeClr>
+    </dgm:linClrLst>
+    <dgm:effectClrLst/>
+    <dgm:txLinClrLst/>
+    <dgm:txFillClrLst meth="repeat">
+      <a:schemeClr val="dk1"/>
+    </dgm:txFillClrLst>
+    <dgm:txEffectClrLst/>
+  </dgm:styleLbl>
+  <dgm:styleLbl name="alignNode1">
+    <dgm:fillClrLst>
+      <a:schemeClr val="accent2"/>
+      <a:schemeClr val="accent3"/>
+    </dgm:fillClrLst>
+    <dgm:linClrLst>
+      <a:schemeClr val="accent2"/>
+      <a:schemeClr val="accent3"/>
+    </dgm:linClrLst>
+    <dgm:effectClrLst/>
+    <dgm:txLinClrLst/>
+    <dgm:txFillClrLst/>
+    <dgm:txEffectClrLst/>
+  </dgm:styleLbl>
+  <dgm:styleLbl name="lnNode1">
+    <dgm:fillClrLst>
+      <a:schemeClr val="accent2"/>
+      <a:schemeClr val="accent3"/>
+    </dgm:fillClrLst>
+    <dgm:linClrLst meth="repeat">
+      <a:schemeClr val="lt1"/>
+    </dgm:linClrLst>
+    <dgm:effectClrLst/>
+    <dgm:txLinClrLst/>
+    <dgm:txFillClrLst/>
+    <dgm:txEffectClrLst/>
+  </dgm:styleLbl>
+  <dgm:styleLbl name="vennNode1">
+    <dgm:fillClrLst>
+      <a:schemeClr val="accent2">
+        <a:alpha val="50000"/>
+      </a:schemeClr>
+      <a:schemeClr val="accent3">
+        <a:alpha val="50000"/>
+      </a:schemeClr>
+    </dgm:fillClrLst>
+    <dgm:linClrLst meth="repeat">
+      <a:schemeClr val="lt1"/>
+    </dgm:linClrLst>
+    <dgm:effectClrLst/>
+    <dgm:txLinClrLst/>
+    <dgm:txFillClrLst/>
+    <dgm:txEffectClrLst/>
+  </dgm:styleLbl>
+  <dgm:styleLbl name="node2">
+    <dgm:fillClrLst>
+      <a:schemeClr val="accent3"/>
+    </dgm:fillClrLst>
+    <dgm:linClrLst meth="repeat">
+      <a:schemeClr val="lt1"/>
+    </dgm:linClrLst>
+    <dgm:effectClrLst/>
+    <dgm:txLinClrLst/>
+    <dgm:txFillClrLst/>
+    <dgm:txEffectClrLst/>
+  </dgm:styleLbl>
+  <dgm:styleLbl name="node3">
+    <dgm:fillClrLst>
+      <a:schemeClr val="accent4"/>
+    </dgm:fillClrLst>
+    <dgm:linClrLst meth="repeat">
+      <a:schemeClr val="lt1"/>
+    </dgm:linClrLst>
+    <dgm:effectClrLst/>
+    <dgm:txLinClrLst/>
+    <dgm:txFillClrLst/>
+    <dgm:txEffectClrLst/>
+  </dgm:styleLbl>
+  <dgm:styleLbl name="node4">
+    <dgm:fillClrLst>
+      <a:schemeClr val="accent5"/>
+    </dgm:fillClrLst>
+    <dgm:linClrLst meth="repeat">
+      <a:schemeClr val="lt1"/>
+    </dgm:linClrLst>
+    <dgm:effectClrLst/>
+    <dgm:txLinClrLst/>
+    <dgm:txFillClrLst/>
+    <dgm:txEffectClrLst/>
+  </dgm:styleLbl>
+  <dgm:styleLbl name="fgImgPlace1">
+    <dgm:fillClrLst>
+      <a:schemeClr val="accent2">
+        <a:tint val="50000"/>
+      </a:schemeClr>
+      <a:schemeClr val="accent3">
+        <a:tint val="50000"/>
+      </a:schemeClr>
+    </dgm:fillClrLst>
+    <dgm:linClrLst meth="repeat">
+      <a:schemeClr val="lt1"/>
+    </dgm:linClrLst>
+    <dgm:effectClrLst/>
+    <dgm:txLinClrLst/>
+    <dgm:txFillClrLst meth="repeat">
+      <a:schemeClr val="lt1"/>
+    </dgm:txFillClrLst>
+    <dgm:txEffectClrLst/>
+  </dgm:styleLbl>
+  <dgm:styleLbl name="alignImgPlace1">
+    <dgm:fillClrLst>
+      <a:schemeClr val="accent2">
+        <a:tint val="50000"/>
+      </a:schemeClr>
+      <a:schemeClr val="accent3">
+        <a:tint val="20000"/>
+      </a:schemeClr>
+    </dgm:fillClrLst>
+    <dgm:linClrLst meth="repeat">
+      <a:schemeClr val="lt1"/>
+    </dgm:linClrLst>
+    <dgm:effectClrLst/>
+    <dgm:txLinClrLst/>
+    <dgm:txFillClrLst meth="repeat">
+      <a:schemeClr val="lt1"/>
+    </dgm:txFillClrLst>
+    <dgm:txEffectClrLst/>
+  </dgm:styleLbl>
+  <dgm:styleLbl name="bgImgPlace1">
+    <dgm:fillClrLst>
+      <a:schemeClr val="accent2">
+        <a:tint val="50000"/>
+      </a:schemeClr>
+      <a:schemeClr val="accent3">
+        <a:tint val="20000"/>
+      </a:schemeClr>
+    </dgm:fillClrLst>
+    <dgm:linClrLst meth="repeat">
+      <a:schemeClr val="lt1"/>
+    </dgm:linClrLst>
+    <dgm:effectClrLst/>
+    <dgm:txLinClrLst/>
+    <dgm:txFillClrLst meth="repeat">
+      <a:schemeClr val="lt1"/>
+    </dgm:txFillClrLst>
+    <dgm:txEffectClrLst/>
+  </dgm:styleLbl>
+  <dgm:styleLbl name="sibTrans2D1">
+    <dgm:fillClrLst>
+      <a:schemeClr val="accent2"/>
+      <a:schemeClr val="accent3"/>
+    </dgm:fillClrLst>
+    <dgm:linClrLst meth="repeat">
+      <a:schemeClr val="lt1"/>
+    </dgm:linClrLst>
+    <dgm:effectClrLst/>
+    <dgm:txLinClrLst/>
+    <dgm:txFillClrLst/>
+    <dgm:txEffectClrLst/>
+  </dgm:styleLbl>
+  <dgm:styleLbl name="fgSibTrans2D1">
+    <dgm:fillClrLst>
+      <a:schemeClr val="accent2"/>
+      <a:schemeClr val="accent3"/>
+    </dgm:fillClrLst>
+    <dgm:linClrLst meth="repeat">
+      <a:schemeClr val="lt1"/>
+    </dgm:linClrLst>
+    <dgm:effectClrLst/>
+    <dgm:txLinClrLst/>
+    <dgm:txFillClrLst meth="repeat">
+      <a:schemeClr val="lt1"/>
+    </dgm:txFillClrLst>
+    <dgm:txEffectClrLst/>
+  </dgm:styleLbl>
+  <dgm:styleLbl name="bgSibTrans2D1">
+    <dgm:fillClrLst>
+      <a:schemeClr val="accent2"/>
+      <a:schemeClr val="accent3"/>
+    </dgm:fillClrLst>
+    <dgm:linClrLst meth="repeat">
+      <a:schemeClr val="lt1"/>
+    </dgm:linClrLst>
+    <dgm:effectClrLst/>
+    <dgm:txLinClrLst/>
+    <dgm:txFillClrLst meth="repeat">
+      <a:schemeClr val="lt1"/>
+    </dgm:txFillClrLst>
+    <dgm:txEffectClrLst/>
+  </dgm:styleLbl>
+  <dgm:styleLbl name="sibTrans1D1">
+    <dgm:fillClrLst/>
+    <dgm:linClrLst>
+      <a:schemeClr val="accent2"/>
+      <a:schemeClr val="accent3"/>
+    </dgm:linClrLst>
+    <dgm:effectClrLst/>
+    <dgm:txLinClrLst/>
+    <dgm:txFillClrLst meth="repeat">
+      <a:schemeClr val="tx1"/>
+    </dgm:txFillClrLst>
+    <dgm:txEffectClrLst/>
+  </dgm:styleLbl>
+  <dgm:styleLbl name="callout">
+    <dgm:fillClrLst meth="repeat">
+      <a:schemeClr val="accent2"/>
+    </dgm:fillClrLst>
+    <dgm:linClrLst meth="repeat">
+      <a:schemeClr val="accent2">
+        <a:tint val="50000"/>
+      </a:schemeClr>
+    </dgm:linClrLst>
+    <dgm:effectClrLst/>
+    <dgm:txLinClrLst/>
+    <dgm:txFillClrLst meth="repeat">
+      <a:schemeClr val="tx1"/>
+    </dgm:txFillClrLst>
+    <dgm:txEffectClrLst/>
+  </dgm:styleLbl>
+  <dgm:styleLbl name="asst0">
+    <dgm:fillClrLst meth="repeat">
+      <a:schemeClr val="accent2"/>
+    </dgm:fillClrLst>
+    <dgm:linClrLst meth="repeat">
+      <a:schemeClr val="lt1">
+        <a:shade val="80000"/>
+      </a:schemeClr>
+    </dgm:linClrLst>
+    <dgm:effectClrLst/>
+    <dgm:txLinClrLst/>
+    <dgm:txFillClrLst/>
+    <dgm:txEffectClrLst/>
+  </dgm:styleLbl>
+  <dgm:styleLbl name="asst1">
+    <dgm:fillClrLst meth="repeat">
+      <a:schemeClr val="accent3"/>
+    </dgm:fillClrLst>
+    <dgm:linClrLst meth="repeat">
+      <a:schemeClr val="lt1">
+        <a:shade val="80000"/>
+      </a:schemeClr>
+    </dgm:linClrLst>
+    <dgm:effectClrLst/>
+    <dgm:txLinClrLst/>
+    <dgm:txFillClrLst/>
+    <dgm:txEffectClrLst/>
+  </dgm:styleLbl>
+  <dgm:styleLbl name="asst2">
+    <dgm:fillClrLst>
+      <a:schemeClr val="accent4"/>
+    </dgm:fillClrLst>
+    <dgm:linClrLst meth="repeat">
+      <a:schemeClr val="lt1"/>
+    </dgm:linClrLst>
+    <dgm:effectClrLst/>
+    <dgm:txLinClrLst/>
+    <dgm:txFillClrLst/>
+    <dgm:txEffectClrLst/>
+  </dgm:styleLbl>
+  <dgm:styleLbl name="asst3">
+    <dgm:fillClrLst>
+      <a:schemeClr val="accent5"/>
+    </dgm:fillClrLst>
+    <dgm:linClrLst meth="repeat">
+      <a:schemeClr val="lt1"/>
+    </dgm:linClrLst>
+    <dgm:effectClrLst/>
+    <dgm:txLinClrLst/>
+    <dgm:txFillClrLst/>
+    <dgm:txEffectClrLst/>
+  </dgm:styleLbl>
+  <dgm:styleLbl name="asst4">
+    <dgm:fillClrLst>
+      <a:schemeClr val="accent6"/>
+    </dgm:fillClrLst>
+    <dgm:linClrLst meth="repeat">
+      <a:schemeClr val="lt1"/>
+    </dgm:linClrLst>
+    <dgm:effectClrLst/>
+    <dgm:txLinClrLst/>
+    <dgm:txFillClrLst/>
+    <dgm:txEffectClrLst/>
+  </dgm:styleLbl>
+  <dgm:styleLbl name="parChTrans2D1">
+    <dgm:fillClrLst meth="repeat">
+      <a:schemeClr val="accent2"/>
+    </dgm:fillClrLst>
+    <dgm:linClrLst meth="repeat">
+      <a:schemeClr val="lt1"/>
+    </dgm:linClrLst>
+    <dgm:effectClrLst/>
+    <dgm:txLinClrLst/>
+    <dgm:txFillClrLst meth="repeat">
+      <a:schemeClr val="lt1"/>
+    </dgm:txFillClrLst>
+    <dgm:txEffectClrLst/>
+  </dgm:styleLbl>
+  <dgm:styleLbl name="parChTrans2D2">
+    <dgm:fillClrLst meth="repeat">
+      <a:schemeClr val="accent3"/>
+    </dgm:fillClrLst>
+    <dgm:linClrLst meth="repeat">
+      <a:schemeClr val="lt1"/>
+    </dgm:linClrLst>
+    <dgm:effectClrLst/>
+    <dgm:txLinClrLst/>
+    <dgm:txFillClrLst/>
+    <dgm:txEffectClrLst/>
+  </dgm:styleLbl>
+  <dgm:styleLbl name="parChTrans2D3">
+    <dgm:fillClrLst meth="repeat">
+      <a:schemeClr val="accent4"/>
+    </dgm:fillClrLst>
+    <dgm:linClrLst meth="repeat">
+      <a:schemeClr val="lt1"/>
+    </dgm:linClrLst>
+    <dgm:effectClrLst/>
+    <dgm:txLinClrLst/>
+    <dgm:txFillClrLst/>
+    <dgm:txEffectClrLst/>
+  </dgm:styleLbl>
+  <dgm:styleLbl name="parChTrans2D4">
+    <dgm:fillClrLst meth="repeat">
+      <a:schemeClr val="accent5"/>
+    </dgm:fillClrLst>
+    <dgm:linClrLst meth="repeat">
+      <a:schemeClr val="lt1"/>
+    </dgm:linClrLst>
+    <dgm:effectClrLst/>
+    <dgm:txLinClrLst/>
+    <dgm:txFillClrLst meth="repeat">
+      <a:schemeClr val="lt1"/>
+    </dgm:txFillClrLst>
+    <dgm:txEffectClrLst/>
+  </dgm:styleLbl>
+  <dgm:styleLbl name="parChTrans1D1">
+    <dgm:fillClrLst meth="repeat">
+      <a:schemeClr val="accent2"/>
+    </dgm:fillClrLst>
+    <dgm:linClrLst meth="repeat">
+      <a:schemeClr val="accent2"/>
+    </dgm:linClrLst>
+    <dgm:effectClrLst/>
+    <dgm:txLinClrLst/>
+    <dgm:txFillClrLst meth="repeat">
+      <a:schemeClr val="tx1"/>
+    </dgm:txFillClrLst>
+    <dgm:txEffectClrLst/>
+  </dgm:styleLbl>
+  <dgm:styleLbl name="parChTrans1D2">
+    <dgm:fillClrLst meth="repeat">
+      <a:schemeClr val="accent2">
+        <a:tint val="90000"/>
+      </a:schemeClr>
+    </dgm:fillClrLst>
+    <dgm:linClrLst meth="repeat">
+      <a:schemeClr val="accent3"/>
+    </dgm:linClrLst>
+    <dgm:effectClrLst/>
+    <dgm:txLinClrLst/>
+    <dgm:txFillClrLst meth="repeat">
+      <a:schemeClr val="tx1"/>
+    </dgm:txFillClrLst>
+    <dgm:txEffectClrLst/>
+  </dgm:styleLbl>
+  <dgm:styleLbl name="parChTrans1D3">
+    <dgm:fillClrLst meth="repeat">
+      <a:schemeClr val="accent2">
+        <a:tint val="70000"/>
+      </a:schemeClr>
+    </dgm:fillClrLst>
+    <dgm:linClrLst meth="repeat">
+      <a:schemeClr val="accent4"/>
+    </dgm:linClrLst>
+    <dgm:effectClrLst/>
+    <dgm:txLinClrLst/>
+    <dgm:txFillClrLst meth="repeat">
+      <a:schemeClr val="tx1"/>
+    </dgm:txFillClrLst>
+    <dgm:txEffectClrLst/>
+  </dgm:styleLbl>
+  <dgm:styleLbl name="parChTrans1D4">
+    <dgm:fillClrLst meth="repeat">
+      <a:schemeClr val="accent2">
+        <a:tint val="50000"/>
+      </a:schemeClr>
+    </dgm:fillClrLst>
+    <dgm:linClrLst meth="repeat">
+      <a:schemeClr val="accent5"/>
+    </dgm:linClrLst>
+    <dgm:effectClrLst/>
+    <dgm:txLinClrLst/>
+    <dgm:txFillClrLst meth="repeat">
+      <a:schemeClr val="tx1"/>
+    </dgm:txFillClrLst>
+    <dgm:txEffectClrLst/>
+  </dgm:styleLbl>
+  <dgm:styleLbl name="fgAcc1">
+    <dgm:fillClrLst meth="repeat">
+      <a:schemeClr val="lt1">
+        <a:alpha val="90000"/>
+      </a:schemeClr>
+    </dgm:fillClrLst>
+    <dgm:linClrLst>
+      <a:schemeClr val="accent2"/>
+      <a:schemeClr val="accent3"/>
+    </dgm:linClrLst>
+    <dgm:effectClrLst/>
+    <dgm:txLinClrLst/>
+    <dgm:txFillClrLst meth="repeat">
+      <a:schemeClr val="dk1"/>
+    </dgm:txFillClrLst>
+    <dgm:txEffectClrLst/>
+  </dgm:styleLbl>
+  <dgm:styleLbl name="conFgAcc1">
+    <dgm:fillClrLst meth="repeat">
+      <a:schemeClr val="lt1">
+        <a:alpha val="90000"/>
+      </a:schemeClr>
+    </dgm:fillClrLst>
+    <dgm:linClrLst>
+      <a:schemeClr val="accent2"/>
+      <a:schemeClr val="accent3"/>
+    </dgm:linClrLst>
+    <dgm:effectClrLst/>
+    <dgm:txLinClrLst/>
+    <dgm:txFillClrLst meth="repeat">
+      <a:schemeClr val="dk1"/>
+    </dgm:txFillClrLst>
+    <dgm:txEffectClrLst/>
+  </dgm:styleLbl>
+  <dgm:styleLbl name="alignAcc1">
+    <dgm:fillClrLst meth="repeat">
+      <a:schemeClr val="lt1">
+        <a:alpha val="90000"/>
+      </a:schemeClr>
+    </dgm:fillClrLst>
+    <dgm:linClrLst>
+      <a:schemeClr val="accent2"/>
+      <a:schemeClr val="accent3"/>
+    </dgm:linClrLst>
+    <dgm:effectClrLst/>
+    <dgm:txLinClrLst/>
+    <dgm:txFillClrLst meth="repeat">
+      <a:schemeClr val="dk1"/>
+    </dgm:txFillClrLst>
+    <dgm:txEffectClrLst/>
+  </dgm:styleLbl>
+  <dgm:styleLbl name="trAlignAcc1">
+    <dgm:fillClrLst meth="repeat">
+      <a:schemeClr val="lt1">
+        <a:alpha val="0"/>
+      </a:schemeClr>
+    </dgm:fillClrLst>
+    <dgm:linClrLst>
+      <a:schemeClr val="accent2"/>
+      <a:schemeClr val="accent3"/>
+    </dgm:linClrLst>
+    <dgm:effectClrLst/>
+    <dgm:txLinClrLst/>
+    <dgm:txFillClrLst meth="repeat">
+      <a:schemeClr val="dk1"/>
+    </dgm:txFillClrLst>
+    <dgm:txEffectClrLst/>
+  </dgm:styleLbl>
+  <dgm:styleLbl name="bgAcc1">
+    <dgm:fillClrLst meth="repeat">
+      <a:schemeClr val="lt1">
+        <a:alpha val="90000"/>
+      </a:schemeClr>
+    </dgm:fillClrLst>
+    <dgm:linClrLst>
+      <a:schemeClr val="accent2"/>
+      <a:schemeClr val="accent3"/>
+    </dgm:linClrLst>
+    <dgm:effectClrLst/>
+    <dgm:txLinClrLst/>
+    <dgm:txFillClrLst meth="repeat">
+      <a:schemeClr val="dk1"/>
+    </dgm:txFillClrLst>
+    <dgm:txEffectClrLst/>
+  </dgm:styleLbl>
+  <dgm:styleLbl name="solidFgAcc1">
+    <dgm:fillClrLst meth="repeat">
+      <a:schemeClr val="lt1"/>
+    </dgm:fillClrLst>
+    <dgm:linClrLst>
+      <a:schemeClr val="accent2"/>
+      <a:schemeClr val="accent3"/>
+    </dgm:linClrLst>
+    <dgm:effectClrLst/>
+    <dgm:txLinClrLst/>
+    <dgm:txFillClrLst meth="repeat">
+      <a:schemeClr val="dk1"/>
+    </dgm:txFillClrLst>
+    <dgm:txEffectClrLst/>
+  </dgm:styleLbl>
+  <dgm:styleLbl name="solidAlignAcc1">
+    <dgm:fillClrLst meth="repeat">
+      <a:schemeClr val="lt1"/>
+    </dgm:fillClrLst>
+    <dgm:linClrLst>
+      <a:schemeClr val="accent2"/>
+      <a:schemeClr val="accent3"/>
+    </dgm:linClrLst>
+    <dgm:effectClrLst/>
+    <dgm:txLinClrLst/>
+    <dgm:txFillClrLst meth="repeat">
+      <a:schemeClr val="dk1"/>
+    </dgm:txFillClrLst>
+    <dgm:txEffectClrLst/>
+  </dgm:styleLbl>
+  <dgm:styleLbl name="solidBgAcc1">
+    <dgm:fillClrLst meth="repeat">
+      <a:schemeClr val="lt1"/>
+    </dgm:fillClrLst>
+    <dgm:linClrLst>
+      <a:schemeClr val="accent2"/>
+      <a:schemeClr val="accent3"/>
+    </dgm:linClrLst>
+    <dgm:effectClrLst/>
+    <dgm:txLinClrLst/>
+    <dgm:txFillClrLst meth="repeat">
+      <a:schemeClr val="dk1"/>
+    </dgm:txFillClrLst>
+    <dgm:txEffectClrLst/>
+  </dgm:styleLbl>
+  <dgm:styleLbl name="fgAccFollowNode1">
+    <dgm:fillClrLst>
+      <a:schemeClr val="accent2">
+        <a:tint val="40000"/>
+        <a:alpha val="90000"/>
+      </a:schemeClr>
+      <a:schemeClr val="accent3">
+        <a:tint val="40000"/>
+        <a:alpha val="90000"/>
+      </a:schemeClr>
+    </dgm:fillClrLst>
+    <dgm:linClrLst>
+      <a:schemeClr val="accent2">
+        <a:tint val="40000"/>
+        <a:alpha val="90000"/>
+      </a:schemeClr>
+      <a:schemeClr val="accent3">
+        <a:tint val="40000"/>
+        <a:alpha val="90000"/>
+      </a:schemeClr>
+    </dgm:linClrLst>
+    <dgm:effectClrLst/>
+    <dgm:txLinClrLst/>
+    <dgm:txFillClrLst meth="repeat">
+      <a:schemeClr val="dk1"/>
+    </dgm:txFillClrLst>
+    <dgm:txEffectClrLst/>
+  </dgm:styleLbl>
+  <dgm:styleLbl name="alignAccFollowNode1">
+    <dgm:fillClrLst>
+      <a:schemeClr val="accent2">
+        <a:tint val="40000"/>
+        <a:alpha val="90000"/>
+      </a:schemeClr>
+      <a:schemeClr val="accent3">
+        <a:tint val="40000"/>
+        <a:alpha val="90000"/>
+      </a:schemeClr>
+    </dgm:fillClrLst>
+    <dgm:linClrLst>
+      <a:schemeClr val="accent2">
+        <a:tint val="40000"/>
+        <a:alpha val="90000"/>
+      </a:schemeClr>
+      <a:schemeClr val="accent3">
+        <a:tint val="40000"/>
+        <a:alpha val="90000"/>
+      </a:schemeClr>
+    </dgm:linClrLst>
+    <dgm:effectClrLst/>
+    <dgm:txLinClrLst/>
+    <dgm:txFillClrLst meth="repeat">
+      <a:schemeClr val="dk1"/>
+    </dgm:txFillClrLst>
+    <dgm:txEffectClrLst/>
+  </dgm:styleLbl>
+  <dgm:styleLbl name="bgAccFollowNode1">
+    <dgm:fillClrLst>
+      <a:schemeClr val="accent2">
+        <a:tint val="40000"/>
+        <a:alpha val="90000"/>
+      </a:schemeClr>
+      <a:schemeClr val="accent3">
+        <a:tint val="40000"/>
+        <a:alpha val="90000"/>
+      </a:schemeClr>
+    </dgm:fillClrLst>
+    <dgm:linClrLst>
+      <a:schemeClr val="accent2">
+        <a:tint val="40000"/>
+        <a:alpha val="90000"/>
+      </a:schemeClr>
+      <a:schemeClr val="accent3">
+        <a:tint val="40000"/>
+        <a:alpha val="90000"/>
+      </a:schemeClr>
+    </dgm:linClrLst>
+    <dgm:effectClrLst/>
+    <dgm:txLinClrLst/>
+    <dgm:txFillClrLst meth="repeat">
+      <a:schemeClr val="dk1"/>
+    </dgm:txFillClrLst>
+    <dgm:txEffectClrLst/>
+  </dgm:styleLbl>
+  <dgm:styleLbl name="fgAcc0">
+    <dgm:fillClrLst meth="repeat">
+      <a:schemeClr val="lt1">
+        <a:alpha val="90000"/>
+      </a:schemeClr>
+    </dgm:fillClrLst>
+    <dgm:linClrLst>
+      <a:schemeClr val="accent1"/>
+    </dgm:linClrLst>
+    <dgm:effectClrLst/>
+    <dgm:txLinClrLst/>
+    <dgm:txFillClrLst meth="repeat">
+      <a:schemeClr val="dk1"/>
+    </dgm:txFillClrLst>
+    <dgm:txEffectClrLst/>
+  </dgm:styleLbl>
+  <dgm:styleLbl name="fgAcc2">
+    <dgm:fillClrLst meth="repeat">
+      <a:schemeClr val="lt1">
+        <a:alpha val="90000"/>
+      </a:schemeClr>
+    </dgm:fillClrLst>
+    <dgm:linClrLst>
+      <a:schemeClr val="accent3"/>
+    </dgm:linClrLst>
+    <dgm:effectClrLst/>
+    <dgm:txLinClrLst/>
+    <dgm:txFillClrLst meth="repeat">
+      <a:schemeClr val="dk1"/>
+    </dgm:txFillClrLst>
+    <dgm:txEffectClrLst/>
+  </dgm:styleLbl>
+  <dgm:styleLbl name="fgAcc3">
+    <dgm:fillClrLst meth="repeat">
+      <a:schemeClr val="lt1">
+        <a:alpha val="90000"/>
+      </a:schemeClr>
+    </dgm:fillClrLst>
+    <dgm:linClrLst>
+      <a:schemeClr val="accent4"/>
+    </dgm:linClrLst>
+    <dgm:effectClrLst/>
+    <dgm:txLinClrLst/>
+    <dgm:txFillClrLst meth="repeat">
+      <a:schemeClr val="dk1"/>
+    </dgm:txFillClrLst>
+    <dgm:txEffectClrLst/>
+  </dgm:styleLbl>
+  <dgm:styleLbl name="fgAcc4">
+    <dgm:fillClrLst meth="repeat">
+      <a:schemeClr val="lt1">
+        <a:alpha val="90000"/>
+      </a:schemeClr>
+    </dgm:fillClrLst>
+    <dgm:linClrLst>
+      <a:schemeClr val="accent5"/>
+    </dgm:linClrLst>
+    <dgm:effectClrLst/>
+    <dgm:txLinClrLst/>
+    <dgm:txFillClrLst meth="repeat">
+      <a:schemeClr val="dk1"/>
+    </dgm:txFillClrLst>
+    <dgm:txEffectClrLst/>
+  </dgm:styleLbl>
+  <dgm:styleLbl name="bgShp">
+    <dgm:fillClrLst>
+      <a:schemeClr val="accent2"/>
+      <a:schemeClr val="accent3"/>
+    </dgm:fillClrLst>
+    <dgm:linClrLst meth="repeat">
+      <a:schemeClr val="lt1">
+        <a:alpha val="0"/>
+      </a:schemeClr>
+    </dgm:linClrLst>
+    <dgm:effectClrLst/>
+    <dgm:txLinClrLst/>
+    <dgm:txFillClrLst/>
+    <dgm:txEffectClrLst/>
+  </dgm:styleLbl>
+  <dgm:styleLbl name="dkBgShp">
+    <dgm:fillClrLst meth="repeat">
+      <a:schemeClr val="accent2">
+        <a:shade val="90000"/>
+      </a:schemeClr>
+    </dgm:fillClrLst>
+    <dgm:linClrLst meth="repeat">
+      <a:schemeClr val="dk1"/>
+    </dgm:linClrLst>
+    <dgm:effectClrLst/>
+    <dgm:txLinClrLst/>
+    <dgm:txFillClrLst meth="repeat">
+      <a:schemeClr val="lt1"/>
+    </dgm:txFillClrLst>
+    <dgm:txEffectClrLst/>
+  </dgm:styleLbl>
+  <dgm:styleLbl name="trBgShp">
+    <dgm:fillClrLst meth="repeat">
+      <a:schemeClr val="accent2">
+        <a:tint val="50000"/>
+        <a:alpha val="40000"/>
+      </a:schemeClr>
+    </dgm:fillClrLst>
+    <dgm:linClrLst meth="repeat">
+      <a:schemeClr val="accent2"/>
+    </dgm:linClrLst>
+    <dgm:effectClrLst/>
+    <dgm:txLinClrLst/>
+    <dgm:txFillClrLst meth="repeat">
+      <a:schemeClr val="lt1"/>
+    </dgm:txFillClrLst>
+    <dgm:txEffectClrLst/>
+  </dgm:styleLbl>
+  <dgm:styleLbl name="fgShp">
+    <dgm:fillClrLst meth="repeat">
+      <a:schemeClr val="accent2">
+        <a:tint val="40000"/>
+      </a:schemeClr>
+    </dgm:fillClrLst>
+    <dgm:linClrLst meth="repeat">
+      <a:schemeClr val="lt1"/>
+    </dgm:linClrLst>
+    <dgm:effectClrLst/>
+    <dgm:txLinClrLst/>
+    <dgm:txFillClrLst meth="repeat">
+      <a:schemeClr val="dk1"/>
+    </dgm:txFillClrLst>
+    <dgm:txEffectClrLst/>
+  </dgm:styleLbl>
+  <dgm:styleLbl name="revTx">
+    <dgm:fillClrLst meth="repeat">
+      <a:schemeClr val="accent2">
+        <a:alpha val="0"/>
+      </a:schemeClr>
+    </dgm:fillClrLst>
+    <dgm:linClrLst meth="repeat">
+      <a:schemeClr val="accent2">
+        <a:alpha val="0"/>
+      </a:schemeClr>
+    </dgm:linClrLst>
+    <dgm:effectClrLst/>
+    <dgm:txLinClrLst/>
+    <dgm:txFillClrLst>
+      <a:schemeClr val="accent2"/>
+      <a:schemeClr val="accent3"/>
+    </dgm:txFillClrLst>
+    <dgm:txEffectClrLst/>
+  </dgm:styleLbl>
+</dgm:colorsDef>
+</file>
+
 <file path=ppt/diagrams/data1.xml><?xml version="1.0" encoding="utf-8"?>
 <dgm:dataModel xmlns:dgm="http://schemas.openxmlformats.org/drawingml/2006/diagram" xmlns:a="http://schemas.openxmlformats.org/drawingml/2006/main">
   <dgm:ptLst>
@@ -933,9 +1722,8 @@
           </a:pPr>
           <a:r>
             <a:rPr lang="en-US"/>
-            <a:t>Lorem ipsum dolor sit amet, consectetuer adipiscing elit. Maecenas</a:t>
+            <a:t>Have California wildfires becomes more frequent?</a:t>
           </a:r>
-          <a:endParaRPr lang="en-US" dirty="0"/>
         </a:p>
       </dgm:t>
     </dgm:pt>
@@ -976,9 +1764,8 @@
           </a:pPr>
           <a:r>
             <a:rPr lang="en-US"/>
-            <a:t>Nunc viverra imperdiet enim. Fusce est. Vivamus a tellus.</a:t>
+            <a:t>Have California wildfires become larger?</a:t>
           </a:r>
-          <a:endParaRPr lang="en-US" dirty="0"/>
         </a:p>
       </dgm:t>
     </dgm:pt>
@@ -1019,9 +1806,8 @@
           </a:pPr>
           <a:r>
             <a:rPr lang="en-US"/>
-            <a:t>Pellentesque habitant morbi tristique senectus et netus et malesuada fames.</a:t>
+            <a:t>Have California wildfires become more destructive?.</a:t>
           </a:r>
-          <a:endParaRPr lang="en-US" dirty="0"/>
         </a:p>
       </dgm:t>
     </dgm:pt>
@@ -1078,7 +1864,6 @@
               </a:ext>
             </a:extLst>
           </a:blip>
-          <a:srcRect/>
           <a:stretch>
             <a:fillRect/>
           </a:stretch>
@@ -1089,7 +1874,7 @@
       </dgm:spPr>
       <dgm:extLst>
         <a:ext uri="{E40237B7-FDA0-4F09-8148-C483321AD2D9}">
-          <dgm14:cNvPr xmlns:dgm14="http://schemas.microsoft.com/office/drawing/2010/diagram" id="0" name="" descr="Train"/>
+          <dgm14:cNvPr xmlns:dgm14="http://schemas.microsoft.com/office/drawing/2010/diagram" id="0" name="" descr="Fire"/>
         </a:ext>
       </dgm:extLst>
     </dgm:pt>
@@ -1124,9 +1909,6 @@
         <a:blipFill>
           <a:blip xmlns:r="http://schemas.openxmlformats.org/officeDocument/2006/relationships" r:embed="rId3">
             <a:extLst>
-              <a:ext uri="{28A0092B-C50C-407E-A947-70E740481C1C}">
-                <a14:useLocalDpi xmlns:a14="http://schemas.microsoft.com/office/drawing/2010/main" val="0"/>
-              </a:ext>
               <a:ext uri="{96DAC541-7B7A-43D3-8B79-37D633B846F1}">
                 <asvg:svgBlip xmlns:asvg="http://schemas.microsoft.com/office/drawing/2016/SVG/main" r:embed="rId4"/>
               </a:ext>
@@ -1143,7 +1925,7 @@
       </dgm:spPr>
       <dgm:extLst>
         <a:ext uri="{E40237B7-FDA0-4F09-8148-C483321AD2D9}">
-          <dgm14:cNvPr xmlns:dgm14="http://schemas.microsoft.com/office/drawing/2010/diagram" id="0" name="" descr="Taxi"/>
+          <dgm14:cNvPr xmlns:dgm14="http://schemas.microsoft.com/office/drawing/2010/diagram" id="0" name="" descr="Forest scene with solid fill"/>
         </a:ext>
       </dgm:extLst>
     </dgm:pt>
@@ -1178,9 +1960,6 @@
         <a:blipFill>
           <a:blip xmlns:r="http://schemas.openxmlformats.org/officeDocument/2006/relationships" r:embed="rId5">
             <a:extLst>
-              <a:ext uri="{28A0092B-C50C-407E-A947-70E740481C1C}">
-                <a14:useLocalDpi xmlns:a14="http://schemas.microsoft.com/office/drawing/2010/main" val="0"/>
-              </a:ext>
               <a:ext uri="{96DAC541-7B7A-43D3-8B79-37D633B846F1}">
                 <asvg:svgBlip xmlns:asvg="http://schemas.microsoft.com/office/drawing/2016/SVG/main" r:embed="rId6"/>
               </a:ext>
@@ -1197,7 +1976,344 @@
       </dgm:spPr>
       <dgm:extLst>
         <a:ext uri="{E40237B7-FDA0-4F09-8148-C483321AD2D9}">
-          <dgm14:cNvPr xmlns:dgm14="http://schemas.microsoft.com/office/drawing/2010/diagram" id="0" name="" descr="Cement truck"/>
+          <dgm14:cNvPr xmlns:dgm14="http://schemas.microsoft.com/office/drawing/2010/diagram" id="0" name="" descr="Firefighter male with solid fill"/>
+        </a:ext>
+      </dgm:extLst>
+    </dgm:pt>
+    <dgm:pt modelId="{D9FC7078-E5C7-42A7-BC95-B26AC3AB61F2}" type="pres">
+      <dgm:prSet presAssocID="{9EF41CC5-EF3B-4A6D-8229-3F1333EADFB3}" presName="spaceRect" presStyleCnt="0"/>
+      <dgm:spPr/>
+    </dgm:pt>
+    <dgm:pt modelId="{B7DEF6C5-8837-48BB-9ADC-2C179D03188A}" type="pres">
+      <dgm:prSet presAssocID="{9EF41CC5-EF3B-4A6D-8229-3F1333EADFB3}" presName="textRect" presStyleLbl="revTx" presStyleIdx="2" presStyleCnt="3">
+        <dgm:presLayoutVars>
+          <dgm:chMax val="1"/>
+          <dgm:chPref val="1"/>
+        </dgm:presLayoutVars>
+      </dgm:prSet>
+      <dgm:spPr/>
+    </dgm:pt>
+  </dgm:ptLst>
+  <dgm:cxnLst>
+    <dgm:cxn modelId="{AA0DB929-CA03-4CAB-BF46-2A9AEA5606A4}" type="presOf" srcId="{9EF41CC5-EF3B-4A6D-8229-3F1333EADFB3}" destId="{B7DEF6C5-8837-48BB-9ADC-2C179D03188A}" srcOrd="0" destOrd="0" presId="urn:microsoft.com/office/officeart/2018/5/layout/IconCircleLabelList"/>
+    <dgm:cxn modelId="{79317871-3EE9-4050-AFEE-40465C74A523}" type="presOf" srcId="{DC13AB6D-DEA2-4CBB-AC69-1EF1A6AD1512}" destId="{A2F8B06C-1613-4059-8CA9-4B585B75CD83}" srcOrd="0" destOrd="0" presId="urn:microsoft.com/office/officeart/2018/5/layout/IconCircleLabelList"/>
+    <dgm:cxn modelId="{4B888393-351D-4489-90C9-5A68061AB236}" srcId="{8AA20905-3954-474B-A606-562BCA026DC1}" destId="{DC13AB6D-DEA2-4CBB-AC69-1EF1A6AD1512}" srcOrd="0" destOrd="0" parTransId="{2C752582-D9FF-4E04-A92F-827DB4BB5C48}" sibTransId="{9C64CC83-643C-4E12-8F97-BC19DC031190}"/>
+    <dgm:cxn modelId="{770840AE-977B-4559-B2E8-9C1511C8970A}" type="presOf" srcId="{8AA20905-3954-474B-A606-562BCA026DC1}" destId="{F1F413A5-77DF-4C06-8100-118334054132}" srcOrd="0" destOrd="0" presId="urn:microsoft.com/office/officeart/2018/5/layout/IconCircleLabelList"/>
+    <dgm:cxn modelId="{E476EEBC-7C9F-4E07-BD58-1044B9769B64}" srcId="{8AA20905-3954-474B-A606-562BCA026DC1}" destId="{9EF41CC5-EF3B-4A6D-8229-3F1333EADFB3}" srcOrd="2" destOrd="0" parTransId="{DAEF1C7D-B0C5-46FA-BED3-8A54E918D3E0}" sibTransId="{98E6DD7C-B953-4119-9F64-9914E467ECBF}"/>
+    <dgm:cxn modelId="{F226B1C2-5D99-403A-8240-EAD6BD4D8534}" srcId="{8AA20905-3954-474B-A606-562BCA026DC1}" destId="{53742231-981F-480A-940F-203EC2F7423F}" srcOrd="1" destOrd="0" parTransId="{2FC75195-FBA1-43DE-85DD-40B4B3A2F1F3}" sibTransId="{EF449C32-A7AE-4099-9E9B-9E2F736A89CE}"/>
+    <dgm:cxn modelId="{9E3C5CD0-88A2-4BC1-8C44-099512B5DD5C}" type="presOf" srcId="{53742231-981F-480A-940F-203EC2F7423F}" destId="{5C5DF5E2-29DF-4330-A157-BCD37FD12928}" srcOrd="0" destOrd="0" presId="urn:microsoft.com/office/officeart/2018/5/layout/IconCircleLabelList"/>
+    <dgm:cxn modelId="{9880626F-782F-4801-8C11-D2989B07EF01}" type="presParOf" srcId="{F1F413A5-77DF-4C06-8100-118334054132}" destId="{AC1929A9-5981-4A32-9C0D-4B197E67AD0B}" srcOrd="0" destOrd="0" presId="urn:microsoft.com/office/officeart/2018/5/layout/IconCircleLabelList"/>
+    <dgm:cxn modelId="{D5B13D2E-0665-4DF1-8DE7-D3C35B89EFD1}" type="presParOf" srcId="{AC1929A9-5981-4A32-9C0D-4B197E67AD0B}" destId="{6A089DC9-F967-46A6-B07A-5A52552B5111}" srcOrd="0" destOrd="0" presId="urn:microsoft.com/office/officeart/2018/5/layout/IconCircleLabelList"/>
+    <dgm:cxn modelId="{D8D7F3A1-843A-47C1-BD72-C4108FDC2DC6}" type="presParOf" srcId="{AC1929A9-5981-4A32-9C0D-4B197E67AD0B}" destId="{E3F362C5-CA6A-4AE7-BE60-021A02C58117}" srcOrd="1" destOrd="0" presId="urn:microsoft.com/office/officeart/2018/5/layout/IconCircleLabelList"/>
+    <dgm:cxn modelId="{4657DAB4-ACB5-4843-9934-57D90F25ED8C}" type="presParOf" srcId="{AC1929A9-5981-4A32-9C0D-4B197E67AD0B}" destId="{A98D5481-822A-4C7B-9317-BF8F1EB3B576}" srcOrd="2" destOrd="0" presId="urn:microsoft.com/office/officeart/2018/5/layout/IconCircleLabelList"/>
+    <dgm:cxn modelId="{FC8BAAB9-B3FD-47FF-86AC-05996A0C6C83}" type="presParOf" srcId="{AC1929A9-5981-4A32-9C0D-4B197E67AD0B}" destId="{A2F8B06C-1613-4059-8CA9-4B585B75CD83}" srcOrd="3" destOrd="0" presId="urn:microsoft.com/office/officeart/2018/5/layout/IconCircleLabelList"/>
+    <dgm:cxn modelId="{B46ED258-83E4-4071-B686-545365C66042}" type="presParOf" srcId="{F1F413A5-77DF-4C06-8100-118334054132}" destId="{583E4C28-A976-4978-B6B4-7E07AC9A7EEE}" srcOrd="1" destOrd="0" presId="urn:microsoft.com/office/officeart/2018/5/layout/IconCircleLabelList"/>
+    <dgm:cxn modelId="{1E6F4865-06E5-4DAE-A889-616AE23B8CD9}" type="presParOf" srcId="{F1F413A5-77DF-4C06-8100-118334054132}" destId="{C074913D-DA51-4E4C-874B-92237D81E8D6}" srcOrd="2" destOrd="0" presId="urn:microsoft.com/office/officeart/2018/5/layout/IconCircleLabelList"/>
+    <dgm:cxn modelId="{B0E92A13-3D23-4E90-A7BA-2C1E0D11ECBA}" type="presParOf" srcId="{C074913D-DA51-4E4C-874B-92237D81E8D6}" destId="{324840A6-FF0C-43D5-90C5-D5A3F9B0AE25}" srcOrd="0" destOrd="0" presId="urn:microsoft.com/office/officeart/2018/5/layout/IconCircleLabelList"/>
+    <dgm:cxn modelId="{CD126122-EDEF-4FC8-89E3-3BC5A6981A00}" type="presParOf" srcId="{C074913D-DA51-4E4C-874B-92237D81E8D6}" destId="{59BA8133-B518-4537-9881-3822CD7CAD06}" srcOrd="1" destOrd="0" presId="urn:microsoft.com/office/officeart/2018/5/layout/IconCircleLabelList"/>
+    <dgm:cxn modelId="{01576A5D-7849-4BBD-86FB-7BC7EDAB9B54}" type="presParOf" srcId="{C074913D-DA51-4E4C-874B-92237D81E8D6}" destId="{F00EB37F-BC7D-408A-BE83-38FAA3918931}" srcOrd="2" destOrd="0" presId="urn:microsoft.com/office/officeart/2018/5/layout/IconCircleLabelList"/>
+    <dgm:cxn modelId="{1214F2CE-25D9-4DC7-BAD3-B9DE32F466C9}" type="presParOf" srcId="{C074913D-DA51-4E4C-874B-92237D81E8D6}" destId="{5C5DF5E2-29DF-4330-A157-BCD37FD12928}" srcOrd="3" destOrd="0" presId="urn:microsoft.com/office/officeart/2018/5/layout/IconCircleLabelList"/>
+    <dgm:cxn modelId="{269963D8-549A-4EDF-A645-6F49567E29A2}" type="presParOf" srcId="{F1F413A5-77DF-4C06-8100-118334054132}" destId="{EC52957E-7412-4C7A-8984-5745F0EEAC1C}" srcOrd="3" destOrd="0" presId="urn:microsoft.com/office/officeart/2018/5/layout/IconCircleLabelList"/>
+    <dgm:cxn modelId="{C0AEFFC9-27CD-4823-AA13-6DB59120B797}" type="presParOf" srcId="{F1F413A5-77DF-4C06-8100-118334054132}" destId="{7C11A057-D867-4C6B-ADFD-9CD34202F348}" srcOrd="4" destOrd="0" presId="urn:microsoft.com/office/officeart/2018/5/layout/IconCircleLabelList"/>
+    <dgm:cxn modelId="{74F1415B-3379-4E89-9634-18FD71F31A2A}" type="presParOf" srcId="{7C11A057-D867-4C6B-ADFD-9CD34202F348}" destId="{8A9D0615-74BE-404B-8F88-7FCE70F9CA5E}" srcOrd="0" destOrd="0" presId="urn:microsoft.com/office/officeart/2018/5/layout/IconCircleLabelList"/>
+    <dgm:cxn modelId="{A055007E-E8DA-4888-8928-46C450DEC359}" type="presParOf" srcId="{7C11A057-D867-4C6B-ADFD-9CD34202F348}" destId="{5FF658BC-830B-42C7-99ED-06DBBA838B7B}" srcOrd="1" destOrd="0" presId="urn:microsoft.com/office/officeart/2018/5/layout/IconCircleLabelList"/>
+    <dgm:cxn modelId="{94DDDBF2-D417-4A29-89E4-0E51359EA0A9}" type="presParOf" srcId="{7C11A057-D867-4C6B-ADFD-9CD34202F348}" destId="{D9FC7078-E5C7-42A7-BC95-B26AC3AB61F2}" srcOrd="2" destOrd="0" presId="urn:microsoft.com/office/officeart/2018/5/layout/IconCircleLabelList"/>
+    <dgm:cxn modelId="{22DF79BE-5F8F-4FDC-A59B-B9BFB3A63264}" type="presParOf" srcId="{7C11A057-D867-4C6B-ADFD-9CD34202F348}" destId="{B7DEF6C5-8837-48BB-9ADC-2C179D03188A}" srcOrd="3" destOrd="0" presId="urn:microsoft.com/office/officeart/2018/5/layout/IconCircleLabelList"/>
+  </dgm:cxnLst>
+  <dgm:bg/>
+  <dgm:whole/>
+  <dgm:extLst>
+    <a:ext uri="http://schemas.microsoft.com/office/drawing/2008/diagram">
+      <dsp:dataModelExt xmlns:dsp="http://schemas.microsoft.com/office/drawing/2008/diagram" relId="rId6" minVer="http://schemas.openxmlformats.org/drawingml/2006/diagram"/>
+    </a:ext>
+  </dgm:extLst>
+</dgm:dataModel>
+</file>
+
+<file path=ppt/diagrams/data2.xml><?xml version="1.0" encoding="utf-8"?>
+<dgm:dataModel xmlns:dgm="http://schemas.openxmlformats.org/drawingml/2006/diagram" xmlns:a="http://schemas.openxmlformats.org/drawingml/2006/main">
+  <dgm:ptLst>
+    <dgm:pt modelId="{8AA20905-3954-474B-A606-562BCA026DC1}" type="doc">
+      <dgm:prSet loTypeId="urn:microsoft.com/office/officeart/2018/5/layout/IconCircleLabelList" loCatId="icon" qsTypeId="urn:microsoft.com/office/officeart/2005/8/quickstyle/simple1" qsCatId="simple" csTypeId="urn:microsoft.com/office/officeart/2018/5/colors/Iconchunking_coloredtext_colorful2" csCatId="colorful" phldr="1"/>
+      <dgm:spPr/>
+      <dgm:t>
+        <a:bodyPr/>
+        <a:lstStyle/>
+        <a:p>
+          <a:endParaRPr lang="en-US"/>
+        </a:p>
+      </dgm:t>
+    </dgm:pt>
+    <dgm:pt modelId="{DC13AB6D-DEA2-4CBB-AC69-1EF1A6AD1512}">
+      <dgm:prSet/>
+      <dgm:spPr/>
+      <dgm:t>
+        <a:bodyPr/>
+        <a:lstStyle/>
+        <a:p>
+          <a:pPr>
+            <a:lnSpc>
+              <a:spcPct val="100000"/>
+            </a:lnSpc>
+            <a:defRPr cap="all"/>
+          </a:pPr>
+          <a:r>
+            <a:rPr lang="en-US"/>
+            <a:t>Have California wildfires becomes more frequent?</a:t>
+          </a:r>
+        </a:p>
+      </dgm:t>
+    </dgm:pt>
+    <dgm:pt modelId="{2C752582-D9FF-4E04-A92F-827DB4BB5C48}" type="parTrans" cxnId="{4B888393-351D-4489-90C9-5A68061AB236}">
+      <dgm:prSet/>
+      <dgm:spPr/>
+      <dgm:t>
+        <a:bodyPr/>
+        <a:lstStyle/>
+        <a:p>
+          <a:endParaRPr lang="en-US"/>
+        </a:p>
+      </dgm:t>
+    </dgm:pt>
+    <dgm:pt modelId="{9C64CC83-643C-4E12-8F97-BC19DC031190}" type="sibTrans" cxnId="{4B888393-351D-4489-90C9-5A68061AB236}">
+      <dgm:prSet/>
+      <dgm:spPr/>
+      <dgm:t>
+        <a:bodyPr/>
+        <a:lstStyle/>
+        <a:p>
+          <a:endParaRPr lang="en-US"/>
+        </a:p>
+      </dgm:t>
+    </dgm:pt>
+    <dgm:pt modelId="{53742231-981F-480A-940F-203EC2F7423F}">
+      <dgm:prSet/>
+      <dgm:spPr/>
+      <dgm:t>
+        <a:bodyPr/>
+        <a:lstStyle/>
+        <a:p>
+          <a:pPr>
+            <a:lnSpc>
+              <a:spcPct val="100000"/>
+            </a:lnSpc>
+            <a:defRPr cap="all"/>
+          </a:pPr>
+          <a:r>
+            <a:rPr lang="en-US"/>
+            <a:t>Have California wildfires become larger?</a:t>
+          </a:r>
+        </a:p>
+      </dgm:t>
+    </dgm:pt>
+    <dgm:pt modelId="{2FC75195-FBA1-43DE-85DD-40B4B3A2F1F3}" type="parTrans" cxnId="{F226B1C2-5D99-403A-8240-EAD6BD4D8534}">
+      <dgm:prSet/>
+      <dgm:spPr/>
+      <dgm:t>
+        <a:bodyPr/>
+        <a:lstStyle/>
+        <a:p>
+          <a:endParaRPr lang="en-US"/>
+        </a:p>
+      </dgm:t>
+    </dgm:pt>
+    <dgm:pt modelId="{EF449C32-A7AE-4099-9E9B-9E2F736A89CE}" type="sibTrans" cxnId="{F226B1C2-5D99-403A-8240-EAD6BD4D8534}">
+      <dgm:prSet/>
+      <dgm:spPr/>
+      <dgm:t>
+        <a:bodyPr/>
+        <a:lstStyle/>
+        <a:p>
+          <a:endParaRPr lang="en-US"/>
+        </a:p>
+      </dgm:t>
+    </dgm:pt>
+    <dgm:pt modelId="{9EF41CC5-EF3B-4A6D-8229-3F1333EADFB3}">
+      <dgm:prSet/>
+      <dgm:spPr/>
+      <dgm:t>
+        <a:bodyPr/>
+        <a:lstStyle/>
+        <a:p>
+          <a:pPr>
+            <a:lnSpc>
+              <a:spcPct val="100000"/>
+            </a:lnSpc>
+            <a:defRPr cap="all"/>
+          </a:pPr>
+          <a:r>
+            <a:rPr lang="en-US"/>
+            <a:t>Have California wildfires become more destructive?.</a:t>
+          </a:r>
+        </a:p>
+      </dgm:t>
+    </dgm:pt>
+    <dgm:pt modelId="{DAEF1C7D-B0C5-46FA-BED3-8A54E918D3E0}" type="parTrans" cxnId="{E476EEBC-7C9F-4E07-BD58-1044B9769B64}">
+      <dgm:prSet/>
+      <dgm:spPr/>
+      <dgm:t>
+        <a:bodyPr/>
+        <a:lstStyle/>
+        <a:p>
+          <a:endParaRPr lang="en-US"/>
+        </a:p>
+      </dgm:t>
+    </dgm:pt>
+    <dgm:pt modelId="{98E6DD7C-B953-4119-9F64-9914E467ECBF}" type="sibTrans" cxnId="{E476EEBC-7C9F-4E07-BD58-1044B9769B64}">
+      <dgm:prSet/>
+      <dgm:spPr/>
+      <dgm:t>
+        <a:bodyPr/>
+        <a:lstStyle/>
+        <a:p>
+          <a:endParaRPr lang="en-US"/>
+        </a:p>
+      </dgm:t>
+    </dgm:pt>
+    <dgm:pt modelId="{F1F413A5-77DF-4C06-8100-118334054132}" type="pres">
+      <dgm:prSet presAssocID="{8AA20905-3954-474B-A606-562BCA026DC1}" presName="root" presStyleCnt="0">
+        <dgm:presLayoutVars>
+          <dgm:dir/>
+          <dgm:resizeHandles val="exact"/>
+        </dgm:presLayoutVars>
+      </dgm:prSet>
+      <dgm:spPr/>
+    </dgm:pt>
+    <dgm:pt modelId="{AC1929A9-5981-4A32-9C0D-4B197E67AD0B}" type="pres">
+      <dgm:prSet presAssocID="{DC13AB6D-DEA2-4CBB-AC69-1EF1A6AD1512}" presName="compNode" presStyleCnt="0"/>
+      <dgm:spPr/>
+    </dgm:pt>
+    <dgm:pt modelId="{6A089DC9-F967-46A6-B07A-5A52552B5111}" type="pres">
+      <dgm:prSet presAssocID="{DC13AB6D-DEA2-4CBB-AC69-1EF1A6AD1512}" presName="iconBgRect" presStyleLbl="bgShp" presStyleIdx="0" presStyleCnt="3"/>
+      <dgm:spPr/>
+    </dgm:pt>
+    <dgm:pt modelId="{E3F362C5-CA6A-4AE7-BE60-021A02C58117}" type="pres">
+      <dgm:prSet presAssocID="{DC13AB6D-DEA2-4CBB-AC69-1EF1A6AD1512}" presName="iconRect" presStyleLbl="node1" presStyleIdx="0" presStyleCnt="3"/>
+      <dgm:spPr>
+        <a:blipFill>
+          <a:blip xmlns:r="http://schemas.openxmlformats.org/officeDocument/2006/relationships" r:embed="rId1">
+            <a:extLst>
+              <a:ext uri="{28A0092B-C50C-407E-A947-70E740481C1C}">
+                <a14:useLocalDpi xmlns:a14="http://schemas.microsoft.com/office/drawing/2010/main" val="0"/>
+              </a:ext>
+              <a:ext uri="{96DAC541-7B7A-43D3-8B79-37D633B846F1}">
+                <asvg:svgBlip xmlns:asvg="http://schemas.microsoft.com/office/drawing/2016/SVG/main" r:embed="rId2"/>
+              </a:ext>
+            </a:extLst>
+          </a:blip>
+          <a:stretch>
+            <a:fillRect/>
+          </a:stretch>
+        </a:blipFill>
+        <a:ln>
+          <a:noFill/>
+        </a:ln>
+      </dgm:spPr>
+      <dgm:extLst>
+        <a:ext uri="{E40237B7-FDA0-4F09-8148-C483321AD2D9}">
+          <dgm14:cNvPr xmlns:dgm14="http://schemas.microsoft.com/office/drawing/2010/diagram" id="0" name="" descr="Fire"/>
+        </a:ext>
+      </dgm:extLst>
+    </dgm:pt>
+    <dgm:pt modelId="{A98D5481-822A-4C7B-9317-BF8F1EB3B576}" type="pres">
+      <dgm:prSet presAssocID="{DC13AB6D-DEA2-4CBB-AC69-1EF1A6AD1512}" presName="spaceRect" presStyleCnt="0"/>
+      <dgm:spPr/>
+    </dgm:pt>
+    <dgm:pt modelId="{A2F8B06C-1613-4059-8CA9-4B585B75CD83}" type="pres">
+      <dgm:prSet presAssocID="{DC13AB6D-DEA2-4CBB-AC69-1EF1A6AD1512}" presName="textRect" presStyleLbl="revTx" presStyleIdx="0" presStyleCnt="3">
+        <dgm:presLayoutVars>
+          <dgm:chMax val="1"/>
+          <dgm:chPref val="1"/>
+        </dgm:presLayoutVars>
+      </dgm:prSet>
+      <dgm:spPr/>
+    </dgm:pt>
+    <dgm:pt modelId="{583E4C28-A976-4978-B6B4-7E07AC9A7EEE}" type="pres">
+      <dgm:prSet presAssocID="{9C64CC83-643C-4E12-8F97-BC19DC031190}" presName="sibTrans" presStyleCnt="0"/>
+      <dgm:spPr/>
+    </dgm:pt>
+    <dgm:pt modelId="{C074913D-DA51-4E4C-874B-92237D81E8D6}" type="pres">
+      <dgm:prSet presAssocID="{53742231-981F-480A-940F-203EC2F7423F}" presName="compNode" presStyleCnt="0"/>
+      <dgm:spPr/>
+    </dgm:pt>
+    <dgm:pt modelId="{324840A6-FF0C-43D5-90C5-D5A3F9B0AE25}" type="pres">
+      <dgm:prSet presAssocID="{53742231-981F-480A-940F-203EC2F7423F}" presName="iconBgRect" presStyleLbl="bgShp" presStyleIdx="1" presStyleCnt="3"/>
+      <dgm:spPr/>
+    </dgm:pt>
+    <dgm:pt modelId="{59BA8133-B518-4537-9881-3822CD7CAD06}" type="pres">
+      <dgm:prSet presAssocID="{53742231-981F-480A-940F-203EC2F7423F}" presName="iconRect" presStyleLbl="node1" presStyleIdx="1" presStyleCnt="3"/>
+      <dgm:spPr>
+        <a:blipFill>
+          <a:blip xmlns:r="http://schemas.openxmlformats.org/officeDocument/2006/relationships" r:embed="rId3">
+            <a:extLst>
+              <a:ext uri="{96DAC541-7B7A-43D3-8B79-37D633B846F1}">
+                <asvg:svgBlip xmlns:asvg="http://schemas.microsoft.com/office/drawing/2016/SVG/main" r:embed="rId4"/>
+              </a:ext>
+            </a:extLst>
+          </a:blip>
+          <a:srcRect/>
+          <a:stretch>
+            <a:fillRect/>
+          </a:stretch>
+        </a:blipFill>
+        <a:ln>
+          <a:noFill/>
+        </a:ln>
+      </dgm:spPr>
+      <dgm:extLst>
+        <a:ext uri="{E40237B7-FDA0-4F09-8148-C483321AD2D9}">
+          <dgm14:cNvPr xmlns:dgm14="http://schemas.microsoft.com/office/drawing/2010/diagram" id="0" name="" descr="Forest scene with solid fill"/>
+        </a:ext>
+      </dgm:extLst>
+    </dgm:pt>
+    <dgm:pt modelId="{F00EB37F-BC7D-408A-BE83-38FAA3918931}" type="pres">
+      <dgm:prSet presAssocID="{53742231-981F-480A-940F-203EC2F7423F}" presName="spaceRect" presStyleCnt="0"/>
+      <dgm:spPr/>
+    </dgm:pt>
+    <dgm:pt modelId="{5C5DF5E2-29DF-4330-A157-BCD37FD12928}" type="pres">
+      <dgm:prSet presAssocID="{53742231-981F-480A-940F-203EC2F7423F}" presName="textRect" presStyleLbl="revTx" presStyleIdx="1" presStyleCnt="3">
+        <dgm:presLayoutVars>
+          <dgm:chMax val="1"/>
+          <dgm:chPref val="1"/>
+        </dgm:presLayoutVars>
+      </dgm:prSet>
+      <dgm:spPr/>
+    </dgm:pt>
+    <dgm:pt modelId="{EC52957E-7412-4C7A-8984-5745F0EEAC1C}" type="pres">
+      <dgm:prSet presAssocID="{EF449C32-A7AE-4099-9E9B-9E2F736A89CE}" presName="sibTrans" presStyleCnt="0"/>
+      <dgm:spPr/>
+    </dgm:pt>
+    <dgm:pt modelId="{7C11A057-D867-4C6B-ADFD-9CD34202F348}" type="pres">
+      <dgm:prSet presAssocID="{9EF41CC5-EF3B-4A6D-8229-3F1333EADFB3}" presName="compNode" presStyleCnt="0"/>
+      <dgm:spPr/>
+    </dgm:pt>
+    <dgm:pt modelId="{8A9D0615-74BE-404B-8F88-7FCE70F9CA5E}" type="pres">
+      <dgm:prSet presAssocID="{9EF41CC5-EF3B-4A6D-8229-3F1333EADFB3}" presName="iconBgRect" presStyleLbl="bgShp" presStyleIdx="2" presStyleCnt="3"/>
+      <dgm:spPr/>
+    </dgm:pt>
+    <dgm:pt modelId="{5FF658BC-830B-42C7-99ED-06DBBA838B7B}" type="pres">
+      <dgm:prSet presAssocID="{9EF41CC5-EF3B-4A6D-8229-3F1333EADFB3}" presName="iconRect" presStyleLbl="node1" presStyleIdx="2" presStyleCnt="3"/>
+      <dgm:spPr>
+        <a:blipFill>
+          <a:blip xmlns:r="http://schemas.openxmlformats.org/officeDocument/2006/relationships" r:embed="rId5">
+            <a:extLst>
+              <a:ext uri="{96DAC541-7B7A-43D3-8B79-37D633B846F1}">
+                <asvg:svgBlip xmlns:asvg="http://schemas.microsoft.com/office/drawing/2016/SVG/main" r:embed="rId6"/>
+              </a:ext>
+            </a:extLst>
+          </a:blip>
+          <a:srcRect/>
+          <a:stretch>
+            <a:fillRect/>
+          </a:stretch>
+        </a:blipFill>
+        <a:ln>
+          <a:noFill/>
+        </a:ln>
+      </dgm:spPr>
+      <dgm:extLst>
+        <a:ext uri="{E40237B7-FDA0-4F09-8148-C483321AD2D9}">
+          <dgm14:cNvPr xmlns:dgm14="http://schemas.microsoft.com/office/drawing/2010/diagram" id="0" name="" descr="Firefighter male with solid fill"/>
         </a:ext>
       </dgm:extLst>
     </dgm:pt>
@@ -1322,7 +2438,6 @@
               </a:ext>
             </a:extLst>
           </a:blip>
-          <a:srcRect/>
           <a:stretch>
             <a:fillRect/>
           </a:stretch>
@@ -1385,7 +2500,7 @@
         </a:bodyPr>
         <a:lstStyle/>
         <a:p>
-          <a:pPr marL="0" lvl="0" indent="0" algn="ctr" defTabSz="488950">
+          <a:pPr marL="0" lvl="0" indent="0" algn="ctr" defTabSz="666750">
             <a:lnSpc>
               <a:spcPct val="100000"/>
             </a:lnSpc>
@@ -1399,10 +2514,9 @@
             <a:defRPr cap="all"/>
           </a:pPr>
           <a:r>
-            <a:rPr lang="en-US" sz="1100" kern="1200"/>
-            <a:t>Lorem ipsum dolor sit amet, consectetuer adipiscing elit. Maecenas</a:t>
+            <a:rPr lang="en-US" sz="1500" kern="1200"/>
+            <a:t>Have California wildfires becomes more frequent?</a:t>
           </a:r>
-          <a:endParaRPr lang="en-US" sz="1100" kern="1200" dirty="0"/>
         </a:p>
       </dsp:txBody>
       <dsp:txXfrm>
@@ -1465,9 +2579,6 @@
         <a:blipFill>
           <a:blip xmlns:r="http://schemas.openxmlformats.org/officeDocument/2006/relationships" r:embed="rId3">
             <a:extLst>
-              <a:ext uri="{28A0092B-C50C-407E-A947-70E740481C1C}">
-                <a14:useLocalDpi xmlns:a14="http://schemas.microsoft.com/office/drawing/2010/main" val="0"/>
-              </a:ext>
               <a:ext uri="{96DAC541-7B7A-43D3-8B79-37D633B846F1}">
                 <asvg:svgBlip xmlns:asvg="http://schemas.microsoft.com/office/drawing/2016/SVG/main" r:embed="rId4"/>
               </a:ext>
@@ -1536,7 +2647,7 @@
         </a:bodyPr>
         <a:lstStyle/>
         <a:p>
-          <a:pPr marL="0" lvl="0" indent="0" algn="ctr" defTabSz="488950">
+          <a:pPr marL="0" lvl="0" indent="0" algn="ctr" defTabSz="666750">
             <a:lnSpc>
               <a:spcPct val="100000"/>
             </a:lnSpc>
@@ -1550,10 +2661,9 @@
             <a:defRPr cap="all"/>
           </a:pPr>
           <a:r>
-            <a:rPr lang="en-US" sz="1100" kern="1200"/>
-            <a:t>Nunc viverra imperdiet enim. Fusce est. Vivamus a tellus.</a:t>
+            <a:rPr lang="en-US" sz="1500" kern="1200"/>
+            <a:t>Have California wildfires become larger?</a:t>
           </a:r>
-          <a:endParaRPr lang="en-US" sz="1100" kern="1200" dirty="0"/>
         </a:p>
       </dsp:txBody>
       <dsp:txXfrm>
@@ -1616,9 +2726,6 @@
         <a:blipFill>
           <a:blip xmlns:r="http://schemas.openxmlformats.org/officeDocument/2006/relationships" r:embed="rId5">
             <a:extLst>
-              <a:ext uri="{28A0092B-C50C-407E-A947-70E740481C1C}">
-                <a14:useLocalDpi xmlns:a14="http://schemas.microsoft.com/office/drawing/2010/main" val="0"/>
-              </a:ext>
               <a:ext uri="{96DAC541-7B7A-43D3-8B79-37D633B846F1}">
                 <asvg:svgBlip xmlns:asvg="http://schemas.microsoft.com/office/drawing/2016/SVG/main" r:embed="rId6"/>
               </a:ext>
@@ -1687,7 +2794,7 @@
         </a:bodyPr>
         <a:lstStyle/>
         <a:p>
-          <a:pPr marL="0" lvl="0" indent="0" algn="ctr" defTabSz="488950">
+          <a:pPr marL="0" lvl="0" indent="0" algn="ctr" defTabSz="666750">
             <a:lnSpc>
               <a:spcPct val="100000"/>
             </a:lnSpc>
@@ -1701,10 +2808,464 @@
             <a:defRPr cap="all"/>
           </a:pPr>
           <a:r>
-            <a:rPr lang="en-US" sz="1100" kern="1200"/>
-            <a:t>Pellentesque habitant morbi tristique senectus et netus et malesuada fames.</a:t>
+            <a:rPr lang="en-US" sz="1500" kern="1200"/>
+            <a:t>Have California wildfires become more destructive?.</a:t>
           </a:r>
-          <a:endParaRPr lang="en-US" sz="1100" kern="1200" dirty="0"/>
+        </a:p>
+      </dsp:txBody>
+      <dsp:txXfrm>
+        <a:off x="4437039" y="2217590"/>
+        <a:ext cx="1856250" cy="720000"/>
+      </dsp:txXfrm>
+    </dsp:sp>
+  </dsp:spTree>
+</dsp:drawing>
+</file>
+
+<file path=ppt/diagrams/drawing2.xml><?xml version="1.0" encoding="utf-8"?>
+<dsp:drawing xmlns:dgm="http://schemas.openxmlformats.org/drawingml/2006/diagram" xmlns:dsp="http://schemas.microsoft.com/office/drawing/2008/diagram" xmlns:a="http://schemas.openxmlformats.org/drawingml/2006/main">
+  <dsp:spTree>
+    <dsp:nvGrpSpPr>
+      <dsp:cNvPr id="0" name=""/>
+      <dsp:cNvGrpSpPr/>
+    </dsp:nvGrpSpPr>
+    <dsp:grpSpPr/>
+    <dsp:sp modelId="{6A089DC9-F967-46A6-B07A-5A52552B5111}">
+      <dsp:nvSpPr>
+        <dsp:cNvPr id="0" name=""/>
+        <dsp:cNvSpPr/>
+      </dsp:nvSpPr>
+      <dsp:spPr>
+        <a:xfrm>
+          <a:off x="436820" y="732589"/>
+          <a:ext cx="1132312" cy="1132312"/>
+        </a:xfrm>
+        <a:prstGeom prst="ellipse">
+          <a:avLst/>
+        </a:prstGeom>
+        <a:solidFill>
+          <a:schemeClr val="accent2">
+            <a:hueOff val="0"/>
+            <a:satOff val="0"/>
+            <a:lumOff val="0"/>
+            <a:alphaOff val="0"/>
+          </a:schemeClr>
+        </a:solidFill>
+        <a:ln>
+          <a:noFill/>
+        </a:ln>
+        <a:effectLst/>
+      </dsp:spPr>
+      <dsp:style>
+        <a:lnRef idx="0">
+          <a:scrgbClr r="0" g="0" b="0"/>
+        </a:lnRef>
+        <a:fillRef idx="1">
+          <a:scrgbClr r="0" g="0" b="0"/>
+        </a:fillRef>
+        <a:effectRef idx="0">
+          <a:scrgbClr r="0" g="0" b="0"/>
+        </a:effectRef>
+        <a:fontRef idx="minor"/>
+      </dsp:style>
+    </dsp:sp>
+    <dsp:sp modelId="{E3F362C5-CA6A-4AE7-BE60-021A02C58117}">
+      <dsp:nvSpPr>
+        <dsp:cNvPr id="0" name=""/>
+        <dsp:cNvSpPr/>
+      </dsp:nvSpPr>
+      <dsp:spPr>
+        <a:xfrm>
+          <a:off x="678133" y="973902"/>
+          <a:ext cx="649687" cy="649687"/>
+        </a:xfrm>
+        <a:prstGeom prst="rect">
+          <a:avLst/>
+        </a:prstGeom>
+        <a:blipFill>
+          <a:blip xmlns:r="http://schemas.openxmlformats.org/officeDocument/2006/relationships" r:embed="rId1">
+            <a:extLst>
+              <a:ext uri="{28A0092B-C50C-407E-A947-70E740481C1C}">
+                <a14:useLocalDpi xmlns:a14="http://schemas.microsoft.com/office/drawing/2010/main" val="0"/>
+              </a:ext>
+              <a:ext uri="{96DAC541-7B7A-43D3-8B79-37D633B846F1}">
+                <asvg:svgBlip xmlns:asvg="http://schemas.microsoft.com/office/drawing/2016/SVG/main" r:embed="rId2"/>
+              </a:ext>
+            </a:extLst>
+          </a:blip>
+          <a:stretch>
+            <a:fillRect/>
+          </a:stretch>
+        </a:blipFill>
+        <a:ln w="15875" cap="flat" cmpd="sng" algn="ctr">
+          <a:noFill/>
+          <a:prstDash val="solid"/>
+        </a:ln>
+        <a:effectLst/>
+      </dsp:spPr>
+      <dsp:style>
+        <a:lnRef idx="2">
+          <a:scrgbClr r="0" g="0" b="0"/>
+        </a:lnRef>
+        <a:fillRef idx="1">
+          <a:scrgbClr r="0" g="0" b="0"/>
+        </a:fillRef>
+        <a:effectRef idx="0">
+          <a:scrgbClr r="0" g="0" b="0"/>
+        </a:effectRef>
+        <a:fontRef idx="minor">
+          <a:schemeClr val="lt1"/>
+        </a:fontRef>
+      </dsp:style>
+    </dsp:sp>
+    <dsp:sp modelId="{A2F8B06C-1613-4059-8CA9-4B585B75CD83}">
+      <dsp:nvSpPr>
+        <dsp:cNvPr id="0" name=""/>
+        <dsp:cNvSpPr/>
+      </dsp:nvSpPr>
+      <dsp:spPr>
+        <a:xfrm>
+          <a:off x="74852" y="2217590"/>
+          <a:ext cx="1856250" cy="720000"/>
+        </a:xfrm>
+        <a:prstGeom prst="rect">
+          <a:avLst/>
+        </a:prstGeom>
+        <a:noFill/>
+        <a:ln>
+          <a:noFill/>
+        </a:ln>
+        <a:effectLst/>
+      </dsp:spPr>
+      <dsp:style>
+        <a:lnRef idx="0">
+          <a:scrgbClr r="0" g="0" b="0"/>
+        </a:lnRef>
+        <a:fillRef idx="0">
+          <a:scrgbClr r="0" g="0" b="0"/>
+        </a:fillRef>
+        <a:effectRef idx="0">
+          <a:scrgbClr r="0" g="0" b="0"/>
+        </a:effectRef>
+        <a:fontRef idx="minor"/>
+      </dsp:style>
+      <dsp:txBody>
+        <a:bodyPr spcFirstLastPara="0" vert="horz" wrap="square" lIns="0" tIns="0" rIns="0" bIns="0" numCol="1" spcCol="1270" anchor="t" anchorCtr="0">
+          <a:noAutofit/>
+        </a:bodyPr>
+        <a:lstStyle/>
+        <a:p>
+          <a:pPr marL="0" lvl="0" indent="0" algn="ctr" defTabSz="666750">
+            <a:lnSpc>
+              <a:spcPct val="100000"/>
+            </a:lnSpc>
+            <a:spcBef>
+              <a:spcPct val="0"/>
+            </a:spcBef>
+            <a:spcAft>
+              <a:spcPct val="35000"/>
+            </a:spcAft>
+            <a:buNone/>
+            <a:defRPr cap="all"/>
+          </a:pPr>
+          <a:r>
+            <a:rPr lang="en-US" sz="1500" kern="1200"/>
+            <a:t>Have California wildfires becomes more frequent?</a:t>
+          </a:r>
+        </a:p>
+      </dsp:txBody>
+      <dsp:txXfrm>
+        <a:off x="74852" y="2217590"/>
+        <a:ext cx="1856250" cy="720000"/>
+      </dsp:txXfrm>
+    </dsp:sp>
+    <dsp:sp modelId="{324840A6-FF0C-43D5-90C5-D5A3F9B0AE25}">
+      <dsp:nvSpPr>
+        <dsp:cNvPr id="0" name=""/>
+        <dsp:cNvSpPr/>
+      </dsp:nvSpPr>
+      <dsp:spPr>
+        <a:xfrm>
+          <a:off x="2617914" y="732589"/>
+          <a:ext cx="1132312" cy="1132312"/>
+        </a:xfrm>
+        <a:prstGeom prst="ellipse">
+          <a:avLst/>
+        </a:prstGeom>
+        <a:solidFill>
+          <a:schemeClr val="accent2">
+            <a:hueOff val="19519"/>
+            <a:satOff val="-13438"/>
+            <a:lumOff val="-3431"/>
+            <a:alphaOff val="0"/>
+          </a:schemeClr>
+        </a:solidFill>
+        <a:ln>
+          <a:noFill/>
+        </a:ln>
+        <a:effectLst/>
+      </dsp:spPr>
+      <dsp:style>
+        <a:lnRef idx="0">
+          <a:scrgbClr r="0" g="0" b="0"/>
+        </a:lnRef>
+        <a:fillRef idx="1">
+          <a:scrgbClr r="0" g="0" b="0"/>
+        </a:fillRef>
+        <a:effectRef idx="0">
+          <a:scrgbClr r="0" g="0" b="0"/>
+        </a:effectRef>
+        <a:fontRef idx="minor"/>
+      </dsp:style>
+    </dsp:sp>
+    <dsp:sp modelId="{59BA8133-B518-4537-9881-3822CD7CAD06}">
+      <dsp:nvSpPr>
+        <dsp:cNvPr id="0" name=""/>
+        <dsp:cNvSpPr/>
+      </dsp:nvSpPr>
+      <dsp:spPr>
+        <a:xfrm>
+          <a:off x="2859227" y="973902"/>
+          <a:ext cx="649687" cy="649687"/>
+        </a:xfrm>
+        <a:prstGeom prst="rect">
+          <a:avLst/>
+        </a:prstGeom>
+        <a:blipFill>
+          <a:blip xmlns:r="http://schemas.openxmlformats.org/officeDocument/2006/relationships" r:embed="rId3">
+            <a:extLst>
+              <a:ext uri="{96DAC541-7B7A-43D3-8B79-37D633B846F1}">
+                <asvg:svgBlip xmlns:asvg="http://schemas.microsoft.com/office/drawing/2016/SVG/main" r:embed="rId4"/>
+              </a:ext>
+            </a:extLst>
+          </a:blip>
+          <a:srcRect/>
+          <a:stretch>
+            <a:fillRect/>
+          </a:stretch>
+        </a:blipFill>
+        <a:ln w="15875" cap="flat" cmpd="sng" algn="ctr">
+          <a:noFill/>
+          <a:prstDash val="solid"/>
+        </a:ln>
+        <a:effectLst/>
+      </dsp:spPr>
+      <dsp:style>
+        <a:lnRef idx="2">
+          <a:scrgbClr r="0" g="0" b="0"/>
+        </a:lnRef>
+        <a:fillRef idx="1">
+          <a:scrgbClr r="0" g="0" b="0"/>
+        </a:fillRef>
+        <a:effectRef idx="0">
+          <a:scrgbClr r="0" g="0" b="0"/>
+        </a:effectRef>
+        <a:fontRef idx="minor">
+          <a:schemeClr val="lt1"/>
+        </a:fontRef>
+      </dsp:style>
+    </dsp:sp>
+    <dsp:sp modelId="{5C5DF5E2-29DF-4330-A157-BCD37FD12928}">
+      <dsp:nvSpPr>
+        <dsp:cNvPr id="0" name=""/>
+        <dsp:cNvSpPr/>
+      </dsp:nvSpPr>
+      <dsp:spPr>
+        <a:xfrm>
+          <a:off x="2255946" y="2217590"/>
+          <a:ext cx="1856250" cy="720000"/>
+        </a:xfrm>
+        <a:prstGeom prst="rect">
+          <a:avLst/>
+        </a:prstGeom>
+        <a:noFill/>
+        <a:ln>
+          <a:noFill/>
+        </a:ln>
+        <a:effectLst/>
+      </dsp:spPr>
+      <dsp:style>
+        <a:lnRef idx="0">
+          <a:scrgbClr r="0" g="0" b="0"/>
+        </a:lnRef>
+        <a:fillRef idx="0">
+          <a:scrgbClr r="0" g="0" b="0"/>
+        </a:fillRef>
+        <a:effectRef idx="0">
+          <a:scrgbClr r="0" g="0" b="0"/>
+        </a:effectRef>
+        <a:fontRef idx="minor"/>
+      </dsp:style>
+      <dsp:txBody>
+        <a:bodyPr spcFirstLastPara="0" vert="horz" wrap="square" lIns="0" tIns="0" rIns="0" bIns="0" numCol="1" spcCol="1270" anchor="t" anchorCtr="0">
+          <a:noAutofit/>
+        </a:bodyPr>
+        <a:lstStyle/>
+        <a:p>
+          <a:pPr marL="0" lvl="0" indent="0" algn="ctr" defTabSz="666750">
+            <a:lnSpc>
+              <a:spcPct val="100000"/>
+            </a:lnSpc>
+            <a:spcBef>
+              <a:spcPct val="0"/>
+            </a:spcBef>
+            <a:spcAft>
+              <a:spcPct val="35000"/>
+            </a:spcAft>
+            <a:buNone/>
+            <a:defRPr cap="all"/>
+          </a:pPr>
+          <a:r>
+            <a:rPr lang="en-US" sz="1500" kern="1200"/>
+            <a:t>Have California wildfires become larger?</a:t>
+          </a:r>
+        </a:p>
+      </dsp:txBody>
+      <dsp:txXfrm>
+        <a:off x="2255946" y="2217590"/>
+        <a:ext cx="1856250" cy="720000"/>
+      </dsp:txXfrm>
+    </dsp:sp>
+    <dsp:sp modelId="{8A9D0615-74BE-404B-8F88-7FCE70F9CA5E}">
+      <dsp:nvSpPr>
+        <dsp:cNvPr id="0" name=""/>
+        <dsp:cNvSpPr/>
+      </dsp:nvSpPr>
+      <dsp:spPr>
+        <a:xfrm>
+          <a:off x="4799008" y="732589"/>
+          <a:ext cx="1132312" cy="1132312"/>
+        </a:xfrm>
+        <a:prstGeom prst="ellipse">
+          <a:avLst/>
+        </a:prstGeom>
+        <a:solidFill>
+          <a:schemeClr val="accent2">
+            <a:hueOff val="39038"/>
+            <a:satOff val="-26876"/>
+            <a:lumOff val="-6863"/>
+            <a:alphaOff val="0"/>
+          </a:schemeClr>
+        </a:solidFill>
+        <a:ln>
+          <a:noFill/>
+        </a:ln>
+        <a:effectLst/>
+      </dsp:spPr>
+      <dsp:style>
+        <a:lnRef idx="0">
+          <a:scrgbClr r="0" g="0" b="0"/>
+        </a:lnRef>
+        <a:fillRef idx="1">
+          <a:scrgbClr r="0" g="0" b="0"/>
+        </a:fillRef>
+        <a:effectRef idx="0">
+          <a:scrgbClr r="0" g="0" b="0"/>
+        </a:effectRef>
+        <a:fontRef idx="minor"/>
+      </dsp:style>
+    </dsp:sp>
+    <dsp:sp modelId="{5FF658BC-830B-42C7-99ED-06DBBA838B7B}">
+      <dsp:nvSpPr>
+        <dsp:cNvPr id="0" name=""/>
+        <dsp:cNvSpPr/>
+      </dsp:nvSpPr>
+      <dsp:spPr>
+        <a:xfrm>
+          <a:off x="5040321" y="973902"/>
+          <a:ext cx="649687" cy="649687"/>
+        </a:xfrm>
+        <a:prstGeom prst="rect">
+          <a:avLst/>
+        </a:prstGeom>
+        <a:blipFill>
+          <a:blip xmlns:r="http://schemas.openxmlformats.org/officeDocument/2006/relationships" r:embed="rId5">
+            <a:extLst>
+              <a:ext uri="{96DAC541-7B7A-43D3-8B79-37D633B846F1}">
+                <asvg:svgBlip xmlns:asvg="http://schemas.microsoft.com/office/drawing/2016/SVG/main" r:embed="rId6"/>
+              </a:ext>
+            </a:extLst>
+          </a:blip>
+          <a:srcRect/>
+          <a:stretch>
+            <a:fillRect/>
+          </a:stretch>
+        </a:blipFill>
+        <a:ln w="15875" cap="flat" cmpd="sng" algn="ctr">
+          <a:noFill/>
+          <a:prstDash val="solid"/>
+        </a:ln>
+        <a:effectLst/>
+      </dsp:spPr>
+      <dsp:style>
+        <a:lnRef idx="2">
+          <a:scrgbClr r="0" g="0" b="0"/>
+        </a:lnRef>
+        <a:fillRef idx="1">
+          <a:scrgbClr r="0" g="0" b="0"/>
+        </a:fillRef>
+        <a:effectRef idx="0">
+          <a:scrgbClr r="0" g="0" b="0"/>
+        </a:effectRef>
+        <a:fontRef idx="minor">
+          <a:schemeClr val="lt1"/>
+        </a:fontRef>
+      </dsp:style>
+    </dsp:sp>
+    <dsp:sp modelId="{B7DEF6C5-8837-48BB-9ADC-2C179D03188A}">
+      <dsp:nvSpPr>
+        <dsp:cNvPr id="0" name=""/>
+        <dsp:cNvSpPr/>
+      </dsp:nvSpPr>
+      <dsp:spPr>
+        <a:xfrm>
+          <a:off x="4437039" y="2217590"/>
+          <a:ext cx="1856250" cy="720000"/>
+        </a:xfrm>
+        <a:prstGeom prst="rect">
+          <a:avLst/>
+        </a:prstGeom>
+        <a:noFill/>
+        <a:ln>
+          <a:noFill/>
+        </a:ln>
+        <a:effectLst/>
+      </dsp:spPr>
+      <dsp:style>
+        <a:lnRef idx="0">
+          <a:scrgbClr r="0" g="0" b="0"/>
+        </a:lnRef>
+        <a:fillRef idx="0">
+          <a:scrgbClr r="0" g="0" b="0"/>
+        </a:fillRef>
+        <a:effectRef idx="0">
+          <a:scrgbClr r="0" g="0" b="0"/>
+        </a:effectRef>
+        <a:fontRef idx="minor"/>
+      </dsp:style>
+      <dsp:txBody>
+        <a:bodyPr spcFirstLastPara="0" vert="horz" wrap="square" lIns="0" tIns="0" rIns="0" bIns="0" numCol="1" spcCol="1270" anchor="t" anchorCtr="0">
+          <a:noAutofit/>
+        </a:bodyPr>
+        <a:lstStyle/>
+        <a:p>
+          <a:pPr marL="0" lvl="0" indent="0" algn="ctr" defTabSz="666750">
+            <a:lnSpc>
+              <a:spcPct val="100000"/>
+            </a:lnSpc>
+            <a:spcBef>
+              <a:spcPct val="0"/>
+            </a:spcBef>
+            <a:spcAft>
+              <a:spcPct val="35000"/>
+            </a:spcAft>
+            <a:buNone/>
+            <a:defRPr cap="all"/>
+          </a:pPr>
+          <a:r>
+            <a:rPr lang="en-US" sz="1500" kern="1200"/>
+            <a:t>Have California wildfires become more destructive?.</a:t>
+          </a:r>
         </a:p>
       </dsp:txBody>
       <dsp:txXfrm>
@@ -1717,6 +3278,221 @@
 </file>
 
 <file path=ppt/diagrams/layout1.xml><?xml version="1.0" encoding="utf-8"?>
+<dgm:layoutDef xmlns:dgm="http://schemas.openxmlformats.org/drawingml/2006/diagram" xmlns:a="http://schemas.openxmlformats.org/drawingml/2006/main" uniqueId="urn:microsoft.com/office/officeart/2018/5/layout/IconCircleLabelList">
+  <dgm:title val="Icon Circle Label List"/>
+  <dgm:desc val="Use to show non-sequential or grouped chunks of information accompanied by a related visuals. Works best with icons or small pictures with short text captions."/>
+  <dgm:catLst>
+    <dgm:cat type="icon" pri="500"/>
+  </dgm:catLst>
+  <dgm:sampData useDef="1">
+    <dgm:dataModel>
+      <dgm:ptLst/>
+      <dgm:bg/>
+      <dgm:whole/>
+    </dgm:dataModel>
+  </dgm:sampData>
+  <dgm:styleData useDef="1">
+    <dgm:dataModel>
+      <dgm:ptLst/>
+      <dgm:bg/>
+      <dgm:whole/>
+    </dgm:dataModel>
+  </dgm:styleData>
+  <dgm:clrData useDef="1">
+    <dgm:dataModel>
+      <dgm:ptLst/>
+      <dgm:bg/>
+      <dgm:whole/>
+    </dgm:dataModel>
+  </dgm:clrData>
+  <dgm:layoutNode name="root">
+    <dgm:varLst>
+      <dgm:dir/>
+      <dgm:resizeHandles val="exact"/>
+    </dgm:varLst>
+    <dgm:choose name="Name0">
+      <dgm:if name="Name1" axis="self" func="var" arg="dir" op="equ" val="norm">
+        <dgm:alg type="snake">
+          <dgm:param type="grDir" val="tL"/>
+          <dgm:param type="flowDir" val="row"/>
+          <dgm:param type="contDir" val="sameDir"/>
+          <dgm:param type="off" val="ctr"/>
+          <dgm:param type="vertAlign" val="mid"/>
+          <dgm:param type="horzAlign" val="ctr"/>
+        </dgm:alg>
+      </dgm:if>
+      <dgm:else name="Name2">
+        <dgm:alg type="snake">
+          <dgm:param type="grDir" val="tR"/>
+          <dgm:param type="flowDir" val="row"/>
+          <dgm:param type="contDir" val="sameDir"/>
+          <dgm:param type="off" val="ctr"/>
+          <dgm:param type="vertAlign" val="mid"/>
+          <dgm:param type="horzAlign" val="ctr"/>
+        </dgm:alg>
+      </dgm:else>
+    </dgm:choose>
+    <dgm:shape xmlns:r="http://schemas.openxmlformats.org/officeDocument/2006/relationships" r:blip="">
+      <dgm:adjLst/>
+    </dgm:shape>
+    <dgm:presOf/>
+    <dgm:choose name="Name3">
+      <dgm:if name="Name4" axis="ch" ptType="node" func="cnt" op="lte" val="2">
+        <dgm:constrLst>
+          <dgm:constr type="h" for="ch" forName="compNode" refType="h" fact="0.4"/>
+          <dgm:constr type="w" for="ch" forName="compNode" val="100"/>
+          <dgm:constr type="w" for="ch" forName="sibTrans" refType="w" refFor="ch" refForName="compNode" fact="0.175"/>
+          <dgm:constr type="sp" refType="w" refFor="ch" refForName="compNode" op="equ" fact="0.25"/>
+          <dgm:constr type="primFontSz" for="des" ptType="node" op="equ" val="44"/>
+          <dgm:constr type="h" for="des" forName="compNode" op="equ"/>
+          <dgm:constr type="h" for="des" forName="textRect" op="equ"/>
+        </dgm:constrLst>
+      </dgm:if>
+      <dgm:if name="Name5" axis="ch" ptType="node" func="cnt" op="lte" val="3">
+        <dgm:constrLst>
+          <dgm:constr type="h" for="ch" forName="compNode" refType="h" fact="0.4"/>
+          <dgm:constr type="w" for="ch" forName="compNode" val="100"/>
+          <dgm:constr type="w" for="ch" forName="sibTrans" refType="w" refFor="ch" refForName="compNode" fact="0.175"/>
+          <dgm:constr type="sp" refType="w" refFor="ch" refForName="compNode" op="equ" fact="0.25"/>
+          <dgm:constr type="primFontSz" for="des" ptType="node" op="equ" val="40"/>
+          <dgm:constr type="h" for="des" forName="compNode" op="equ"/>
+          <dgm:constr type="h" for="des" forName="textRect" op="equ"/>
+        </dgm:constrLst>
+      </dgm:if>
+      <dgm:if name="Name6" axis="ch" ptType="node" func="cnt" op="lte" val="4">
+        <dgm:constrLst>
+          <dgm:constr type="h" for="ch" forName="compNode" refType="h" fact="0.4"/>
+          <dgm:constr type="w" for="ch" forName="compNode" refType="w"/>
+          <dgm:constr type="w" for="ch" forName="sibTrans" refType="w" refFor="ch" refForName="compNode" fact="0.175"/>
+          <dgm:constr type="sp" refType="w" refFor="ch" refForName="compNode" op="equ" fact="0.25"/>
+          <dgm:constr type="primFontSz" for="des" ptType="node" op="equ" val="32"/>
+          <dgm:constr type="h" for="des" forName="compNode" op="equ"/>
+          <dgm:constr type="h" for="des" forName="textRect" op="equ"/>
+        </dgm:constrLst>
+      </dgm:if>
+      <dgm:else name="Name7">
+        <dgm:constrLst>
+          <dgm:constr type="h" for="ch" forName="compNode" refType="h" fact="0.4"/>
+          <dgm:constr type="w" for="ch" forName="compNode" refType="w"/>
+          <dgm:constr type="w" for="ch" forName="sibTrans" refType="w" refFor="ch" refForName="compNode" fact="0.175"/>
+          <dgm:constr type="sp" refType="w" refFor="ch" refForName="compNode" op="equ" fact="0.25"/>
+          <dgm:constr type="primFontSz" for="des" ptType="node" op="equ" val="24"/>
+          <dgm:constr type="h" for="des" forName="compNode" op="equ"/>
+          <dgm:constr type="h" for="des" forName="textRect" op="equ"/>
+        </dgm:constrLst>
+      </dgm:else>
+    </dgm:choose>
+    <dgm:ruleLst>
+      <dgm:rule type="w" for="ch" forName="compNode" val="50" fact="NaN" max="NaN"/>
+    </dgm:ruleLst>
+    <dgm:forEach name="Name8" axis="ch" ptType="node">
+      <dgm:layoutNode name="compNode">
+        <dgm:alg type="composite"/>
+        <dgm:shape xmlns:r="http://schemas.openxmlformats.org/officeDocument/2006/relationships" r:blip="">
+          <dgm:adjLst/>
+        </dgm:shape>
+        <dgm:presOf axis="self"/>
+        <dgm:constrLst>
+          <dgm:constr type="w" for="ch" forName="iconBgRect" refType="w" fact="0.61"/>
+          <dgm:constr type="h" for="ch" forName="iconBgRect" refType="w" refFor="ch" refForName="iconBgRect"/>
+          <dgm:constr type="t" for="ch" forName="iconBgRect"/>
+          <dgm:constr type="ctrX" for="ch" forName="iconBgRect" refType="w" fact="0.5"/>
+          <dgm:constr type="w" for="ch" forName="iconRect" refType="w" fact="0.35"/>
+          <dgm:constr type="h" for="ch" forName="iconRect" refType="w" refFor="ch" refForName="iconRect"/>
+          <dgm:constr type="ctrX" for="ch" forName="iconRect" refType="ctrX" refFor="ch" refForName="iconBgRect"/>
+          <dgm:constr type="ctrY" for="ch" forName="iconRect" refType="ctrY" refFor="ch" refForName="iconBgRect"/>
+          <dgm:constr type="h" for="ch" forName="spaceRect" refType="w" fact="0.19"/>
+          <dgm:constr type="w" for="ch" forName="spaceRect" refType="w"/>
+          <dgm:constr type="l" for="ch" forName="spaceRect"/>
+          <dgm:constr type="t" for="ch" forName="spaceRect" refType="b" refFor="ch" refForName="iconBgRect"/>
+          <dgm:constr type="h" for="ch" forName="textRect" val="20"/>
+          <dgm:constr type="w" for="ch" forName="textRect" refType="w"/>
+          <dgm:constr type="l" for="ch" forName="textRect"/>
+          <dgm:constr type="t" for="ch" forName="textRect" refType="b" refFor="ch" refForName="spaceRect"/>
+        </dgm:constrLst>
+        <dgm:ruleLst>
+          <dgm:rule type="h" val="INF" fact="NaN" max="NaN"/>
+        </dgm:ruleLst>
+        <dgm:layoutNode name="iconBgRect" styleLbl="bgShp">
+          <dgm:alg type="sp"/>
+          <dgm:shape xmlns:r="http://schemas.openxmlformats.org/officeDocument/2006/relationships" type="ellipse" r:blip="">
+            <dgm:adjLst/>
+          </dgm:shape>
+          <dgm:presOf/>
+          <dgm:constrLst/>
+          <dgm:ruleLst/>
+        </dgm:layoutNode>
+        <dgm:layoutNode name="iconRect" styleLbl="node1">
+          <dgm:alg type="sp"/>
+          <dgm:shape xmlns:r="http://schemas.openxmlformats.org/officeDocument/2006/relationships" type="rect" r:blip="" blipPhldr="1">
+            <dgm:adjLst/>
+          </dgm:shape>
+          <dgm:presOf/>
+          <dgm:constrLst/>
+          <dgm:ruleLst/>
+        </dgm:layoutNode>
+        <dgm:layoutNode name="spaceRect">
+          <dgm:alg type="sp"/>
+          <dgm:shape xmlns:r="http://schemas.openxmlformats.org/officeDocument/2006/relationships" r:blip="">
+            <dgm:adjLst/>
+          </dgm:shape>
+          <dgm:presOf/>
+          <dgm:constrLst/>
+          <dgm:ruleLst/>
+        </dgm:layoutNode>
+        <dgm:layoutNode name="textRect" styleLbl="revTx">
+          <dgm:varLst>
+            <dgm:chMax val="1"/>
+            <dgm:chPref val="1"/>
+          </dgm:varLst>
+          <dgm:alg type="tx">
+            <dgm:param type="txAnchorVert" val="t"/>
+          </dgm:alg>
+          <dgm:shape xmlns:r="http://schemas.openxmlformats.org/officeDocument/2006/relationships" type="rect" r:blip="">
+            <dgm:adjLst/>
+          </dgm:shape>
+          <dgm:presOf axis="self" ptType="node"/>
+          <dgm:constrLst>
+            <dgm:constr type="lMarg"/>
+            <dgm:constr type="rMarg"/>
+            <dgm:constr type="tMarg"/>
+            <dgm:constr type="bMarg"/>
+          </dgm:constrLst>
+          <dgm:ruleLst>
+            <dgm:rule type="primFontSz" val="11" fact="NaN" max="NaN"/>
+            <dgm:rule type="h" val="INF" fact="NaN" max="NaN"/>
+          </dgm:ruleLst>
+        </dgm:layoutNode>
+      </dgm:layoutNode>
+      <dgm:forEach name="Name9" axis="followSib" ptType="sibTrans" cnt="1">
+        <dgm:layoutNode name="sibTrans">
+          <dgm:alg type="sp"/>
+          <dgm:shape xmlns:r="http://schemas.openxmlformats.org/officeDocument/2006/relationships" r:blip="">
+            <dgm:adjLst/>
+          </dgm:shape>
+          <dgm:presOf axis="self"/>
+          <dgm:constrLst/>
+          <dgm:ruleLst/>
+        </dgm:layoutNode>
+      </dgm:forEach>
+    </dgm:forEach>
+  </dgm:layoutNode>
+  <dgm:extLst>
+    <a:ext uri="{68A01E43-0DF5-4B5B-8FA6-DAF915123BFB}">
+      <dgm1612:lstStyle xmlns:dgm1612="http://schemas.microsoft.com/office/drawing/2016/12/diagram">
+        <a:lvl1pPr>
+          <a:lnSpc>
+            <a:spcPct val="100000"/>
+          </a:lnSpc>
+          <a:defRPr cap="all"/>
+        </a:lvl1pPr>
+      </dgm1612:lstStyle>
+    </a:ext>
+  </dgm:extLst>
+</dgm:layoutDef>
+</file>
+
+<file path=ppt/diagrams/layout2.xml><?xml version="1.0" encoding="utf-8"?>
 <dgm:layoutDef xmlns:dgm="http://schemas.openxmlformats.org/drawingml/2006/diagram" xmlns:a="http://schemas.openxmlformats.org/drawingml/2006/main" uniqueId="urn:microsoft.com/office/officeart/2018/5/layout/IconCircleLabelList">
   <dgm:title val="Icon Circle Label List"/>
   <dgm:desc val="Use to show non-sequential or grouped chunks of information accompanied by a related visuals. Works best with icons or small pictures with short text captions."/>
@@ -2965,6 +4741,1040 @@
 </dgm:styleDef>
 </file>
 
+<file path=ppt/diagrams/quickStyle2.xml><?xml version="1.0" encoding="utf-8"?>
+<dgm:styleDef xmlns:dgm="http://schemas.openxmlformats.org/drawingml/2006/diagram" xmlns:a="http://schemas.openxmlformats.org/drawingml/2006/main" uniqueId="urn:microsoft.com/office/officeart/2005/8/quickstyle/simple1">
+  <dgm:title val=""/>
+  <dgm:desc val=""/>
+  <dgm:catLst>
+    <dgm:cat type="simple" pri="10100"/>
+  </dgm:catLst>
+  <dgm:scene3d>
+    <a:camera prst="orthographicFront"/>
+    <a:lightRig rig="threePt" dir="t"/>
+  </dgm:scene3d>
+  <dgm:styleLbl name="node0">
+    <dgm:scene3d>
+      <a:camera prst="orthographicFront"/>
+      <a:lightRig rig="threePt" dir="t"/>
+    </dgm:scene3d>
+    <dgm:sp3d/>
+    <dgm:txPr/>
+    <dgm:style>
+      <a:lnRef idx="2">
+        <a:scrgbClr r="0" g="0" b="0"/>
+      </a:lnRef>
+      <a:fillRef idx="1">
+        <a:scrgbClr r="0" g="0" b="0"/>
+      </a:fillRef>
+      <a:effectRef idx="0">
+        <a:scrgbClr r="0" g="0" b="0"/>
+      </a:effectRef>
+      <a:fontRef idx="minor">
+        <a:schemeClr val="lt1"/>
+      </a:fontRef>
+    </dgm:style>
+  </dgm:styleLbl>
+  <dgm:styleLbl name="lnNode1">
+    <dgm:scene3d>
+      <a:camera prst="orthographicFront"/>
+      <a:lightRig rig="threePt" dir="t"/>
+    </dgm:scene3d>
+    <dgm:sp3d/>
+    <dgm:txPr/>
+    <dgm:style>
+      <a:lnRef idx="2">
+        <a:scrgbClr r="0" g="0" b="0"/>
+      </a:lnRef>
+      <a:fillRef idx="1">
+        <a:scrgbClr r="0" g="0" b="0"/>
+      </a:fillRef>
+      <a:effectRef idx="0">
+        <a:scrgbClr r="0" g="0" b="0"/>
+      </a:effectRef>
+      <a:fontRef idx="minor">
+        <a:schemeClr val="lt1"/>
+      </a:fontRef>
+    </dgm:style>
+  </dgm:styleLbl>
+  <dgm:styleLbl name="vennNode1">
+    <dgm:scene3d>
+      <a:camera prst="orthographicFront"/>
+      <a:lightRig rig="threePt" dir="t"/>
+    </dgm:scene3d>
+    <dgm:sp3d/>
+    <dgm:txPr/>
+    <dgm:style>
+      <a:lnRef idx="2">
+        <a:scrgbClr r="0" g="0" b="0"/>
+      </a:lnRef>
+      <a:fillRef idx="1">
+        <a:scrgbClr r="0" g="0" b="0"/>
+      </a:fillRef>
+      <a:effectRef idx="0">
+        <a:scrgbClr r="0" g="0" b="0"/>
+      </a:effectRef>
+      <a:fontRef idx="minor">
+        <a:schemeClr val="tx1"/>
+      </a:fontRef>
+    </dgm:style>
+  </dgm:styleLbl>
+  <dgm:styleLbl name="alignNode1">
+    <dgm:scene3d>
+      <a:camera prst="orthographicFront"/>
+      <a:lightRig rig="threePt" dir="t"/>
+    </dgm:scene3d>
+    <dgm:sp3d/>
+    <dgm:txPr/>
+    <dgm:style>
+      <a:lnRef idx="2">
+        <a:scrgbClr r="0" g="0" b="0"/>
+      </a:lnRef>
+      <a:fillRef idx="1">
+        <a:scrgbClr r="0" g="0" b="0"/>
+      </a:fillRef>
+      <a:effectRef idx="0">
+        <a:scrgbClr r="0" g="0" b="0"/>
+      </a:effectRef>
+      <a:fontRef idx="minor">
+        <a:schemeClr val="lt1"/>
+      </a:fontRef>
+    </dgm:style>
+  </dgm:styleLbl>
+  <dgm:styleLbl name="node1">
+    <dgm:scene3d>
+      <a:camera prst="orthographicFront"/>
+      <a:lightRig rig="threePt" dir="t"/>
+    </dgm:scene3d>
+    <dgm:sp3d/>
+    <dgm:txPr/>
+    <dgm:style>
+      <a:lnRef idx="2">
+        <a:scrgbClr r="0" g="0" b="0"/>
+      </a:lnRef>
+      <a:fillRef idx="1">
+        <a:scrgbClr r="0" g="0" b="0"/>
+      </a:fillRef>
+      <a:effectRef idx="0">
+        <a:scrgbClr r="0" g="0" b="0"/>
+      </a:effectRef>
+      <a:fontRef idx="minor">
+        <a:schemeClr val="lt1"/>
+      </a:fontRef>
+    </dgm:style>
+  </dgm:styleLbl>
+  <dgm:styleLbl name="node2">
+    <dgm:scene3d>
+      <a:camera prst="orthographicFront"/>
+      <a:lightRig rig="threePt" dir="t"/>
+    </dgm:scene3d>
+    <dgm:sp3d/>
+    <dgm:txPr/>
+    <dgm:style>
+      <a:lnRef idx="2">
+        <a:scrgbClr r="0" g="0" b="0"/>
+      </a:lnRef>
+      <a:fillRef idx="1">
+        <a:scrgbClr r="0" g="0" b="0"/>
+      </a:fillRef>
+      <a:effectRef idx="0">
+        <a:scrgbClr r="0" g="0" b="0"/>
+      </a:effectRef>
+      <a:fontRef idx="minor">
+        <a:schemeClr val="lt1"/>
+      </a:fontRef>
+    </dgm:style>
+  </dgm:styleLbl>
+  <dgm:styleLbl name="node3">
+    <dgm:scene3d>
+      <a:camera prst="orthographicFront"/>
+      <a:lightRig rig="threePt" dir="t"/>
+    </dgm:scene3d>
+    <dgm:sp3d/>
+    <dgm:txPr/>
+    <dgm:style>
+      <a:lnRef idx="2">
+        <a:scrgbClr r="0" g="0" b="0"/>
+      </a:lnRef>
+      <a:fillRef idx="1">
+        <a:scrgbClr r="0" g="0" b="0"/>
+      </a:fillRef>
+      <a:effectRef idx="0">
+        <a:scrgbClr r="0" g="0" b="0"/>
+      </a:effectRef>
+      <a:fontRef idx="minor">
+        <a:schemeClr val="lt1"/>
+      </a:fontRef>
+    </dgm:style>
+  </dgm:styleLbl>
+  <dgm:styleLbl name="node4">
+    <dgm:scene3d>
+      <a:camera prst="orthographicFront"/>
+      <a:lightRig rig="threePt" dir="t"/>
+    </dgm:scene3d>
+    <dgm:sp3d/>
+    <dgm:txPr/>
+    <dgm:style>
+      <a:lnRef idx="2">
+        <a:scrgbClr r="0" g="0" b="0"/>
+      </a:lnRef>
+      <a:fillRef idx="1">
+        <a:scrgbClr r="0" g="0" b="0"/>
+      </a:fillRef>
+      <a:effectRef idx="0">
+        <a:scrgbClr r="0" g="0" b="0"/>
+      </a:effectRef>
+      <a:fontRef idx="minor">
+        <a:schemeClr val="lt1"/>
+      </a:fontRef>
+    </dgm:style>
+  </dgm:styleLbl>
+  <dgm:styleLbl name="fgImgPlace1">
+    <dgm:scene3d>
+      <a:camera prst="orthographicFront"/>
+      <a:lightRig rig="threePt" dir="t"/>
+    </dgm:scene3d>
+    <dgm:sp3d/>
+    <dgm:txPr/>
+    <dgm:style>
+      <a:lnRef idx="2">
+        <a:scrgbClr r="0" g="0" b="0"/>
+      </a:lnRef>
+      <a:fillRef idx="1">
+        <a:scrgbClr r="0" g="0" b="0"/>
+      </a:fillRef>
+      <a:effectRef idx="0">
+        <a:scrgbClr r="0" g="0" b="0"/>
+      </a:effectRef>
+      <a:fontRef idx="minor"/>
+    </dgm:style>
+  </dgm:styleLbl>
+  <dgm:styleLbl name="alignImgPlace1">
+    <dgm:scene3d>
+      <a:camera prst="orthographicFront"/>
+      <a:lightRig rig="threePt" dir="t"/>
+    </dgm:scene3d>
+    <dgm:sp3d/>
+    <dgm:txPr/>
+    <dgm:style>
+      <a:lnRef idx="2">
+        <a:scrgbClr r="0" g="0" b="0"/>
+      </a:lnRef>
+      <a:fillRef idx="1">
+        <a:scrgbClr r="0" g="0" b="0"/>
+      </a:fillRef>
+      <a:effectRef idx="0">
+        <a:scrgbClr r="0" g="0" b="0"/>
+      </a:effectRef>
+      <a:fontRef idx="minor"/>
+    </dgm:style>
+  </dgm:styleLbl>
+  <dgm:styleLbl name="bgImgPlace1">
+    <dgm:scene3d>
+      <a:camera prst="orthographicFront"/>
+      <a:lightRig rig="threePt" dir="t"/>
+    </dgm:scene3d>
+    <dgm:sp3d/>
+    <dgm:txPr/>
+    <dgm:style>
+      <a:lnRef idx="2">
+        <a:scrgbClr r="0" g="0" b="0"/>
+      </a:lnRef>
+      <a:fillRef idx="1">
+        <a:scrgbClr r="0" g="0" b="0"/>
+      </a:fillRef>
+      <a:effectRef idx="0">
+        <a:scrgbClr r="0" g="0" b="0"/>
+      </a:effectRef>
+      <a:fontRef idx="minor"/>
+    </dgm:style>
+  </dgm:styleLbl>
+  <dgm:styleLbl name="sibTrans2D1">
+    <dgm:scene3d>
+      <a:camera prst="orthographicFront"/>
+      <a:lightRig rig="threePt" dir="t"/>
+    </dgm:scene3d>
+    <dgm:sp3d/>
+    <dgm:txPr/>
+    <dgm:style>
+      <a:lnRef idx="0">
+        <a:scrgbClr r="0" g="0" b="0"/>
+      </a:lnRef>
+      <a:fillRef idx="1">
+        <a:scrgbClr r="0" g="0" b="0"/>
+      </a:fillRef>
+      <a:effectRef idx="0">
+        <a:scrgbClr r="0" g="0" b="0"/>
+      </a:effectRef>
+      <a:fontRef idx="minor">
+        <a:schemeClr val="lt1"/>
+      </a:fontRef>
+    </dgm:style>
+  </dgm:styleLbl>
+  <dgm:styleLbl name="fgSibTrans2D1">
+    <dgm:scene3d>
+      <a:camera prst="orthographicFront"/>
+      <a:lightRig rig="threePt" dir="t"/>
+    </dgm:scene3d>
+    <dgm:sp3d/>
+    <dgm:txPr/>
+    <dgm:style>
+      <a:lnRef idx="0">
+        <a:scrgbClr r="0" g="0" b="0"/>
+      </a:lnRef>
+      <a:fillRef idx="1">
+        <a:scrgbClr r="0" g="0" b="0"/>
+      </a:fillRef>
+      <a:effectRef idx="0">
+        <a:scrgbClr r="0" g="0" b="0"/>
+      </a:effectRef>
+      <a:fontRef idx="minor">
+        <a:schemeClr val="lt1"/>
+      </a:fontRef>
+    </dgm:style>
+  </dgm:styleLbl>
+  <dgm:styleLbl name="bgSibTrans2D1">
+    <dgm:scene3d>
+      <a:camera prst="orthographicFront"/>
+      <a:lightRig rig="threePt" dir="t"/>
+    </dgm:scene3d>
+    <dgm:sp3d/>
+    <dgm:txPr/>
+    <dgm:style>
+      <a:lnRef idx="0">
+        <a:scrgbClr r="0" g="0" b="0"/>
+      </a:lnRef>
+      <a:fillRef idx="1">
+        <a:scrgbClr r="0" g="0" b="0"/>
+      </a:fillRef>
+      <a:effectRef idx="0">
+        <a:scrgbClr r="0" g="0" b="0"/>
+      </a:effectRef>
+      <a:fontRef idx="minor">
+        <a:schemeClr val="lt1"/>
+      </a:fontRef>
+    </dgm:style>
+  </dgm:styleLbl>
+  <dgm:styleLbl name="sibTrans1D1">
+    <dgm:scene3d>
+      <a:camera prst="orthographicFront"/>
+      <a:lightRig rig="threePt" dir="t"/>
+    </dgm:scene3d>
+    <dgm:sp3d/>
+    <dgm:txPr/>
+    <dgm:style>
+      <a:lnRef idx="1">
+        <a:scrgbClr r="0" g="0" b="0"/>
+      </a:lnRef>
+      <a:fillRef idx="0">
+        <a:scrgbClr r="0" g="0" b="0"/>
+      </a:fillRef>
+      <a:effectRef idx="0">
+        <a:scrgbClr r="0" g="0" b="0"/>
+      </a:effectRef>
+      <a:fontRef idx="minor"/>
+    </dgm:style>
+  </dgm:styleLbl>
+  <dgm:styleLbl name="callout">
+    <dgm:scene3d>
+      <a:camera prst="orthographicFront"/>
+      <a:lightRig rig="threePt" dir="t"/>
+    </dgm:scene3d>
+    <dgm:sp3d/>
+    <dgm:txPr/>
+    <dgm:style>
+      <a:lnRef idx="2">
+        <a:scrgbClr r="0" g="0" b="0"/>
+      </a:lnRef>
+      <a:fillRef idx="1">
+        <a:scrgbClr r="0" g="0" b="0"/>
+      </a:fillRef>
+      <a:effectRef idx="0">
+        <a:scrgbClr r="0" g="0" b="0"/>
+      </a:effectRef>
+      <a:fontRef idx="minor"/>
+    </dgm:style>
+  </dgm:styleLbl>
+  <dgm:styleLbl name="asst0">
+    <dgm:scene3d>
+      <a:camera prst="orthographicFront"/>
+      <a:lightRig rig="threePt" dir="t"/>
+    </dgm:scene3d>
+    <dgm:sp3d/>
+    <dgm:txPr/>
+    <dgm:style>
+      <a:lnRef idx="2">
+        <a:scrgbClr r="0" g="0" b="0"/>
+      </a:lnRef>
+      <a:fillRef idx="1">
+        <a:scrgbClr r="0" g="0" b="0"/>
+      </a:fillRef>
+      <a:effectRef idx="0">
+        <a:scrgbClr r="0" g="0" b="0"/>
+      </a:effectRef>
+      <a:fontRef idx="minor">
+        <a:schemeClr val="lt1"/>
+      </a:fontRef>
+    </dgm:style>
+  </dgm:styleLbl>
+  <dgm:styleLbl name="asst1">
+    <dgm:scene3d>
+      <a:camera prst="orthographicFront"/>
+      <a:lightRig rig="threePt" dir="t"/>
+    </dgm:scene3d>
+    <dgm:sp3d/>
+    <dgm:txPr/>
+    <dgm:style>
+      <a:lnRef idx="2">
+        <a:scrgbClr r="0" g="0" b="0"/>
+      </a:lnRef>
+      <a:fillRef idx="1">
+        <a:scrgbClr r="0" g="0" b="0"/>
+      </a:fillRef>
+      <a:effectRef idx="0">
+        <a:scrgbClr r="0" g="0" b="0"/>
+      </a:effectRef>
+      <a:fontRef idx="minor">
+        <a:schemeClr val="lt1"/>
+      </a:fontRef>
+    </dgm:style>
+  </dgm:styleLbl>
+  <dgm:styleLbl name="asst2">
+    <dgm:scene3d>
+      <a:camera prst="orthographicFront"/>
+      <a:lightRig rig="threePt" dir="t"/>
+    </dgm:scene3d>
+    <dgm:sp3d/>
+    <dgm:txPr/>
+    <dgm:style>
+      <a:lnRef idx="2">
+        <a:scrgbClr r="0" g="0" b="0"/>
+      </a:lnRef>
+      <a:fillRef idx="1">
+        <a:scrgbClr r="0" g="0" b="0"/>
+      </a:fillRef>
+      <a:effectRef idx="0">
+        <a:scrgbClr r="0" g="0" b="0"/>
+      </a:effectRef>
+      <a:fontRef idx="minor">
+        <a:schemeClr val="lt1"/>
+      </a:fontRef>
+    </dgm:style>
+  </dgm:styleLbl>
+  <dgm:styleLbl name="asst3">
+    <dgm:scene3d>
+      <a:camera prst="orthographicFront"/>
+      <a:lightRig rig="threePt" dir="t"/>
+    </dgm:scene3d>
+    <dgm:sp3d/>
+    <dgm:txPr/>
+    <dgm:style>
+      <a:lnRef idx="2">
+        <a:scrgbClr r="0" g="0" b="0"/>
+      </a:lnRef>
+      <a:fillRef idx="1">
+        <a:scrgbClr r="0" g="0" b="0"/>
+      </a:fillRef>
+      <a:effectRef idx="0">
+        <a:scrgbClr r="0" g="0" b="0"/>
+      </a:effectRef>
+      <a:fontRef idx="minor">
+        <a:schemeClr val="lt1"/>
+      </a:fontRef>
+    </dgm:style>
+  </dgm:styleLbl>
+  <dgm:styleLbl name="asst4">
+    <dgm:scene3d>
+      <a:camera prst="orthographicFront"/>
+      <a:lightRig rig="threePt" dir="t"/>
+    </dgm:scene3d>
+    <dgm:sp3d/>
+    <dgm:txPr/>
+    <dgm:style>
+      <a:lnRef idx="2">
+        <a:scrgbClr r="0" g="0" b="0"/>
+      </a:lnRef>
+      <a:fillRef idx="1">
+        <a:scrgbClr r="0" g="0" b="0"/>
+      </a:fillRef>
+      <a:effectRef idx="0">
+        <a:scrgbClr r="0" g="0" b="0"/>
+      </a:effectRef>
+      <a:fontRef idx="minor">
+        <a:schemeClr val="lt1"/>
+      </a:fontRef>
+    </dgm:style>
+  </dgm:styleLbl>
+  <dgm:styleLbl name="parChTrans2D1">
+    <dgm:scene3d>
+      <a:camera prst="orthographicFront"/>
+      <a:lightRig rig="threePt" dir="t"/>
+    </dgm:scene3d>
+    <dgm:sp3d/>
+    <dgm:txPr/>
+    <dgm:style>
+      <a:lnRef idx="2">
+        <a:scrgbClr r="0" g="0" b="0"/>
+      </a:lnRef>
+      <a:fillRef idx="1">
+        <a:scrgbClr r="0" g="0" b="0"/>
+      </a:fillRef>
+      <a:effectRef idx="0">
+        <a:scrgbClr r="0" g="0" b="0"/>
+      </a:effectRef>
+      <a:fontRef idx="minor">
+        <a:schemeClr val="lt1"/>
+      </a:fontRef>
+    </dgm:style>
+  </dgm:styleLbl>
+  <dgm:styleLbl name="parChTrans2D2">
+    <dgm:scene3d>
+      <a:camera prst="orthographicFront"/>
+      <a:lightRig rig="threePt" dir="t"/>
+    </dgm:scene3d>
+    <dgm:sp3d/>
+    <dgm:txPr/>
+    <dgm:style>
+      <a:lnRef idx="2">
+        <a:scrgbClr r="0" g="0" b="0"/>
+      </a:lnRef>
+      <a:fillRef idx="1">
+        <a:scrgbClr r="0" g="0" b="0"/>
+      </a:fillRef>
+      <a:effectRef idx="0">
+        <a:scrgbClr r="0" g="0" b="0"/>
+      </a:effectRef>
+      <a:fontRef idx="minor">
+        <a:schemeClr val="lt1"/>
+      </a:fontRef>
+    </dgm:style>
+  </dgm:styleLbl>
+  <dgm:styleLbl name="parChTrans2D3">
+    <dgm:scene3d>
+      <a:camera prst="orthographicFront"/>
+      <a:lightRig rig="threePt" dir="t"/>
+    </dgm:scene3d>
+    <dgm:sp3d/>
+    <dgm:txPr/>
+    <dgm:style>
+      <a:lnRef idx="2">
+        <a:scrgbClr r="0" g="0" b="0"/>
+      </a:lnRef>
+      <a:fillRef idx="1">
+        <a:scrgbClr r="0" g="0" b="0"/>
+      </a:fillRef>
+      <a:effectRef idx="0">
+        <a:scrgbClr r="0" g="0" b="0"/>
+      </a:effectRef>
+      <a:fontRef idx="minor">
+        <a:schemeClr val="lt1"/>
+      </a:fontRef>
+    </dgm:style>
+  </dgm:styleLbl>
+  <dgm:styleLbl name="parChTrans2D4">
+    <dgm:scene3d>
+      <a:camera prst="orthographicFront"/>
+      <a:lightRig rig="threePt" dir="t"/>
+    </dgm:scene3d>
+    <dgm:sp3d/>
+    <dgm:txPr/>
+    <dgm:style>
+      <a:lnRef idx="2">
+        <a:scrgbClr r="0" g="0" b="0"/>
+      </a:lnRef>
+      <a:fillRef idx="1">
+        <a:scrgbClr r="0" g="0" b="0"/>
+      </a:fillRef>
+      <a:effectRef idx="0">
+        <a:scrgbClr r="0" g="0" b="0"/>
+      </a:effectRef>
+      <a:fontRef idx="minor">
+        <a:schemeClr val="lt1"/>
+      </a:fontRef>
+    </dgm:style>
+  </dgm:styleLbl>
+  <dgm:styleLbl name="parChTrans1D1">
+    <dgm:scene3d>
+      <a:camera prst="orthographicFront"/>
+      <a:lightRig rig="threePt" dir="t"/>
+    </dgm:scene3d>
+    <dgm:sp3d/>
+    <dgm:txPr/>
+    <dgm:style>
+      <a:lnRef idx="2">
+        <a:scrgbClr r="0" g="0" b="0"/>
+      </a:lnRef>
+      <a:fillRef idx="0">
+        <a:scrgbClr r="0" g="0" b="0"/>
+      </a:fillRef>
+      <a:effectRef idx="0">
+        <a:scrgbClr r="0" g="0" b="0"/>
+      </a:effectRef>
+      <a:fontRef idx="minor"/>
+    </dgm:style>
+  </dgm:styleLbl>
+  <dgm:styleLbl name="parChTrans1D2">
+    <dgm:scene3d>
+      <a:camera prst="orthographicFront"/>
+      <a:lightRig rig="threePt" dir="t"/>
+    </dgm:scene3d>
+    <dgm:sp3d/>
+    <dgm:txPr/>
+    <dgm:style>
+      <a:lnRef idx="2">
+        <a:scrgbClr r="0" g="0" b="0"/>
+      </a:lnRef>
+      <a:fillRef idx="0">
+        <a:scrgbClr r="0" g="0" b="0"/>
+      </a:fillRef>
+      <a:effectRef idx="0">
+        <a:scrgbClr r="0" g="0" b="0"/>
+      </a:effectRef>
+      <a:fontRef idx="minor"/>
+    </dgm:style>
+  </dgm:styleLbl>
+  <dgm:styleLbl name="parChTrans1D3">
+    <dgm:scene3d>
+      <a:camera prst="orthographicFront"/>
+      <a:lightRig rig="threePt" dir="t"/>
+    </dgm:scene3d>
+    <dgm:sp3d/>
+    <dgm:txPr/>
+    <dgm:style>
+      <a:lnRef idx="2">
+        <a:scrgbClr r="0" g="0" b="0"/>
+      </a:lnRef>
+      <a:fillRef idx="0">
+        <a:scrgbClr r="0" g="0" b="0"/>
+      </a:fillRef>
+      <a:effectRef idx="0">
+        <a:scrgbClr r="0" g="0" b="0"/>
+      </a:effectRef>
+      <a:fontRef idx="minor"/>
+    </dgm:style>
+  </dgm:styleLbl>
+  <dgm:styleLbl name="parChTrans1D4">
+    <dgm:scene3d>
+      <a:camera prst="orthographicFront"/>
+      <a:lightRig rig="threePt" dir="t"/>
+    </dgm:scene3d>
+    <dgm:sp3d/>
+    <dgm:txPr/>
+    <dgm:style>
+      <a:lnRef idx="2">
+        <a:scrgbClr r="0" g="0" b="0"/>
+      </a:lnRef>
+      <a:fillRef idx="0">
+        <a:scrgbClr r="0" g="0" b="0"/>
+      </a:fillRef>
+      <a:effectRef idx="0">
+        <a:scrgbClr r="0" g="0" b="0"/>
+      </a:effectRef>
+      <a:fontRef idx="minor"/>
+    </dgm:style>
+  </dgm:styleLbl>
+  <dgm:styleLbl name="fgAcc1">
+    <dgm:scene3d>
+      <a:camera prst="orthographicFront"/>
+      <a:lightRig rig="threePt" dir="t"/>
+    </dgm:scene3d>
+    <dgm:sp3d/>
+    <dgm:txPr/>
+    <dgm:style>
+      <a:lnRef idx="2">
+        <a:scrgbClr r="0" g="0" b="0"/>
+      </a:lnRef>
+      <a:fillRef idx="1">
+        <a:scrgbClr r="0" g="0" b="0"/>
+      </a:fillRef>
+      <a:effectRef idx="0">
+        <a:scrgbClr r="0" g="0" b="0"/>
+      </a:effectRef>
+      <a:fontRef idx="minor"/>
+    </dgm:style>
+  </dgm:styleLbl>
+  <dgm:styleLbl name="conFgAcc1">
+    <dgm:scene3d>
+      <a:camera prst="orthographicFront"/>
+      <a:lightRig rig="threePt" dir="t"/>
+    </dgm:scene3d>
+    <dgm:sp3d/>
+    <dgm:txPr/>
+    <dgm:style>
+      <a:lnRef idx="2">
+        <a:scrgbClr r="0" g="0" b="0"/>
+      </a:lnRef>
+      <a:fillRef idx="1">
+        <a:scrgbClr r="0" g="0" b="0"/>
+      </a:fillRef>
+      <a:effectRef idx="0">
+        <a:scrgbClr r="0" g="0" b="0"/>
+      </a:effectRef>
+      <a:fontRef idx="minor"/>
+    </dgm:style>
+  </dgm:styleLbl>
+  <dgm:styleLbl name="alignAcc1">
+    <dgm:scene3d>
+      <a:camera prst="orthographicFront"/>
+      <a:lightRig rig="threePt" dir="t"/>
+    </dgm:scene3d>
+    <dgm:sp3d/>
+    <dgm:txPr/>
+    <dgm:style>
+      <a:lnRef idx="2">
+        <a:scrgbClr r="0" g="0" b="0"/>
+      </a:lnRef>
+      <a:fillRef idx="1">
+        <a:scrgbClr r="0" g="0" b="0"/>
+      </a:fillRef>
+      <a:effectRef idx="0">
+        <a:scrgbClr r="0" g="0" b="0"/>
+      </a:effectRef>
+      <a:fontRef idx="minor"/>
+    </dgm:style>
+  </dgm:styleLbl>
+  <dgm:styleLbl name="trAlignAcc1">
+    <dgm:scene3d>
+      <a:camera prst="orthographicFront"/>
+      <a:lightRig rig="threePt" dir="t"/>
+    </dgm:scene3d>
+    <dgm:sp3d/>
+    <dgm:txPr/>
+    <dgm:style>
+      <a:lnRef idx="1">
+        <a:scrgbClr r="0" g="0" b="0"/>
+      </a:lnRef>
+      <a:fillRef idx="1">
+        <a:scrgbClr r="0" g="0" b="0"/>
+      </a:fillRef>
+      <a:effectRef idx="0">
+        <a:scrgbClr r="0" g="0" b="0"/>
+      </a:effectRef>
+      <a:fontRef idx="minor"/>
+    </dgm:style>
+  </dgm:styleLbl>
+  <dgm:styleLbl name="bgAcc1">
+    <dgm:scene3d>
+      <a:camera prst="orthographicFront"/>
+      <a:lightRig rig="threePt" dir="t"/>
+    </dgm:scene3d>
+    <dgm:sp3d/>
+    <dgm:txPr/>
+    <dgm:style>
+      <a:lnRef idx="2">
+        <a:scrgbClr r="0" g="0" b="0"/>
+      </a:lnRef>
+      <a:fillRef idx="1">
+        <a:scrgbClr r="0" g="0" b="0"/>
+      </a:fillRef>
+      <a:effectRef idx="0">
+        <a:scrgbClr r="0" g="0" b="0"/>
+      </a:effectRef>
+      <a:fontRef idx="minor"/>
+    </dgm:style>
+  </dgm:styleLbl>
+  <dgm:styleLbl name="solidFgAcc1">
+    <dgm:scene3d>
+      <a:camera prst="orthographicFront"/>
+      <a:lightRig rig="threePt" dir="t"/>
+    </dgm:scene3d>
+    <dgm:sp3d/>
+    <dgm:txPr/>
+    <dgm:style>
+      <a:lnRef idx="2">
+        <a:scrgbClr r="0" g="0" b="0"/>
+      </a:lnRef>
+      <a:fillRef idx="1">
+        <a:scrgbClr r="0" g="0" b="0"/>
+      </a:fillRef>
+      <a:effectRef idx="0">
+        <a:scrgbClr r="0" g="0" b="0"/>
+      </a:effectRef>
+      <a:fontRef idx="minor"/>
+    </dgm:style>
+  </dgm:styleLbl>
+  <dgm:styleLbl name="solidAlignAcc1">
+    <dgm:scene3d>
+      <a:camera prst="orthographicFront"/>
+      <a:lightRig rig="threePt" dir="t"/>
+    </dgm:scene3d>
+    <dgm:sp3d/>
+    <dgm:txPr/>
+    <dgm:style>
+      <a:lnRef idx="2">
+        <a:scrgbClr r="0" g="0" b="0"/>
+      </a:lnRef>
+      <a:fillRef idx="1">
+        <a:scrgbClr r="0" g="0" b="0"/>
+      </a:fillRef>
+      <a:effectRef idx="0">
+        <a:scrgbClr r="0" g="0" b="0"/>
+      </a:effectRef>
+      <a:fontRef idx="minor"/>
+    </dgm:style>
+  </dgm:styleLbl>
+  <dgm:styleLbl name="solidBgAcc1">
+    <dgm:scene3d>
+      <a:camera prst="orthographicFront"/>
+      <a:lightRig rig="threePt" dir="t"/>
+    </dgm:scene3d>
+    <dgm:sp3d/>
+    <dgm:txPr/>
+    <dgm:style>
+      <a:lnRef idx="2">
+        <a:scrgbClr r="0" g="0" b="0"/>
+      </a:lnRef>
+      <a:fillRef idx="1">
+        <a:scrgbClr r="0" g="0" b="0"/>
+      </a:fillRef>
+      <a:effectRef idx="0">
+        <a:scrgbClr r="0" g="0" b="0"/>
+      </a:effectRef>
+      <a:fontRef idx="minor"/>
+    </dgm:style>
+  </dgm:styleLbl>
+  <dgm:styleLbl name="fgAccFollowNode1">
+    <dgm:scene3d>
+      <a:camera prst="orthographicFront"/>
+      <a:lightRig rig="threePt" dir="t"/>
+    </dgm:scene3d>
+    <dgm:sp3d/>
+    <dgm:txPr/>
+    <dgm:style>
+      <a:lnRef idx="2">
+        <a:scrgbClr r="0" g="0" b="0"/>
+      </a:lnRef>
+      <a:fillRef idx="1">
+        <a:scrgbClr r="0" g="0" b="0"/>
+      </a:fillRef>
+      <a:effectRef idx="0">
+        <a:scrgbClr r="0" g="0" b="0"/>
+      </a:effectRef>
+      <a:fontRef idx="minor"/>
+    </dgm:style>
+  </dgm:styleLbl>
+  <dgm:styleLbl name="alignAccFollowNode1">
+    <dgm:scene3d>
+      <a:camera prst="orthographicFront"/>
+      <a:lightRig rig="threePt" dir="t"/>
+    </dgm:scene3d>
+    <dgm:sp3d/>
+    <dgm:txPr/>
+    <dgm:style>
+      <a:lnRef idx="2">
+        <a:scrgbClr r="0" g="0" b="0"/>
+      </a:lnRef>
+      <a:fillRef idx="1">
+        <a:scrgbClr r="0" g="0" b="0"/>
+      </a:fillRef>
+      <a:effectRef idx="0">
+        <a:scrgbClr r="0" g="0" b="0"/>
+      </a:effectRef>
+      <a:fontRef idx="minor"/>
+    </dgm:style>
+  </dgm:styleLbl>
+  <dgm:styleLbl name="bgAccFollowNode1">
+    <dgm:scene3d>
+      <a:camera prst="orthographicFront"/>
+      <a:lightRig rig="threePt" dir="t"/>
+    </dgm:scene3d>
+    <dgm:sp3d/>
+    <dgm:txPr/>
+    <dgm:style>
+      <a:lnRef idx="2">
+        <a:scrgbClr r="0" g="0" b="0"/>
+      </a:lnRef>
+      <a:fillRef idx="1">
+        <a:scrgbClr r="0" g="0" b="0"/>
+      </a:fillRef>
+      <a:effectRef idx="0">
+        <a:scrgbClr r="0" g="0" b="0"/>
+      </a:effectRef>
+      <a:fontRef idx="minor"/>
+    </dgm:style>
+  </dgm:styleLbl>
+  <dgm:styleLbl name="fgAcc0">
+    <dgm:scene3d>
+      <a:camera prst="orthographicFront"/>
+      <a:lightRig rig="threePt" dir="t"/>
+    </dgm:scene3d>
+    <dgm:sp3d/>
+    <dgm:txPr/>
+    <dgm:style>
+      <a:lnRef idx="2">
+        <a:scrgbClr r="0" g="0" b="0"/>
+      </a:lnRef>
+      <a:fillRef idx="1">
+        <a:scrgbClr r="0" g="0" b="0"/>
+      </a:fillRef>
+      <a:effectRef idx="0">
+        <a:scrgbClr r="0" g="0" b="0"/>
+      </a:effectRef>
+      <a:fontRef idx="minor"/>
+    </dgm:style>
+  </dgm:styleLbl>
+  <dgm:styleLbl name="fgAcc2">
+    <dgm:scene3d>
+      <a:camera prst="orthographicFront"/>
+      <a:lightRig rig="threePt" dir="t"/>
+    </dgm:scene3d>
+    <dgm:sp3d/>
+    <dgm:txPr/>
+    <dgm:style>
+      <a:lnRef idx="2">
+        <a:scrgbClr r="0" g="0" b="0"/>
+      </a:lnRef>
+      <a:fillRef idx="1">
+        <a:scrgbClr r="0" g="0" b="0"/>
+      </a:fillRef>
+      <a:effectRef idx="0">
+        <a:scrgbClr r="0" g="0" b="0"/>
+      </a:effectRef>
+      <a:fontRef idx="minor"/>
+    </dgm:style>
+  </dgm:styleLbl>
+  <dgm:styleLbl name="fgAcc3">
+    <dgm:scene3d>
+      <a:camera prst="orthographicFront"/>
+      <a:lightRig rig="threePt" dir="t"/>
+    </dgm:scene3d>
+    <dgm:sp3d/>
+    <dgm:txPr/>
+    <dgm:style>
+      <a:lnRef idx="2">
+        <a:scrgbClr r="0" g="0" b="0"/>
+      </a:lnRef>
+      <a:fillRef idx="1">
+        <a:scrgbClr r="0" g="0" b="0"/>
+      </a:fillRef>
+      <a:effectRef idx="0">
+        <a:scrgbClr r="0" g="0" b="0"/>
+      </a:effectRef>
+      <a:fontRef idx="minor"/>
+    </dgm:style>
+  </dgm:styleLbl>
+  <dgm:styleLbl name="fgAcc4">
+    <dgm:scene3d>
+      <a:camera prst="orthographicFront"/>
+      <a:lightRig rig="threePt" dir="t"/>
+    </dgm:scene3d>
+    <dgm:sp3d/>
+    <dgm:txPr/>
+    <dgm:style>
+      <a:lnRef idx="2">
+        <a:scrgbClr r="0" g="0" b="0"/>
+      </a:lnRef>
+      <a:fillRef idx="1">
+        <a:scrgbClr r="0" g="0" b="0"/>
+      </a:fillRef>
+      <a:effectRef idx="0">
+        <a:scrgbClr r="0" g="0" b="0"/>
+      </a:effectRef>
+      <a:fontRef idx="minor"/>
+    </dgm:style>
+  </dgm:styleLbl>
+  <dgm:styleLbl name="bgShp">
+    <dgm:scene3d>
+      <a:camera prst="orthographicFront"/>
+      <a:lightRig rig="threePt" dir="t"/>
+    </dgm:scene3d>
+    <dgm:sp3d/>
+    <dgm:txPr/>
+    <dgm:style>
+      <a:lnRef idx="0">
+        <a:scrgbClr r="0" g="0" b="0"/>
+      </a:lnRef>
+      <a:fillRef idx="1">
+        <a:scrgbClr r="0" g="0" b="0"/>
+      </a:fillRef>
+      <a:effectRef idx="0">
+        <a:scrgbClr r="0" g="0" b="0"/>
+      </a:effectRef>
+      <a:fontRef idx="minor"/>
+    </dgm:style>
+  </dgm:styleLbl>
+  <dgm:styleLbl name="dkBgShp">
+    <dgm:scene3d>
+      <a:camera prst="orthographicFront"/>
+      <a:lightRig rig="threePt" dir="t"/>
+    </dgm:scene3d>
+    <dgm:sp3d/>
+    <dgm:txPr/>
+    <dgm:style>
+      <a:lnRef idx="0">
+        <a:scrgbClr r="0" g="0" b="0"/>
+      </a:lnRef>
+      <a:fillRef idx="1">
+        <a:scrgbClr r="0" g="0" b="0"/>
+      </a:fillRef>
+      <a:effectRef idx="0">
+        <a:scrgbClr r="0" g="0" b="0"/>
+      </a:effectRef>
+      <a:fontRef idx="minor"/>
+    </dgm:style>
+  </dgm:styleLbl>
+  <dgm:styleLbl name="trBgShp">
+    <dgm:scene3d>
+      <a:camera prst="orthographicFront"/>
+      <a:lightRig rig="threePt" dir="t"/>
+    </dgm:scene3d>
+    <dgm:sp3d/>
+    <dgm:txPr/>
+    <dgm:style>
+      <a:lnRef idx="0">
+        <a:scrgbClr r="0" g="0" b="0"/>
+      </a:lnRef>
+      <a:fillRef idx="1">
+        <a:scrgbClr r="0" g="0" b="0"/>
+      </a:fillRef>
+      <a:effectRef idx="0">
+        <a:scrgbClr r="0" g="0" b="0"/>
+      </a:effectRef>
+      <a:fontRef idx="minor"/>
+    </dgm:style>
+  </dgm:styleLbl>
+  <dgm:styleLbl name="fgShp">
+    <dgm:scene3d>
+      <a:camera prst="orthographicFront"/>
+      <a:lightRig rig="threePt" dir="t"/>
+    </dgm:scene3d>
+    <dgm:sp3d/>
+    <dgm:txPr/>
+    <dgm:style>
+      <a:lnRef idx="2">
+        <a:scrgbClr r="0" g="0" b="0"/>
+      </a:lnRef>
+      <a:fillRef idx="1">
+        <a:scrgbClr r="0" g="0" b="0"/>
+      </a:fillRef>
+      <a:effectRef idx="0">
+        <a:scrgbClr r="0" g="0" b="0"/>
+      </a:effectRef>
+      <a:fontRef idx="minor"/>
+    </dgm:style>
+  </dgm:styleLbl>
+  <dgm:styleLbl name="revTx">
+    <dgm:scene3d>
+      <a:camera prst="orthographicFront"/>
+      <a:lightRig rig="threePt" dir="t"/>
+    </dgm:scene3d>
+    <dgm:sp3d/>
+    <dgm:txPr/>
+    <dgm:style>
+      <a:lnRef idx="0">
+        <a:scrgbClr r="0" g="0" b="0"/>
+      </a:lnRef>
+      <a:fillRef idx="0">
+        <a:scrgbClr r="0" g="0" b="0"/>
+      </a:fillRef>
+      <a:effectRef idx="0">
+        <a:scrgbClr r="0" g="0" b="0"/>
+      </a:effectRef>
+      <a:fontRef idx="minor"/>
+    </dgm:style>
+  </dgm:styleLbl>
+</dgm:styleDef>
+</file>
+
 <file path=ppt/notesMasters/notesMaster1.xml><?xml version="1.0" encoding="utf-8"?>
 <p:notesMaster xmlns:a="http://schemas.openxmlformats.org/drawingml/2006/main" xmlns:r="http://schemas.openxmlformats.org/officeDocument/2006/relationships" xmlns:p="http://schemas.openxmlformats.org/presentationml/2006/main">
   <p:cSld>
@@ -3047,7 +5857,7 @@
           <a:p>
             <a:fld id="{85DB6F77-31B3-44A6-9538-7D3B84B14A3E}" type="datetimeFigureOut">
               <a:rPr lang="en-US" smtClean="0"/>
-              <a:t>4/18/2021</a:t>
+              <a:t>4/24/2021</a:t>
             </a:fld>
             <a:endParaRPr lang="en-US" dirty="0"/>
           </a:p>
@@ -3540,7 +6350,7 @@
           <a:p>
             <a:fld id="{F7B24132-C908-474C-84C6-F33F0E9C2824}" type="datetime1">
               <a:rPr lang="en-US" smtClean="0"/>
-              <a:t>4/18/2021</a:t>
+              <a:t>4/24/2021</a:t>
             </a:fld>
             <a:endParaRPr lang="en-US" dirty="0"/>
           </a:p>
@@ -3743,7 +6553,7 @@
           <a:p>
             <a:fld id="{03A0D6BE-6A5B-4B1A-AB35-D5FFCCF5138B}" type="datetime1">
               <a:rPr lang="en-US" smtClean="0"/>
-              <a:t>4/18/2021</a:t>
+              <a:t>4/24/2021</a:t>
             </a:fld>
             <a:endParaRPr lang="en-US" dirty="0"/>
           </a:p>
@@ -3994,7 +6804,7 @@
           <a:p>
             <a:fld id="{F4E8BD5B-87CC-4318-9824-F4CA83CB0BAF}" type="datetime1">
               <a:rPr lang="en-US" smtClean="0"/>
-              <a:t>4/18/2021</a:t>
+              <a:t>4/24/2021</a:t>
             </a:fld>
             <a:endParaRPr lang="en-US" dirty="0"/>
           </a:p>
@@ -4163,7 +6973,7 @@
           <a:p>
             <a:fld id="{F5E2AA5E-62DB-4209-84D2-A3A9C66875BD}" type="datetime1">
               <a:rPr lang="en-US" smtClean="0"/>
-              <a:t>4/18/2021</a:t>
+              <a:t>4/24/2021</a:t>
             </a:fld>
             <a:endParaRPr lang="en-US" dirty="0"/>
           </a:p>
@@ -4501,7 +7311,7 @@
           <a:p>
             <a:fld id="{55B8EF27-61CD-4273-9CC6-8B5AB469D6E9}" type="datetime1">
               <a:rPr lang="en-US" smtClean="0"/>
-              <a:t>4/18/2021</a:t>
+              <a:t>4/24/2021</a:t>
             </a:fld>
             <a:endParaRPr lang="en-US" dirty="0"/>
           </a:p>
@@ -4771,7 +7581,7 @@
           <a:p>
             <a:fld id="{F0614D88-E4A3-4915-A946-C7B143E0147E}" type="datetime1">
               <a:rPr lang="en-US" smtClean="0"/>
-              <a:t>4/18/2021</a:t>
+              <a:t>4/24/2021</a:t>
             </a:fld>
             <a:endParaRPr lang="en-US" dirty="0"/>
           </a:p>
@@ -5145,7 +7955,7 @@
           <a:p>
             <a:fld id="{07C41193-F002-4F22-ACB4-105512D85B33}" type="datetime1">
               <a:rPr lang="en-US" smtClean="0"/>
-              <a:t>4/18/2021</a:t>
+              <a:t>4/24/2021</a:t>
             </a:fld>
             <a:endParaRPr lang="en-US" dirty="0"/>
           </a:p>
@@ -5258,7 +8068,7 @@
           <a:p>
             <a:fld id="{03B2B57F-0B3C-4FE7-8F56-8C4115027F2E}" type="datetime1">
               <a:rPr lang="en-US" smtClean="0"/>
-              <a:t>4/18/2021</a:t>
+              <a:t>4/24/2021</a:t>
             </a:fld>
             <a:endParaRPr lang="en-US" dirty="0"/>
           </a:p>
@@ -5424,7 +8234,7 @@
           <a:p>
             <a:fld id="{70E8098D-3BCA-4496-B67F-08ABED3A79F9}" type="datetime1">
               <a:rPr lang="en-US" smtClean="0"/>
-              <a:t>4/18/2021</a:t>
+              <a:t>4/24/2021</a:t>
             </a:fld>
             <a:endParaRPr lang="en-US" dirty="0"/>
           </a:p>
@@ -5774,7 +8584,7 @@
           <a:p>
             <a:fld id="{5F4F9A14-79CD-4DBB-8A95-93FAB90953CE}" type="datetime1">
               <a:rPr lang="en-US" smtClean="0"/>
-              <a:t>4/18/2021</a:t>
+              <a:t>4/24/2021</a:t>
             </a:fld>
             <a:endParaRPr lang="en-US" dirty="0"/>
           </a:p>
@@ -6152,7 +8962,7 @@
           <a:p>
             <a:fld id="{72FCCA62-85F4-4E91-8034-B3A4AEB2ACA5}" type="datetime1">
               <a:rPr lang="en-US" smtClean="0"/>
-              <a:t>4/18/2021</a:t>
+              <a:t>4/24/2021</a:t>
             </a:fld>
             <a:endParaRPr lang="en-US" dirty="0"/>
           </a:p>
@@ -6434,7 +9244,7 @@
           <a:p>
             <a:fld id="{77739FE2-C7BB-439D-8EFA-EB059A6AF0B6}" type="datetime1">
               <a:rPr lang="en-US" smtClean="0"/>
-              <a:t>4/18/2021</a:t>
+              <a:t>4/24/2021</a:t>
             </a:fld>
             <a:endParaRPr lang="en-US" dirty="0"/>
           </a:p>
@@ -7388,6 +10198,316 @@
 <file path=ppt/slides/slide2.xml><?xml version="1.0" encoding="utf-8"?>
 <p:sld xmlns:a="http://schemas.openxmlformats.org/drawingml/2006/main" xmlns:r="http://schemas.openxmlformats.org/officeDocument/2006/relationships" xmlns:p="http://schemas.openxmlformats.org/presentationml/2006/main">
   <p:cSld>
+    <p:bg>
+      <p:bgPr>
+        <a:solidFill>
+          <a:schemeClr val="bg1"/>
+        </a:solidFill>
+        <a:effectLst/>
+      </p:bgPr>
+    </p:bg>
+    <p:spTree>
+      <p:nvGrpSpPr>
+        <p:cNvPr id="1" name=""/>
+        <p:cNvGrpSpPr/>
+        <p:nvPr/>
+      </p:nvGrpSpPr>
+      <p:grpSpPr>
+        <a:xfrm>
+          <a:off x="0" y="0"/>
+          <a:ext cx="0" cy="0"/>
+          <a:chOff x="0" y="0"/>
+          <a:chExt cx="0" cy="0"/>
+        </a:xfrm>
+      </p:grpSpPr>
+      <p:sp useBgFill="1">
+        <p:nvSpPr>
+          <p:cNvPr id="11" name="Rectangle 10">
+            <a:extLst>
+              <a:ext uri="{FF2B5EF4-FFF2-40B4-BE49-F238E27FC236}">
+                <a16:creationId xmlns:a16="http://schemas.microsoft.com/office/drawing/2014/main" id="{311973C2-EB8B-452A-A698-4A252FD3AE28}"/>
+              </a:ext>
+              <a:ext uri="{C183D7F6-B498-43B3-948B-1728B52AA6E4}">
+                <adec:decorative xmlns:adec="http://schemas.microsoft.com/office/drawing/2017/decorative" val="1"/>
+              </a:ext>
+            </a:extLst>
+          </p:cNvPr>
+          <p:cNvSpPr>
+            <a:spLocks noGrp="1" noRot="1" noChangeAspect="1" noMove="1" noResize="1" noEditPoints="1" noAdjustHandles="1" noChangeArrowheads="1" noChangeShapeType="1" noTextEdit="1"/>
+          </p:cNvSpPr>
+          <p:nvPr>
+            <p:extLst>
+              <p:ext uri="{386F3935-93C4-4BCD-93E2-E3B085C9AB24}">
+                <p16:designElem xmlns:p16="http://schemas.microsoft.com/office/powerpoint/2015/main" val="1"/>
+              </p:ext>
+            </p:extLst>
+          </p:nvPr>
+        </p:nvSpPr>
+        <p:spPr>
+          <a:xfrm>
+            <a:off x="0" y="1"/>
+            <a:ext cx="12192000" cy="6857999"/>
+          </a:xfrm>
+          <a:prstGeom prst="rect">
+            <a:avLst/>
+          </a:prstGeom>
+          <a:ln>
+            <a:noFill/>
+          </a:ln>
+        </p:spPr>
+        <p:style>
+          <a:lnRef idx="2">
+            <a:schemeClr val="accent1">
+              <a:shade val="50000"/>
+            </a:schemeClr>
+          </a:lnRef>
+          <a:fillRef idx="1">
+            <a:schemeClr val="accent1"/>
+          </a:fillRef>
+          <a:effectRef idx="0">
+            <a:schemeClr val="accent1"/>
+          </a:effectRef>
+          <a:fontRef idx="minor">
+            <a:schemeClr val="lt1"/>
+          </a:fontRef>
+        </p:style>
+        <p:txBody>
+          <a:bodyPr rtlCol="0" anchor="ctr"/>
+          <a:lstStyle/>
+          <a:p>
+            <a:pPr algn="ctr"/>
+            <a:endParaRPr lang="en-US" dirty="0"/>
+          </a:p>
+        </p:txBody>
+      </p:sp>
+      <p:sp useBgFill="1">
+        <p:nvSpPr>
+          <p:cNvPr id="13" name="Rectangle 12">
+            <a:extLst>
+              <a:ext uri="{FF2B5EF4-FFF2-40B4-BE49-F238E27FC236}">
+                <a16:creationId xmlns:a16="http://schemas.microsoft.com/office/drawing/2014/main" id="{10162E77-11AD-44A7-84EC-40C59EEFBD2E}"/>
+              </a:ext>
+              <a:ext uri="{C183D7F6-B498-43B3-948B-1728B52AA6E4}">
+                <adec:decorative xmlns:adec="http://schemas.microsoft.com/office/drawing/2017/decorative" val="1"/>
+              </a:ext>
+            </a:extLst>
+          </p:cNvPr>
+          <p:cNvSpPr>
+            <a:spLocks noGrp="1" noRot="1" noChangeAspect="1" noMove="1" noResize="1" noEditPoints="1" noAdjustHandles="1" noChangeArrowheads="1" noChangeShapeType="1" noTextEdit="1"/>
+          </p:cNvSpPr>
+          <p:nvPr>
+            <p:extLst>
+              <p:ext uri="{386F3935-93C4-4BCD-93E2-E3B085C9AB24}">
+                <p16:designElem xmlns:p16="http://schemas.microsoft.com/office/powerpoint/2015/main" val="1"/>
+              </p:ext>
+            </p:extLst>
+          </p:nvPr>
+        </p:nvSpPr>
+        <p:spPr>
+          <a:xfrm>
+            <a:off x="0" y="0"/>
+            <a:ext cx="12192001" cy="6334316"/>
+          </a:xfrm>
+          <a:prstGeom prst="rect">
+            <a:avLst/>
+          </a:prstGeom>
+          <a:ln>
+            <a:noFill/>
+          </a:ln>
+        </p:spPr>
+        <p:style>
+          <a:lnRef idx="2">
+            <a:schemeClr val="accent1">
+              <a:shade val="50000"/>
+            </a:schemeClr>
+          </a:lnRef>
+          <a:fillRef idx="1">
+            <a:schemeClr val="accent1"/>
+          </a:fillRef>
+          <a:effectRef idx="0">
+            <a:schemeClr val="accent1"/>
+          </a:effectRef>
+          <a:fontRef idx="minor">
+            <a:schemeClr val="lt1"/>
+          </a:fontRef>
+        </p:style>
+        <p:txBody>
+          <a:bodyPr rtlCol="0" anchor="ctr"/>
+          <a:lstStyle/>
+          <a:p>
+            <a:pPr algn="ctr"/>
+            <a:endParaRPr lang="en-US" dirty="0"/>
+          </a:p>
+        </p:txBody>
+      </p:sp>
+      <p:sp>
+        <p:nvSpPr>
+          <p:cNvPr id="2" name="Title 1">
+            <a:extLst>
+              <a:ext uri="{FF2B5EF4-FFF2-40B4-BE49-F238E27FC236}">
+                <a16:creationId xmlns:a16="http://schemas.microsoft.com/office/drawing/2014/main" id="{58939E06-B884-48E2-A024-042AA6CB08FA}"/>
+              </a:ext>
+            </a:extLst>
+          </p:cNvPr>
+          <p:cNvSpPr>
+            <a:spLocks noGrp="1"/>
+          </p:cNvSpPr>
+          <p:nvPr>
+            <p:ph type="title"/>
+          </p:nvPr>
+        </p:nvSpPr>
+        <p:spPr>
+          <a:xfrm>
+            <a:off x="5181601" y="634946"/>
+            <a:ext cx="6368142" cy="1450757"/>
+          </a:xfrm>
+        </p:spPr>
+        <p:txBody>
+          <a:bodyPr>
+            <a:normAutofit/>
+          </a:bodyPr>
+          <a:lstStyle/>
+          <a:p>
+            <a:r>
+              <a:rPr lang="en-US" dirty="0"/>
+              <a:t>Key Questions</a:t>
+            </a:r>
+          </a:p>
+        </p:txBody>
+      </p:sp>
+      <p:cxnSp>
+        <p:nvCxnSpPr>
+          <p:cNvPr id="15" name="Straight Connector 14">
+            <a:extLst>
+              <a:ext uri="{FF2B5EF4-FFF2-40B4-BE49-F238E27FC236}">
+                <a16:creationId xmlns:a16="http://schemas.microsoft.com/office/drawing/2014/main" id="{5AB158E9-1B40-4CD6-95F0-95CA11DF7B7A}"/>
+              </a:ext>
+              <a:ext uri="{C183D7F6-B498-43B3-948B-1728B52AA6E4}">
+                <adec:decorative xmlns:adec="http://schemas.microsoft.com/office/drawing/2017/decorative" val="1"/>
+              </a:ext>
+            </a:extLst>
+          </p:cNvPr>
+          <p:cNvCxnSpPr>
+            <a:cxnSpLocks noGrp="1" noRot="1" noChangeAspect="1" noMove="1" noResize="1" noEditPoints="1" noAdjustHandles="1" noChangeArrowheads="1" noChangeShapeType="1"/>
+          </p:cNvCxnSpPr>
+          <p:nvPr>
+            <p:extLst>
+              <p:ext uri="{386F3935-93C4-4BCD-93E2-E3B085C9AB24}">
+                <p16:designElem xmlns:p16="http://schemas.microsoft.com/office/powerpoint/2015/main" val="1"/>
+              </p:ext>
+            </p:extLst>
+          </p:nvPr>
+        </p:nvCxnSpPr>
+        <p:spPr>
+          <a:xfrm>
+            <a:off x="5287617" y="2085703"/>
+            <a:ext cx="6170686" cy="0"/>
+          </a:xfrm>
+          <a:prstGeom prst="line">
+            <a:avLst/>
+          </a:prstGeom>
+          <a:ln w="6350">
+            <a:solidFill>
+              <a:schemeClr val="tx1">
+                <a:lumMod val="50000"/>
+                <a:lumOff val="50000"/>
+                <a:alpha val="90000"/>
+              </a:schemeClr>
+            </a:solidFill>
+          </a:ln>
+        </p:spPr>
+        <p:style>
+          <a:lnRef idx="1">
+            <a:schemeClr val="accent1"/>
+          </a:lnRef>
+          <a:fillRef idx="0">
+            <a:schemeClr val="accent1"/>
+          </a:fillRef>
+          <a:effectRef idx="0">
+            <a:schemeClr val="accent1"/>
+          </a:effectRef>
+          <a:fontRef idx="minor">
+            <a:schemeClr val="tx1"/>
+          </a:fontRef>
+        </p:style>
+      </p:cxnSp>
+      <p:graphicFrame>
+        <p:nvGraphicFramePr>
+          <p:cNvPr id="6" name="Content Placeholder 2" descr="icon circle label list SmartArt">
+            <a:extLst>
+              <a:ext uri="{FF2B5EF4-FFF2-40B4-BE49-F238E27FC236}">
+                <a16:creationId xmlns:a16="http://schemas.microsoft.com/office/drawing/2014/main" id="{6AD0D85D-BF36-4325-B97D-1085C7E5B130}"/>
+              </a:ext>
+            </a:extLst>
+          </p:cNvPr>
+          <p:cNvGraphicFramePr>
+            <a:graphicFrameLocks noGrp="1"/>
+          </p:cNvGraphicFramePr>
+          <p:nvPr>
+            <p:ph idx="1"/>
+            <p:extLst>
+              <p:ext uri="{D42A27DB-BD31-4B8C-83A1-F6EECF244321}">
+                <p14:modId xmlns:p14="http://schemas.microsoft.com/office/powerpoint/2010/main" val="2699180334"/>
+              </p:ext>
+            </p:extLst>
+          </p:nvPr>
+        </p:nvGraphicFramePr>
+        <p:xfrm>
+          <a:off x="5181601" y="2198914"/>
+          <a:ext cx="6368142" cy="3670180"/>
+        </p:xfrm>
+        <a:graphic>
+          <a:graphicData uri="http://schemas.openxmlformats.org/drawingml/2006/diagram">
+            <dgm:relIds xmlns:dgm="http://schemas.openxmlformats.org/drawingml/2006/diagram" xmlns:r="http://schemas.openxmlformats.org/officeDocument/2006/relationships" r:dm="rId2" r:lo="rId3" r:qs="rId4" r:cs="rId5"/>
+          </a:graphicData>
+        </a:graphic>
+      </p:graphicFrame>
+      <p:pic>
+        <p:nvPicPr>
+          <p:cNvPr id="5" name="Picture 4" descr="A picture containing tree, outdoor, conifer, slope&#10;&#10;Description automatically generated">
+            <a:extLst>
+              <a:ext uri="{FF2B5EF4-FFF2-40B4-BE49-F238E27FC236}">
+                <a16:creationId xmlns:a16="http://schemas.microsoft.com/office/drawing/2014/main" id="{0E3A3E54-0FC0-4311-A9BA-1C6194BEE8BC}"/>
+              </a:ext>
+            </a:extLst>
+          </p:cNvPr>
+          <p:cNvPicPr>
+            <a:picLocks noChangeAspect="1"/>
+          </p:cNvPicPr>
+          <p:nvPr/>
+        </p:nvPicPr>
+        <p:blipFill>
+          <a:blip r:embed="rId7"/>
+          <a:stretch>
+            <a:fillRect/>
+          </a:stretch>
+        </p:blipFill>
+        <p:spPr>
+          <a:xfrm>
+            <a:off x="-18080" y="-1"/>
+            <a:ext cx="4572000" cy="6858000"/>
+          </a:xfrm>
+          <a:prstGeom prst="rect">
+            <a:avLst/>
+          </a:prstGeom>
+        </p:spPr>
+      </p:pic>
+    </p:spTree>
+    <p:extLst>
+      <p:ext uri="{BB962C8B-B14F-4D97-AF65-F5344CB8AC3E}">
+        <p14:creationId xmlns:p14="http://schemas.microsoft.com/office/powerpoint/2010/main" val="1843192287"/>
+      </p:ext>
+    </p:extLst>
+  </p:cSld>
+  <p:clrMapOvr>
+    <a:masterClrMapping/>
+  </p:clrMapOvr>
+</p:sld>
+</file>
+
+<file path=ppt/slides/slide3.xml><?xml version="1.0" encoding="utf-8"?>
+<p:sld xmlns:a="http://schemas.openxmlformats.org/drawingml/2006/main" xmlns:r="http://schemas.openxmlformats.org/officeDocument/2006/relationships" xmlns:p="http://schemas.openxmlformats.org/presentationml/2006/main">
+  <p:cSld>
     <p:spTree>
       <p:nvGrpSpPr>
         <p:cNvPr id="1" name=""/>
@@ -7425,7 +10545,7 @@
           <a:p>
             <a:r>
               <a:rPr lang="en-US" dirty="0"/>
-              <a:t>Basic Summary</a:t>
+              <a:t>The Data</a:t>
             </a:r>
           </a:p>
         </p:txBody>
@@ -7453,8 +10573,11 @@
           <a:p>
             <a:r>
               <a:rPr lang="en-US" dirty="0"/>
-              <a:t>What is this?</a:t>
+              <a:t>List data sources/datasets w/ a few notes</a:t>
             </a:r>
+          </a:p>
+          <a:p>
+            <a:endParaRPr lang="en-US" dirty="0"/>
           </a:p>
         </p:txBody>
       </p:sp>
@@ -7481,7 +10604,7 @@
           <a:p>
             <a:r>
               <a:rPr lang="en-US" dirty="0"/>
-              <a:t>This is available for subtext</a:t>
+              <a:t>Historical California Wildfire data is not easily accessible.</a:t>
             </a:r>
           </a:p>
         </p:txBody>
@@ -7499,7 +10622,892 @@
 </p:sld>
 </file>
 
-<file path=ppt/slides/slide3.xml><?xml version="1.0" encoding="utf-8"?>
+<file path=ppt/slides/slide4.xml><?xml version="1.0" encoding="utf-8"?>
+<p:sld xmlns:a="http://schemas.openxmlformats.org/drawingml/2006/main" xmlns:r="http://schemas.openxmlformats.org/officeDocument/2006/relationships" xmlns:p="http://schemas.openxmlformats.org/presentationml/2006/main">
+  <p:cSld>
+    <p:spTree>
+      <p:nvGrpSpPr>
+        <p:cNvPr id="1" name=""/>
+        <p:cNvGrpSpPr/>
+        <p:nvPr/>
+      </p:nvGrpSpPr>
+      <p:grpSpPr>
+        <a:xfrm>
+          <a:off x="0" y="0"/>
+          <a:ext cx="0" cy="0"/>
+          <a:chOff x="0" y="0"/>
+          <a:chExt cx="0" cy="0"/>
+        </a:xfrm>
+      </p:grpSpPr>
+      <p:pic>
+        <p:nvPicPr>
+          <p:cNvPr id="51" name="Picture 50">
+            <a:extLst>
+              <a:ext uri="{FF2B5EF4-FFF2-40B4-BE49-F238E27FC236}">
+                <a16:creationId xmlns:a16="http://schemas.microsoft.com/office/drawing/2014/main" id="{1747218C-47E2-4F39-AA78-2CC9DCFB68E3}"/>
+              </a:ext>
+            </a:extLst>
+          </p:cNvPr>
+          <p:cNvPicPr>
+            <a:picLocks noChangeAspect="1"/>
+          </p:cNvPicPr>
+          <p:nvPr/>
+        </p:nvPicPr>
+        <p:blipFill>
+          <a:blip r:embed="rId2"/>
+          <a:stretch>
+            <a:fillRect/>
+          </a:stretch>
+        </p:blipFill>
+        <p:spPr>
+          <a:xfrm>
+            <a:off x="1361444" y="30598"/>
+            <a:ext cx="5557541" cy="3741174"/>
+          </a:xfrm>
+          <a:prstGeom prst="rect">
+            <a:avLst/>
+          </a:prstGeom>
+        </p:spPr>
+      </p:pic>
+      <p:sp>
+        <p:nvSpPr>
+          <p:cNvPr id="5" name="Title 4">
+            <a:extLst>
+              <a:ext uri="{FF2B5EF4-FFF2-40B4-BE49-F238E27FC236}">
+                <a16:creationId xmlns:a16="http://schemas.microsoft.com/office/drawing/2014/main" id="{7227A022-1152-4370-BE9F-B3D78FE97089}"/>
+              </a:ext>
+            </a:extLst>
+          </p:cNvPr>
+          <p:cNvSpPr>
+            <a:spLocks noGrp="1"/>
+          </p:cNvSpPr>
+          <p:nvPr>
+            <p:ph type="title" idx="4294967295"/>
+          </p:nvPr>
+        </p:nvSpPr>
+        <p:spPr>
+          <a:xfrm>
+            <a:off x="0" y="0"/>
+            <a:ext cx="4699000" cy="598041"/>
+          </a:xfrm>
+        </p:spPr>
+        <p:txBody>
+          <a:bodyPr>
+            <a:normAutofit/>
+          </a:bodyPr>
+          <a:lstStyle/>
+          <a:p>
+            <a:r>
+              <a:rPr lang="en-US" sz="3200" dirty="0"/>
+              <a:t>Solution Architecture</a:t>
+            </a:r>
+          </a:p>
+        </p:txBody>
+      </p:sp>
+      <p:pic>
+        <p:nvPicPr>
+          <p:cNvPr id="3" name="Picture 2">
+            <a:extLst>
+              <a:ext uri="{FF2B5EF4-FFF2-40B4-BE49-F238E27FC236}">
+                <a16:creationId xmlns:a16="http://schemas.microsoft.com/office/drawing/2014/main" id="{27C0BE57-0A19-4EBA-8DBA-A1D02184013D}"/>
+              </a:ext>
+            </a:extLst>
+          </p:cNvPr>
+          <p:cNvPicPr>
+            <a:picLocks noChangeAspect="1"/>
+          </p:cNvPicPr>
+          <p:nvPr/>
+        </p:nvPicPr>
+        <p:blipFill>
+          <a:blip r:embed="rId3"/>
+          <a:stretch>
+            <a:fillRect/>
+          </a:stretch>
+        </p:blipFill>
+        <p:spPr>
+          <a:xfrm>
+            <a:off x="177391" y="2733948"/>
+            <a:ext cx="1127858" cy="1204064"/>
+          </a:xfrm>
+          <a:prstGeom prst="rect">
+            <a:avLst/>
+          </a:prstGeom>
+        </p:spPr>
+      </p:pic>
+      <p:cxnSp>
+        <p:nvCxnSpPr>
+          <p:cNvPr id="12" name="Straight Arrow Connector 11">
+            <a:extLst>
+              <a:ext uri="{FF2B5EF4-FFF2-40B4-BE49-F238E27FC236}">
+                <a16:creationId xmlns:a16="http://schemas.microsoft.com/office/drawing/2014/main" id="{F46CB13D-10E1-4346-91FD-3FE0A36DBBA1}"/>
+              </a:ext>
+            </a:extLst>
+          </p:cNvPr>
+          <p:cNvCxnSpPr>
+            <a:cxnSpLocks/>
+            <a:stCxn id="3" idx="3"/>
+          </p:cNvCxnSpPr>
+          <p:nvPr/>
+        </p:nvCxnSpPr>
+        <p:spPr>
+          <a:xfrm flipV="1">
+            <a:off x="1305249" y="2571328"/>
+            <a:ext cx="1999638" cy="764652"/>
+          </a:xfrm>
+          <a:prstGeom prst="straightConnector1">
+            <a:avLst/>
+          </a:prstGeom>
+          <a:ln>
+            <a:solidFill>
+              <a:schemeClr val="tx2"/>
+            </a:solidFill>
+            <a:tailEnd type="triangle" w="lg" len="lg"/>
+          </a:ln>
+        </p:spPr>
+        <p:style>
+          <a:lnRef idx="1">
+            <a:schemeClr val="dk1"/>
+          </a:lnRef>
+          <a:fillRef idx="0">
+            <a:schemeClr val="dk1"/>
+          </a:fillRef>
+          <a:effectRef idx="0">
+            <a:schemeClr val="dk1"/>
+          </a:effectRef>
+          <a:fontRef idx="minor">
+            <a:schemeClr val="tx1"/>
+          </a:fontRef>
+        </p:style>
+      </p:cxnSp>
+      <p:sp>
+        <p:nvSpPr>
+          <p:cNvPr id="16" name="Rectangle 15">
+            <a:extLst>
+              <a:ext uri="{FF2B5EF4-FFF2-40B4-BE49-F238E27FC236}">
+                <a16:creationId xmlns:a16="http://schemas.microsoft.com/office/drawing/2014/main" id="{F3E982B8-BDAC-48AA-A8A4-59526A71CC38}"/>
+              </a:ext>
+            </a:extLst>
+          </p:cNvPr>
+          <p:cNvSpPr/>
+          <p:nvPr/>
+        </p:nvSpPr>
+        <p:spPr>
+          <a:xfrm>
+            <a:off x="3302333" y="1203758"/>
+            <a:ext cx="2368325" cy="1814669"/>
+          </a:xfrm>
+          <a:prstGeom prst="rect">
+            <a:avLst/>
+          </a:prstGeom>
+          <a:ln/>
+        </p:spPr>
+        <p:style>
+          <a:lnRef idx="2">
+            <a:schemeClr val="accent6"/>
+          </a:lnRef>
+          <a:fillRef idx="1">
+            <a:schemeClr val="lt1"/>
+          </a:fillRef>
+          <a:effectRef idx="0">
+            <a:schemeClr val="accent6"/>
+          </a:effectRef>
+          <a:fontRef idx="minor">
+            <a:schemeClr val="dk1"/>
+          </a:fontRef>
+        </p:style>
+        <p:txBody>
+          <a:bodyPr rtlCol="0" anchor="ctr"/>
+          <a:lstStyle/>
+          <a:p>
+            <a:pPr algn="ctr"/>
+            <a:endParaRPr lang="en-US"/>
+          </a:p>
+        </p:txBody>
+      </p:sp>
+      <p:grpSp>
+        <p:nvGrpSpPr>
+          <p:cNvPr id="13" name="Group 12">
+            <a:extLst>
+              <a:ext uri="{FF2B5EF4-FFF2-40B4-BE49-F238E27FC236}">
+                <a16:creationId xmlns:a16="http://schemas.microsoft.com/office/drawing/2014/main" id="{11787C29-A7BC-4D68-8E77-88AC448AACCF}"/>
+              </a:ext>
+            </a:extLst>
+          </p:cNvPr>
+          <p:cNvGrpSpPr/>
+          <p:nvPr/>
+        </p:nvGrpSpPr>
+        <p:grpSpPr>
+          <a:xfrm>
+            <a:off x="3385565" y="1207269"/>
+            <a:ext cx="2663292" cy="1468337"/>
+            <a:chOff x="5770534" y="-65000"/>
+            <a:chExt cx="3410919" cy="1847850"/>
+          </a:xfrm>
+        </p:grpSpPr>
+        <p:pic>
+          <p:nvPicPr>
+            <p:cNvPr id="14" name="Picture 24" descr="Image result for postgresql logo">
+              <a:extLst>
+                <a:ext uri="{FF2B5EF4-FFF2-40B4-BE49-F238E27FC236}">
+                  <a16:creationId xmlns:a16="http://schemas.microsoft.com/office/drawing/2014/main" id="{FE14265E-3777-4617-A346-25BC2121BC82}"/>
+                </a:ext>
+              </a:extLst>
+            </p:cNvPr>
+            <p:cNvPicPr>
+              <a:picLocks noChangeAspect="1" noChangeArrowheads="1"/>
+            </p:cNvPicPr>
+            <p:nvPr/>
+          </p:nvPicPr>
+          <p:blipFill>
+            <a:blip r:embed="rId4">
+              <a:extLst>
+                <a:ext uri="{28A0092B-C50C-407E-A947-70E740481C1C}">
+                  <a14:useLocalDpi xmlns:a14="http://schemas.microsoft.com/office/drawing/2010/main" val="0"/>
+                </a:ext>
+              </a:extLst>
+            </a:blip>
+            <a:srcRect/>
+            <a:stretch>
+              <a:fillRect/>
+            </a:stretch>
+          </p:blipFill>
+          <p:spPr bwMode="auto">
+            <a:xfrm>
+              <a:off x="5770534" y="-65000"/>
+              <a:ext cx="2114550" cy="1847850"/>
+            </a:xfrm>
+            <a:prstGeom prst="rect">
+              <a:avLst/>
+            </a:prstGeom>
+            <a:noFill/>
+            <a:extLst>
+              <a:ext uri="{909E8E84-426E-40DD-AFC4-6F175D3DCCD1}">
+                <a14:hiddenFill xmlns:a14="http://schemas.microsoft.com/office/drawing/2010/main">
+                  <a:solidFill>
+                    <a:srgbClr val="FFFFFF"/>
+                  </a:solidFill>
+                </a14:hiddenFill>
+              </a:ext>
+            </a:extLst>
+          </p:spPr>
+        </p:pic>
+        <p:pic>
+          <p:nvPicPr>
+            <p:cNvPr id="15" name="Picture 36" descr="Image result for sql logo">
+              <a:extLst>
+                <a:ext uri="{FF2B5EF4-FFF2-40B4-BE49-F238E27FC236}">
+                  <a16:creationId xmlns:a16="http://schemas.microsoft.com/office/drawing/2014/main" id="{41D5A20A-E783-4692-9EA6-1F9E9B082944}"/>
+                </a:ext>
+              </a:extLst>
+            </p:cNvPr>
+            <p:cNvPicPr>
+              <a:picLocks noChangeAspect="1" noChangeArrowheads="1"/>
+            </p:cNvPicPr>
+            <p:nvPr/>
+          </p:nvPicPr>
+          <p:blipFill>
+            <a:blip r:embed="rId5">
+              <a:extLst>
+                <a:ext uri="{BEBA8EAE-BF5A-486C-A8C5-ECC9F3942E4B}">
+                  <a14:imgProps xmlns:a14="http://schemas.microsoft.com/office/drawing/2010/main">
+                    <a14:imgLayer r:embed="rId6">
+                      <a14:imgEffect>
+                        <a14:backgroundRemoval t="10000" b="90000" l="10000" r="90000">
+                          <a14:foregroundMark x1="33766" y1="12195" x2="33766" y2="12195"/>
+                          <a14:foregroundMark x1="52922" y1="29878" x2="52922" y2="29878"/>
+                          <a14:foregroundMark x1="57792" y1="50610" x2="57792" y2="50610"/>
+                          <a14:foregroundMark x1="56494" y1="67073" x2="56494" y2="67073"/>
+                          <a14:foregroundMark x1="33117" y1="62195" x2="33117" y2="62195"/>
+                          <a14:foregroundMark x1="35065" y1="82317" x2="35065" y2="82317"/>
+                          <a14:foregroundMark x1="25649" y1="27439" x2="25649" y2="27439"/>
+                        </a14:backgroundRemoval>
+                      </a14:imgEffect>
+                    </a14:imgLayer>
+                  </a14:imgProps>
+                </a:ext>
+                <a:ext uri="{28A0092B-C50C-407E-A947-70E740481C1C}">
+                  <a14:useLocalDpi xmlns:a14="http://schemas.microsoft.com/office/drawing/2010/main" val="0"/>
+                </a:ext>
+              </a:extLst>
+            </a:blip>
+            <a:srcRect/>
+            <a:stretch>
+              <a:fillRect/>
+            </a:stretch>
+          </p:blipFill>
+          <p:spPr bwMode="auto">
+            <a:xfrm>
+              <a:off x="7141992" y="289263"/>
+              <a:ext cx="2039461" cy="1085947"/>
+            </a:xfrm>
+            <a:prstGeom prst="rect">
+              <a:avLst/>
+            </a:prstGeom>
+            <a:noFill/>
+            <a:extLst>
+              <a:ext uri="{909E8E84-426E-40DD-AFC4-6F175D3DCCD1}">
+                <a14:hiddenFill xmlns:a14="http://schemas.microsoft.com/office/drawing/2010/main">
+                  <a:solidFill>
+                    <a:srgbClr val="FFFFFF"/>
+                  </a:solidFill>
+                </a14:hiddenFill>
+              </a:ext>
+            </a:extLst>
+          </p:spPr>
+        </p:pic>
+      </p:grpSp>
+      <p:grpSp>
+        <p:nvGrpSpPr>
+          <p:cNvPr id="41" name="Group 40">
+            <a:extLst>
+              <a:ext uri="{FF2B5EF4-FFF2-40B4-BE49-F238E27FC236}">
+                <a16:creationId xmlns:a16="http://schemas.microsoft.com/office/drawing/2014/main" id="{352E076E-D14A-49D1-A012-9E30DCFFAEB8}"/>
+              </a:ext>
+            </a:extLst>
+          </p:cNvPr>
+          <p:cNvGrpSpPr/>
+          <p:nvPr/>
+        </p:nvGrpSpPr>
+        <p:grpSpPr>
+          <a:xfrm>
+            <a:off x="3447509" y="4232007"/>
+            <a:ext cx="1759975" cy="1759975"/>
+            <a:chOff x="2910348" y="3771772"/>
+            <a:chExt cx="1759975" cy="1759975"/>
+          </a:xfrm>
+        </p:grpSpPr>
+        <p:pic>
+          <p:nvPicPr>
+            <p:cNvPr id="19" name="Graphic 18" descr="Paper with solid fill">
+              <a:extLst>
+                <a:ext uri="{FF2B5EF4-FFF2-40B4-BE49-F238E27FC236}">
+                  <a16:creationId xmlns:a16="http://schemas.microsoft.com/office/drawing/2014/main" id="{93CD1974-1831-4EC1-B0AF-E6D3AE6273F3}"/>
+                </a:ext>
+              </a:extLst>
+            </p:cNvPr>
+            <p:cNvPicPr>
+              <a:picLocks noChangeAspect="1"/>
+            </p:cNvPicPr>
+            <p:nvPr/>
+          </p:nvPicPr>
+          <p:blipFill>
+            <a:blip r:embed="rId7">
+              <a:extLst>
+                <a:ext uri="{96DAC541-7B7A-43D3-8B79-37D633B846F1}">
+                  <asvg:svgBlip xmlns:asvg="http://schemas.microsoft.com/office/drawing/2016/SVG/main" r:embed="rId8"/>
+                </a:ext>
+              </a:extLst>
+            </a:blip>
+            <a:stretch>
+              <a:fillRect/>
+            </a:stretch>
+          </p:blipFill>
+          <p:spPr>
+            <a:xfrm>
+              <a:off x="2910348" y="3771772"/>
+              <a:ext cx="1759975" cy="1759975"/>
+            </a:xfrm>
+            <a:prstGeom prst="rect">
+              <a:avLst/>
+            </a:prstGeom>
+          </p:spPr>
+        </p:pic>
+        <p:pic>
+          <p:nvPicPr>
+            <p:cNvPr id="21" name="Picture 20">
+              <a:extLst>
+                <a:ext uri="{FF2B5EF4-FFF2-40B4-BE49-F238E27FC236}">
+                  <a16:creationId xmlns:a16="http://schemas.microsoft.com/office/drawing/2014/main" id="{1DD032D9-16FD-43DF-9E00-76B6AFB84B3D}"/>
+                </a:ext>
+              </a:extLst>
+            </p:cNvPr>
+            <p:cNvPicPr>
+              <a:picLocks noChangeAspect="1"/>
+            </p:cNvPicPr>
+            <p:nvPr/>
+          </p:nvPicPr>
+          <p:blipFill>
+            <a:blip r:embed="rId9"/>
+            <a:stretch>
+              <a:fillRect/>
+            </a:stretch>
+          </p:blipFill>
+          <p:spPr>
+            <a:xfrm>
+              <a:off x="3359871" y="4572000"/>
+              <a:ext cx="853703" cy="690495"/>
+            </a:xfrm>
+            <a:prstGeom prst="rect">
+              <a:avLst/>
+            </a:prstGeom>
+            <a:solidFill>
+              <a:schemeClr val="bg2">
+                <a:lumMod val="75000"/>
+              </a:schemeClr>
+            </a:solidFill>
+          </p:spPr>
+        </p:pic>
+      </p:grpSp>
+      <p:sp>
+        <p:nvSpPr>
+          <p:cNvPr id="29" name="TextBox 28">
+            <a:extLst>
+              <a:ext uri="{FF2B5EF4-FFF2-40B4-BE49-F238E27FC236}">
+                <a16:creationId xmlns:a16="http://schemas.microsoft.com/office/drawing/2014/main" id="{F6C37510-B9B6-4A0C-951E-9B60FCDDBD34}"/>
+              </a:ext>
+            </a:extLst>
+          </p:cNvPr>
+          <p:cNvSpPr txBox="1"/>
+          <p:nvPr/>
+        </p:nvSpPr>
+        <p:spPr>
+          <a:xfrm>
+            <a:off x="2072620" y="1923296"/>
+            <a:ext cx="1231382" cy="523220"/>
+          </a:xfrm>
+          <a:prstGeom prst="rect">
+            <a:avLst/>
+          </a:prstGeom>
+          <a:ln>
+            <a:noFill/>
+          </a:ln>
+        </p:spPr>
+        <p:style>
+          <a:lnRef idx="2">
+            <a:schemeClr val="accent6"/>
+          </a:lnRef>
+          <a:fillRef idx="1">
+            <a:schemeClr val="lt1"/>
+          </a:fillRef>
+          <a:effectRef idx="0">
+            <a:schemeClr val="accent6"/>
+          </a:effectRef>
+          <a:fontRef idx="minor">
+            <a:schemeClr val="dk1"/>
+          </a:fontRef>
+        </p:style>
+        <p:txBody>
+          <a:bodyPr wrap="square" rtlCol="0">
+            <a:spAutoFit/>
+          </a:bodyPr>
+          <a:lstStyle/>
+          <a:p>
+            <a:pPr algn="r"/>
+            <a:r>
+              <a:rPr lang="en-US" sz="1400" dirty="0"/>
+              <a:t>All ETL done on PostgreSQL</a:t>
+            </a:r>
+          </a:p>
+        </p:txBody>
+      </p:sp>
+      <p:cxnSp>
+        <p:nvCxnSpPr>
+          <p:cNvPr id="22" name="Straight Arrow Connector 21">
+            <a:extLst>
+              <a:ext uri="{FF2B5EF4-FFF2-40B4-BE49-F238E27FC236}">
+                <a16:creationId xmlns:a16="http://schemas.microsoft.com/office/drawing/2014/main" id="{803504AF-B469-489F-AF28-E29AF2810757}"/>
+              </a:ext>
+            </a:extLst>
+          </p:cNvPr>
+          <p:cNvCxnSpPr>
+            <a:cxnSpLocks/>
+          </p:cNvCxnSpPr>
+          <p:nvPr/>
+        </p:nvCxnSpPr>
+        <p:spPr>
+          <a:xfrm>
+            <a:off x="1290936" y="3938012"/>
+            <a:ext cx="2396161" cy="1134271"/>
+          </a:xfrm>
+          <a:prstGeom prst="straightConnector1">
+            <a:avLst/>
+          </a:prstGeom>
+          <a:ln>
+            <a:solidFill>
+              <a:schemeClr val="tx2"/>
+            </a:solidFill>
+            <a:tailEnd type="triangle" w="lg" len="lg"/>
+          </a:ln>
+        </p:spPr>
+        <p:style>
+          <a:lnRef idx="1">
+            <a:schemeClr val="dk1"/>
+          </a:lnRef>
+          <a:fillRef idx="0">
+            <a:schemeClr val="dk1"/>
+          </a:fillRef>
+          <a:effectRef idx="0">
+            <a:schemeClr val="dk1"/>
+          </a:effectRef>
+          <a:fontRef idx="minor">
+            <a:schemeClr val="tx1"/>
+          </a:fontRef>
+        </p:style>
+      </p:cxnSp>
+      <p:pic>
+        <p:nvPicPr>
+          <p:cNvPr id="25" name="Picture 22" descr="Image result for web design">
+            <a:extLst>
+              <a:ext uri="{FF2B5EF4-FFF2-40B4-BE49-F238E27FC236}">
+                <a16:creationId xmlns:a16="http://schemas.microsoft.com/office/drawing/2014/main" id="{1D2C2892-F768-42C8-98DD-705F7930F6D3}"/>
+              </a:ext>
+            </a:extLst>
+          </p:cNvPr>
+          <p:cNvPicPr>
+            <a:picLocks noChangeAspect="1" noChangeArrowheads="1"/>
+          </p:cNvPicPr>
+          <p:nvPr/>
+        </p:nvPicPr>
+        <p:blipFill>
+          <a:blip r:embed="rId10">
+            <a:extLst>
+              <a:ext uri="{28A0092B-C50C-407E-A947-70E740481C1C}">
+                <a14:useLocalDpi xmlns:a14="http://schemas.microsoft.com/office/drawing/2010/main" val="0"/>
+              </a:ext>
+            </a:extLst>
+          </a:blip>
+          <a:srcRect/>
+          <a:stretch>
+            <a:fillRect/>
+          </a:stretch>
+        </p:blipFill>
+        <p:spPr bwMode="auto">
+          <a:xfrm>
+            <a:off x="9254763" y="2228059"/>
+            <a:ext cx="2741923" cy="2335712"/>
+          </a:xfrm>
+          <a:prstGeom prst="rect">
+            <a:avLst/>
+          </a:prstGeom>
+          <a:noFill/>
+          <a:extLst>
+            <a:ext uri="{909E8E84-426E-40DD-AFC4-6F175D3DCCD1}">
+              <a14:hiddenFill xmlns:a14="http://schemas.microsoft.com/office/drawing/2010/main">
+                <a:solidFill>
+                  <a:srgbClr val="FFFFFF"/>
+                </a:solidFill>
+              </a14:hiddenFill>
+            </a:ext>
+          </a:extLst>
+        </p:spPr>
+      </p:pic>
+      <p:pic>
+        <p:nvPicPr>
+          <p:cNvPr id="28" name="Picture 27">
+            <a:extLst>
+              <a:ext uri="{FF2B5EF4-FFF2-40B4-BE49-F238E27FC236}">
+                <a16:creationId xmlns:a16="http://schemas.microsoft.com/office/drawing/2014/main" id="{A5D0A3F9-26A8-40FF-81D6-2F96FB119A99}"/>
+              </a:ext>
+            </a:extLst>
+          </p:cNvPr>
+          <p:cNvPicPr>
+            <a:picLocks noChangeAspect="1"/>
+          </p:cNvPicPr>
+          <p:nvPr/>
+        </p:nvPicPr>
+        <p:blipFill>
+          <a:blip r:embed="rId11"/>
+          <a:stretch>
+            <a:fillRect/>
+          </a:stretch>
+        </p:blipFill>
+        <p:spPr>
+          <a:xfrm>
+            <a:off x="6773843" y="3158664"/>
+            <a:ext cx="1863478" cy="540671"/>
+          </a:xfrm>
+          <a:prstGeom prst="rect">
+            <a:avLst/>
+          </a:prstGeom>
+        </p:spPr>
+      </p:pic>
+      <p:sp>
+        <p:nvSpPr>
+          <p:cNvPr id="30" name="TextBox 29">
+            <a:extLst>
+              <a:ext uri="{FF2B5EF4-FFF2-40B4-BE49-F238E27FC236}">
+                <a16:creationId xmlns:a16="http://schemas.microsoft.com/office/drawing/2014/main" id="{F07F6801-9091-493A-839C-5A1E1917EB9F}"/>
+              </a:ext>
+            </a:extLst>
+          </p:cNvPr>
+          <p:cNvSpPr txBox="1"/>
+          <p:nvPr/>
+        </p:nvSpPr>
+        <p:spPr>
+          <a:xfrm>
+            <a:off x="5679671" y="1648335"/>
+            <a:ext cx="1863477" cy="523220"/>
+          </a:xfrm>
+          <a:prstGeom prst="rect">
+            <a:avLst/>
+          </a:prstGeom>
+          <a:ln>
+            <a:gradFill>
+              <a:gsLst>
+                <a:gs pos="0">
+                  <a:schemeClr val="accent1">
+                    <a:lumMod val="5000"/>
+                    <a:lumOff val="95000"/>
+                  </a:schemeClr>
+                </a:gs>
+                <a:gs pos="74000">
+                  <a:schemeClr val="accent1">
+                    <a:lumMod val="45000"/>
+                    <a:lumOff val="55000"/>
+                  </a:schemeClr>
+                </a:gs>
+                <a:gs pos="83000">
+                  <a:schemeClr val="accent1">
+                    <a:lumMod val="45000"/>
+                    <a:lumOff val="55000"/>
+                  </a:schemeClr>
+                </a:gs>
+                <a:gs pos="100000">
+                  <a:schemeClr val="accent1">
+                    <a:lumMod val="30000"/>
+                    <a:lumOff val="70000"/>
+                  </a:schemeClr>
+                </a:gs>
+              </a:gsLst>
+              <a:lin ang="5400000" scaled="1"/>
+            </a:gradFill>
+          </a:ln>
+        </p:spPr>
+        <p:style>
+          <a:lnRef idx="2">
+            <a:schemeClr val="accent6"/>
+          </a:lnRef>
+          <a:fillRef idx="1">
+            <a:schemeClr val="lt1"/>
+          </a:fillRef>
+          <a:effectRef idx="0">
+            <a:schemeClr val="accent6"/>
+          </a:effectRef>
+          <a:fontRef idx="minor">
+            <a:schemeClr val="dk1"/>
+          </a:fontRef>
+        </p:style>
+        <p:txBody>
+          <a:bodyPr wrap="square" rtlCol="0">
+            <a:spAutoFit/>
+          </a:bodyPr>
+          <a:lstStyle/>
+          <a:p>
+            <a:r>
+              <a:rPr lang="en-US" sz="1400" dirty="0"/>
+              <a:t>NodeJS API serving up query endpoints </a:t>
+            </a:r>
+          </a:p>
+        </p:txBody>
+      </p:sp>
+      <p:cxnSp>
+        <p:nvCxnSpPr>
+          <p:cNvPr id="31" name="Straight Arrow Connector 30">
+            <a:extLst>
+              <a:ext uri="{FF2B5EF4-FFF2-40B4-BE49-F238E27FC236}">
+                <a16:creationId xmlns:a16="http://schemas.microsoft.com/office/drawing/2014/main" id="{97938949-5FF3-45FC-9CF1-22926C06D01C}"/>
+              </a:ext>
+            </a:extLst>
+          </p:cNvPr>
+          <p:cNvCxnSpPr>
+            <a:cxnSpLocks/>
+          </p:cNvCxnSpPr>
+          <p:nvPr/>
+        </p:nvCxnSpPr>
+        <p:spPr>
+          <a:xfrm>
+            <a:off x="5679965" y="2171555"/>
+            <a:ext cx="1995417" cy="1033045"/>
+          </a:xfrm>
+          <a:prstGeom prst="straightConnector1">
+            <a:avLst/>
+          </a:prstGeom>
+          <a:ln>
+            <a:solidFill>
+              <a:schemeClr val="tx2"/>
+            </a:solidFill>
+            <a:tailEnd type="triangle" w="lg" len="lg"/>
+          </a:ln>
+        </p:spPr>
+        <p:style>
+          <a:lnRef idx="1">
+            <a:schemeClr val="dk1"/>
+          </a:lnRef>
+          <a:fillRef idx="0">
+            <a:schemeClr val="dk1"/>
+          </a:fillRef>
+          <a:effectRef idx="0">
+            <a:schemeClr val="dk1"/>
+          </a:effectRef>
+          <a:fontRef idx="minor">
+            <a:schemeClr val="tx1"/>
+          </a:fontRef>
+        </p:style>
+      </p:cxnSp>
+      <p:cxnSp>
+        <p:nvCxnSpPr>
+          <p:cNvPr id="37" name="Straight Arrow Connector 36">
+            <a:extLst>
+              <a:ext uri="{FF2B5EF4-FFF2-40B4-BE49-F238E27FC236}">
+                <a16:creationId xmlns:a16="http://schemas.microsoft.com/office/drawing/2014/main" id="{78306498-B9C6-4B13-95D5-50281C2B63FB}"/>
+              </a:ext>
+            </a:extLst>
+          </p:cNvPr>
+          <p:cNvCxnSpPr>
+            <a:cxnSpLocks/>
+          </p:cNvCxnSpPr>
+          <p:nvPr/>
+        </p:nvCxnSpPr>
+        <p:spPr>
+          <a:xfrm flipV="1">
+            <a:off x="4800642" y="3771772"/>
+            <a:ext cx="2904940" cy="1260463"/>
+          </a:xfrm>
+          <a:prstGeom prst="straightConnector1">
+            <a:avLst/>
+          </a:prstGeom>
+          <a:ln>
+            <a:solidFill>
+              <a:schemeClr val="tx2"/>
+            </a:solidFill>
+            <a:tailEnd type="triangle" w="lg" len="lg"/>
+          </a:ln>
+        </p:spPr>
+        <p:style>
+          <a:lnRef idx="1">
+            <a:schemeClr val="dk1"/>
+          </a:lnRef>
+          <a:fillRef idx="0">
+            <a:schemeClr val="dk1"/>
+          </a:fillRef>
+          <a:effectRef idx="0">
+            <a:schemeClr val="dk1"/>
+          </a:effectRef>
+          <a:fontRef idx="minor">
+            <a:schemeClr val="tx1"/>
+          </a:fontRef>
+        </p:style>
+      </p:cxnSp>
+      <p:pic>
+        <p:nvPicPr>
+          <p:cNvPr id="47" name="Picture 46">
+            <a:extLst>
+              <a:ext uri="{FF2B5EF4-FFF2-40B4-BE49-F238E27FC236}">
+                <a16:creationId xmlns:a16="http://schemas.microsoft.com/office/drawing/2014/main" id="{9C47960E-5B80-452E-9C0E-4180013062D4}"/>
+              </a:ext>
+            </a:extLst>
+          </p:cNvPr>
+          <p:cNvPicPr>
+            <a:picLocks noChangeAspect="1"/>
+          </p:cNvPicPr>
+          <p:nvPr/>
+        </p:nvPicPr>
+        <p:blipFill>
+          <a:blip r:embed="rId12"/>
+          <a:stretch>
+            <a:fillRect/>
+          </a:stretch>
+        </p:blipFill>
+        <p:spPr>
+          <a:xfrm>
+            <a:off x="7979886" y="2261532"/>
+            <a:ext cx="1759975" cy="676562"/>
+          </a:xfrm>
+          <a:prstGeom prst="rect">
+            <a:avLst/>
+          </a:prstGeom>
+          <a:ln>
+            <a:solidFill>
+              <a:schemeClr val="accent6">
+                <a:lumMod val="60000"/>
+                <a:lumOff val="40000"/>
+              </a:schemeClr>
+            </a:solidFill>
+          </a:ln>
+        </p:spPr>
+      </p:pic>
+      <p:pic>
+        <p:nvPicPr>
+          <p:cNvPr id="53" name="Picture 52">
+            <a:extLst>
+              <a:ext uri="{FF2B5EF4-FFF2-40B4-BE49-F238E27FC236}">
+                <a16:creationId xmlns:a16="http://schemas.microsoft.com/office/drawing/2014/main" id="{7ECA3698-0124-449D-8BB1-9A15895E83A4}"/>
+              </a:ext>
+            </a:extLst>
+          </p:cNvPr>
+          <p:cNvPicPr>
+            <a:picLocks noChangeAspect="1"/>
+          </p:cNvPicPr>
+          <p:nvPr/>
+        </p:nvPicPr>
+        <p:blipFill>
+          <a:blip r:embed="rId13"/>
+          <a:stretch>
+            <a:fillRect/>
+          </a:stretch>
+        </p:blipFill>
+        <p:spPr>
+          <a:xfrm>
+            <a:off x="8027774" y="4101390"/>
+            <a:ext cx="2055671" cy="596490"/>
+          </a:xfrm>
+          <a:prstGeom prst="rect">
+            <a:avLst/>
+          </a:prstGeom>
+          <a:ln>
+            <a:solidFill>
+              <a:schemeClr val="accent6">
+                <a:lumMod val="60000"/>
+                <a:lumOff val="40000"/>
+              </a:schemeClr>
+            </a:solidFill>
+          </a:ln>
+        </p:spPr>
+      </p:pic>
+      <p:pic>
+        <p:nvPicPr>
+          <p:cNvPr id="55" name="Picture 54">
+            <a:extLst>
+              <a:ext uri="{FF2B5EF4-FFF2-40B4-BE49-F238E27FC236}">
+                <a16:creationId xmlns:a16="http://schemas.microsoft.com/office/drawing/2014/main" id="{8EE757FD-5604-437A-B337-A85620771EE9}"/>
+              </a:ext>
+            </a:extLst>
+          </p:cNvPr>
+          <p:cNvPicPr>
+            <a:picLocks noChangeAspect="1"/>
+          </p:cNvPicPr>
+          <p:nvPr/>
+        </p:nvPicPr>
+        <p:blipFill>
+          <a:blip r:embed="rId14"/>
+          <a:stretch>
+            <a:fillRect/>
+          </a:stretch>
+        </p:blipFill>
+        <p:spPr>
+          <a:xfrm>
+            <a:off x="4645671" y="596749"/>
+            <a:ext cx="730822" cy="460674"/>
+          </a:xfrm>
+          <a:prstGeom prst="rect">
+            <a:avLst/>
+          </a:prstGeom>
+        </p:spPr>
+      </p:pic>
+    </p:spTree>
+    <p:extLst>
+      <p:ext uri="{BB962C8B-B14F-4D97-AF65-F5344CB8AC3E}">
+        <p14:creationId xmlns:p14="http://schemas.microsoft.com/office/powerpoint/2010/main" val="3816694138"/>
+      </p:ext>
+    </p:extLst>
+  </p:cSld>
+  <p:clrMapOvr>
+    <a:masterClrMapping/>
+  </p:clrMapOvr>
+</p:sld>
+</file>
+
+<file path=ppt/slides/slide5.xml><?xml version="1.0" encoding="utf-8"?>
 <p:sld xmlns:a="http://schemas.openxmlformats.org/drawingml/2006/main" xmlns:r="http://schemas.openxmlformats.org/officeDocument/2006/relationships" xmlns:p="http://schemas.openxmlformats.org/presentationml/2006/main">
   <p:cSld>
     <p:spTree>
@@ -7518,10 +11526,10 @@
       </p:grpSpPr>
       <p:sp>
         <p:nvSpPr>
-          <p:cNvPr id="2" name="Title 1">
+          <p:cNvPr id="3" name="Title 2">
             <a:extLst>
               <a:ext uri="{FF2B5EF4-FFF2-40B4-BE49-F238E27FC236}">
-                <a16:creationId xmlns:a16="http://schemas.microsoft.com/office/drawing/2014/main" id="{8D57C5A5-CBB5-4C4A-BEDB-9037DBE388CF}"/>
+                <a16:creationId xmlns:a16="http://schemas.microsoft.com/office/drawing/2014/main" id="{0A1D0DE9-3F52-4157-8EC7-0CC2CE030FA4}"/>
               </a:ext>
             </a:extLst>
           </p:cNvPr>
@@ -7537,16 +11545,19 @@
           <a:bodyPr/>
           <a:lstStyle/>
           <a:p>
-            <a:endParaRPr lang="en-US"/>
+            <a:r>
+              <a:rPr lang="en-US" dirty="0"/>
+              <a:t>Quick Demo</a:t>
+            </a:r>
           </a:p>
         </p:txBody>
       </p:sp>
       <p:sp>
         <p:nvSpPr>
-          <p:cNvPr id="3" name="Content Placeholder 2">
+          <p:cNvPr id="4" name="Text Placeholder 3">
             <a:extLst>
               <a:ext uri="{FF2B5EF4-FFF2-40B4-BE49-F238E27FC236}">
-                <a16:creationId xmlns:a16="http://schemas.microsoft.com/office/drawing/2014/main" id="{6D49CE72-5519-47E2-8361-4050226839E6}"/>
+                <a16:creationId xmlns:a16="http://schemas.microsoft.com/office/drawing/2014/main" id="{C07D2A2F-544A-4F0E-BDFF-BA8A55F71D0E}"/>
               </a:ext>
             </a:extLst>
           </p:cNvPr>
@@ -7554,7 +11565,7 @@
             <a:spLocks noGrp="1"/>
           </p:cNvSpPr>
           <p:nvPr>
-            <p:ph idx="1"/>
+            <p:ph type="body" idx="1"/>
           </p:nvPr>
         </p:nvSpPr>
         <p:spPr/>
@@ -7562,39 +11573,17 @@
           <a:bodyPr/>
           <a:lstStyle/>
           <a:p>
-            <a:endParaRPr lang="en-US"/>
-          </a:p>
-        </p:txBody>
-      </p:sp>
-      <p:sp>
-        <p:nvSpPr>
-          <p:cNvPr id="4" name="Text Placeholder 3">
-            <a:extLst>
-              <a:ext uri="{FF2B5EF4-FFF2-40B4-BE49-F238E27FC236}">
-                <a16:creationId xmlns:a16="http://schemas.microsoft.com/office/drawing/2014/main" id="{0C7B0738-59FA-4F72-AAEF-2A53455D6DC4}"/>
-              </a:ext>
-            </a:extLst>
-          </p:cNvPr>
-          <p:cNvSpPr>
-            <a:spLocks noGrp="1"/>
-          </p:cNvSpPr>
-          <p:nvPr>
-            <p:ph type="body" sz="half" idx="2"/>
-          </p:nvPr>
-        </p:nvSpPr>
-        <p:spPr/>
-        <p:txBody>
-          <a:bodyPr/>
-          <a:lstStyle/>
-          <a:p>
-            <a:endParaRPr lang="en-US"/>
+            <a:r>
+              <a:rPr lang="en-US" dirty="0"/>
+              <a:t>California Wildfire Dashboard</a:t>
+            </a:r>
           </a:p>
         </p:txBody>
       </p:sp>
     </p:spTree>
     <p:extLst>
       <p:ext uri="{BB962C8B-B14F-4D97-AF65-F5344CB8AC3E}">
-        <p14:creationId xmlns:p14="http://schemas.microsoft.com/office/powerpoint/2010/main" val="3423353905"/>
+        <p14:creationId xmlns:p14="http://schemas.microsoft.com/office/powerpoint/2010/main" val="3510363838"/>
       </p:ext>
     </p:extLst>
   </p:cSld>
@@ -7604,7 +11593,7 @@
 </p:sld>
 </file>
 
-<file path=ppt/slides/slide4.xml><?xml version="1.0" encoding="utf-8"?>
+<file path=ppt/slides/slide6.xml><?xml version="1.0" encoding="utf-8"?>
 <p:sld xmlns:a="http://schemas.openxmlformats.org/drawingml/2006/main" xmlns:r="http://schemas.openxmlformats.org/officeDocument/2006/relationships" xmlns:p="http://schemas.openxmlformats.org/presentationml/2006/main">
   <p:cSld>
     <p:bg>
@@ -7779,7 +11768,7 @@
           <a:p>
             <a:r>
               <a:rPr lang="en-US" dirty="0"/>
-              <a:t>Title Lorem Ipsum Dolor</a:t>
+              <a:t>Findings</a:t>
             </a:r>
           </a:p>
         </p:txBody>
@@ -7854,11 +11843,6 @@
           </p:cNvGraphicFramePr>
           <p:nvPr>
             <p:ph idx="1"/>
-            <p:extLst>
-              <p:ext uri="{D42A27DB-BD31-4B8C-83A1-F6EECF244321}">
-                <p14:modId xmlns:p14="http://schemas.microsoft.com/office/powerpoint/2010/main" val="4213993164"/>
-              </p:ext>
-            </p:extLst>
           </p:nvPr>
         </p:nvGraphicFramePr>
         <p:xfrm>
@@ -7904,7 +11888,147 @@
     </p:spTree>
     <p:extLst>
       <p:ext uri="{BB962C8B-B14F-4D97-AF65-F5344CB8AC3E}">
-        <p14:creationId xmlns:p14="http://schemas.microsoft.com/office/powerpoint/2010/main" val="1843192287"/>
+        <p14:creationId xmlns:p14="http://schemas.microsoft.com/office/powerpoint/2010/main" val="2689789470"/>
+      </p:ext>
+    </p:extLst>
+  </p:cSld>
+  <p:clrMapOvr>
+    <a:masterClrMapping/>
+  </p:clrMapOvr>
+</p:sld>
+</file>
+
+<file path=ppt/slides/slide7.xml><?xml version="1.0" encoding="utf-8"?>
+<p:sld xmlns:a="http://schemas.openxmlformats.org/drawingml/2006/main" xmlns:r="http://schemas.openxmlformats.org/officeDocument/2006/relationships" xmlns:p="http://schemas.openxmlformats.org/presentationml/2006/main">
+  <p:cSld>
+    <p:spTree>
+      <p:nvGrpSpPr>
+        <p:cNvPr id="1" name=""/>
+        <p:cNvGrpSpPr/>
+        <p:nvPr/>
+      </p:nvGrpSpPr>
+      <p:grpSpPr>
+        <a:xfrm>
+          <a:off x="0" y="0"/>
+          <a:ext cx="0" cy="0"/>
+          <a:chOff x="0" y="0"/>
+          <a:chExt cx="0" cy="0"/>
+        </a:xfrm>
+      </p:grpSpPr>
+      <p:sp>
+        <p:nvSpPr>
+          <p:cNvPr id="2" name="Title 1">
+            <a:extLst>
+              <a:ext uri="{FF2B5EF4-FFF2-40B4-BE49-F238E27FC236}">
+                <a16:creationId xmlns:a16="http://schemas.microsoft.com/office/drawing/2014/main" id="{8D57C5A5-CBB5-4C4A-BEDB-9037DBE388CF}"/>
+              </a:ext>
+            </a:extLst>
+          </p:cNvPr>
+          <p:cNvSpPr>
+            <a:spLocks noGrp="1"/>
+          </p:cNvSpPr>
+          <p:nvPr>
+            <p:ph type="title"/>
+          </p:nvPr>
+        </p:nvSpPr>
+        <p:spPr/>
+        <p:txBody>
+          <a:bodyPr/>
+          <a:lstStyle/>
+          <a:p>
+            <a:r>
+              <a:rPr lang="en-US" dirty="0"/>
+              <a:t>Limitations</a:t>
+            </a:r>
+          </a:p>
+        </p:txBody>
+      </p:sp>
+      <p:sp>
+        <p:nvSpPr>
+          <p:cNvPr id="3" name="Content Placeholder 2">
+            <a:extLst>
+              <a:ext uri="{FF2B5EF4-FFF2-40B4-BE49-F238E27FC236}">
+                <a16:creationId xmlns:a16="http://schemas.microsoft.com/office/drawing/2014/main" id="{6D49CE72-5519-47E2-8361-4050226839E6}"/>
+              </a:ext>
+            </a:extLst>
+          </p:cNvPr>
+          <p:cNvSpPr>
+            <a:spLocks noGrp="1"/>
+          </p:cNvSpPr>
+          <p:nvPr>
+            <p:ph idx="1"/>
+          </p:nvPr>
+        </p:nvSpPr>
+        <p:spPr/>
+        <p:txBody>
+          <a:bodyPr/>
+          <a:lstStyle/>
+          <a:p>
+            <a:r>
+              <a:rPr lang="en-US" dirty="0"/>
+              <a:t>Data Availability</a:t>
+            </a:r>
+          </a:p>
+          <a:p>
+            <a:pPr lvl="1"/>
+            <a:r>
+              <a:rPr lang="en-US" dirty="0"/>
+              <a:t>NIFC (National Interagency Fire Center</a:t>
+            </a:r>
+          </a:p>
+          <a:p>
+            <a:pPr lvl="1"/>
+            <a:r>
+              <a:rPr lang="en-US" dirty="0"/>
+              <a:t>Data management &amp; hosting was completely changed in 2020 </a:t>
+            </a:r>
+          </a:p>
+          <a:p>
+            <a:pPr marL="201168" lvl="1" indent="0">
+              <a:buNone/>
+            </a:pPr>
+            <a:endParaRPr lang="en-US" dirty="0"/>
+          </a:p>
+          <a:p>
+            <a:endParaRPr lang="en-US" dirty="0"/>
+          </a:p>
+          <a:p>
+            <a:endParaRPr lang="en-US" dirty="0"/>
+          </a:p>
+        </p:txBody>
+      </p:sp>
+      <p:sp>
+        <p:nvSpPr>
+          <p:cNvPr id="4" name="Text Placeholder 3">
+            <a:extLst>
+              <a:ext uri="{FF2B5EF4-FFF2-40B4-BE49-F238E27FC236}">
+                <a16:creationId xmlns:a16="http://schemas.microsoft.com/office/drawing/2014/main" id="{0C7B0738-59FA-4F72-AAEF-2A53455D6DC4}"/>
+              </a:ext>
+            </a:extLst>
+          </p:cNvPr>
+          <p:cNvSpPr>
+            <a:spLocks noGrp="1"/>
+          </p:cNvSpPr>
+          <p:nvPr>
+            <p:ph type="body" sz="half" idx="2"/>
+          </p:nvPr>
+        </p:nvSpPr>
+        <p:spPr/>
+        <p:txBody>
+          <a:bodyPr/>
+          <a:lstStyle/>
+          <a:p>
+            <a:r>
+              <a:rPr lang="en-US" dirty="0"/>
+              <a:t>Data &amp; Time</a:t>
+            </a:r>
+          </a:p>
+        </p:txBody>
+      </p:sp>
+    </p:spTree>
+    <p:extLst>
+      <p:ext uri="{BB962C8B-B14F-4D97-AF65-F5344CB8AC3E}">
+        <p14:creationId xmlns:p14="http://schemas.microsoft.com/office/powerpoint/2010/main" val="3423353905"/>
       </p:ext>
     </p:extLst>
   </p:cSld>

--- a/Margaret/Project Docs/CA Wildfire Dashboard Pres.pptx
+++ b/Margaret/Project Docs/CA Wildfire Dashboard Pres.pptx
@@ -5,7 +5,7 @@
     <p:sldMasterId id="2147483648" r:id="rId4"/>
   </p:sldMasterIdLst>
   <p:notesMasterIdLst>
-    <p:notesMasterId r:id="rId16"/>
+    <p:notesMasterId r:id="rId15"/>
   </p:notesMasterIdLst>
   <p:sldIdLst>
     <p:sldId id="266" r:id="rId5"/>
@@ -14,11 +14,10 @@
     <p:sldId id="271" r:id="rId8"/>
     <p:sldId id="272" r:id="rId9"/>
     <p:sldId id="270" r:id="rId10"/>
-    <p:sldId id="280" r:id="rId11"/>
-    <p:sldId id="274" r:id="rId12"/>
-    <p:sldId id="278" r:id="rId13"/>
-    <p:sldId id="279" r:id="rId14"/>
-    <p:sldId id="268" r:id="rId15"/>
+    <p:sldId id="274" r:id="rId11"/>
+    <p:sldId id="278" r:id="rId12"/>
+    <p:sldId id="279" r:id="rId13"/>
+    <p:sldId id="268" r:id="rId14"/>
   </p:sldIdLst>
   <p:sldSz cx="12192000" cy="6858000"/>
   <p:notesSz cx="6858000" cy="9144000"/>
@@ -4055,792 +4054,6 @@
 </dgm:colorsDef>
 </file>
 
-<file path=ppt/diagrams/colors6.xml><?xml version="1.0" encoding="utf-8"?>
-<dgm:colorsDef xmlns:dgm="http://schemas.openxmlformats.org/drawingml/2006/diagram" xmlns:a="http://schemas.openxmlformats.org/drawingml/2006/main" uniqueId="urn:microsoft.com/office/officeart/2018/5/colors/Iconchunking_coloredtext_colorful2">
-  <dgm:title val=""/>
-  <dgm:desc val=""/>
-  <dgm:catLst>
-    <dgm:cat type="colorful" pri="10200"/>
-  </dgm:catLst>
-  <dgm:styleLbl name="node0">
-    <dgm:fillClrLst meth="repeat">
-      <a:schemeClr val="accent1"/>
-    </dgm:fillClrLst>
-    <dgm:linClrLst meth="repeat">
-      <a:schemeClr val="lt1"/>
-    </dgm:linClrLst>
-    <dgm:effectClrLst/>
-    <dgm:txLinClrLst/>
-    <dgm:txFillClrLst/>
-    <dgm:txEffectClrLst/>
-  </dgm:styleLbl>
-  <dgm:styleLbl name="node1">
-    <dgm:fillClrLst meth="repeat">
-      <a:schemeClr val="bg1"/>
-    </dgm:fillClrLst>
-    <dgm:linClrLst meth="repeat">
-      <a:schemeClr val="lt1">
-        <a:alpha val="0"/>
-      </a:schemeClr>
-    </dgm:linClrLst>
-    <dgm:effectClrLst/>
-    <dgm:txLinClrLst/>
-    <dgm:txFillClrLst meth="repeat">
-      <a:schemeClr val="dk1"/>
-    </dgm:txFillClrLst>
-    <dgm:txEffectClrLst/>
-  </dgm:styleLbl>
-  <dgm:styleLbl name="alignNode1">
-    <dgm:fillClrLst>
-      <a:schemeClr val="accent2"/>
-      <a:schemeClr val="accent3"/>
-    </dgm:fillClrLst>
-    <dgm:linClrLst>
-      <a:schemeClr val="accent2"/>
-      <a:schemeClr val="accent3"/>
-    </dgm:linClrLst>
-    <dgm:effectClrLst/>
-    <dgm:txLinClrLst/>
-    <dgm:txFillClrLst/>
-    <dgm:txEffectClrLst/>
-  </dgm:styleLbl>
-  <dgm:styleLbl name="lnNode1">
-    <dgm:fillClrLst>
-      <a:schemeClr val="accent2"/>
-      <a:schemeClr val="accent3"/>
-    </dgm:fillClrLst>
-    <dgm:linClrLst meth="repeat">
-      <a:schemeClr val="lt1"/>
-    </dgm:linClrLst>
-    <dgm:effectClrLst/>
-    <dgm:txLinClrLst/>
-    <dgm:txFillClrLst/>
-    <dgm:txEffectClrLst/>
-  </dgm:styleLbl>
-  <dgm:styleLbl name="vennNode1">
-    <dgm:fillClrLst>
-      <a:schemeClr val="accent2">
-        <a:alpha val="50000"/>
-      </a:schemeClr>
-      <a:schemeClr val="accent3">
-        <a:alpha val="50000"/>
-      </a:schemeClr>
-    </dgm:fillClrLst>
-    <dgm:linClrLst meth="repeat">
-      <a:schemeClr val="lt1"/>
-    </dgm:linClrLst>
-    <dgm:effectClrLst/>
-    <dgm:txLinClrLst/>
-    <dgm:txFillClrLst/>
-    <dgm:txEffectClrLst/>
-  </dgm:styleLbl>
-  <dgm:styleLbl name="node2">
-    <dgm:fillClrLst>
-      <a:schemeClr val="accent3"/>
-    </dgm:fillClrLst>
-    <dgm:linClrLst meth="repeat">
-      <a:schemeClr val="lt1"/>
-    </dgm:linClrLst>
-    <dgm:effectClrLst/>
-    <dgm:txLinClrLst/>
-    <dgm:txFillClrLst/>
-    <dgm:txEffectClrLst/>
-  </dgm:styleLbl>
-  <dgm:styleLbl name="node3">
-    <dgm:fillClrLst>
-      <a:schemeClr val="accent4"/>
-    </dgm:fillClrLst>
-    <dgm:linClrLst meth="repeat">
-      <a:schemeClr val="lt1"/>
-    </dgm:linClrLst>
-    <dgm:effectClrLst/>
-    <dgm:txLinClrLst/>
-    <dgm:txFillClrLst/>
-    <dgm:txEffectClrLst/>
-  </dgm:styleLbl>
-  <dgm:styleLbl name="node4">
-    <dgm:fillClrLst>
-      <a:schemeClr val="accent5"/>
-    </dgm:fillClrLst>
-    <dgm:linClrLst meth="repeat">
-      <a:schemeClr val="lt1"/>
-    </dgm:linClrLst>
-    <dgm:effectClrLst/>
-    <dgm:txLinClrLst/>
-    <dgm:txFillClrLst/>
-    <dgm:txEffectClrLst/>
-  </dgm:styleLbl>
-  <dgm:styleLbl name="fgImgPlace1">
-    <dgm:fillClrLst>
-      <a:schemeClr val="accent2">
-        <a:tint val="50000"/>
-      </a:schemeClr>
-      <a:schemeClr val="accent3">
-        <a:tint val="50000"/>
-      </a:schemeClr>
-    </dgm:fillClrLst>
-    <dgm:linClrLst meth="repeat">
-      <a:schemeClr val="lt1"/>
-    </dgm:linClrLst>
-    <dgm:effectClrLst/>
-    <dgm:txLinClrLst/>
-    <dgm:txFillClrLst meth="repeat">
-      <a:schemeClr val="lt1"/>
-    </dgm:txFillClrLst>
-    <dgm:txEffectClrLst/>
-  </dgm:styleLbl>
-  <dgm:styleLbl name="alignImgPlace1">
-    <dgm:fillClrLst>
-      <a:schemeClr val="accent2">
-        <a:tint val="50000"/>
-      </a:schemeClr>
-      <a:schemeClr val="accent3">
-        <a:tint val="20000"/>
-      </a:schemeClr>
-    </dgm:fillClrLst>
-    <dgm:linClrLst meth="repeat">
-      <a:schemeClr val="lt1"/>
-    </dgm:linClrLst>
-    <dgm:effectClrLst/>
-    <dgm:txLinClrLst/>
-    <dgm:txFillClrLst meth="repeat">
-      <a:schemeClr val="lt1"/>
-    </dgm:txFillClrLst>
-    <dgm:txEffectClrLst/>
-  </dgm:styleLbl>
-  <dgm:styleLbl name="bgImgPlace1">
-    <dgm:fillClrLst>
-      <a:schemeClr val="accent2">
-        <a:tint val="50000"/>
-      </a:schemeClr>
-      <a:schemeClr val="accent3">
-        <a:tint val="20000"/>
-      </a:schemeClr>
-    </dgm:fillClrLst>
-    <dgm:linClrLst meth="repeat">
-      <a:schemeClr val="lt1"/>
-    </dgm:linClrLst>
-    <dgm:effectClrLst/>
-    <dgm:txLinClrLst/>
-    <dgm:txFillClrLst meth="repeat">
-      <a:schemeClr val="lt1"/>
-    </dgm:txFillClrLst>
-    <dgm:txEffectClrLst/>
-  </dgm:styleLbl>
-  <dgm:styleLbl name="sibTrans2D1">
-    <dgm:fillClrLst>
-      <a:schemeClr val="accent2"/>
-      <a:schemeClr val="accent3"/>
-    </dgm:fillClrLst>
-    <dgm:linClrLst meth="repeat">
-      <a:schemeClr val="lt1"/>
-    </dgm:linClrLst>
-    <dgm:effectClrLst/>
-    <dgm:txLinClrLst/>
-    <dgm:txFillClrLst/>
-    <dgm:txEffectClrLst/>
-  </dgm:styleLbl>
-  <dgm:styleLbl name="fgSibTrans2D1">
-    <dgm:fillClrLst>
-      <a:schemeClr val="accent2"/>
-      <a:schemeClr val="accent3"/>
-    </dgm:fillClrLst>
-    <dgm:linClrLst meth="repeat">
-      <a:schemeClr val="lt1"/>
-    </dgm:linClrLst>
-    <dgm:effectClrLst/>
-    <dgm:txLinClrLst/>
-    <dgm:txFillClrLst meth="repeat">
-      <a:schemeClr val="lt1"/>
-    </dgm:txFillClrLst>
-    <dgm:txEffectClrLst/>
-  </dgm:styleLbl>
-  <dgm:styleLbl name="bgSibTrans2D1">
-    <dgm:fillClrLst>
-      <a:schemeClr val="accent2"/>
-      <a:schemeClr val="accent3"/>
-    </dgm:fillClrLst>
-    <dgm:linClrLst meth="repeat">
-      <a:schemeClr val="lt1"/>
-    </dgm:linClrLst>
-    <dgm:effectClrLst/>
-    <dgm:txLinClrLst/>
-    <dgm:txFillClrLst meth="repeat">
-      <a:schemeClr val="lt1"/>
-    </dgm:txFillClrLst>
-    <dgm:txEffectClrLst/>
-  </dgm:styleLbl>
-  <dgm:styleLbl name="sibTrans1D1">
-    <dgm:fillClrLst/>
-    <dgm:linClrLst>
-      <a:schemeClr val="accent2"/>
-      <a:schemeClr val="accent3"/>
-    </dgm:linClrLst>
-    <dgm:effectClrLst/>
-    <dgm:txLinClrLst/>
-    <dgm:txFillClrLst meth="repeat">
-      <a:schemeClr val="tx1"/>
-    </dgm:txFillClrLst>
-    <dgm:txEffectClrLst/>
-  </dgm:styleLbl>
-  <dgm:styleLbl name="callout">
-    <dgm:fillClrLst meth="repeat">
-      <a:schemeClr val="accent2"/>
-    </dgm:fillClrLst>
-    <dgm:linClrLst meth="repeat">
-      <a:schemeClr val="accent2">
-        <a:tint val="50000"/>
-      </a:schemeClr>
-    </dgm:linClrLst>
-    <dgm:effectClrLst/>
-    <dgm:txLinClrLst/>
-    <dgm:txFillClrLst meth="repeat">
-      <a:schemeClr val="tx1"/>
-    </dgm:txFillClrLst>
-    <dgm:txEffectClrLst/>
-  </dgm:styleLbl>
-  <dgm:styleLbl name="asst0">
-    <dgm:fillClrLst meth="repeat">
-      <a:schemeClr val="accent2"/>
-    </dgm:fillClrLst>
-    <dgm:linClrLst meth="repeat">
-      <a:schemeClr val="lt1">
-        <a:shade val="80000"/>
-      </a:schemeClr>
-    </dgm:linClrLst>
-    <dgm:effectClrLst/>
-    <dgm:txLinClrLst/>
-    <dgm:txFillClrLst/>
-    <dgm:txEffectClrLst/>
-  </dgm:styleLbl>
-  <dgm:styleLbl name="asst1">
-    <dgm:fillClrLst meth="repeat">
-      <a:schemeClr val="accent3"/>
-    </dgm:fillClrLst>
-    <dgm:linClrLst meth="repeat">
-      <a:schemeClr val="lt1">
-        <a:shade val="80000"/>
-      </a:schemeClr>
-    </dgm:linClrLst>
-    <dgm:effectClrLst/>
-    <dgm:txLinClrLst/>
-    <dgm:txFillClrLst/>
-    <dgm:txEffectClrLst/>
-  </dgm:styleLbl>
-  <dgm:styleLbl name="asst2">
-    <dgm:fillClrLst>
-      <a:schemeClr val="accent4"/>
-    </dgm:fillClrLst>
-    <dgm:linClrLst meth="repeat">
-      <a:schemeClr val="lt1"/>
-    </dgm:linClrLst>
-    <dgm:effectClrLst/>
-    <dgm:txLinClrLst/>
-    <dgm:txFillClrLst/>
-    <dgm:txEffectClrLst/>
-  </dgm:styleLbl>
-  <dgm:styleLbl name="asst3">
-    <dgm:fillClrLst>
-      <a:schemeClr val="accent5"/>
-    </dgm:fillClrLst>
-    <dgm:linClrLst meth="repeat">
-      <a:schemeClr val="lt1"/>
-    </dgm:linClrLst>
-    <dgm:effectClrLst/>
-    <dgm:txLinClrLst/>
-    <dgm:txFillClrLst/>
-    <dgm:txEffectClrLst/>
-  </dgm:styleLbl>
-  <dgm:styleLbl name="asst4">
-    <dgm:fillClrLst>
-      <a:schemeClr val="accent6"/>
-    </dgm:fillClrLst>
-    <dgm:linClrLst meth="repeat">
-      <a:schemeClr val="lt1"/>
-    </dgm:linClrLst>
-    <dgm:effectClrLst/>
-    <dgm:txLinClrLst/>
-    <dgm:txFillClrLst/>
-    <dgm:txEffectClrLst/>
-  </dgm:styleLbl>
-  <dgm:styleLbl name="parChTrans2D1">
-    <dgm:fillClrLst meth="repeat">
-      <a:schemeClr val="accent2"/>
-    </dgm:fillClrLst>
-    <dgm:linClrLst meth="repeat">
-      <a:schemeClr val="lt1"/>
-    </dgm:linClrLst>
-    <dgm:effectClrLst/>
-    <dgm:txLinClrLst/>
-    <dgm:txFillClrLst meth="repeat">
-      <a:schemeClr val="lt1"/>
-    </dgm:txFillClrLst>
-    <dgm:txEffectClrLst/>
-  </dgm:styleLbl>
-  <dgm:styleLbl name="parChTrans2D2">
-    <dgm:fillClrLst meth="repeat">
-      <a:schemeClr val="accent3"/>
-    </dgm:fillClrLst>
-    <dgm:linClrLst meth="repeat">
-      <a:schemeClr val="lt1"/>
-    </dgm:linClrLst>
-    <dgm:effectClrLst/>
-    <dgm:txLinClrLst/>
-    <dgm:txFillClrLst/>
-    <dgm:txEffectClrLst/>
-  </dgm:styleLbl>
-  <dgm:styleLbl name="parChTrans2D3">
-    <dgm:fillClrLst meth="repeat">
-      <a:schemeClr val="accent4"/>
-    </dgm:fillClrLst>
-    <dgm:linClrLst meth="repeat">
-      <a:schemeClr val="lt1"/>
-    </dgm:linClrLst>
-    <dgm:effectClrLst/>
-    <dgm:txLinClrLst/>
-    <dgm:txFillClrLst/>
-    <dgm:txEffectClrLst/>
-  </dgm:styleLbl>
-  <dgm:styleLbl name="parChTrans2D4">
-    <dgm:fillClrLst meth="repeat">
-      <a:schemeClr val="accent5"/>
-    </dgm:fillClrLst>
-    <dgm:linClrLst meth="repeat">
-      <a:schemeClr val="lt1"/>
-    </dgm:linClrLst>
-    <dgm:effectClrLst/>
-    <dgm:txLinClrLst/>
-    <dgm:txFillClrLst meth="repeat">
-      <a:schemeClr val="lt1"/>
-    </dgm:txFillClrLst>
-    <dgm:txEffectClrLst/>
-  </dgm:styleLbl>
-  <dgm:styleLbl name="parChTrans1D1">
-    <dgm:fillClrLst meth="repeat">
-      <a:schemeClr val="accent2"/>
-    </dgm:fillClrLst>
-    <dgm:linClrLst meth="repeat">
-      <a:schemeClr val="accent2"/>
-    </dgm:linClrLst>
-    <dgm:effectClrLst/>
-    <dgm:txLinClrLst/>
-    <dgm:txFillClrLst meth="repeat">
-      <a:schemeClr val="tx1"/>
-    </dgm:txFillClrLst>
-    <dgm:txEffectClrLst/>
-  </dgm:styleLbl>
-  <dgm:styleLbl name="parChTrans1D2">
-    <dgm:fillClrLst meth="repeat">
-      <a:schemeClr val="accent2">
-        <a:tint val="90000"/>
-      </a:schemeClr>
-    </dgm:fillClrLst>
-    <dgm:linClrLst meth="repeat">
-      <a:schemeClr val="accent3"/>
-    </dgm:linClrLst>
-    <dgm:effectClrLst/>
-    <dgm:txLinClrLst/>
-    <dgm:txFillClrLst meth="repeat">
-      <a:schemeClr val="tx1"/>
-    </dgm:txFillClrLst>
-    <dgm:txEffectClrLst/>
-  </dgm:styleLbl>
-  <dgm:styleLbl name="parChTrans1D3">
-    <dgm:fillClrLst meth="repeat">
-      <a:schemeClr val="accent2">
-        <a:tint val="70000"/>
-      </a:schemeClr>
-    </dgm:fillClrLst>
-    <dgm:linClrLst meth="repeat">
-      <a:schemeClr val="accent4"/>
-    </dgm:linClrLst>
-    <dgm:effectClrLst/>
-    <dgm:txLinClrLst/>
-    <dgm:txFillClrLst meth="repeat">
-      <a:schemeClr val="tx1"/>
-    </dgm:txFillClrLst>
-    <dgm:txEffectClrLst/>
-  </dgm:styleLbl>
-  <dgm:styleLbl name="parChTrans1D4">
-    <dgm:fillClrLst meth="repeat">
-      <a:schemeClr val="accent2">
-        <a:tint val="50000"/>
-      </a:schemeClr>
-    </dgm:fillClrLst>
-    <dgm:linClrLst meth="repeat">
-      <a:schemeClr val="accent5"/>
-    </dgm:linClrLst>
-    <dgm:effectClrLst/>
-    <dgm:txLinClrLst/>
-    <dgm:txFillClrLst meth="repeat">
-      <a:schemeClr val="tx1"/>
-    </dgm:txFillClrLst>
-    <dgm:txEffectClrLst/>
-  </dgm:styleLbl>
-  <dgm:styleLbl name="fgAcc1">
-    <dgm:fillClrLst meth="repeat">
-      <a:schemeClr val="lt1">
-        <a:alpha val="90000"/>
-      </a:schemeClr>
-    </dgm:fillClrLst>
-    <dgm:linClrLst>
-      <a:schemeClr val="accent2"/>
-      <a:schemeClr val="accent3"/>
-    </dgm:linClrLst>
-    <dgm:effectClrLst/>
-    <dgm:txLinClrLst/>
-    <dgm:txFillClrLst meth="repeat">
-      <a:schemeClr val="dk1"/>
-    </dgm:txFillClrLst>
-    <dgm:txEffectClrLst/>
-  </dgm:styleLbl>
-  <dgm:styleLbl name="conFgAcc1">
-    <dgm:fillClrLst meth="repeat">
-      <a:schemeClr val="lt1">
-        <a:alpha val="90000"/>
-      </a:schemeClr>
-    </dgm:fillClrLst>
-    <dgm:linClrLst>
-      <a:schemeClr val="accent2"/>
-      <a:schemeClr val="accent3"/>
-    </dgm:linClrLst>
-    <dgm:effectClrLst/>
-    <dgm:txLinClrLst/>
-    <dgm:txFillClrLst meth="repeat">
-      <a:schemeClr val="dk1"/>
-    </dgm:txFillClrLst>
-    <dgm:txEffectClrLst/>
-  </dgm:styleLbl>
-  <dgm:styleLbl name="alignAcc1">
-    <dgm:fillClrLst meth="repeat">
-      <a:schemeClr val="lt1">
-        <a:alpha val="90000"/>
-      </a:schemeClr>
-    </dgm:fillClrLst>
-    <dgm:linClrLst>
-      <a:schemeClr val="accent2"/>
-      <a:schemeClr val="accent3"/>
-    </dgm:linClrLst>
-    <dgm:effectClrLst/>
-    <dgm:txLinClrLst/>
-    <dgm:txFillClrLst meth="repeat">
-      <a:schemeClr val="dk1"/>
-    </dgm:txFillClrLst>
-    <dgm:txEffectClrLst/>
-  </dgm:styleLbl>
-  <dgm:styleLbl name="trAlignAcc1">
-    <dgm:fillClrLst meth="repeat">
-      <a:schemeClr val="lt1">
-        <a:alpha val="0"/>
-      </a:schemeClr>
-    </dgm:fillClrLst>
-    <dgm:linClrLst>
-      <a:schemeClr val="accent2"/>
-      <a:schemeClr val="accent3"/>
-    </dgm:linClrLst>
-    <dgm:effectClrLst/>
-    <dgm:txLinClrLst/>
-    <dgm:txFillClrLst meth="repeat">
-      <a:schemeClr val="dk1"/>
-    </dgm:txFillClrLst>
-    <dgm:txEffectClrLst/>
-  </dgm:styleLbl>
-  <dgm:styleLbl name="bgAcc1">
-    <dgm:fillClrLst meth="repeat">
-      <a:schemeClr val="lt1">
-        <a:alpha val="90000"/>
-      </a:schemeClr>
-    </dgm:fillClrLst>
-    <dgm:linClrLst>
-      <a:schemeClr val="accent2"/>
-      <a:schemeClr val="accent3"/>
-    </dgm:linClrLst>
-    <dgm:effectClrLst/>
-    <dgm:txLinClrLst/>
-    <dgm:txFillClrLst meth="repeat">
-      <a:schemeClr val="dk1"/>
-    </dgm:txFillClrLst>
-    <dgm:txEffectClrLst/>
-  </dgm:styleLbl>
-  <dgm:styleLbl name="solidFgAcc1">
-    <dgm:fillClrLst meth="repeat">
-      <a:schemeClr val="lt1"/>
-    </dgm:fillClrLst>
-    <dgm:linClrLst>
-      <a:schemeClr val="accent2"/>
-      <a:schemeClr val="accent3"/>
-    </dgm:linClrLst>
-    <dgm:effectClrLst/>
-    <dgm:txLinClrLst/>
-    <dgm:txFillClrLst meth="repeat">
-      <a:schemeClr val="dk1"/>
-    </dgm:txFillClrLst>
-    <dgm:txEffectClrLst/>
-  </dgm:styleLbl>
-  <dgm:styleLbl name="solidAlignAcc1">
-    <dgm:fillClrLst meth="repeat">
-      <a:schemeClr val="lt1"/>
-    </dgm:fillClrLst>
-    <dgm:linClrLst>
-      <a:schemeClr val="accent2"/>
-      <a:schemeClr val="accent3"/>
-    </dgm:linClrLst>
-    <dgm:effectClrLst/>
-    <dgm:txLinClrLst/>
-    <dgm:txFillClrLst meth="repeat">
-      <a:schemeClr val="dk1"/>
-    </dgm:txFillClrLst>
-    <dgm:txEffectClrLst/>
-  </dgm:styleLbl>
-  <dgm:styleLbl name="solidBgAcc1">
-    <dgm:fillClrLst meth="repeat">
-      <a:schemeClr val="lt1"/>
-    </dgm:fillClrLst>
-    <dgm:linClrLst>
-      <a:schemeClr val="accent2"/>
-      <a:schemeClr val="accent3"/>
-    </dgm:linClrLst>
-    <dgm:effectClrLst/>
-    <dgm:txLinClrLst/>
-    <dgm:txFillClrLst meth="repeat">
-      <a:schemeClr val="dk1"/>
-    </dgm:txFillClrLst>
-    <dgm:txEffectClrLst/>
-  </dgm:styleLbl>
-  <dgm:styleLbl name="fgAccFollowNode1">
-    <dgm:fillClrLst>
-      <a:schemeClr val="accent2">
-        <a:tint val="40000"/>
-        <a:alpha val="90000"/>
-      </a:schemeClr>
-      <a:schemeClr val="accent3">
-        <a:tint val="40000"/>
-        <a:alpha val="90000"/>
-      </a:schemeClr>
-    </dgm:fillClrLst>
-    <dgm:linClrLst>
-      <a:schemeClr val="accent2">
-        <a:tint val="40000"/>
-        <a:alpha val="90000"/>
-      </a:schemeClr>
-      <a:schemeClr val="accent3">
-        <a:tint val="40000"/>
-        <a:alpha val="90000"/>
-      </a:schemeClr>
-    </dgm:linClrLst>
-    <dgm:effectClrLst/>
-    <dgm:txLinClrLst/>
-    <dgm:txFillClrLst meth="repeat">
-      <a:schemeClr val="dk1"/>
-    </dgm:txFillClrLst>
-    <dgm:txEffectClrLst/>
-  </dgm:styleLbl>
-  <dgm:styleLbl name="alignAccFollowNode1">
-    <dgm:fillClrLst>
-      <a:schemeClr val="accent2">
-        <a:tint val="40000"/>
-        <a:alpha val="90000"/>
-      </a:schemeClr>
-      <a:schemeClr val="accent3">
-        <a:tint val="40000"/>
-        <a:alpha val="90000"/>
-      </a:schemeClr>
-    </dgm:fillClrLst>
-    <dgm:linClrLst>
-      <a:schemeClr val="accent2">
-        <a:tint val="40000"/>
-        <a:alpha val="90000"/>
-      </a:schemeClr>
-      <a:schemeClr val="accent3">
-        <a:tint val="40000"/>
-        <a:alpha val="90000"/>
-      </a:schemeClr>
-    </dgm:linClrLst>
-    <dgm:effectClrLst/>
-    <dgm:txLinClrLst/>
-    <dgm:txFillClrLst meth="repeat">
-      <a:schemeClr val="dk1"/>
-    </dgm:txFillClrLst>
-    <dgm:txEffectClrLst/>
-  </dgm:styleLbl>
-  <dgm:styleLbl name="bgAccFollowNode1">
-    <dgm:fillClrLst>
-      <a:schemeClr val="accent2">
-        <a:tint val="40000"/>
-        <a:alpha val="90000"/>
-      </a:schemeClr>
-      <a:schemeClr val="accent3">
-        <a:tint val="40000"/>
-        <a:alpha val="90000"/>
-      </a:schemeClr>
-    </dgm:fillClrLst>
-    <dgm:linClrLst>
-      <a:schemeClr val="accent2">
-        <a:tint val="40000"/>
-        <a:alpha val="90000"/>
-      </a:schemeClr>
-      <a:schemeClr val="accent3">
-        <a:tint val="40000"/>
-        <a:alpha val="90000"/>
-      </a:schemeClr>
-    </dgm:linClrLst>
-    <dgm:effectClrLst/>
-    <dgm:txLinClrLst/>
-    <dgm:txFillClrLst meth="repeat">
-      <a:schemeClr val="dk1"/>
-    </dgm:txFillClrLst>
-    <dgm:txEffectClrLst/>
-  </dgm:styleLbl>
-  <dgm:styleLbl name="fgAcc0">
-    <dgm:fillClrLst meth="repeat">
-      <a:schemeClr val="lt1">
-        <a:alpha val="90000"/>
-      </a:schemeClr>
-    </dgm:fillClrLst>
-    <dgm:linClrLst>
-      <a:schemeClr val="accent1"/>
-    </dgm:linClrLst>
-    <dgm:effectClrLst/>
-    <dgm:txLinClrLst/>
-    <dgm:txFillClrLst meth="repeat">
-      <a:schemeClr val="dk1"/>
-    </dgm:txFillClrLst>
-    <dgm:txEffectClrLst/>
-  </dgm:styleLbl>
-  <dgm:styleLbl name="fgAcc2">
-    <dgm:fillClrLst meth="repeat">
-      <a:schemeClr val="lt1">
-        <a:alpha val="90000"/>
-      </a:schemeClr>
-    </dgm:fillClrLst>
-    <dgm:linClrLst>
-      <a:schemeClr val="accent3"/>
-    </dgm:linClrLst>
-    <dgm:effectClrLst/>
-    <dgm:txLinClrLst/>
-    <dgm:txFillClrLst meth="repeat">
-      <a:schemeClr val="dk1"/>
-    </dgm:txFillClrLst>
-    <dgm:txEffectClrLst/>
-  </dgm:styleLbl>
-  <dgm:styleLbl name="fgAcc3">
-    <dgm:fillClrLst meth="repeat">
-      <a:schemeClr val="lt1">
-        <a:alpha val="90000"/>
-      </a:schemeClr>
-    </dgm:fillClrLst>
-    <dgm:linClrLst>
-      <a:schemeClr val="accent4"/>
-    </dgm:linClrLst>
-    <dgm:effectClrLst/>
-    <dgm:txLinClrLst/>
-    <dgm:txFillClrLst meth="repeat">
-      <a:schemeClr val="dk1"/>
-    </dgm:txFillClrLst>
-    <dgm:txEffectClrLst/>
-  </dgm:styleLbl>
-  <dgm:styleLbl name="fgAcc4">
-    <dgm:fillClrLst meth="repeat">
-      <a:schemeClr val="lt1">
-        <a:alpha val="90000"/>
-      </a:schemeClr>
-    </dgm:fillClrLst>
-    <dgm:linClrLst>
-      <a:schemeClr val="accent5"/>
-    </dgm:linClrLst>
-    <dgm:effectClrLst/>
-    <dgm:txLinClrLst/>
-    <dgm:txFillClrLst meth="repeat">
-      <a:schemeClr val="dk1"/>
-    </dgm:txFillClrLst>
-    <dgm:txEffectClrLst/>
-  </dgm:styleLbl>
-  <dgm:styleLbl name="bgShp">
-    <dgm:fillClrLst>
-      <a:schemeClr val="accent2"/>
-      <a:schemeClr val="accent3"/>
-    </dgm:fillClrLst>
-    <dgm:linClrLst meth="repeat">
-      <a:schemeClr val="lt1">
-        <a:alpha val="0"/>
-      </a:schemeClr>
-    </dgm:linClrLst>
-    <dgm:effectClrLst/>
-    <dgm:txLinClrLst/>
-    <dgm:txFillClrLst/>
-    <dgm:txEffectClrLst/>
-  </dgm:styleLbl>
-  <dgm:styleLbl name="dkBgShp">
-    <dgm:fillClrLst meth="repeat">
-      <a:schemeClr val="accent2">
-        <a:shade val="90000"/>
-      </a:schemeClr>
-    </dgm:fillClrLst>
-    <dgm:linClrLst meth="repeat">
-      <a:schemeClr val="dk1"/>
-    </dgm:linClrLst>
-    <dgm:effectClrLst/>
-    <dgm:txLinClrLst/>
-    <dgm:txFillClrLst meth="repeat">
-      <a:schemeClr val="lt1"/>
-    </dgm:txFillClrLst>
-    <dgm:txEffectClrLst/>
-  </dgm:styleLbl>
-  <dgm:styleLbl name="trBgShp">
-    <dgm:fillClrLst meth="repeat">
-      <a:schemeClr val="accent2">
-        <a:tint val="50000"/>
-        <a:alpha val="40000"/>
-      </a:schemeClr>
-    </dgm:fillClrLst>
-    <dgm:linClrLst meth="repeat">
-      <a:schemeClr val="accent2"/>
-    </dgm:linClrLst>
-    <dgm:effectClrLst/>
-    <dgm:txLinClrLst/>
-    <dgm:txFillClrLst meth="repeat">
-      <a:schemeClr val="lt1"/>
-    </dgm:txFillClrLst>
-    <dgm:txEffectClrLst/>
-  </dgm:styleLbl>
-  <dgm:styleLbl name="fgShp">
-    <dgm:fillClrLst meth="repeat">
-      <a:schemeClr val="accent2">
-        <a:tint val="40000"/>
-      </a:schemeClr>
-    </dgm:fillClrLst>
-    <dgm:linClrLst meth="repeat">
-      <a:schemeClr val="lt1"/>
-    </dgm:linClrLst>
-    <dgm:effectClrLst/>
-    <dgm:txLinClrLst/>
-    <dgm:txFillClrLst meth="repeat">
-      <a:schemeClr val="dk1"/>
-    </dgm:txFillClrLst>
-    <dgm:txEffectClrLst/>
-  </dgm:styleLbl>
-  <dgm:styleLbl name="revTx">
-    <dgm:fillClrLst meth="repeat">
-      <a:schemeClr val="accent2">
-        <a:alpha val="0"/>
-      </a:schemeClr>
-    </dgm:fillClrLst>
-    <dgm:linClrLst meth="repeat">
-      <a:schemeClr val="accent2">
-        <a:alpha val="0"/>
-      </a:schemeClr>
-    </dgm:linClrLst>
-    <dgm:effectClrLst/>
-    <dgm:txLinClrLst/>
-    <dgm:txFillClrLst>
-      <a:schemeClr val="accent2"/>
-      <a:schemeClr val="accent3"/>
-    </dgm:txFillClrLst>
-    <dgm:txEffectClrLst/>
-  </dgm:styleLbl>
-</dgm:colorsDef>
-</file>
-
 <file path=ppt/diagrams/data1.xml><?xml version="1.0" encoding="utf-8"?>
 <dgm:dataModel xmlns:dgm="http://schemas.openxmlformats.org/drawingml/2006/diagram" xmlns:a="http://schemas.openxmlformats.org/drawingml/2006/main">
   <dgm:ptLst>
@@ -4869,8 +4082,12 @@
             <a:defRPr cap="all"/>
           </a:pPr>
           <a:r>
-            <a:rPr lang="en-US"/>
-            <a:t>Have California wildfires becomes more frequent?</a:t>
+            <a:rPr lang="en-US" dirty="0"/>
+            <a:t>Have California wildfires becomes </a:t>
+          </a:r>
+          <a:r>
+            <a:rPr lang="en-US" b="1" dirty="0"/>
+            <a:t>more frequent?</a:t>
           </a:r>
         </a:p>
       </dgm:t>
@@ -4911,8 +4128,12 @@
             <a:defRPr cap="all"/>
           </a:pPr>
           <a:r>
-            <a:rPr lang="en-US"/>
-            <a:t>Have California wildfires become larger?</a:t>
+            <a:rPr lang="en-US" dirty="0"/>
+            <a:t>Have California wildfires become </a:t>
+          </a:r>
+          <a:r>
+            <a:rPr lang="en-US" b="1" dirty="0"/>
+            <a:t>larger?</a:t>
           </a:r>
         </a:p>
       </dgm:t>
@@ -4953,8 +4174,12 @@
             <a:defRPr cap="all"/>
           </a:pPr>
           <a:r>
-            <a:rPr lang="en-US"/>
-            <a:t>Have California wildfires become more destructive?.</a:t>
+            <a:rPr lang="en-US" dirty="0"/>
+            <a:t>Have California wildfires become </a:t>
+          </a:r>
+          <a:r>
+            <a:rPr lang="en-US" b="1" dirty="0"/>
+            <a:t>more destructive?</a:t>
           </a:r>
         </a:p>
       </dgm:t>
@@ -5172,7 +4397,7 @@
   <dgm:whole/>
   <dgm:extLst>
     <a:ext uri="http://schemas.microsoft.com/office/drawing/2008/diagram">
-      <dsp:dataModelExt xmlns:dsp="http://schemas.microsoft.com/office/drawing/2008/diagram" relId="rId6" minVer="http://schemas.openxmlformats.org/drawingml/2006/diagram"/>
+      <dsp:dataModelExt xmlns:dsp="http://schemas.microsoft.com/office/drawing/2008/diagram" relId="rId7" minVer="http://schemas.openxmlformats.org/drawingml/2006/diagram"/>
     </a:ext>
   </dgm:extLst>
 </dgm:dataModel>
@@ -5291,7 +4516,7 @@
           </a:pPr>
           <a:r>
             <a:rPr lang="en-US" dirty="0"/>
-            <a:t>California wildfires have become more destructive?.</a:t>
+            <a:t>California wildfires have become more destructive Over this time period.</a:t>
           </a:r>
         </a:p>
       </dgm:t>
@@ -5509,146 +4734,13 @@
   <dgm:whole/>
   <dgm:extLst>
     <a:ext uri="http://schemas.microsoft.com/office/drawing/2008/diagram">
-      <dsp:dataModelExt xmlns:dsp="http://schemas.microsoft.com/office/drawing/2008/diagram" relId="rId6" minVer="http://schemas.openxmlformats.org/drawingml/2006/diagram"/>
+      <dsp:dataModelExt xmlns:dsp="http://schemas.microsoft.com/office/drawing/2008/diagram" relId="rId7" minVer="http://schemas.openxmlformats.org/drawingml/2006/diagram"/>
     </a:ext>
   </dgm:extLst>
 </dgm:dataModel>
 </file>
 
 <file path=ppt/diagrams/data3.xml><?xml version="1.0" encoding="utf-8"?>
-<dgm:dataModel xmlns:dgm="http://schemas.openxmlformats.org/drawingml/2006/diagram" xmlns:a="http://schemas.openxmlformats.org/drawingml/2006/main">
-  <dgm:ptLst>
-    <dgm:pt modelId="{8AA20905-3954-474B-A606-562BCA026DC1}" type="doc">
-      <dgm:prSet loTypeId="urn:microsoft.com/office/officeart/2018/5/layout/IconCircleLabelList" loCatId="icon" qsTypeId="urn:microsoft.com/office/officeart/2005/8/quickstyle/simple1" qsCatId="simple" csTypeId="urn:microsoft.com/office/officeart/2018/5/colors/Iconchunking_coloredtext_colorful2" csCatId="colorful" phldr="1"/>
-      <dgm:spPr/>
-      <dgm:t>
-        <a:bodyPr/>
-        <a:lstStyle/>
-        <a:p>
-          <a:endParaRPr lang="en-US"/>
-        </a:p>
-      </dgm:t>
-    </dgm:pt>
-    <dgm:pt modelId="{9EF41CC5-EF3B-4A6D-8229-3F1333EADFB3}">
-      <dgm:prSet/>
-      <dgm:spPr/>
-      <dgm:t>
-        <a:bodyPr/>
-        <a:lstStyle/>
-        <a:p>
-          <a:pPr>
-            <a:lnSpc>
-              <a:spcPct val="100000"/>
-            </a:lnSpc>
-            <a:defRPr cap="all"/>
-          </a:pPr>
-          <a:r>
-            <a:rPr lang="en-US"/>
-            <a:t>Have California wildfires become more destructive?.</a:t>
-          </a:r>
-        </a:p>
-      </dgm:t>
-    </dgm:pt>
-    <dgm:pt modelId="{DAEF1C7D-B0C5-46FA-BED3-8A54E918D3E0}" type="parTrans" cxnId="{E476EEBC-7C9F-4E07-BD58-1044B9769B64}">
-      <dgm:prSet/>
-      <dgm:spPr/>
-      <dgm:t>
-        <a:bodyPr/>
-        <a:lstStyle/>
-        <a:p>
-          <a:endParaRPr lang="en-US"/>
-        </a:p>
-      </dgm:t>
-    </dgm:pt>
-    <dgm:pt modelId="{98E6DD7C-B953-4119-9F64-9914E467ECBF}" type="sibTrans" cxnId="{E476EEBC-7C9F-4E07-BD58-1044B9769B64}">
-      <dgm:prSet/>
-      <dgm:spPr/>
-      <dgm:t>
-        <a:bodyPr/>
-        <a:lstStyle/>
-        <a:p>
-          <a:endParaRPr lang="en-US"/>
-        </a:p>
-      </dgm:t>
-    </dgm:pt>
-    <dgm:pt modelId="{F1F413A5-77DF-4C06-8100-118334054132}" type="pres">
-      <dgm:prSet presAssocID="{8AA20905-3954-474B-A606-562BCA026DC1}" presName="root" presStyleCnt="0">
-        <dgm:presLayoutVars>
-          <dgm:dir/>
-          <dgm:resizeHandles val="exact"/>
-        </dgm:presLayoutVars>
-      </dgm:prSet>
-      <dgm:spPr/>
-    </dgm:pt>
-    <dgm:pt modelId="{7C11A057-D867-4C6B-ADFD-9CD34202F348}" type="pres">
-      <dgm:prSet presAssocID="{9EF41CC5-EF3B-4A6D-8229-3F1333EADFB3}" presName="compNode" presStyleCnt="0"/>
-      <dgm:spPr/>
-    </dgm:pt>
-    <dgm:pt modelId="{8A9D0615-74BE-404B-8F88-7FCE70F9CA5E}" type="pres">
-      <dgm:prSet presAssocID="{9EF41CC5-EF3B-4A6D-8229-3F1333EADFB3}" presName="iconBgRect" presStyleLbl="bgShp" presStyleIdx="0" presStyleCnt="1"/>
-      <dgm:spPr/>
-    </dgm:pt>
-    <dgm:pt modelId="{5FF658BC-830B-42C7-99ED-06DBBA838B7B}" type="pres">
-      <dgm:prSet presAssocID="{9EF41CC5-EF3B-4A6D-8229-3F1333EADFB3}" presName="iconRect" presStyleLbl="node1" presStyleIdx="0" presStyleCnt="1"/>
-      <dgm:spPr>
-        <a:blipFill>
-          <a:blip xmlns:r="http://schemas.openxmlformats.org/officeDocument/2006/relationships" r:embed="rId1">
-            <a:extLst>
-              <a:ext uri="{96DAC541-7B7A-43D3-8B79-37D633B846F1}">
-                <asvg:svgBlip xmlns:asvg="http://schemas.microsoft.com/office/drawing/2016/SVG/main" r:embed="rId2"/>
-              </a:ext>
-            </a:extLst>
-          </a:blip>
-          <a:srcRect/>
-          <a:stretch>
-            <a:fillRect/>
-          </a:stretch>
-        </a:blipFill>
-        <a:ln>
-          <a:noFill/>
-        </a:ln>
-      </dgm:spPr>
-      <dgm:extLst>
-        <a:ext uri="{E40237B7-FDA0-4F09-8148-C483321AD2D9}">
-          <dgm14:cNvPr xmlns:dgm14="http://schemas.microsoft.com/office/drawing/2010/diagram" id="0" name="" descr="Firefighter male with solid fill"/>
-        </a:ext>
-      </dgm:extLst>
-    </dgm:pt>
-    <dgm:pt modelId="{D9FC7078-E5C7-42A7-BC95-B26AC3AB61F2}" type="pres">
-      <dgm:prSet presAssocID="{9EF41CC5-EF3B-4A6D-8229-3F1333EADFB3}" presName="spaceRect" presStyleCnt="0"/>
-      <dgm:spPr/>
-    </dgm:pt>
-    <dgm:pt modelId="{B7DEF6C5-8837-48BB-9ADC-2C179D03188A}" type="pres">
-      <dgm:prSet presAssocID="{9EF41CC5-EF3B-4A6D-8229-3F1333EADFB3}" presName="textRect" presStyleLbl="revTx" presStyleIdx="0" presStyleCnt="1">
-        <dgm:presLayoutVars>
-          <dgm:chMax val="1"/>
-          <dgm:chPref val="1"/>
-        </dgm:presLayoutVars>
-      </dgm:prSet>
-      <dgm:spPr/>
-    </dgm:pt>
-  </dgm:ptLst>
-  <dgm:cxnLst>
-    <dgm:cxn modelId="{AA0DB929-CA03-4CAB-BF46-2A9AEA5606A4}" type="presOf" srcId="{9EF41CC5-EF3B-4A6D-8229-3F1333EADFB3}" destId="{B7DEF6C5-8837-48BB-9ADC-2C179D03188A}" srcOrd="0" destOrd="0" presId="urn:microsoft.com/office/officeart/2018/5/layout/IconCircleLabelList"/>
-    <dgm:cxn modelId="{770840AE-977B-4559-B2E8-9C1511C8970A}" type="presOf" srcId="{8AA20905-3954-474B-A606-562BCA026DC1}" destId="{F1F413A5-77DF-4C06-8100-118334054132}" srcOrd="0" destOrd="0" presId="urn:microsoft.com/office/officeart/2018/5/layout/IconCircleLabelList"/>
-    <dgm:cxn modelId="{E476EEBC-7C9F-4E07-BD58-1044B9769B64}" srcId="{8AA20905-3954-474B-A606-562BCA026DC1}" destId="{9EF41CC5-EF3B-4A6D-8229-3F1333EADFB3}" srcOrd="0" destOrd="0" parTransId="{DAEF1C7D-B0C5-46FA-BED3-8A54E918D3E0}" sibTransId="{98E6DD7C-B953-4119-9F64-9914E467ECBF}"/>
-    <dgm:cxn modelId="{C0AEFFC9-27CD-4823-AA13-6DB59120B797}" type="presParOf" srcId="{F1F413A5-77DF-4C06-8100-118334054132}" destId="{7C11A057-D867-4C6B-ADFD-9CD34202F348}" srcOrd="0" destOrd="0" presId="urn:microsoft.com/office/officeart/2018/5/layout/IconCircleLabelList"/>
-    <dgm:cxn modelId="{74F1415B-3379-4E89-9634-18FD71F31A2A}" type="presParOf" srcId="{7C11A057-D867-4C6B-ADFD-9CD34202F348}" destId="{8A9D0615-74BE-404B-8F88-7FCE70F9CA5E}" srcOrd="0" destOrd="0" presId="urn:microsoft.com/office/officeart/2018/5/layout/IconCircleLabelList"/>
-    <dgm:cxn modelId="{A055007E-E8DA-4888-8928-46C450DEC359}" type="presParOf" srcId="{7C11A057-D867-4C6B-ADFD-9CD34202F348}" destId="{5FF658BC-830B-42C7-99ED-06DBBA838B7B}" srcOrd="1" destOrd="0" presId="urn:microsoft.com/office/officeart/2018/5/layout/IconCircleLabelList"/>
-    <dgm:cxn modelId="{94DDDBF2-D417-4A29-89E4-0E51359EA0A9}" type="presParOf" srcId="{7C11A057-D867-4C6B-ADFD-9CD34202F348}" destId="{D9FC7078-E5C7-42A7-BC95-B26AC3AB61F2}" srcOrd="2" destOrd="0" presId="urn:microsoft.com/office/officeart/2018/5/layout/IconCircleLabelList"/>
-    <dgm:cxn modelId="{22DF79BE-5F8F-4FDC-A59B-B9BFB3A63264}" type="presParOf" srcId="{7C11A057-D867-4C6B-ADFD-9CD34202F348}" destId="{B7DEF6C5-8837-48BB-9ADC-2C179D03188A}" srcOrd="3" destOrd="0" presId="urn:microsoft.com/office/officeart/2018/5/layout/IconCircleLabelList"/>
-  </dgm:cxnLst>
-  <dgm:bg/>
-  <dgm:whole/>
-  <dgm:extLst>
-    <a:ext uri="http://schemas.microsoft.com/office/drawing/2008/diagram">
-      <dsp:dataModelExt xmlns:dsp="http://schemas.microsoft.com/office/drawing/2008/diagram" relId="rId6" minVer="http://schemas.openxmlformats.org/drawingml/2006/diagram"/>
-    </a:ext>
-  </dgm:extLst>
-</dgm:dataModel>
-</file>
-
-<file path=ppt/diagrams/data4.xml><?xml version="1.0" encoding="utf-8"?>
 <dgm:dataModel xmlns:dgm="http://schemas.openxmlformats.org/drawingml/2006/diagram" xmlns:a="http://schemas.openxmlformats.org/drawingml/2006/main">
   <dgm:ptLst>
     <dgm:pt modelId="{8AA20905-3954-474B-A606-562BCA026DC1}" type="doc">
@@ -5781,13 +4873,13 @@
   <dgm:whole/>
   <dgm:extLst>
     <a:ext uri="http://schemas.microsoft.com/office/drawing/2008/diagram">
-      <dsp:dataModelExt xmlns:dsp="http://schemas.microsoft.com/office/drawing/2008/diagram" relId="rId6" minVer="http://schemas.openxmlformats.org/drawingml/2006/diagram"/>
+      <dsp:dataModelExt xmlns:dsp="http://schemas.microsoft.com/office/drawing/2008/diagram" relId="rId7" minVer="http://schemas.openxmlformats.org/drawingml/2006/diagram"/>
     </a:ext>
   </dgm:extLst>
 </dgm:dataModel>
 </file>
 
-<file path=ppt/diagrams/data5.xml><?xml version="1.0" encoding="utf-8"?>
+<file path=ppt/diagrams/data4.xml><?xml version="1.0" encoding="utf-8"?>
 <dgm:dataModel xmlns:dgm="http://schemas.openxmlformats.org/drawingml/2006/diagram" xmlns:a="http://schemas.openxmlformats.org/drawingml/2006/main">
   <dgm:ptLst>
     <dgm:pt modelId="{8AA20905-3954-474B-A606-562BCA026DC1}" type="doc">
@@ -5914,13 +5006,13 @@
   <dgm:whole/>
   <dgm:extLst>
     <a:ext uri="http://schemas.microsoft.com/office/drawing/2008/diagram">
-      <dsp:dataModelExt xmlns:dsp="http://schemas.microsoft.com/office/drawing/2008/diagram" relId="rId7" minVer="http://schemas.openxmlformats.org/drawingml/2006/diagram"/>
+      <dsp:dataModelExt xmlns:dsp="http://schemas.microsoft.com/office/drawing/2008/diagram" relId="rId8" minVer="http://schemas.openxmlformats.org/drawingml/2006/diagram"/>
     </a:ext>
   </dgm:extLst>
 </dgm:dataModel>
 </file>
 
-<file path=ppt/diagrams/data6.xml><?xml version="1.0" encoding="utf-8"?>
+<file path=ppt/diagrams/data5.xml><?xml version="1.0" encoding="utf-8"?>
 <dgm:dataModel xmlns:dgm="http://schemas.openxmlformats.org/drawingml/2006/diagram" xmlns:a="http://schemas.openxmlformats.org/drawingml/2006/main">
   <dgm:ptLst>
     <dgm:pt modelId="{8AA20905-3954-474B-A606-562BCA026DC1}" type="doc">
@@ -6024,7 +5116,7 @@
       <dgm:spPr/>
     </dgm:pt>
     <dgm:pt modelId="{B7DEF6C5-8837-48BB-9ADC-2C179D03188A}" type="pres">
-      <dgm:prSet presAssocID="{9EF41CC5-EF3B-4A6D-8229-3F1333EADFB3}" presName="textRect" presStyleLbl="revTx" presStyleIdx="0" presStyleCnt="1" custScaleX="205654">
+      <dgm:prSet presAssocID="{9EF41CC5-EF3B-4A6D-8229-3F1333EADFB3}" presName="textRect" presStyleLbl="revTx" presStyleIdx="0" presStyleCnt="1" custScaleX="290337">
         <dgm:presLayoutVars>
           <dgm:chMax val="1"/>
           <dgm:chPref val="1"/>
@@ -6047,7 +5139,7 @@
   <dgm:whole/>
   <dgm:extLst>
     <a:ext uri="http://schemas.microsoft.com/office/drawing/2008/diagram">
-      <dsp:dataModelExt xmlns:dsp="http://schemas.microsoft.com/office/drawing/2008/diagram" relId="rId7" minVer="http://schemas.openxmlformats.org/drawingml/2006/diagram"/>
+      <dsp:dataModelExt xmlns:dsp="http://schemas.microsoft.com/office/drawing/2008/diagram" relId="rId8" minVer="http://schemas.openxmlformats.org/drawingml/2006/diagram"/>
     </a:ext>
   </dgm:extLst>
 </dgm:dataModel>
@@ -6200,8 +5292,12 @@
             <a:defRPr cap="all"/>
           </a:pPr>
           <a:r>
-            <a:rPr lang="en-US" sz="1500" kern="1200"/>
-            <a:t>Have California wildfires becomes more frequent?</a:t>
+            <a:rPr lang="en-US" sz="1500" kern="1200" dirty="0"/>
+            <a:t>Have California wildfires becomes </a:t>
+          </a:r>
+          <a:r>
+            <a:rPr lang="en-US" sz="1500" b="1" kern="1200" dirty="0"/>
+            <a:t>more frequent?</a:t>
           </a:r>
         </a:p>
       </dsp:txBody>
@@ -6347,8 +5443,12 @@
             <a:defRPr cap="all"/>
           </a:pPr>
           <a:r>
-            <a:rPr lang="en-US" sz="1500" kern="1200"/>
-            <a:t>Have California wildfires become larger?</a:t>
+            <a:rPr lang="en-US" sz="1500" kern="1200" dirty="0"/>
+            <a:t>Have California wildfires become </a:t>
+          </a:r>
+          <a:r>
+            <a:rPr lang="en-US" sz="1500" b="1" kern="1200" dirty="0"/>
+            <a:t>larger?</a:t>
           </a:r>
         </a:p>
       </dsp:txBody>
@@ -6494,8 +5594,12 @@
             <a:defRPr cap="all"/>
           </a:pPr>
           <a:r>
-            <a:rPr lang="en-US" sz="1500" kern="1200"/>
-            <a:t>Have California wildfires become more destructive?.</a:t>
+            <a:rPr lang="en-US" sz="1500" kern="1200" dirty="0"/>
+            <a:t>Have California wildfires become </a:t>
+          </a:r>
+          <a:r>
+            <a:rPr lang="en-US" sz="1500" b="1" kern="1200" dirty="0"/>
+            <a:t>more destructive?</a:t>
           </a:r>
         </a:p>
       </dsp:txBody>
@@ -6950,7 +6054,7 @@
           </a:pPr>
           <a:r>
             <a:rPr lang="en-US" sz="1100" kern="1200" dirty="0"/>
-            <a:t>California wildfires have become more destructive?.</a:t>
+            <a:t>California wildfires have become more destructive Over this time period.</a:t>
           </a:r>
         </a:p>
       </dsp:txBody>
@@ -6971,165 +6075,6 @@
       <dsp:cNvGrpSpPr/>
     </dsp:nvGrpSpPr>
     <dsp:grpSpPr/>
-    <dsp:sp modelId="{8A9D0615-74BE-404B-8F88-7FCE70F9CA5E}">
-      <dsp:nvSpPr>
-        <dsp:cNvPr id="0" name=""/>
-        <dsp:cNvSpPr/>
-      </dsp:nvSpPr>
-      <dsp:spPr>
-        <a:xfrm>
-          <a:off x="2086071" y="35089"/>
-          <a:ext cx="2196000" cy="2196000"/>
-        </a:xfrm>
-        <a:prstGeom prst="ellipse">
-          <a:avLst/>
-        </a:prstGeom>
-        <a:solidFill>
-          <a:schemeClr val="accent2">
-            <a:hueOff val="0"/>
-            <a:satOff val="0"/>
-            <a:lumOff val="0"/>
-            <a:alphaOff val="0"/>
-          </a:schemeClr>
-        </a:solidFill>
-        <a:ln>
-          <a:noFill/>
-        </a:ln>
-        <a:effectLst/>
-      </dsp:spPr>
-      <dsp:style>
-        <a:lnRef idx="0">
-          <a:scrgbClr r="0" g="0" b="0"/>
-        </a:lnRef>
-        <a:fillRef idx="1">
-          <a:scrgbClr r="0" g="0" b="0"/>
-        </a:fillRef>
-        <a:effectRef idx="0">
-          <a:scrgbClr r="0" g="0" b="0"/>
-        </a:effectRef>
-        <a:fontRef idx="minor"/>
-      </dsp:style>
-    </dsp:sp>
-    <dsp:sp modelId="{5FF658BC-830B-42C7-99ED-06DBBA838B7B}">
-      <dsp:nvSpPr>
-        <dsp:cNvPr id="0" name=""/>
-        <dsp:cNvSpPr/>
-      </dsp:nvSpPr>
-      <dsp:spPr>
-        <a:xfrm>
-          <a:off x="2554071" y="503089"/>
-          <a:ext cx="1260000" cy="1260000"/>
-        </a:xfrm>
-        <a:prstGeom prst="rect">
-          <a:avLst/>
-        </a:prstGeom>
-        <a:blipFill>
-          <a:blip xmlns:r="http://schemas.openxmlformats.org/officeDocument/2006/relationships" r:embed="rId1">
-            <a:extLst>
-              <a:ext uri="{96DAC541-7B7A-43D3-8B79-37D633B846F1}">
-                <asvg:svgBlip xmlns:asvg="http://schemas.microsoft.com/office/drawing/2016/SVG/main" r:embed="rId2"/>
-              </a:ext>
-            </a:extLst>
-          </a:blip>
-          <a:srcRect/>
-          <a:stretch>
-            <a:fillRect/>
-          </a:stretch>
-        </a:blipFill>
-        <a:ln w="15875" cap="flat" cmpd="sng" algn="ctr">
-          <a:noFill/>
-          <a:prstDash val="solid"/>
-        </a:ln>
-        <a:effectLst/>
-      </dsp:spPr>
-      <dsp:style>
-        <a:lnRef idx="2">
-          <a:scrgbClr r="0" g="0" b="0"/>
-        </a:lnRef>
-        <a:fillRef idx="1">
-          <a:scrgbClr r="0" g="0" b="0"/>
-        </a:fillRef>
-        <a:effectRef idx="0">
-          <a:scrgbClr r="0" g="0" b="0"/>
-        </a:effectRef>
-        <a:fontRef idx="minor">
-          <a:schemeClr val="lt1"/>
-        </a:fontRef>
-      </dsp:style>
-    </dsp:sp>
-    <dsp:sp modelId="{B7DEF6C5-8837-48BB-9ADC-2C179D03188A}">
-      <dsp:nvSpPr>
-        <dsp:cNvPr id="0" name=""/>
-        <dsp:cNvSpPr/>
-      </dsp:nvSpPr>
-      <dsp:spPr>
-        <a:xfrm>
-          <a:off x="1384071" y="2915090"/>
-          <a:ext cx="3600000" cy="720000"/>
-        </a:xfrm>
-        <a:prstGeom prst="rect">
-          <a:avLst/>
-        </a:prstGeom>
-        <a:noFill/>
-        <a:ln>
-          <a:noFill/>
-        </a:ln>
-        <a:effectLst/>
-      </dsp:spPr>
-      <dsp:style>
-        <a:lnRef idx="0">
-          <a:scrgbClr r="0" g="0" b="0"/>
-        </a:lnRef>
-        <a:fillRef idx="0">
-          <a:scrgbClr r="0" g="0" b="0"/>
-        </a:fillRef>
-        <a:effectRef idx="0">
-          <a:scrgbClr r="0" g="0" b="0"/>
-        </a:effectRef>
-        <a:fontRef idx="minor"/>
-      </dsp:style>
-      <dsp:txBody>
-        <a:bodyPr spcFirstLastPara="0" vert="horz" wrap="square" lIns="0" tIns="0" rIns="0" bIns="0" numCol="1" spcCol="1270" anchor="t" anchorCtr="0">
-          <a:noAutofit/>
-        </a:bodyPr>
-        <a:lstStyle/>
-        <a:p>
-          <a:pPr marL="0" lvl="0" indent="0" algn="ctr" defTabSz="977900">
-            <a:lnSpc>
-              <a:spcPct val="100000"/>
-            </a:lnSpc>
-            <a:spcBef>
-              <a:spcPct val="0"/>
-            </a:spcBef>
-            <a:spcAft>
-              <a:spcPct val="35000"/>
-            </a:spcAft>
-            <a:buNone/>
-            <a:defRPr cap="all"/>
-          </a:pPr>
-          <a:r>
-            <a:rPr lang="en-US" sz="2200" kern="1200"/>
-            <a:t>Have California wildfires become more destructive?.</a:t>
-          </a:r>
-        </a:p>
-      </dsp:txBody>
-      <dsp:txXfrm>
-        <a:off x="1384071" y="2915090"/>
-        <a:ext cx="3600000" cy="720000"/>
-      </dsp:txXfrm>
-    </dsp:sp>
-  </dsp:spTree>
-</dsp:drawing>
-</file>
-
-<file path=ppt/diagrams/drawing4.xml><?xml version="1.0" encoding="utf-8"?>
-<dsp:drawing xmlns:dgm="http://schemas.openxmlformats.org/drawingml/2006/diagram" xmlns:dsp="http://schemas.microsoft.com/office/drawing/2008/diagram" xmlns:a="http://schemas.openxmlformats.org/drawingml/2006/main">
-  <dsp:spTree>
-    <dsp:nvGrpSpPr>
-      <dsp:cNvPr id="0" name=""/>
-      <dsp:cNvGrpSpPr/>
-    </dsp:nvGrpSpPr>
-    <dsp:grpSpPr/>
     <dsp:sp modelId="{6A089DC9-F967-46A6-B07A-5A52552B5111}">
       <dsp:nvSpPr>
         <dsp:cNvPr id="0" name=""/>
@@ -7137,8 +6082,8 @@
       </dsp:nvSpPr>
       <dsp:spPr>
         <a:xfrm>
-          <a:off x="2164843" y="55032"/>
-          <a:ext cx="1544062" cy="1544062"/>
+          <a:off x="2644937" y="52682"/>
+          <a:ext cx="1441125" cy="1441125"/>
         </a:xfrm>
         <a:prstGeom prst="ellipse">
           <a:avLst/>
@@ -7176,8 +6121,8 @@
       </dsp:nvSpPr>
       <dsp:spPr>
         <a:xfrm>
-          <a:off x="2493906" y="384094"/>
-          <a:ext cx="885937" cy="885937"/>
+          <a:off x="2952062" y="359807"/>
+          <a:ext cx="826875" cy="826875"/>
         </a:xfrm>
         <a:prstGeom prst="rect">
           <a:avLst/>
@@ -7225,8 +6170,8 @@
       </dsp:nvSpPr>
       <dsp:spPr>
         <a:xfrm>
-          <a:off x="713652" y="2080032"/>
-          <a:ext cx="4446444" cy="747835"/>
+          <a:off x="1290492" y="1942682"/>
+          <a:ext cx="4150014" cy="747835"/>
         </a:xfrm>
         <a:prstGeom prst="rect">
           <a:avLst/>
@@ -7279,15 +6224,15 @@
         </a:p>
       </dsp:txBody>
       <dsp:txXfrm>
-        <a:off x="713652" y="2080032"/>
-        <a:ext cx="4446444" cy="747835"/>
+        <a:off x="1290492" y="1942682"/>
+        <a:ext cx="4150014" cy="747835"/>
       </dsp:txXfrm>
     </dsp:sp>
   </dsp:spTree>
 </dsp:drawing>
 </file>
 
-<file path=ppt/diagrams/drawing5.xml><?xml version="1.0" encoding="utf-8"?>
+<file path=ppt/diagrams/drawing4.xml><?xml version="1.0" encoding="utf-8"?>
 <dsp:drawing xmlns:dgm="http://schemas.openxmlformats.org/drawingml/2006/diagram" xmlns:dsp="http://schemas.microsoft.com/office/drawing/2008/diagram" xmlns:a="http://schemas.openxmlformats.org/drawingml/2006/main">
   <dsp:spTree>
     <dsp:nvGrpSpPr>
@@ -7446,7 +6391,7 @@
 </dsp:drawing>
 </file>
 
-<file path=ppt/diagrams/drawing6.xml><?xml version="1.0" encoding="utf-8"?>
+<file path=ppt/diagrams/drawing5.xml><?xml version="1.0" encoding="utf-8"?>
 <dsp:drawing xmlns:dgm="http://schemas.openxmlformats.org/drawingml/2006/diagram" xmlns:dsp="http://schemas.microsoft.com/office/drawing/2008/diagram" xmlns:a="http://schemas.openxmlformats.org/drawingml/2006/main">
   <dsp:spTree>
     <dsp:nvGrpSpPr>
@@ -7461,8 +6406,8 @@
       </dsp:nvSpPr>
       <dsp:spPr>
         <a:xfrm>
-          <a:off x="1922930" y="54952"/>
-          <a:ext cx="1475437" cy="1475437"/>
+          <a:off x="3128262" y="49396"/>
+          <a:ext cx="1166625" cy="1166625"/>
         </a:xfrm>
         <a:prstGeom prst="ellipse">
           <a:avLst/>
@@ -7500,8 +6445,8 @@
       </dsp:nvSpPr>
       <dsp:spPr>
         <a:xfrm>
-          <a:off x="2237368" y="369389"/>
-          <a:ext cx="846562" cy="846562"/>
+          <a:off x="3376887" y="298021"/>
+          <a:ext cx="669375" cy="669375"/>
         </a:xfrm>
         <a:prstGeom prst="rect">
           <a:avLst/>
@@ -7547,8 +6492,8 @@
       </dsp:nvSpPr>
       <dsp:spPr>
         <a:xfrm>
-          <a:off x="173521" y="1989952"/>
-          <a:ext cx="4974256" cy="747835"/>
+          <a:off x="935226" y="1579396"/>
+          <a:ext cx="5552695" cy="747835"/>
         </a:xfrm>
         <a:prstGeom prst="rect">
           <a:avLst/>
@@ -7597,8 +6542,8 @@
         </a:p>
       </dsp:txBody>
       <dsp:txXfrm>
-        <a:off x="173521" y="1989952"/>
-        <a:ext cx="4974256" cy="747835"/>
+        <a:off x="935226" y="1579396"/>
+        <a:ext cx="5552695" cy="747835"/>
       </dsp:txXfrm>
     </dsp:sp>
   </dsp:spTree>
@@ -8680,221 +7625,6 @@
 </dgm:layoutDef>
 </file>
 
-<file path=ppt/diagrams/layout6.xml><?xml version="1.0" encoding="utf-8"?>
-<dgm:layoutDef xmlns:dgm="http://schemas.openxmlformats.org/drawingml/2006/diagram" xmlns:a="http://schemas.openxmlformats.org/drawingml/2006/main" uniqueId="urn:microsoft.com/office/officeart/2018/5/layout/IconCircleLabelList">
-  <dgm:title val="Icon Circle Label List"/>
-  <dgm:desc val="Use to show non-sequential or grouped chunks of information accompanied by a related visuals. Works best with icons or small pictures with short text captions."/>
-  <dgm:catLst>
-    <dgm:cat type="icon" pri="500"/>
-  </dgm:catLst>
-  <dgm:sampData useDef="1">
-    <dgm:dataModel>
-      <dgm:ptLst/>
-      <dgm:bg/>
-      <dgm:whole/>
-    </dgm:dataModel>
-  </dgm:sampData>
-  <dgm:styleData useDef="1">
-    <dgm:dataModel>
-      <dgm:ptLst/>
-      <dgm:bg/>
-      <dgm:whole/>
-    </dgm:dataModel>
-  </dgm:styleData>
-  <dgm:clrData useDef="1">
-    <dgm:dataModel>
-      <dgm:ptLst/>
-      <dgm:bg/>
-      <dgm:whole/>
-    </dgm:dataModel>
-  </dgm:clrData>
-  <dgm:layoutNode name="root">
-    <dgm:varLst>
-      <dgm:dir/>
-      <dgm:resizeHandles val="exact"/>
-    </dgm:varLst>
-    <dgm:choose name="Name0">
-      <dgm:if name="Name1" axis="self" func="var" arg="dir" op="equ" val="norm">
-        <dgm:alg type="snake">
-          <dgm:param type="grDir" val="tL"/>
-          <dgm:param type="flowDir" val="row"/>
-          <dgm:param type="contDir" val="sameDir"/>
-          <dgm:param type="off" val="ctr"/>
-          <dgm:param type="vertAlign" val="mid"/>
-          <dgm:param type="horzAlign" val="ctr"/>
-        </dgm:alg>
-      </dgm:if>
-      <dgm:else name="Name2">
-        <dgm:alg type="snake">
-          <dgm:param type="grDir" val="tR"/>
-          <dgm:param type="flowDir" val="row"/>
-          <dgm:param type="contDir" val="sameDir"/>
-          <dgm:param type="off" val="ctr"/>
-          <dgm:param type="vertAlign" val="mid"/>
-          <dgm:param type="horzAlign" val="ctr"/>
-        </dgm:alg>
-      </dgm:else>
-    </dgm:choose>
-    <dgm:shape xmlns:r="http://schemas.openxmlformats.org/officeDocument/2006/relationships" r:blip="">
-      <dgm:adjLst/>
-    </dgm:shape>
-    <dgm:presOf/>
-    <dgm:choose name="Name3">
-      <dgm:if name="Name4" axis="ch" ptType="node" func="cnt" op="lte" val="2">
-        <dgm:constrLst>
-          <dgm:constr type="h" for="ch" forName="compNode" refType="h" fact="0.4"/>
-          <dgm:constr type="w" for="ch" forName="compNode" val="100"/>
-          <dgm:constr type="w" for="ch" forName="sibTrans" refType="w" refFor="ch" refForName="compNode" fact="0.175"/>
-          <dgm:constr type="sp" refType="w" refFor="ch" refForName="compNode" op="equ" fact="0.25"/>
-          <dgm:constr type="primFontSz" for="des" ptType="node" op="equ" val="44"/>
-          <dgm:constr type="h" for="des" forName="compNode" op="equ"/>
-          <dgm:constr type="h" for="des" forName="textRect" op="equ"/>
-        </dgm:constrLst>
-      </dgm:if>
-      <dgm:if name="Name5" axis="ch" ptType="node" func="cnt" op="lte" val="3">
-        <dgm:constrLst>
-          <dgm:constr type="h" for="ch" forName="compNode" refType="h" fact="0.4"/>
-          <dgm:constr type="w" for="ch" forName="compNode" val="100"/>
-          <dgm:constr type="w" for="ch" forName="sibTrans" refType="w" refFor="ch" refForName="compNode" fact="0.175"/>
-          <dgm:constr type="sp" refType="w" refFor="ch" refForName="compNode" op="equ" fact="0.25"/>
-          <dgm:constr type="primFontSz" for="des" ptType="node" op="equ" val="40"/>
-          <dgm:constr type="h" for="des" forName="compNode" op="equ"/>
-          <dgm:constr type="h" for="des" forName="textRect" op="equ"/>
-        </dgm:constrLst>
-      </dgm:if>
-      <dgm:if name="Name6" axis="ch" ptType="node" func="cnt" op="lte" val="4">
-        <dgm:constrLst>
-          <dgm:constr type="h" for="ch" forName="compNode" refType="h" fact="0.4"/>
-          <dgm:constr type="w" for="ch" forName="compNode" refType="w"/>
-          <dgm:constr type="w" for="ch" forName="sibTrans" refType="w" refFor="ch" refForName="compNode" fact="0.175"/>
-          <dgm:constr type="sp" refType="w" refFor="ch" refForName="compNode" op="equ" fact="0.25"/>
-          <dgm:constr type="primFontSz" for="des" ptType="node" op="equ" val="32"/>
-          <dgm:constr type="h" for="des" forName="compNode" op="equ"/>
-          <dgm:constr type="h" for="des" forName="textRect" op="equ"/>
-        </dgm:constrLst>
-      </dgm:if>
-      <dgm:else name="Name7">
-        <dgm:constrLst>
-          <dgm:constr type="h" for="ch" forName="compNode" refType="h" fact="0.4"/>
-          <dgm:constr type="w" for="ch" forName="compNode" refType="w"/>
-          <dgm:constr type="w" for="ch" forName="sibTrans" refType="w" refFor="ch" refForName="compNode" fact="0.175"/>
-          <dgm:constr type="sp" refType="w" refFor="ch" refForName="compNode" op="equ" fact="0.25"/>
-          <dgm:constr type="primFontSz" for="des" ptType="node" op="equ" val="24"/>
-          <dgm:constr type="h" for="des" forName="compNode" op="equ"/>
-          <dgm:constr type="h" for="des" forName="textRect" op="equ"/>
-        </dgm:constrLst>
-      </dgm:else>
-    </dgm:choose>
-    <dgm:ruleLst>
-      <dgm:rule type="w" for="ch" forName="compNode" val="50" fact="NaN" max="NaN"/>
-    </dgm:ruleLst>
-    <dgm:forEach name="Name8" axis="ch" ptType="node">
-      <dgm:layoutNode name="compNode">
-        <dgm:alg type="composite"/>
-        <dgm:shape xmlns:r="http://schemas.openxmlformats.org/officeDocument/2006/relationships" r:blip="">
-          <dgm:adjLst/>
-        </dgm:shape>
-        <dgm:presOf axis="self"/>
-        <dgm:constrLst>
-          <dgm:constr type="w" for="ch" forName="iconBgRect" refType="w" fact="0.61"/>
-          <dgm:constr type="h" for="ch" forName="iconBgRect" refType="w" refFor="ch" refForName="iconBgRect"/>
-          <dgm:constr type="t" for="ch" forName="iconBgRect"/>
-          <dgm:constr type="ctrX" for="ch" forName="iconBgRect" refType="w" fact="0.5"/>
-          <dgm:constr type="w" for="ch" forName="iconRect" refType="w" fact="0.35"/>
-          <dgm:constr type="h" for="ch" forName="iconRect" refType="w" refFor="ch" refForName="iconRect"/>
-          <dgm:constr type="ctrX" for="ch" forName="iconRect" refType="ctrX" refFor="ch" refForName="iconBgRect"/>
-          <dgm:constr type="ctrY" for="ch" forName="iconRect" refType="ctrY" refFor="ch" refForName="iconBgRect"/>
-          <dgm:constr type="h" for="ch" forName="spaceRect" refType="w" fact="0.19"/>
-          <dgm:constr type="w" for="ch" forName="spaceRect" refType="w"/>
-          <dgm:constr type="l" for="ch" forName="spaceRect"/>
-          <dgm:constr type="t" for="ch" forName="spaceRect" refType="b" refFor="ch" refForName="iconBgRect"/>
-          <dgm:constr type="h" for="ch" forName="textRect" val="20"/>
-          <dgm:constr type="w" for="ch" forName="textRect" refType="w"/>
-          <dgm:constr type="l" for="ch" forName="textRect"/>
-          <dgm:constr type="t" for="ch" forName="textRect" refType="b" refFor="ch" refForName="spaceRect"/>
-        </dgm:constrLst>
-        <dgm:ruleLst>
-          <dgm:rule type="h" val="INF" fact="NaN" max="NaN"/>
-        </dgm:ruleLst>
-        <dgm:layoutNode name="iconBgRect" styleLbl="bgShp">
-          <dgm:alg type="sp"/>
-          <dgm:shape xmlns:r="http://schemas.openxmlformats.org/officeDocument/2006/relationships" type="ellipse" r:blip="">
-            <dgm:adjLst/>
-          </dgm:shape>
-          <dgm:presOf/>
-          <dgm:constrLst/>
-          <dgm:ruleLst/>
-        </dgm:layoutNode>
-        <dgm:layoutNode name="iconRect" styleLbl="node1">
-          <dgm:alg type="sp"/>
-          <dgm:shape xmlns:r="http://schemas.openxmlformats.org/officeDocument/2006/relationships" type="rect" r:blip="" blipPhldr="1">
-            <dgm:adjLst/>
-          </dgm:shape>
-          <dgm:presOf/>
-          <dgm:constrLst/>
-          <dgm:ruleLst/>
-        </dgm:layoutNode>
-        <dgm:layoutNode name="spaceRect">
-          <dgm:alg type="sp"/>
-          <dgm:shape xmlns:r="http://schemas.openxmlformats.org/officeDocument/2006/relationships" r:blip="">
-            <dgm:adjLst/>
-          </dgm:shape>
-          <dgm:presOf/>
-          <dgm:constrLst/>
-          <dgm:ruleLst/>
-        </dgm:layoutNode>
-        <dgm:layoutNode name="textRect" styleLbl="revTx">
-          <dgm:varLst>
-            <dgm:chMax val="1"/>
-            <dgm:chPref val="1"/>
-          </dgm:varLst>
-          <dgm:alg type="tx">
-            <dgm:param type="txAnchorVert" val="t"/>
-          </dgm:alg>
-          <dgm:shape xmlns:r="http://schemas.openxmlformats.org/officeDocument/2006/relationships" type="rect" r:blip="">
-            <dgm:adjLst/>
-          </dgm:shape>
-          <dgm:presOf axis="self" ptType="node"/>
-          <dgm:constrLst>
-            <dgm:constr type="lMarg"/>
-            <dgm:constr type="rMarg"/>
-            <dgm:constr type="tMarg"/>
-            <dgm:constr type="bMarg"/>
-          </dgm:constrLst>
-          <dgm:ruleLst>
-            <dgm:rule type="primFontSz" val="11" fact="NaN" max="NaN"/>
-            <dgm:rule type="h" val="INF" fact="NaN" max="NaN"/>
-          </dgm:ruleLst>
-        </dgm:layoutNode>
-      </dgm:layoutNode>
-      <dgm:forEach name="Name9" axis="followSib" ptType="sibTrans" cnt="1">
-        <dgm:layoutNode name="sibTrans">
-          <dgm:alg type="sp"/>
-          <dgm:shape xmlns:r="http://schemas.openxmlformats.org/officeDocument/2006/relationships" r:blip="">
-            <dgm:adjLst/>
-          </dgm:shape>
-          <dgm:presOf axis="self"/>
-          <dgm:constrLst/>
-          <dgm:ruleLst/>
-        </dgm:layoutNode>
-      </dgm:forEach>
-    </dgm:forEach>
-  </dgm:layoutNode>
-  <dgm:extLst>
-    <a:ext uri="{68A01E43-0DF5-4B5B-8FA6-DAF915123BFB}">
-      <dgm1612:lstStyle xmlns:dgm1612="http://schemas.microsoft.com/office/drawing/2016/12/diagram">
-        <a:lvl1pPr>
-          <a:lnSpc>
-            <a:spcPct val="100000"/>
-          </a:lnSpc>
-          <a:defRPr cap="all"/>
-        </a:lvl1pPr>
-      </dgm1612:lstStyle>
-    </a:ext>
-  </dgm:extLst>
-</dgm:layoutDef>
-</file>
-
 <file path=ppt/diagrams/quickStyle1.xml><?xml version="1.0" encoding="utf-8"?>
 <dgm:styleDef xmlns:dgm="http://schemas.openxmlformats.org/drawingml/2006/diagram" xmlns:a="http://schemas.openxmlformats.org/drawingml/2006/main" uniqueId="urn:microsoft.com/office/officeart/2005/8/quickstyle/simple1">
   <dgm:title val=""/>
@@ -13032,1040 +11762,6 @@
 </file>
 
 <file path=ppt/diagrams/quickStyle5.xml><?xml version="1.0" encoding="utf-8"?>
-<dgm:styleDef xmlns:dgm="http://schemas.openxmlformats.org/drawingml/2006/diagram" xmlns:a="http://schemas.openxmlformats.org/drawingml/2006/main" uniqueId="urn:microsoft.com/office/officeart/2005/8/quickstyle/simple1">
-  <dgm:title val=""/>
-  <dgm:desc val=""/>
-  <dgm:catLst>
-    <dgm:cat type="simple" pri="10100"/>
-  </dgm:catLst>
-  <dgm:scene3d>
-    <a:camera prst="orthographicFront"/>
-    <a:lightRig rig="threePt" dir="t"/>
-  </dgm:scene3d>
-  <dgm:styleLbl name="node0">
-    <dgm:scene3d>
-      <a:camera prst="orthographicFront"/>
-      <a:lightRig rig="threePt" dir="t"/>
-    </dgm:scene3d>
-    <dgm:sp3d/>
-    <dgm:txPr/>
-    <dgm:style>
-      <a:lnRef idx="2">
-        <a:scrgbClr r="0" g="0" b="0"/>
-      </a:lnRef>
-      <a:fillRef idx="1">
-        <a:scrgbClr r="0" g="0" b="0"/>
-      </a:fillRef>
-      <a:effectRef idx="0">
-        <a:scrgbClr r="0" g="0" b="0"/>
-      </a:effectRef>
-      <a:fontRef idx="minor">
-        <a:schemeClr val="lt1"/>
-      </a:fontRef>
-    </dgm:style>
-  </dgm:styleLbl>
-  <dgm:styleLbl name="lnNode1">
-    <dgm:scene3d>
-      <a:camera prst="orthographicFront"/>
-      <a:lightRig rig="threePt" dir="t"/>
-    </dgm:scene3d>
-    <dgm:sp3d/>
-    <dgm:txPr/>
-    <dgm:style>
-      <a:lnRef idx="2">
-        <a:scrgbClr r="0" g="0" b="0"/>
-      </a:lnRef>
-      <a:fillRef idx="1">
-        <a:scrgbClr r="0" g="0" b="0"/>
-      </a:fillRef>
-      <a:effectRef idx="0">
-        <a:scrgbClr r="0" g="0" b="0"/>
-      </a:effectRef>
-      <a:fontRef idx="minor">
-        <a:schemeClr val="lt1"/>
-      </a:fontRef>
-    </dgm:style>
-  </dgm:styleLbl>
-  <dgm:styleLbl name="vennNode1">
-    <dgm:scene3d>
-      <a:camera prst="orthographicFront"/>
-      <a:lightRig rig="threePt" dir="t"/>
-    </dgm:scene3d>
-    <dgm:sp3d/>
-    <dgm:txPr/>
-    <dgm:style>
-      <a:lnRef idx="2">
-        <a:scrgbClr r="0" g="0" b="0"/>
-      </a:lnRef>
-      <a:fillRef idx="1">
-        <a:scrgbClr r="0" g="0" b="0"/>
-      </a:fillRef>
-      <a:effectRef idx="0">
-        <a:scrgbClr r="0" g="0" b="0"/>
-      </a:effectRef>
-      <a:fontRef idx="minor">
-        <a:schemeClr val="tx1"/>
-      </a:fontRef>
-    </dgm:style>
-  </dgm:styleLbl>
-  <dgm:styleLbl name="alignNode1">
-    <dgm:scene3d>
-      <a:camera prst="orthographicFront"/>
-      <a:lightRig rig="threePt" dir="t"/>
-    </dgm:scene3d>
-    <dgm:sp3d/>
-    <dgm:txPr/>
-    <dgm:style>
-      <a:lnRef idx="2">
-        <a:scrgbClr r="0" g="0" b="0"/>
-      </a:lnRef>
-      <a:fillRef idx="1">
-        <a:scrgbClr r="0" g="0" b="0"/>
-      </a:fillRef>
-      <a:effectRef idx="0">
-        <a:scrgbClr r="0" g="0" b="0"/>
-      </a:effectRef>
-      <a:fontRef idx="minor">
-        <a:schemeClr val="lt1"/>
-      </a:fontRef>
-    </dgm:style>
-  </dgm:styleLbl>
-  <dgm:styleLbl name="node1">
-    <dgm:scene3d>
-      <a:camera prst="orthographicFront"/>
-      <a:lightRig rig="threePt" dir="t"/>
-    </dgm:scene3d>
-    <dgm:sp3d/>
-    <dgm:txPr/>
-    <dgm:style>
-      <a:lnRef idx="2">
-        <a:scrgbClr r="0" g="0" b="0"/>
-      </a:lnRef>
-      <a:fillRef idx="1">
-        <a:scrgbClr r="0" g="0" b="0"/>
-      </a:fillRef>
-      <a:effectRef idx="0">
-        <a:scrgbClr r="0" g="0" b="0"/>
-      </a:effectRef>
-      <a:fontRef idx="minor">
-        <a:schemeClr val="lt1"/>
-      </a:fontRef>
-    </dgm:style>
-  </dgm:styleLbl>
-  <dgm:styleLbl name="node2">
-    <dgm:scene3d>
-      <a:camera prst="orthographicFront"/>
-      <a:lightRig rig="threePt" dir="t"/>
-    </dgm:scene3d>
-    <dgm:sp3d/>
-    <dgm:txPr/>
-    <dgm:style>
-      <a:lnRef idx="2">
-        <a:scrgbClr r="0" g="0" b="0"/>
-      </a:lnRef>
-      <a:fillRef idx="1">
-        <a:scrgbClr r="0" g="0" b="0"/>
-      </a:fillRef>
-      <a:effectRef idx="0">
-        <a:scrgbClr r="0" g="0" b="0"/>
-      </a:effectRef>
-      <a:fontRef idx="minor">
-        <a:schemeClr val="lt1"/>
-      </a:fontRef>
-    </dgm:style>
-  </dgm:styleLbl>
-  <dgm:styleLbl name="node3">
-    <dgm:scene3d>
-      <a:camera prst="orthographicFront"/>
-      <a:lightRig rig="threePt" dir="t"/>
-    </dgm:scene3d>
-    <dgm:sp3d/>
-    <dgm:txPr/>
-    <dgm:style>
-      <a:lnRef idx="2">
-        <a:scrgbClr r="0" g="0" b="0"/>
-      </a:lnRef>
-      <a:fillRef idx="1">
-        <a:scrgbClr r="0" g="0" b="0"/>
-      </a:fillRef>
-      <a:effectRef idx="0">
-        <a:scrgbClr r="0" g="0" b="0"/>
-      </a:effectRef>
-      <a:fontRef idx="minor">
-        <a:schemeClr val="lt1"/>
-      </a:fontRef>
-    </dgm:style>
-  </dgm:styleLbl>
-  <dgm:styleLbl name="node4">
-    <dgm:scene3d>
-      <a:camera prst="orthographicFront"/>
-      <a:lightRig rig="threePt" dir="t"/>
-    </dgm:scene3d>
-    <dgm:sp3d/>
-    <dgm:txPr/>
-    <dgm:style>
-      <a:lnRef idx="2">
-        <a:scrgbClr r="0" g="0" b="0"/>
-      </a:lnRef>
-      <a:fillRef idx="1">
-        <a:scrgbClr r="0" g="0" b="0"/>
-      </a:fillRef>
-      <a:effectRef idx="0">
-        <a:scrgbClr r="0" g="0" b="0"/>
-      </a:effectRef>
-      <a:fontRef idx="minor">
-        <a:schemeClr val="lt1"/>
-      </a:fontRef>
-    </dgm:style>
-  </dgm:styleLbl>
-  <dgm:styleLbl name="fgImgPlace1">
-    <dgm:scene3d>
-      <a:camera prst="orthographicFront"/>
-      <a:lightRig rig="threePt" dir="t"/>
-    </dgm:scene3d>
-    <dgm:sp3d/>
-    <dgm:txPr/>
-    <dgm:style>
-      <a:lnRef idx="2">
-        <a:scrgbClr r="0" g="0" b="0"/>
-      </a:lnRef>
-      <a:fillRef idx="1">
-        <a:scrgbClr r="0" g="0" b="0"/>
-      </a:fillRef>
-      <a:effectRef idx="0">
-        <a:scrgbClr r="0" g="0" b="0"/>
-      </a:effectRef>
-      <a:fontRef idx="minor"/>
-    </dgm:style>
-  </dgm:styleLbl>
-  <dgm:styleLbl name="alignImgPlace1">
-    <dgm:scene3d>
-      <a:camera prst="orthographicFront"/>
-      <a:lightRig rig="threePt" dir="t"/>
-    </dgm:scene3d>
-    <dgm:sp3d/>
-    <dgm:txPr/>
-    <dgm:style>
-      <a:lnRef idx="2">
-        <a:scrgbClr r="0" g="0" b="0"/>
-      </a:lnRef>
-      <a:fillRef idx="1">
-        <a:scrgbClr r="0" g="0" b="0"/>
-      </a:fillRef>
-      <a:effectRef idx="0">
-        <a:scrgbClr r="0" g="0" b="0"/>
-      </a:effectRef>
-      <a:fontRef idx="minor"/>
-    </dgm:style>
-  </dgm:styleLbl>
-  <dgm:styleLbl name="bgImgPlace1">
-    <dgm:scene3d>
-      <a:camera prst="orthographicFront"/>
-      <a:lightRig rig="threePt" dir="t"/>
-    </dgm:scene3d>
-    <dgm:sp3d/>
-    <dgm:txPr/>
-    <dgm:style>
-      <a:lnRef idx="2">
-        <a:scrgbClr r="0" g="0" b="0"/>
-      </a:lnRef>
-      <a:fillRef idx="1">
-        <a:scrgbClr r="0" g="0" b="0"/>
-      </a:fillRef>
-      <a:effectRef idx="0">
-        <a:scrgbClr r="0" g="0" b="0"/>
-      </a:effectRef>
-      <a:fontRef idx="minor"/>
-    </dgm:style>
-  </dgm:styleLbl>
-  <dgm:styleLbl name="sibTrans2D1">
-    <dgm:scene3d>
-      <a:camera prst="orthographicFront"/>
-      <a:lightRig rig="threePt" dir="t"/>
-    </dgm:scene3d>
-    <dgm:sp3d/>
-    <dgm:txPr/>
-    <dgm:style>
-      <a:lnRef idx="0">
-        <a:scrgbClr r="0" g="0" b="0"/>
-      </a:lnRef>
-      <a:fillRef idx="1">
-        <a:scrgbClr r="0" g="0" b="0"/>
-      </a:fillRef>
-      <a:effectRef idx="0">
-        <a:scrgbClr r="0" g="0" b="0"/>
-      </a:effectRef>
-      <a:fontRef idx="minor">
-        <a:schemeClr val="lt1"/>
-      </a:fontRef>
-    </dgm:style>
-  </dgm:styleLbl>
-  <dgm:styleLbl name="fgSibTrans2D1">
-    <dgm:scene3d>
-      <a:camera prst="orthographicFront"/>
-      <a:lightRig rig="threePt" dir="t"/>
-    </dgm:scene3d>
-    <dgm:sp3d/>
-    <dgm:txPr/>
-    <dgm:style>
-      <a:lnRef idx="0">
-        <a:scrgbClr r="0" g="0" b="0"/>
-      </a:lnRef>
-      <a:fillRef idx="1">
-        <a:scrgbClr r="0" g="0" b="0"/>
-      </a:fillRef>
-      <a:effectRef idx="0">
-        <a:scrgbClr r="0" g="0" b="0"/>
-      </a:effectRef>
-      <a:fontRef idx="minor">
-        <a:schemeClr val="lt1"/>
-      </a:fontRef>
-    </dgm:style>
-  </dgm:styleLbl>
-  <dgm:styleLbl name="bgSibTrans2D1">
-    <dgm:scene3d>
-      <a:camera prst="orthographicFront"/>
-      <a:lightRig rig="threePt" dir="t"/>
-    </dgm:scene3d>
-    <dgm:sp3d/>
-    <dgm:txPr/>
-    <dgm:style>
-      <a:lnRef idx="0">
-        <a:scrgbClr r="0" g="0" b="0"/>
-      </a:lnRef>
-      <a:fillRef idx="1">
-        <a:scrgbClr r="0" g="0" b="0"/>
-      </a:fillRef>
-      <a:effectRef idx="0">
-        <a:scrgbClr r="0" g="0" b="0"/>
-      </a:effectRef>
-      <a:fontRef idx="minor">
-        <a:schemeClr val="lt1"/>
-      </a:fontRef>
-    </dgm:style>
-  </dgm:styleLbl>
-  <dgm:styleLbl name="sibTrans1D1">
-    <dgm:scene3d>
-      <a:camera prst="orthographicFront"/>
-      <a:lightRig rig="threePt" dir="t"/>
-    </dgm:scene3d>
-    <dgm:sp3d/>
-    <dgm:txPr/>
-    <dgm:style>
-      <a:lnRef idx="1">
-        <a:scrgbClr r="0" g="0" b="0"/>
-      </a:lnRef>
-      <a:fillRef idx="0">
-        <a:scrgbClr r="0" g="0" b="0"/>
-      </a:fillRef>
-      <a:effectRef idx="0">
-        <a:scrgbClr r="0" g="0" b="0"/>
-      </a:effectRef>
-      <a:fontRef idx="minor"/>
-    </dgm:style>
-  </dgm:styleLbl>
-  <dgm:styleLbl name="callout">
-    <dgm:scene3d>
-      <a:camera prst="orthographicFront"/>
-      <a:lightRig rig="threePt" dir="t"/>
-    </dgm:scene3d>
-    <dgm:sp3d/>
-    <dgm:txPr/>
-    <dgm:style>
-      <a:lnRef idx="2">
-        <a:scrgbClr r="0" g="0" b="0"/>
-      </a:lnRef>
-      <a:fillRef idx="1">
-        <a:scrgbClr r="0" g="0" b="0"/>
-      </a:fillRef>
-      <a:effectRef idx="0">
-        <a:scrgbClr r="0" g="0" b="0"/>
-      </a:effectRef>
-      <a:fontRef idx="minor"/>
-    </dgm:style>
-  </dgm:styleLbl>
-  <dgm:styleLbl name="asst0">
-    <dgm:scene3d>
-      <a:camera prst="orthographicFront"/>
-      <a:lightRig rig="threePt" dir="t"/>
-    </dgm:scene3d>
-    <dgm:sp3d/>
-    <dgm:txPr/>
-    <dgm:style>
-      <a:lnRef idx="2">
-        <a:scrgbClr r="0" g="0" b="0"/>
-      </a:lnRef>
-      <a:fillRef idx="1">
-        <a:scrgbClr r="0" g="0" b="0"/>
-      </a:fillRef>
-      <a:effectRef idx="0">
-        <a:scrgbClr r="0" g="0" b="0"/>
-      </a:effectRef>
-      <a:fontRef idx="minor">
-        <a:schemeClr val="lt1"/>
-      </a:fontRef>
-    </dgm:style>
-  </dgm:styleLbl>
-  <dgm:styleLbl name="asst1">
-    <dgm:scene3d>
-      <a:camera prst="orthographicFront"/>
-      <a:lightRig rig="threePt" dir="t"/>
-    </dgm:scene3d>
-    <dgm:sp3d/>
-    <dgm:txPr/>
-    <dgm:style>
-      <a:lnRef idx="2">
-        <a:scrgbClr r="0" g="0" b="0"/>
-      </a:lnRef>
-      <a:fillRef idx="1">
-        <a:scrgbClr r="0" g="0" b="0"/>
-      </a:fillRef>
-      <a:effectRef idx="0">
-        <a:scrgbClr r="0" g="0" b="0"/>
-      </a:effectRef>
-      <a:fontRef idx="minor">
-        <a:schemeClr val="lt1"/>
-      </a:fontRef>
-    </dgm:style>
-  </dgm:styleLbl>
-  <dgm:styleLbl name="asst2">
-    <dgm:scene3d>
-      <a:camera prst="orthographicFront"/>
-      <a:lightRig rig="threePt" dir="t"/>
-    </dgm:scene3d>
-    <dgm:sp3d/>
-    <dgm:txPr/>
-    <dgm:style>
-      <a:lnRef idx="2">
-        <a:scrgbClr r="0" g="0" b="0"/>
-      </a:lnRef>
-      <a:fillRef idx="1">
-        <a:scrgbClr r="0" g="0" b="0"/>
-      </a:fillRef>
-      <a:effectRef idx="0">
-        <a:scrgbClr r="0" g="0" b="0"/>
-      </a:effectRef>
-      <a:fontRef idx="minor">
-        <a:schemeClr val="lt1"/>
-      </a:fontRef>
-    </dgm:style>
-  </dgm:styleLbl>
-  <dgm:styleLbl name="asst3">
-    <dgm:scene3d>
-      <a:camera prst="orthographicFront"/>
-      <a:lightRig rig="threePt" dir="t"/>
-    </dgm:scene3d>
-    <dgm:sp3d/>
-    <dgm:txPr/>
-    <dgm:style>
-      <a:lnRef idx="2">
-        <a:scrgbClr r="0" g="0" b="0"/>
-      </a:lnRef>
-      <a:fillRef idx="1">
-        <a:scrgbClr r="0" g="0" b="0"/>
-      </a:fillRef>
-      <a:effectRef idx="0">
-        <a:scrgbClr r="0" g="0" b="0"/>
-      </a:effectRef>
-      <a:fontRef idx="minor">
-        <a:schemeClr val="lt1"/>
-      </a:fontRef>
-    </dgm:style>
-  </dgm:styleLbl>
-  <dgm:styleLbl name="asst4">
-    <dgm:scene3d>
-      <a:camera prst="orthographicFront"/>
-      <a:lightRig rig="threePt" dir="t"/>
-    </dgm:scene3d>
-    <dgm:sp3d/>
-    <dgm:txPr/>
-    <dgm:style>
-      <a:lnRef idx="2">
-        <a:scrgbClr r="0" g="0" b="0"/>
-      </a:lnRef>
-      <a:fillRef idx="1">
-        <a:scrgbClr r="0" g="0" b="0"/>
-      </a:fillRef>
-      <a:effectRef idx="0">
-        <a:scrgbClr r="0" g="0" b="0"/>
-      </a:effectRef>
-      <a:fontRef idx="minor">
-        <a:schemeClr val="lt1"/>
-      </a:fontRef>
-    </dgm:style>
-  </dgm:styleLbl>
-  <dgm:styleLbl name="parChTrans2D1">
-    <dgm:scene3d>
-      <a:camera prst="orthographicFront"/>
-      <a:lightRig rig="threePt" dir="t"/>
-    </dgm:scene3d>
-    <dgm:sp3d/>
-    <dgm:txPr/>
-    <dgm:style>
-      <a:lnRef idx="2">
-        <a:scrgbClr r="0" g="0" b="0"/>
-      </a:lnRef>
-      <a:fillRef idx="1">
-        <a:scrgbClr r="0" g="0" b="0"/>
-      </a:fillRef>
-      <a:effectRef idx="0">
-        <a:scrgbClr r="0" g="0" b="0"/>
-      </a:effectRef>
-      <a:fontRef idx="minor">
-        <a:schemeClr val="lt1"/>
-      </a:fontRef>
-    </dgm:style>
-  </dgm:styleLbl>
-  <dgm:styleLbl name="parChTrans2D2">
-    <dgm:scene3d>
-      <a:camera prst="orthographicFront"/>
-      <a:lightRig rig="threePt" dir="t"/>
-    </dgm:scene3d>
-    <dgm:sp3d/>
-    <dgm:txPr/>
-    <dgm:style>
-      <a:lnRef idx="2">
-        <a:scrgbClr r="0" g="0" b="0"/>
-      </a:lnRef>
-      <a:fillRef idx="1">
-        <a:scrgbClr r="0" g="0" b="0"/>
-      </a:fillRef>
-      <a:effectRef idx="0">
-        <a:scrgbClr r="0" g="0" b="0"/>
-      </a:effectRef>
-      <a:fontRef idx="minor">
-        <a:schemeClr val="lt1"/>
-      </a:fontRef>
-    </dgm:style>
-  </dgm:styleLbl>
-  <dgm:styleLbl name="parChTrans2D3">
-    <dgm:scene3d>
-      <a:camera prst="orthographicFront"/>
-      <a:lightRig rig="threePt" dir="t"/>
-    </dgm:scene3d>
-    <dgm:sp3d/>
-    <dgm:txPr/>
-    <dgm:style>
-      <a:lnRef idx="2">
-        <a:scrgbClr r="0" g="0" b="0"/>
-      </a:lnRef>
-      <a:fillRef idx="1">
-        <a:scrgbClr r="0" g="0" b="0"/>
-      </a:fillRef>
-      <a:effectRef idx="0">
-        <a:scrgbClr r="0" g="0" b="0"/>
-      </a:effectRef>
-      <a:fontRef idx="minor">
-        <a:schemeClr val="lt1"/>
-      </a:fontRef>
-    </dgm:style>
-  </dgm:styleLbl>
-  <dgm:styleLbl name="parChTrans2D4">
-    <dgm:scene3d>
-      <a:camera prst="orthographicFront"/>
-      <a:lightRig rig="threePt" dir="t"/>
-    </dgm:scene3d>
-    <dgm:sp3d/>
-    <dgm:txPr/>
-    <dgm:style>
-      <a:lnRef idx="2">
-        <a:scrgbClr r="0" g="0" b="0"/>
-      </a:lnRef>
-      <a:fillRef idx="1">
-        <a:scrgbClr r="0" g="0" b="0"/>
-      </a:fillRef>
-      <a:effectRef idx="0">
-        <a:scrgbClr r="0" g="0" b="0"/>
-      </a:effectRef>
-      <a:fontRef idx="minor">
-        <a:schemeClr val="lt1"/>
-      </a:fontRef>
-    </dgm:style>
-  </dgm:styleLbl>
-  <dgm:styleLbl name="parChTrans1D1">
-    <dgm:scene3d>
-      <a:camera prst="orthographicFront"/>
-      <a:lightRig rig="threePt" dir="t"/>
-    </dgm:scene3d>
-    <dgm:sp3d/>
-    <dgm:txPr/>
-    <dgm:style>
-      <a:lnRef idx="2">
-        <a:scrgbClr r="0" g="0" b="0"/>
-      </a:lnRef>
-      <a:fillRef idx="0">
-        <a:scrgbClr r="0" g="0" b="0"/>
-      </a:fillRef>
-      <a:effectRef idx="0">
-        <a:scrgbClr r="0" g="0" b="0"/>
-      </a:effectRef>
-      <a:fontRef idx="minor"/>
-    </dgm:style>
-  </dgm:styleLbl>
-  <dgm:styleLbl name="parChTrans1D2">
-    <dgm:scene3d>
-      <a:camera prst="orthographicFront"/>
-      <a:lightRig rig="threePt" dir="t"/>
-    </dgm:scene3d>
-    <dgm:sp3d/>
-    <dgm:txPr/>
-    <dgm:style>
-      <a:lnRef idx="2">
-        <a:scrgbClr r="0" g="0" b="0"/>
-      </a:lnRef>
-      <a:fillRef idx="0">
-        <a:scrgbClr r="0" g="0" b="0"/>
-      </a:fillRef>
-      <a:effectRef idx="0">
-        <a:scrgbClr r="0" g="0" b="0"/>
-      </a:effectRef>
-      <a:fontRef idx="minor"/>
-    </dgm:style>
-  </dgm:styleLbl>
-  <dgm:styleLbl name="parChTrans1D3">
-    <dgm:scene3d>
-      <a:camera prst="orthographicFront"/>
-      <a:lightRig rig="threePt" dir="t"/>
-    </dgm:scene3d>
-    <dgm:sp3d/>
-    <dgm:txPr/>
-    <dgm:style>
-      <a:lnRef idx="2">
-        <a:scrgbClr r="0" g="0" b="0"/>
-      </a:lnRef>
-      <a:fillRef idx="0">
-        <a:scrgbClr r="0" g="0" b="0"/>
-      </a:fillRef>
-      <a:effectRef idx="0">
-        <a:scrgbClr r="0" g="0" b="0"/>
-      </a:effectRef>
-      <a:fontRef idx="minor"/>
-    </dgm:style>
-  </dgm:styleLbl>
-  <dgm:styleLbl name="parChTrans1D4">
-    <dgm:scene3d>
-      <a:camera prst="orthographicFront"/>
-      <a:lightRig rig="threePt" dir="t"/>
-    </dgm:scene3d>
-    <dgm:sp3d/>
-    <dgm:txPr/>
-    <dgm:style>
-      <a:lnRef idx="2">
-        <a:scrgbClr r="0" g="0" b="0"/>
-      </a:lnRef>
-      <a:fillRef idx="0">
-        <a:scrgbClr r="0" g="0" b="0"/>
-      </a:fillRef>
-      <a:effectRef idx="0">
-        <a:scrgbClr r="0" g="0" b="0"/>
-      </a:effectRef>
-      <a:fontRef idx="minor"/>
-    </dgm:style>
-  </dgm:styleLbl>
-  <dgm:styleLbl name="fgAcc1">
-    <dgm:scene3d>
-      <a:camera prst="orthographicFront"/>
-      <a:lightRig rig="threePt" dir="t"/>
-    </dgm:scene3d>
-    <dgm:sp3d/>
-    <dgm:txPr/>
-    <dgm:style>
-      <a:lnRef idx="2">
-        <a:scrgbClr r="0" g="0" b="0"/>
-      </a:lnRef>
-      <a:fillRef idx="1">
-        <a:scrgbClr r="0" g="0" b="0"/>
-      </a:fillRef>
-      <a:effectRef idx="0">
-        <a:scrgbClr r="0" g="0" b="0"/>
-      </a:effectRef>
-      <a:fontRef idx="minor"/>
-    </dgm:style>
-  </dgm:styleLbl>
-  <dgm:styleLbl name="conFgAcc1">
-    <dgm:scene3d>
-      <a:camera prst="orthographicFront"/>
-      <a:lightRig rig="threePt" dir="t"/>
-    </dgm:scene3d>
-    <dgm:sp3d/>
-    <dgm:txPr/>
-    <dgm:style>
-      <a:lnRef idx="2">
-        <a:scrgbClr r="0" g="0" b="0"/>
-      </a:lnRef>
-      <a:fillRef idx="1">
-        <a:scrgbClr r="0" g="0" b="0"/>
-      </a:fillRef>
-      <a:effectRef idx="0">
-        <a:scrgbClr r="0" g="0" b="0"/>
-      </a:effectRef>
-      <a:fontRef idx="minor"/>
-    </dgm:style>
-  </dgm:styleLbl>
-  <dgm:styleLbl name="alignAcc1">
-    <dgm:scene3d>
-      <a:camera prst="orthographicFront"/>
-      <a:lightRig rig="threePt" dir="t"/>
-    </dgm:scene3d>
-    <dgm:sp3d/>
-    <dgm:txPr/>
-    <dgm:style>
-      <a:lnRef idx="2">
-        <a:scrgbClr r="0" g="0" b="0"/>
-      </a:lnRef>
-      <a:fillRef idx="1">
-        <a:scrgbClr r="0" g="0" b="0"/>
-      </a:fillRef>
-      <a:effectRef idx="0">
-        <a:scrgbClr r="0" g="0" b="0"/>
-      </a:effectRef>
-      <a:fontRef idx="minor"/>
-    </dgm:style>
-  </dgm:styleLbl>
-  <dgm:styleLbl name="trAlignAcc1">
-    <dgm:scene3d>
-      <a:camera prst="orthographicFront"/>
-      <a:lightRig rig="threePt" dir="t"/>
-    </dgm:scene3d>
-    <dgm:sp3d/>
-    <dgm:txPr/>
-    <dgm:style>
-      <a:lnRef idx="1">
-        <a:scrgbClr r="0" g="0" b="0"/>
-      </a:lnRef>
-      <a:fillRef idx="1">
-        <a:scrgbClr r="0" g="0" b="0"/>
-      </a:fillRef>
-      <a:effectRef idx="0">
-        <a:scrgbClr r="0" g="0" b="0"/>
-      </a:effectRef>
-      <a:fontRef idx="minor"/>
-    </dgm:style>
-  </dgm:styleLbl>
-  <dgm:styleLbl name="bgAcc1">
-    <dgm:scene3d>
-      <a:camera prst="orthographicFront"/>
-      <a:lightRig rig="threePt" dir="t"/>
-    </dgm:scene3d>
-    <dgm:sp3d/>
-    <dgm:txPr/>
-    <dgm:style>
-      <a:lnRef idx="2">
-        <a:scrgbClr r="0" g="0" b="0"/>
-      </a:lnRef>
-      <a:fillRef idx="1">
-        <a:scrgbClr r="0" g="0" b="0"/>
-      </a:fillRef>
-      <a:effectRef idx="0">
-        <a:scrgbClr r="0" g="0" b="0"/>
-      </a:effectRef>
-      <a:fontRef idx="minor"/>
-    </dgm:style>
-  </dgm:styleLbl>
-  <dgm:styleLbl name="solidFgAcc1">
-    <dgm:scene3d>
-      <a:camera prst="orthographicFront"/>
-      <a:lightRig rig="threePt" dir="t"/>
-    </dgm:scene3d>
-    <dgm:sp3d/>
-    <dgm:txPr/>
-    <dgm:style>
-      <a:lnRef idx="2">
-        <a:scrgbClr r="0" g="0" b="0"/>
-      </a:lnRef>
-      <a:fillRef idx="1">
-        <a:scrgbClr r="0" g="0" b="0"/>
-      </a:fillRef>
-      <a:effectRef idx="0">
-        <a:scrgbClr r="0" g="0" b="0"/>
-      </a:effectRef>
-      <a:fontRef idx="minor"/>
-    </dgm:style>
-  </dgm:styleLbl>
-  <dgm:styleLbl name="solidAlignAcc1">
-    <dgm:scene3d>
-      <a:camera prst="orthographicFront"/>
-      <a:lightRig rig="threePt" dir="t"/>
-    </dgm:scene3d>
-    <dgm:sp3d/>
-    <dgm:txPr/>
-    <dgm:style>
-      <a:lnRef idx="2">
-        <a:scrgbClr r="0" g="0" b="0"/>
-      </a:lnRef>
-      <a:fillRef idx="1">
-        <a:scrgbClr r="0" g="0" b="0"/>
-      </a:fillRef>
-      <a:effectRef idx="0">
-        <a:scrgbClr r="0" g="0" b="0"/>
-      </a:effectRef>
-      <a:fontRef idx="minor"/>
-    </dgm:style>
-  </dgm:styleLbl>
-  <dgm:styleLbl name="solidBgAcc1">
-    <dgm:scene3d>
-      <a:camera prst="orthographicFront"/>
-      <a:lightRig rig="threePt" dir="t"/>
-    </dgm:scene3d>
-    <dgm:sp3d/>
-    <dgm:txPr/>
-    <dgm:style>
-      <a:lnRef idx="2">
-        <a:scrgbClr r="0" g="0" b="0"/>
-      </a:lnRef>
-      <a:fillRef idx="1">
-        <a:scrgbClr r="0" g="0" b="0"/>
-      </a:fillRef>
-      <a:effectRef idx="0">
-        <a:scrgbClr r="0" g="0" b="0"/>
-      </a:effectRef>
-      <a:fontRef idx="minor"/>
-    </dgm:style>
-  </dgm:styleLbl>
-  <dgm:styleLbl name="fgAccFollowNode1">
-    <dgm:scene3d>
-      <a:camera prst="orthographicFront"/>
-      <a:lightRig rig="threePt" dir="t"/>
-    </dgm:scene3d>
-    <dgm:sp3d/>
-    <dgm:txPr/>
-    <dgm:style>
-      <a:lnRef idx="2">
-        <a:scrgbClr r="0" g="0" b="0"/>
-      </a:lnRef>
-      <a:fillRef idx="1">
-        <a:scrgbClr r="0" g="0" b="0"/>
-      </a:fillRef>
-      <a:effectRef idx="0">
-        <a:scrgbClr r="0" g="0" b="0"/>
-      </a:effectRef>
-      <a:fontRef idx="minor"/>
-    </dgm:style>
-  </dgm:styleLbl>
-  <dgm:styleLbl name="alignAccFollowNode1">
-    <dgm:scene3d>
-      <a:camera prst="orthographicFront"/>
-      <a:lightRig rig="threePt" dir="t"/>
-    </dgm:scene3d>
-    <dgm:sp3d/>
-    <dgm:txPr/>
-    <dgm:style>
-      <a:lnRef idx="2">
-        <a:scrgbClr r="0" g="0" b="0"/>
-      </a:lnRef>
-      <a:fillRef idx="1">
-        <a:scrgbClr r="0" g="0" b="0"/>
-      </a:fillRef>
-      <a:effectRef idx="0">
-        <a:scrgbClr r="0" g="0" b="0"/>
-      </a:effectRef>
-      <a:fontRef idx="minor"/>
-    </dgm:style>
-  </dgm:styleLbl>
-  <dgm:styleLbl name="bgAccFollowNode1">
-    <dgm:scene3d>
-      <a:camera prst="orthographicFront"/>
-      <a:lightRig rig="threePt" dir="t"/>
-    </dgm:scene3d>
-    <dgm:sp3d/>
-    <dgm:txPr/>
-    <dgm:style>
-      <a:lnRef idx="2">
-        <a:scrgbClr r="0" g="0" b="0"/>
-      </a:lnRef>
-      <a:fillRef idx="1">
-        <a:scrgbClr r="0" g="0" b="0"/>
-      </a:fillRef>
-      <a:effectRef idx="0">
-        <a:scrgbClr r="0" g="0" b="0"/>
-      </a:effectRef>
-      <a:fontRef idx="minor"/>
-    </dgm:style>
-  </dgm:styleLbl>
-  <dgm:styleLbl name="fgAcc0">
-    <dgm:scene3d>
-      <a:camera prst="orthographicFront"/>
-      <a:lightRig rig="threePt" dir="t"/>
-    </dgm:scene3d>
-    <dgm:sp3d/>
-    <dgm:txPr/>
-    <dgm:style>
-      <a:lnRef idx="2">
-        <a:scrgbClr r="0" g="0" b="0"/>
-      </a:lnRef>
-      <a:fillRef idx="1">
-        <a:scrgbClr r="0" g="0" b="0"/>
-      </a:fillRef>
-      <a:effectRef idx="0">
-        <a:scrgbClr r="0" g="0" b="0"/>
-      </a:effectRef>
-      <a:fontRef idx="minor"/>
-    </dgm:style>
-  </dgm:styleLbl>
-  <dgm:styleLbl name="fgAcc2">
-    <dgm:scene3d>
-      <a:camera prst="orthographicFront"/>
-      <a:lightRig rig="threePt" dir="t"/>
-    </dgm:scene3d>
-    <dgm:sp3d/>
-    <dgm:txPr/>
-    <dgm:style>
-      <a:lnRef idx="2">
-        <a:scrgbClr r="0" g="0" b="0"/>
-      </a:lnRef>
-      <a:fillRef idx="1">
-        <a:scrgbClr r="0" g="0" b="0"/>
-      </a:fillRef>
-      <a:effectRef idx="0">
-        <a:scrgbClr r="0" g="0" b="0"/>
-      </a:effectRef>
-      <a:fontRef idx="minor"/>
-    </dgm:style>
-  </dgm:styleLbl>
-  <dgm:styleLbl name="fgAcc3">
-    <dgm:scene3d>
-      <a:camera prst="orthographicFront"/>
-      <a:lightRig rig="threePt" dir="t"/>
-    </dgm:scene3d>
-    <dgm:sp3d/>
-    <dgm:txPr/>
-    <dgm:style>
-      <a:lnRef idx="2">
-        <a:scrgbClr r="0" g="0" b="0"/>
-      </a:lnRef>
-      <a:fillRef idx="1">
-        <a:scrgbClr r="0" g="0" b="0"/>
-      </a:fillRef>
-      <a:effectRef idx="0">
-        <a:scrgbClr r="0" g="0" b="0"/>
-      </a:effectRef>
-      <a:fontRef idx="minor"/>
-    </dgm:style>
-  </dgm:styleLbl>
-  <dgm:styleLbl name="fgAcc4">
-    <dgm:scene3d>
-      <a:camera prst="orthographicFront"/>
-      <a:lightRig rig="threePt" dir="t"/>
-    </dgm:scene3d>
-    <dgm:sp3d/>
-    <dgm:txPr/>
-    <dgm:style>
-      <a:lnRef idx="2">
-        <a:scrgbClr r="0" g="0" b="0"/>
-      </a:lnRef>
-      <a:fillRef idx="1">
-        <a:scrgbClr r="0" g="0" b="0"/>
-      </a:fillRef>
-      <a:effectRef idx="0">
-        <a:scrgbClr r="0" g="0" b="0"/>
-      </a:effectRef>
-      <a:fontRef idx="minor"/>
-    </dgm:style>
-  </dgm:styleLbl>
-  <dgm:styleLbl name="bgShp">
-    <dgm:scene3d>
-      <a:camera prst="orthographicFront"/>
-      <a:lightRig rig="threePt" dir="t"/>
-    </dgm:scene3d>
-    <dgm:sp3d/>
-    <dgm:txPr/>
-    <dgm:style>
-      <a:lnRef idx="0">
-        <a:scrgbClr r="0" g="0" b="0"/>
-      </a:lnRef>
-      <a:fillRef idx="1">
-        <a:scrgbClr r="0" g="0" b="0"/>
-      </a:fillRef>
-      <a:effectRef idx="0">
-        <a:scrgbClr r="0" g="0" b="0"/>
-      </a:effectRef>
-      <a:fontRef idx="minor"/>
-    </dgm:style>
-  </dgm:styleLbl>
-  <dgm:styleLbl name="dkBgShp">
-    <dgm:scene3d>
-      <a:camera prst="orthographicFront"/>
-      <a:lightRig rig="threePt" dir="t"/>
-    </dgm:scene3d>
-    <dgm:sp3d/>
-    <dgm:txPr/>
-    <dgm:style>
-      <a:lnRef idx="0">
-        <a:scrgbClr r="0" g="0" b="0"/>
-      </a:lnRef>
-      <a:fillRef idx="1">
-        <a:scrgbClr r="0" g="0" b="0"/>
-      </a:fillRef>
-      <a:effectRef idx="0">
-        <a:scrgbClr r="0" g="0" b="0"/>
-      </a:effectRef>
-      <a:fontRef idx="minor"/>
-    </dgm:style>
-  </dgm:styleLbl>
-  <dgm:styleLbl name="trBgShp">
-    <dgm:scene3d>
-      <a:camera prst="orthographicFront"/>
-      <a:lightRig rig="threePt" dir="t"/>
-    </dgm:scene3d>
-    <dgm:sp3d/>
-    <dgm:txPr/>
-    <dgm:style>
-      <a:lnRef idx="0">
-        <a:scrgbClr r="0" g="0" b="0"/>
-      </a:lnRef>
-      <a:fillRef idx="1">
-        <a:scrgbClr r="0" g="0" b="0"/>
-      </a:fillRef>
-      <a:effectRef idx="0">
-        <a:scrgbClr r="0" g="0" b="0"/>
-      </a:effectRef>
-      <a:fontRef idx="minor"/>
-    </dgm:style>
-  </dgm:styleLbl>
-  <dgm:styleLbl name="fgShp">
-    <dgm:scene3d>
-      <a:camera prst="orthographicFront"/>
-      <a:lightRig rig="threePt" dir="t"/>
-    </dgm:scene3d>
-    <dgm:sp3d/>
-    <dgm:txPr/>
-    <dgm:style>
-      <a:lnRef idx="2">
-        <a:scrgbClr r="0" g="0" b="0"/>
-      </a:lnRef>
-      <a:fillRef idx="1">
-        <a:scrgbClr r="0" g="0" b="0"/>
-      </a:fillRef>
-      <a:effectRef idx="0">
-        <a:scrgbClr r="0" g="0" b="0"/>
-      </a:effectRef>
-      <a:fontRef idx="minor"/>
-    </dgm:style>
-  </dgm:styleLbl>
-  <dgm:styleLbl name="revTx">
-    <dgm:scene3d>
-      <a:camera prst="orthographicFront"/>
-      <a:lightRig rig="threePt" dir="t"/>
-    </dgm:scene3d>
-    <dgm:sp3d/>
-    <dgm:txPr/>
-    <dgm:style>
-      <a:lnRef idx="0">
-        <a:scrgbClr r="0" g="0" b="0"/>
-      </a:lnRef>
-      <a:fillRef idx="0">
-        <a:scrgbClr r="0" g="0" b="0"/>
-      </a:fillRef>
-      <a:effectRef idx="0">
-        <a:scrgbClr r="0" g="0" b="0"/>
-      </a:effectRef>
-      <a:fontRef idx="minor"/>
-    </dgm:style>
-  </dgm:styleLbl>
-</dgm:styleDef>
-</file>
-
-<file path=ppt/diagrams/quickStyle6.xml><?xml version="1.0" encoding="utf-8"?>
 <dgm:styleDef xmlns:dgm="http://schemas.openxmlformats.org/drawingml/2006/diagram" xmlns:a="http://schemas.openxmlformats.org/drawingml/2006/main" uniqueId="urn:microsoft.com/office/officeart/2005/8/quickstyle/simple1">
   <dgm:title val=""/>
   <dgm:desc val=""/>
@@ -15181,7 +12877,7 @@
           <a:p>
             <a:fld id="{85DB6F77-31B3-44A6-9538-7D3B84B14A3E}" type="datetimeFigureOut">
               <a:rPr lang="en-US" smtClean="0"/>
-              <a:t>4/26/2021</a:t>
+              <a:t>4/28/2021</a:t>
             </a:fld>
             <a:endParaRPr lang="en-US" dirty="0"/>
           </a:p>
@@ -15448,6 +13144,948 @@
 </p:notesMaster>
 </file>
 
+<file path=ppt/notesSlides/notesSlide1.xml><?xml version="1.0" encoding="utf-8"?>
+<p:notes xmlns:a="http://schemas.openxmlformats.org/drawingml/2006/main" xmlns:r="http://schemas.openxmlformats.org/officeDocument/2006/relationships" xmlns:p="http://schemas.openxmlformats.org/presentationml/2006/main">
+  <p:cSld>
+    <p:spTree>
+      <p:nvGrpSpPr>
+        <p:cNvPr id="1" name=""/>
+        <p:cNvGrpSpPr/>
+        <p:nvPr/>
+      </p:nvGrpSpPr>
+      <p:grpSpPr>
+        <a:xfrm>
+          <a:off x="0" y="0"/>
+          <a:ext cx="0" cy="0"/>
+          <a:chOff x="0" y="0"/>
+          <a:chExt cx="0" cy="0"/>
+        </a:xfrm>
+      </p:grpSpPr>
+      <p:sp>
+        <p:nvSpPr>
+          <p:cNvPr id="2" name="Slide Image Placeholder 1"/>
+          <p:cNvSpPr>
+            <a:spLocks noGrp="1" noRot="1" noChangeAspect="1"/>
+          </p:cNvSpPr>
+          <p:nvPr>
+            <p:ph type="sldImg"/>
+          </p:nvPr>
+        </p:nvSpPr>
+        <p:spPr/>
+      </p:sp>
+      <p:sp>
+        <p:nvSpPr>
+          <p:cNvPr id="3" name="Notes Placeholder 2"/>
+          <p:cNvSpPr>
+            <a:spLocks noGrp="1"/>
+          </p:cNvSpPr>
+          <p:nvPr>
+            <p:ph type="body" idx="1"/>
+          </p:nvPr>
+        </p:nvSpPr>
+        <p:spPr/>
+        <p:txBody>
+          <a:bodyPr/>
+          <a:lstStyle/>
+          <a:p>
+            <a:r>
+              <a:rPr lang="en-US" dirty="0"/>
+              <a:t>For our project we wanted to explore whether California wildfires have become larger, more frequent and more destructive……and, if we had time, to investigate whether drought might be a contributing factor.  </a:t>
+            </a:r>
+          </a:p>
+        </p:txBody>
+      </p:sp>
+      <p:sp>
+        <p:nvSpPr>
+          <p:cNvPr id="4" name="Slide Number Placeholder 3"/>
+          <p:cNvSpPr>
+            <a:spLocks noGrp="1"/>
+          </p:cNvSpPr>
+          <p:nvPr>
+            <p:ph type="sldNum" sz="quarter" idx="5"/>
+          </p:nvPr>
+        </p:nvSpPr>
+        <p:spPr/>
+        <p:txBody>
+          <a:bodyPr/>
+          <a:lstStyle/>
+          <a:p>
+            <a:fld id="{D3BEC92D-C8E2-4A8F-BF2D-75109D630128}" type="slidenum">
+              <a:rPr lang="en-US" smtClean="0"/>
+              <a:t>2</a:t>
+            </a:fld>
+            <a:endParaRPr lang="en-US" dirty="0"/>
+          </a:p>
+        </p:txBody>
+      </p:sp>
+    </p:spTree>
+    <p:extLst>
+      <p:ext uri="{BB962C8B-B14F-4D97-AF65-F5344CB8AC3E}">
+        <p14:creationId xmlns:p14="http://schemas.microsoft.com/office/powerpoint/2010/main" val="4286768109"/>
+      </p:ext>
+    </p:extLst>
+  </p:cSld>
+  <p:clrMapOvr>
+    <a:masterClrMapping/>
+  </p:clrMapOvr>
+</p:notes>
+</file>
+
+<file path=ppt/notesSlides/notesSlide2.xml><?xml version="1.0" encoding="utf-8"?>
+<p:notes xmlns:a="http://schemas.openxmlformats.org/drawingml/2006/main" xmlns:r="http://schemas.openxmlformats.org/officeDocument/2006/relationships" xmlns:p="http://schemas.openxmlformats.org/presentationml/2006/main">
+  <p:cSld>
+    <p:spTree>
+      <p:nvGrpSpPr>
+        <p:cNvPr id="1" name=""/>
+        <p:cNvGrpSpPr/>
+        <p:nvPr/>
+      </p:nvGrpSpPr>
+      <p:grpSpPr>
+        <a:xfrm>
+          <a:off x="0" y="0"/>
+          <a:ext cx="0" cy="0"/>
+          <a:chOff x="0" y="0"/>
+          <a:chExt cx="0" cy="0"/>
+        </a:xfrm>
+      </p:grpSpPr>
+      <p:sp>
+        <p:nvSpPr>
+          <p:cNvPr id="2" name="Slide Image Placeholder 1"/>
+          <p:cNvSpPr>
+            <a:spLocks noGrp="1" noRot="1" noChangeAspect="1"/>
+          </p:cNvSpPr>
+          <p:nvPr>
+            <p:ph type="sldImg"/>
+          </p:nvPr>
+        </p:nvSpPr>
+        <p:spPr/>
+      </p:sp>
+      <p:sp>
+        <p:nvSpPr>
+          <p:cNvPr id="3" name="Notes Placeholder 2"/>
+          <p:cNvSpPr>
+            <a:spLocks noGrp="1"/>
+          </p:cNvSpPr>
+          <p:nvPr>
+            <p:ph type="body" idx="1"/>
+          </p:nvPr>
+        </p:nvSpPr>
+        <p:spPr/>
+        <p:txBody>
+          <a:bodyPr/>
+          <a:lstStyle/>
+          <a:p>
+            <a:r>
+              <a:rPr lang="en-US" dirty="0"/>
+              <a:t>To do this, we found a couple of good datasets:</a:t>
+            </a:r>
+          </a:p>
+          <a:p>
+            <a:r>
+              <a:rPr lang="en-US" dirty="0"/>
+              <a:t>- A CSV file on Kaggle covering wildfire incidents from 2013-2019 that were originally scraped from www.fire.ca.gov/incidents/ website.</a:t>
+            </a:r>
+          </a:p>
+          <a:p>
+            <a:r>
+              <a:rPr lang="en-US" dirty="0"/>
+              <a:t>There were a few issues with the dataset (aren’t there always?):</a:t>
+            </a:r>
+          </a:p>
+          <a:p>
+            <a:pPr marL="171450" indent="-171450">
+              <a:buFontTx/>
+              <a:buChar char="-"/>
+            </a:pPr>
+            <a:r>
+              <a:rPr lang="en-US" dirty="0"/>
+              <a:t>Missing 2020 altogether, and 2019 was likely incomplete (the dataset contains only fires that were in a finalized status) </a:t>
+            </a:r>
+          </a:p>
+          <a:p>
+            <a:pPr marL="171450" indent="-171450">
+              <a:buFontTx/>
+              <a:buChar char="-"/>
+            </a:pPr>
+            <a:r>
+              <a:rPr lang="en-US" dirty="0"/>
+              <a:t>Some duplicate records for large fires, which we removed.</a:t>
+            </a:r>
+          </a:p>
+          <a:p>
+            <a:pPr marL="171450" indent="-171450">
+              <a:buFontTx/>
+              <a:buChar char="-"/>
+            </a:pPr>
+            <a:r>
+              <a:rPr lang="en-US" dirty="0"/>
+              <a:t>Some incorrect coordinates </a:t>
+            </a:r>
+          </a:p>
+          <a:p>
+            <a:pPr marL="0" indent="0">
+              <a:buFontTx/>
+              <a:buNone/>
+            </a:pPr>
+            <a:r>
+              <a:rPr lang="en-US" dirty="0"/>
+              <a:t>The US Drought Monitor had a great dataset in CSV format, breaking out the % of California that was in different levels of drought from 2000-2021.</a:t>
+            </a:r>
+          </a:p>
+          <a:p>
+            <a:pPr marL="0" indent="0">
+              <a:buFontTx/>
+              <a:buNone/>
+            </a:pPr>
+            <a:r>
+              <a:rPr lang="en-US" dirty="0"/>
+              <a:t>So, with this data, we set out to build a dashboard to explore our questions……………</a:t>
+            </a:r>
+          </a:p>
+        </p:txBody>
+      </p:sp>
+      <p:sp>
+        <p:nvSpPr>
+          <p:cNvPr id="4" name="Slide Number Placeholder 3"/>
+          <p:cNvSpPr>
+            <a:spLocks noGrp="1"/>
+          </p:cNvSpPr>
+          <p:nvPr>
+            <p:ph type="sldNum" sz="quarter" idx="5"/>
+          </p:nvPr>
+        </p:nvSpPr>
+        <p:spPr/>
+        <p:txBody>
+          <a:bodyPr/>
+          <a:lstStyle/>
+          <a:p>
+            <a:fld id="{D3BEC92D-C8E2-4A8F-BF2D-75109D630128}" type="slidenum">
+              <a:rPr lang="en-US" smtClean="0"/>
+              <a:t>3</a:t>
+            </a:fld>
+            <a:endParaRPr lang="en-US" dirty="0"/>
+          </a:p>
+        </p:txBody>
+      </p:sp>
+    </p:spTree>
+    <p:extLst>
+      <p:ext uri="{BB962C8B-B14F-4D97-AF65-F5344CB8AC3E}">
+        <p14:creationId xmlns:p14="http://schemas.microsoft.com/office/powerpoint/2010/main" val="2145090685"/>
+      </p:ext>
+    </p:extLst>
+  </p:cSld>
+  <p:clrMapOvr>
+    <a:masterClrMapping/>
+  </p:clrMapOvr>
+</p:notes>
+</file>
+
+<file path=ppt/notesSlides/notesSlide3.xml><?xml version="1.0" encoding="utf-8"?>
+<p:notes xmlns:a="http://schemas.openxmlformats.org/drawingml/2006/main" xmlns:r="http://schemas.openxmlformats.org/officeDocument/2006/relationships" xmlns:p="http://schemas.openxmlformats.org/presentationml/2006/main">
+  <p:cSld>
+    <p:spTree>
+      <p:nvGrpSpPr>
+        <p:cNvPr id="1" name=""/>
+        <p:cNvGrpSpPr/>
+        <p:nvPr/>
+      </p:nvGrpSpPr>
+      <p:grpSpPr>
+        <a:xfrm>
+          <a:off x="0" y="0"/>
+          <a:ext cx="0" cy="0"/>
+          <a:chOff x="0" y="0"/>
+          <a:chExt cx="0" cy="0"/>
+        </a:xfrm>
+      </p:grpSpPr>
+      <p:sp>
+        <p:nvSpPr>
+          <p:cNvPr id="2" name="Slide Image Placeholder 1"/>
+          <p:cNvSpPr>
+            <a:spLocks noGrp="1" noRot="1" noChangeAspect="1"/>
+          </p:cNvSpPr>
+          <p:nvPr>
+            <p:ph type="sldImg"/>
+          </p:nvPr>
+        </p:nvSpPr>
+        <p:spPr/>
+      </p:sp>
+      <p:sp>
+        <p:nvSpPr>
+          <p:cNvPr id="3" name="Notes Placeholder 2"/>
+          <p:cNvSpPr>
+            <a:spLocks noGrp="1"/>
+          </p:cNvSpPr>
+          <p:nvPr>
+            <p:ph type="body" idx="1"/>
+          </p:nvPr>
+        </p:nvSpPr>
+        <p:spPr/>
+        <p:txBody>
+          <a:bodyPr/>
+          <a:lstStyle/>
+          <a:p>
+            <a:r>
+              <a:rPr lang="en-US" dirty="0"/>
+              <a:t>For the data engineering of the Wildfire Incident data, we took two approaches:</a:t>
+            </a:r>
+          </a:p>
+          <a:p>
+            <a:r>
+              <a:rPr lang="en-US" dirty="0"/>
+              <a:t>1- For mapping purposes, we converted the CSV data to </a:t>
+            </a:r>
+            <a:r>
+              <a:rPr lang="en-US" dirty="0" err="1"/>
+              <a:t>GeoJSON</a:t>
+            </a:r>
+            <a:r>
+              <a:rPr lang="en-US" dirty="0"/>
+              <a:t> format, then used Leaflet to create and display our Wildfire map on the front-end using Bootstrap, </a:t>
+            </a:r>
+            <a:r>
+              <a:rPr lang="en-US" dirty="0" err="1"/>
+              <a:t>Javascript</a:t>
+            </a:r>
+            <a:r>
+              <a:rPr lang="en-US" dirty="0"/>
+              <a:t>, HTML and CSS.</a:t>
+            </a:r>
+          </a:p>
+          <a:p>
+            <a:r>
+              <a:rPr lang="en-US" dirty="0"/>
+              <a:t>2- For querying and charting purposes, we loaded the data onto a PostgreSQL database server in the cloud and did all of the ETL using SQL. </a:t>
+            </a:r>
+          </a:p>
+          <a:p>
+            <a:r>
+              <a:rPr lang="en-US" dirty="0"/>
+              <a:t>We used </a:t>
+            </a:r>
+            <a:r>
+              <a:rPr lang="en-US" dirty="0" err="1"/>
+              <a:t>NODEjs</a:t>
+            </a:r>
+            <a:r>
+              <a:rPr lang="en-US" dirty="0"/>
+              <a:t> to serve up query results to several API endpoints, and then used </a:t>
+            </a:r>
+            <a:r>
+              <a:rPr lang="en-US" dirty="0" err="1"/>
+              <a:t>Plotly</a:t>
+            </a:r>
+            <a:r>
+              <a:rPr lang="en-US" dirty="0"/>
+              <a:t> to create and display several charts/graphs on the front end.</a:t>
+            </a:r>
+          </a:p>
+          <a:p>
+            <a:r>
+              <a:rPr lang="en-US" dirty="0"/>
+              <a:t>And here’s what out dashboard looks like……..</a:t>
+            </a:r>
+          </a:p>
+          <a:p>
+            <a:r>
+              <a:rPr lang="en-US" dirty="0"/>
+              <a:t>  </a:t>
+            </a:r>
+          </a:p>
+        </p:txBody>
+      </p:sp>
+      <p:sp>
+        <p:nvSpPr>
+          <p:cNvPr id="4" name="Slide Number Placeholder 3"/>
+          <p:cNvSpPr>
+            <a:spLocks noGrp="1"/>
+          </p:cNvSpPr>
+          <p:nvPr>
+            <p:ph type="sldNum" sz="quarter" idx="5"/>
+          </p:nvPr>
+        </p:nvSpPr>
+        <p:spPr/>
+        <p:txBody>
+          <a:bodyPr/>
+          <a:lstStyle/>
+          <a:p>
+            <a:fld id="{D3BEC92D-C8E2-4A8F-BF2D-75109D630128}" type="slidenum">
+              <a:rPr lang="en-US" smtClean="0"/>
+              <a:t>4</a:t>
+            </a:fld>
+            <a:endParaRPr lang="en-US" dirty="0"/>
+          </a:p>
+        </p:txBody>
+      </p:sp>
+    </p:spTree>
+    <p:extLst>
+      <p:ext uri="{BB962C8B-B14F-4D97-AF65-F5344CB8AC3E}">
+        <p14:creationId xmlns:p14="http://schemas.microsoft.com/office/powerpoint/2010/main" val="1914022783"/>
+      </p:ext>
+    </p:extLst>
+  </p:cSld>
+  <p:clrMapOvr>
+    <a:masterClrMapping/>
+  </p:clrMapOvr>
+</p:notes>
+</file>
+
+<file path=ppt/notesSlides/notesSlide4.xml><?xml version="1.0" encoding="utf-8"?>
+<p:notes xmlns:a="http://schemas.openxmlformats.org/drawingml/2006/main" xmlns:r="http://schemas.openxmlformats.org/officeDocument/2006/relationships" xmlns:p="http://schemas.openxmlformats.org/presentationml/2006/main">
+  <p:cSld>
+    <p:spTree>
+      <p:nvGrpSpPr>
+        <p:cNvPr id="1" name=""/>
+        <p:cNvGrpSpPr/>
+        <p:nvPr/>
+      </p:nvGrpSpPr>
+      <p:grpSpPr>
+        <a:xfrm>
+          <a:off x="0" y="0"/>
+          <a:ext cx="0" cy="0"/>
+          <a:chOff x="0" y="0"/>
+          <a:chExt cx="0" cy="0"/>
+        </a:xfrm>
+      </p:grpSpPr>
+      <p:sp>
+        <p:nvSpPr>
+          <p:cNvPr id="2" name="Slide Image Placeholder 1"/>
+          <p:cNvSpPr>
+            <a:spLocks noGrp="1" noRot="1" noChangeAspect="1"/>
+          </p:cNvSpPr>
+          <p:nvPr>
+            <p:ph type="sldImg"/>
+          </p:nvPr>
+        </p:nvSpPr>
+        <p:spPr/>
+      </p:sp>
+      <p:sp>
+        <p:nvSpPr>
+          <p:cNvPr id="3" name="Notes Placeholder 2"/>
+          <p:cNvSpPr>
+            <a:spLocks noGrp="1"/>
+          </p:cNvSpPr>
+          <p:nvPr>
+            <p:ph type="body" idx="1"/>
+          </p:nvPr>
+        </p:nvSpPr>
+        <p:spPr/>
+        <p:txBody>
+          <a:bodyPr/>
+          <a:lstStyle/>
+          <a:p>
+            <a:endParaRPr lang="en-US" dirty="0"/>
+          </a:p>
+        </p:txBody>
+      </p:sp>
+      <p:sp>
+        <p:nvSpPr>
+          <p:cNvPr id="4" name="Slide Number Placeholder 3"/>
+          <p:cNvSpPr>
+            <a:spLocks noGrp="1"/>
+          </p:cNvSpPr>
+          <p:nvPr>
+            <p:ph type="sldNum" sz="quarter" idx="5"/>
+          </p:nvPr>
+        </p:nvSpPr>
+        <p:spPr/>
+        <p:txBody>
+          <a:bodyPr/>
+          <a:lstStyle/>
+          <a:p>
+            <a:fld id="{D3BEC92D-C8E2-4A8F-BF2D-75109D630128}" type="slidenum">
+              <a:rPr lang="en-US" smtClean="0"/>
+              <a:t>5</a:t>
+            </a:fld>
+            <a:endParaRPr lang="en-US" dirty="0"/>
+          </a:p>
+        </p:txBody>
+      </p:sp>
+    </p:spTree>
+    <p:extLst>
+      <p:ext uri="{BB962C8B-B14F-4D97-AF65-F5344CB8AC3E}">
+        <p14:creationId xmlns:p14="http://schemas.microsoft.com/office/powerpoint/2010/main" val="1770665551"/>
+      </p:ext>
+    </p:extLst>
+  </p:cSld>
+  <p:clrMapOvr>
+    <a:masterClrMapping/>
+  </p:clrMapOvr>
+</p:notes>
+</file>
+
+<file path=ppt/notesSlides/notesSlide5.xml><?xml version="1.0" encoding="utf-8"?>
+<p:notes xmlns:a="http://schemas.openxmlformats.org/drawingml/2006/main" xmlns:r="http://schemas.openxmlformats.org/officeDocument/2006/relationships" xmlns:p="http://schemas.openxmlformats.org/presentationml/2006/main">
+  <p:cSld>
+    <p:spTree>
+      <p:nvGrpSpPr>
+        <p:cNvPr id="1" name=""/>
+        <p:cNvGrpSpPr/>
+        <p:nvPr/>
+      </p:nvGrpSpPr>
+      <p:grpSpPr>
+        <a:xfrm>
+          <a:off x="0" y="0"/>
+          <a:ext cx="0" cy="0"/>
+          <a:chOff x="0" y="0"/>
+          <a:chExt cx="0" cy="0"/>
+        </a:xfrm>
+      </p:grpSpPr>
+      <p:sp>
+        <p:nvSpPr>
+          <p:cNvPr id="2" name="Slide Image Placeholder 1"/>
+          <p:cNvSpPr>
+            <a:spLocks noGrp="1" noRot="1" noChangeAspect="1"/>
+          </p:cNvSpPr>
+          <p:nvPr>
+            <p:ph type="sldImg"/>
+          </p:nvPr>
+        </p:nvSpPr>
+        <p:spPr/>
+      </p:sp>
+      <p:sp>
+        <p:nvSpPr>
+          <p:cNvPr id="3" name="Notes Placeholder 2"/>
+          <p:cNvSpPr>
+            <a:spLocks noGrp="1"/>
+          </p:cNvSpPr>
+          <p:nvPr>
+            <p:ph type="body" idx="1"/>
+          </p:nvPr>
+        </p:nvSpPr>
+        <p:spPr/>
+        <p:txBody>
+          <a:bodyPr/>
+          <a:lstStyle/>
+          <a:p>
+            <a:r>
+              <a:rPr lang="en-US" dirty="0"/>
+              <a:t>And to summarize our findings, based on our analysis of this data, we concluded that:</a:t>
+            </a:r>
+          </a:p>
+          <a:p>
+            <a:pPr marL="171450" indent="-171450">
+              <a:buFontTx/>
+              <a:buChar char="-"/>
+            </a:pPr>
+            <a:r>
+              <a:rPr lang="en-US" dirty="0"/>
+              <a:t>CA wildfires have definitely become more frequent and more destructive during this time period.</a:t>
+            </a:r>
+          </a:p>
+          <a:p>
+            <a:pPr marL="171450" indent="-171450">
+              <a:buFontTx/>
+              <a:buChar char="-"/>
+            </a:pPr>
+            <a:r>
+              <a:rPr lang="en-US" dirty="0"/>
+              <a:t>But we were unable to conclude, based on this data, that they have become bigger. </a:t>
+            </a:r>
+          </a:p>
+        </p:txBody>
+      </p:sp>
+      <p:sp>
+        <p:nvSpPr>
+          <p:cNvPr id="4" name="Slide Number Placeholder 3"/>
+          <p:cNvSpPr>
+            <a:spLocks noGrp="1"/>
+          </p:cNvSpPr>
+          <p:nvPr>
+            <p:ph type="sldNum" sz="quarter" idx="5"/>
+          </p:nvPr>
+        </p:nvSpPr>
+        <p:spPr/>
+        <p:txBody>
+          <a:bodyPr/>
+          <a:lstStyle/>
+          <a:p>
+            <a:fld id="{D3BEC92D-C8E2-4A8F-BF2D-75109D630128}" type="slidenum">
+              <a:rPr lang="en-US" smtClean="0"/>
+              <a:t>6</a:t>
+            </a:fld>
+            <a:endParaRPr lang="en-US" dirty="0"/>
+          </a:p>
+        </p:txBody>
+      </p:sp>
+    </p:spTree>
+    <p:extLst>
+      <p:ext uri="{BB962C8B-B14F-4D97-AF65-F5344CB8AC3E}">
+        <p14:creationId xmlns:p14="http://schemas.microsoft.com/office/powerpoint/2010/main" val="295584444"/>
+      </p:ext>
+    </p:extLst>
+  </p:cSld>
+  <p:clrMapOvr>
+    <a:masterClrMapping/>
+  </p:clrMapOvr>
+</p:notes>
+</file>
+
+<file path=ppt/notesSlides/notesSlide6.xml><?xml version="1.0" encoding="utf-8"?>
+<p:notes xmlns:a="http://schemas.openxmlformats.org/drawingml/2006/main" xmlns:r="http://schemas.openxmlformats.org/officeDocument/2006/relationships" xmlns:p="http://schemas.openxmlformats.org/presentationml/2006/main">
+  <p:cSld>
+    <p:spTree>
+      <p:nvGrpSpPr>
+        <p:cNvPr id="1" name=""/>
+        <p:cNvGrpSpPr/>
+        <p:nvPr/>
+      </p:nvGrpSpPr>
+      <p:grpSpPr>
+        <a:xfrm>
+          <a:off x="0" y="0"/>
+          <a:ext cx="0" cy="0"/>
+          <a:chOff x="0" y="0"/>
+          <a:chExt cx="0" cy="0"/>
+        </a:xfrm>
+      </p:grpSpPr>
+      <p:sp>
+        <p:nvSpPr>
+          <p:cNvPr id="2" name="Slide Image Placeholder 1"/>
+          <p:cNvSpPr>
+            <a:spLocks noGrp="1" noRot="1" noChangeAspect="1"/>
+          </p:cNvSpPr>
+          <p:nvPr>
+            <p:ph type="sldImg"/>
+          </p:nvPr>
+        </p:nvSpPr>
+        <p:spPr/>
+      </p:sp>
+      <p:sp>
+        <p:nvSpPr>
+          <p:cNvPr id="3" name="Notes Placeholder 2"/>
+          <p:cNvSpPr>
+            <a:spLocks noGrp="1"/>
+          </p:cNvSpPr>
+          <p:nvPr>
+            <p:ph type="body" idx="1"/>
+          </p:nvPr>
+        </p:nvSpPr>
+        <p:spPr/>
+        <p:txBody>
+          <a:bodyPr/>
+          <a:lstStyle/>
+          <a:p>
+            <a:r>
+              <a:rPr lang="en-US" dirty="0"/>
+              <a:t>As we saw on the dashboard, the number of wildfires has increased significantly over this time period…..</a:t>
+            </a:r>
+          </a:p>
+        </p:txBody>
+      </p:sp>
+      <p:sp>
+        <p:nvSpPr>
+          <p:cNvPr id="4" name="Slide Number Placeholder 3"/>
+          <p:cNvSpPr>
+            <a:spLocks noGrp="1"/>
+          </p:cNvSpPr>
+          <p:nvPr>
+            <p:ph type="sldNum" sz="quarter" idx="5"/>
+          </p:nvPr>
+        </p:nvSpPr>
+        <p:spPr/>
+        <p:txBody>
+          <a:bodyPr/>
+          <a:lstStyle/>
+          <a:p>
+            <a:fld id="{D3BEC92D-C8E2-4A8F-BF2D-75109D630128}" type="slidenum">
+              <a:rPr lang="en-US" smtClean="0"/>
+              <a:t>7</a:t>
+            </a:fld>
+            <a:endParaRPr lang="en-US" dirty="0"/>
+          </a:p>
+        </p:txBody>
+      </p:sp>
+    </p:spTree>
+    <p:extLst>
+      <p:ext uri="{BB962C8B-B14F-4D97-AF65-F5344CB8AC3E}">
+        <p14:creationId xmlns:p14="http://schemas.microsoft.com/office/powerpoint/2010/main" val="667413287"/>
+      </p:ext>
+    </p:extLst>
+  </p:cSld>
+  <p:clrMapOvr>
+    <a:masterClrMapping/>
+  </p:clrMapOvr>
+</p:notes>
+</file>
+
+<file path=ppt/notesSlides/notesSlide7.xml><?xml version="1.0" encoding="utf-8"?>
+<p:notes xmlns:a="http://schemas.openxmlformats.org/drawingml/2006/main" xmlns:r="http://schemas.openxmlformats.org/officeDocument/2006/relationships" xmlns:p="http://schemas.openxmlformats.org/presentationml/2006/main">
+  <p:cSld>
+    <p:spTree>
+      <p:nvGrpSpPr>
+        <p:cNvPr id="1" name=""/>
+        <p:cNvGrpSpPr/>
+        <p:nvPr/>
+      </p:nvGrpSpPr>
+      <p:grpSpPr>
+        <a:xfrm>
+          <a:off x="0" y="0"/>
+          <a:ext cx="0" cy="0"/>
+          <a:chOff x="0" y="0"/>
+          <a:chExt cx="0" cy="0"/>
+        </a:xfrm>
+      </p:grpSpPr>
+      <p:sp>
+        <p:nvSpPr>
+          <p:cNvPr id="2" name="Slide Image Placeholder 1"/>
+          <p:cNvSpPr>
+            <a:spLocks noGrp="1" noRot="1" noChangeAspect="1"/>
+          </p:cNvSpPr>
+          <p:nvPr>
+            <p:ph type="sldImg"/>
+          </p:nvPr>
+        </p:nvSpPr>
+        <p:spPr/>
+      </p:sp>
+      <p:sp>
+        <p:nvSpPr>
+          <p:cNvPr id="3" name="Notes Placeholder 2"/>
+          <p:cNvSpPr>
+            <a:spLocks noGrp="1"/>
+          </p:cNvSpPr>
+          <p:nvPr>
+            <p:ph type="body" idx="1"/>
+          </p:nvPr>
+        </p:nvSpPr>
+        <p:spPr/>
+        <p:txBody>
+          <a:bodyPr/>
+          <a:lstStyle/>
+          <a:p>
+            <a:r>
+              <a:rPr lang="en-US" dirty="0"/>
+              <a:t>But based on the data that we have, it is not clear that the average size of wildfires is increasing. </a:t>
+            </a:r>
+          </a:p>
+          <a:p>
+            <a:r>
+              <a:rPr lang="en-US" dirty="0"/>
+              <a:t>We would need complete 2019 and 2020 data to better assess whether this is the case. </a:t>
+            </a:r>
+          </a:p>
+        </p:txBody>
+      </p:sp>
+      <p:sp>
+        <p:nvSpPr>
+          <p:cNvPr id="4" name="Slide Number Placeholder 3"/>
+          <p:cNvSpPr>
+            <a:spLocks noGrp="1"/>
+          </p:cNvSpPr>
+          <p:nvPr>
+            <p:ph type="sldNum" sz="quarter" idx="5"/>
+          </p:nvPr>
+        </p:nvSpPr>
+        <p:spPr/>
+        <p:txBody>
+          <a:bodyPr/>
+          <a:lstStyle/>
+          <a:p>
+            <a:fld id="{D3BEC92D-C8E2-4A8F-BF2D-75109D630128}" type="slidenum">
+              <a:rPr lang="en-US" smtClean="0"/>
+              <a:t>8</a:t>
+            </a:fld>
+            <a:endParaRPr lang="en-US" dirty="0"/>
+          </a:p>
+        </p:txBody>
+      </p:sp>
+    </p:spTree>
+    <p:extLst>
+      <p:ext uri="{BB962C8B-B14F-4D97-AF65-F5344CB8AC3E}">
+        <p14:creationId xmlns:p14="http://schemas.microsoft.com/office/powerpoint/2010/main" val="1572598533"/>
+      </p:ext>
+    </p:extLst>
+  </p:cSld>
+  <p:clrMapOvr>
+    <a:masterClrMapping/>
+  </p:clrMapOvr>
+</p:notes>
+</file>
+
+<file path=ppt/notesSlides/notesSlide8.xml><?xml version="1.0" encoding="utf-8"?>
+<p:notes xmlns:a="http://schemas.openxmlformats.org/drawingml/2006/main" xmlns:r="http://schemas.openxmlformats.org/officeDocument/2006/relationships" xmlns:p="http://schemas.openxmlformats.org/presentationml/2006/main">
+  <p:cSld>
+    <p:spTree>
+      <p:nvGrpSpPr>
+        <p:cNvPr id="1" name=""/>
+        <p:cNvGrpSpPr/>
+        <p:nvPr/>
+      </p:nvGrpSpPr>
+      <p:grpSpPr>
+        <a:xfrm>
+          <a:off x="0" y="0"/>
+          <a:ext cx="0" cy="0"/>
+          <a:chOff x="0" y="0"/>
+          <a:chExt cx="0" cy="0"/>
+        </a:xfrm>
+      </p:grpSpPr>
+      <p:sp>
+        <p:nvSpPr>
+          <p:cNvPr id="2" name="Slide Image Placeholder 1"/>
+          <p:cNvSpPr>
+            <a:spLocks noGrp="1" noRot="1" noChangeAspect="1"/>
+          </p:cNvSpPr>
+          <p:nvPr>
+            <p:ph type="sldImg"/>
+          </p:nvPr>
+        </p:nvSpPr>
+        <p:spPr/>
+      </p:sp>
+      <p:sp>
+        <p:nvSpPr>
+          <p:cNvPr id="3" name="Notes Placeholder 2"/>
+          <p:cNvSpPr>
+            <a:spLocks noGrp="1"/>
+          </p:cNvSpPr>
+          <p:nvPr>
+            <p:ph type="body" idx="1"/>
+          </p:nvPr>
+        </p:nvSpPr>
+        <p:spPr/>
+        <p:txBody>
+          <a:bodyPr/>
+          <a:lstStyle/>
+          <a:p>
+            <a:r>
+              <a:rPr lang="en-US" dirty="0"/>
+              <a:t>Without a question, we can conclude that wildfires have become more destructive over this period…..as indicated by the increase in acres burned, as well as fatalities and structures damaged and destroyed that we saw on the dashboard.</a:t>
+            </a:r>
+          </a:p>
+        </p:txBody>
+      </p:sp>
+      <p:sp>
+        <p:nvSpPr>
+          <p:cNvPr id="4" name="Slide Number Placeholder 3"/>
+          <p:cNvSpPr>
+            <a:spLocks noGrp="1"/>
+          </p:cNvSpPr>
+          <p:nvPr>
+            <p:ph type="sldNum" sz="quarter" idx="5"/>
+          </p:nvPr>
+        </p:nvSpPr>
+        <p:spPr/>
+        <p:txBody>
+          <a:bodyPr/>
+          <a:lstStyle/>
+          <a:p>
+            <a:fld id="{D3BEC92D-C8E2-4A8F-BF2D-75109D630128}" type="slidenum">
+              <a:rPr lang="en-US" smtClean="0"/>
+              <a:t>9</a:t>
+            </a:fld>
+            <a:endParaRPr lang="en-US" dirty="0"/>
+          </a:p>
+        </p:txBody>
+      </p:sp>
+    </p:spTree>
+    <p:extLst>
+      <p:ext uri="{BB962C8B-B14F-4D97-AF65-F5344CB8AC3E}">
+        <p14:creationId xmlns:p14="http://schemas.microsoft.com/office/powerpoint/2010/main" val="46307283"/>
+      </p:ext>
+    </p:extLst>
+  </p:cSld>
+  <p:clrMapOvr>
+    <a:masterClrMapping/>
+  </p:clrMapOvr>
+</p:notes>
+</file>
+
+<file path=ppt/notesSlides/notesSlide9.xml><?xml version="1.0" encoding="utf-8"?>
+<p:notes xmlns:a="http://schemas.openxmlformats.org/drawingml/2006/main" xmlns:r="http://schemas.openxmlformats.org/officeDocument/2006/relationships" xmlns:p="http://schemas.openxmlformats.org/presentationml/2006/main">
+  <p:cSld>
+    <p:spTree>
+      <p:nvGrpSpPr>
+        <p:cNvPr id="1" name=""/>
+        <p:cNvGrpSpPr/>
+        <p:nvPr/>
+      </p:nvGrpSpPr>
+      <p:grpSpPr>
+        <a:xfrm>
+          <a:off x="0" y="0"/>
+          <a:ext cx="0" cy="0"/>
+          <a:chOff x="0" y="0"/>
+          <a:chExt cx="0" cy="0"/>
+        </a:xfrm>
+      </p:grpSpPr>
+      <p:sp>
+        <p:nvSpPr>
+          <p:cNvPr id="2" name="Slide Image Placeholder 1"/>
+          <p:cNvSpPr>
+            <a:spLocks noGrp="1" noRot="1" noChangeAspect="1"/>
+          </p:cNvSpPr>
+          <p:nvPr>
+            <p:ph type="sldImg"/>
+          </p:nvPr>
+        </p:nvSpPr>
+        <p:spPr/>
+      </p:sp>
+      <p:sp>
+        <p:nvSpPr>
+          <p:cNvPr id="3" name="Notes Placeholder 2"/>
+          <p:cNvSpPr>
+            <a:spLocks noGrp="1"/>
+          </p:cNvSpPr>
+          <p:nvPr>
+            <p:ph type="body" idx="1"/>
+          </p:nvPr>
+        </p:nvSpPr>
+        <p:spPr/>
+        <p:txBody>
+          <a:bodyPr/>
+          <a:lstStyle/>
+          <a:p>
+            <a:r>
+              <a:rPr lang="en-US" dirty="0"/>
+              <a:t>We were curious if drought may have contributed to the increase in the number of wildfires and their destructiveness.</a:t>
+            </a:r>
+          </a:p>
+          <a:p>
+            <a:r>
+              <a:rPr lang="en-US" dirty="0"/>
+              <a:t>Looking at California’s drought profile from 2000 to 2021, we can see that the level of drought definitely increased over this period with 2014, 2015 and 2016 being extreme.</a:t>
+            </a:r>
+          </a:p>
+          <a:p>
+            <a:r>
+              <a:rPr lang="en-US" dirty="0"/>
+              <a:t>Given that wildfires ticked up significantly in 2017 and 2018 it is plausible that drought could be a leading indicator, but this would need to be researched further.</a:t>
+            </a:r>
+          </a:p>
+        </p:txBody>
+      </p:sp>
+      <p:sp>
+        <p:nvSpPr>
+          <p:cNvPr id="4" name="Slide Number Placeholder 3"/>
+          <p:cNvSpPr>
+            <a:spLocks noGrp="1"/>
+          </p:cNvSpPr>
+          <p:nvPr>
+            <p:ph type="sldNum" sz="quarter" idx="5"/>
+          </p:nvPr>
+        </p:nvSpPr>
+        <p:spPr/>
+        <p:txBody>
+          <a:bodyPr/>
+          <a:lstStyle/>
+          <a:p>
+            <a:fld id="{D3BEC92D-C8E2-4A8F-BF2D-75109D630128}" type="slidenum">
+              <a:rPr lang="en-US" smtClean="0"/>
+              <a:t>10</a:t>
+            </a:fld>
+            <a:endParaRPr lang="en-US" dirty="0"/>
+          </a:p>
+        </p:txBody>
+      </p:sp>
+    </p:spTree>
+    <p:extLst>
+      <p:ext uri="{BB962C8B-B14F-4D97-AF65-F5344CB8AC3E}">
+        <p14:creationId xmlns:p14="http://schemas.microsoft.com/office/powerpoint/2010/main" val="1953153430"/>
+      </p:ext>
+    </p:extLst>
+  </p:cSld>
+  <p:clrMapOvr>
+    <a:masterClrMapping/>
+  </p:clrMapOvr>
+</p:notes>
+</file>
+
 <file path=ppt/slideLayouts/slideLayout1.xml><?xml version="1.0" encoding="utf-8"?>
 <p:sldLayout xmlns:a="http://schemas.openxmlformats.org/drawingml/2006/main" xmlns:r="http://schemas.openxmlformats.org/officeDocument/2006/relationships" xmlns:p="http://schemas.openxmlformats.org/presentationml/2006/main" showMasterSp="0" type="title" preserve="1">
   <p:cSld name="Title Slide">
@@ -15674,7 +14312,7 @@
           <a:p>
             <a:fld id="{F7B24132-C908-474C-84C6-F33F0E9C2824}" type="datetime1">
               <a:rPr lang="en-US" smtClean="0"/>
-              <a:t>4/26/2021</a:t>
+              <a:t>4/28/2021</a:t>
             </a:fld>
             <a:endParaRPr lang="en-US" dirty="0"/>
           </a:p>
@@ -15877,7 +14515,7 @@
           <a:p>
             <a:fld id="{03A0D6BE-6A5B-4B1A-AB35-D5FFCCF5138B}" type="datetime1">
               <a:rPr lang="en-US" smtClean="0"/>
-              <a:t>4/26/2021</a:t>
+              <a:t>4/28/2021</a:t>
             </a:fld>
             <a:endParaRPr lang="en-US" dirty="0"/>
           </a:p>
@@ -16128,7 +14766,7 @@
           <a:p>
             <a:fld id="{F4E8BD5B-87CC-4318-9824-F4CA83CB0BAF}" type="datetime1">
               <a:rPr lang="en-US" smtClean="0"/>
-              <a:t>4/26/2021</a:t>
+              <a:t>4/28/2021</a:t>
             </a:fld>
             <a:endParaRPr lang="en-US" dirty="0"/>
           </a:p>
@@ -16297,7 +14935,7 @@
           <a:p>
             <a:fld id="{F5E2AA5E-62DB-4209-84D2-A3A9C66875BD}" type="datetime1">
               <a:rPr lang="en-US" smtClean="0"/>
-              <a:t>4/26/2021</a:t>
+              <a:t>4/28/2021</a:t>
             </a:fld>
             <a:endParaRPr lang="en-US" dirty="0"/>
           </a:p>
@@ -16635,7 +15273,7 @@
           <a:p>
             <a:fld id="{55B8EF27-61CD-4273-9CC6-8B5AB469D6E9}" type="datetime1">
               <a:rPr lang="en-US" smtClean="0"/>
-              <a:t>4/26/2021</a:t>
+              <a:t>4/28/2021</a:t>
             </a:fld>
             <a:endParaRPr lang="en-US" dirty="0"/>
           </a:p>
@@ -16905,7 +15543,7 @@
           <a:p>
             <a:fld id="{F0614D88-E4A3-4915-A946-C7B143E0147E}" type="datetime1">
               <a:rPr lang="en-US" smtClean="0"/>
-              <a:t>4/26/2021</a:t>
+              <a:t>4/28/2021</a:t>
             </a:fld>
             <a:endParaRPr lang="en-US" dirty="0"/>
           </a:p>
@@ -17279,7 +15917,7 @@
           <a:p>
             <a:fld id="{07C41193-F002-4F22-ACB4-105512D85B33}" type="datetime1">
               <a:rPr lang="en-US" smtClean="0"/>
-              <a:t>4/26/2021</a:t>
+              <a:t>4/28/2021</a:t>
             </a:fld>
             <a:endParaRPr lang="en-US" dirty="0"/>
           </a:p>
@@ -17392,7 +16030,7 @@
           <a:p>
             <a:fld id="{03B2B57F-0B3C-4FE7-8F56-8C4115027F2E}" type="datetime1">
               <a:rPr lang="en-US" smtClean="0"/>
-              <a:t>4/26/2021</a:t>
+              <a:t>4/28/2021</a:t>
             </a:fld>
             <a:endParaRPr lang="en-US" dirty="0"/>
           </a:p>
@@ -17558,7 +16196,7 @@
           <a:p>
             <a:fld id="{70E8098D-3BCA-4496-B67F-08ABED3A79F9}" type="datetime1">
               <a:rPr lang="en-US" smtClean="0"/>
-              <a:t>4/26/2021</a:t>
+              <a:t>4/28/2021</a:t>
             </a:fld>
             <a:endParaRPr lang="en-US" dirty="0"/>
           </a:p>
@@ -17908,7 +16546,7 @@
           <a:p>
             <a:fld id="{5F4F9A14-79CD-4DBB-8A95-93FAB90953CE}" type="datetime1">
               <a:rPr lang="en-US" smtClean="0"/>
-              <a:t>4/26/2021</a:t>
+              <a:t>4/28/2021</a:t>
             </a:fld>
             <a:endParaRPr lang="en-US" dirty="0"/>
           </a:p>
@@ -18286,7 +16924,7 @@
           <a:p>
             <a:fld id="{72FCCA62-85F4-4E91-8034-B3A4AEB2ACA5}" type="datetime1">
               <a:rPr lang="en-US" smtClean="0"/>
-              <a:t>4/26/2021</a:t>
+              <a:t>4/28/2021</a:t>
             </a:fld>
             <a:endParaRPr lang="en-US" dirty="0"/>
           </a:p>
@@ -18568,7 +17206,7 @@
           <a:p>
             <a:fld id="{77739FE2-C7BB-439D-8EFA-EB059A6AF0B6}" type="datetime1">
               <a:rPr lang="en-US" smtClean="0"/>
-              <a:t>4/26/2021</a:t>
+              <a:t>4/28/2021</a:t>
             </a:fld>
             <a:endParaRPr lang="en-US" dirty="0"/>
           </a:p>
@@ -19181,7 +17819,7 @@
           <a:lstStyle/>
           <a:p>
             <a:r>
-              <a:rPr lang="en-US" sz="4400" dirty="0">
+              <a:rPr lang="en-US" sz="4400">
                 <a:solidFill>
                   <a:srgbClr val="FFFFFF"/>
                 </a:solidFill>
@@ -19189,20 +17827,25 @@
               <a:t>California Wildfire Dashboard</a:t>
             </a:r>
             <a:br>
-              <a:rPr lang="en-US" sz="4400" dirty="0">
+              <a:rPr lang="en-US" sz="4400">
                 <a:solidFill>
                   <a:srgbClr val="FFFFFF"/>
                 </a:solidFill>
               </a:rPr>
             </a:br>
             <a:r>
-              <a:rPr lang="en-US" sz="4400" dirty="0">
+              <a:rPr lang="en-US" sz="4400">
                 <a:solidFill>
                   <a:srgbClr val="FFFFFF"/>
                 </a:solidFill>
               </a:rPr>
               <a:t>Project</a:t>
             </a:r>
+            <a:endParaRPr lang="en-US" sz="4400" dirty="0">
+              <a:solidFill>
+                <a:srgbClr val="FFFFFF"/>
+              </a:solidFill>
+            </a:endParaRPr>
           </a:p>
         </p:txBody>
       </p:sp>
@@ -19235,13 +17878,48 @@
           <a:lstStyle/>
           <a:p>
             <a:r>
-              <a:rPr lang="en-US" sz="1500" dirty="0">
+              <a:rPr lang="en-US" sz="1500">
                 <a:solidFill>
                   <a:srgbClr val="FFFFFF"/>
                 </a:solidFill>
               </a:rPr>
-              <a:t>Team 7</a:t>
+              <a:t>Team 7: </a:t>
             </a:r>
+          </a:p>
+          <a:p>
+            <a:r>
+              <a:rPr lang="en-US" sz="1500">
+                <a:solidFill>
+                  <a:srgbClr val="FFFFFF"/>
+                </a:solidFill>
+              </a:rPr>
+              <a:t>Margaret Thorpe</a:t>
+            </a:r>
+          </a:p>
+          <a:p>
+            <a:r>
+              <a:rPr lang="en-US" sz="1500">
+                <a:solidFill>
+                  <a:srgbClr val="FFFFFF"/>
+                </a:solidFill>
+              </a:rPr>
+              <a:t>Michael regpala</a:t>
+            </a:r>
+          </a:p>
+          <a:p>
+            <a:r>
+              <a:rPr lang="en-US" sz="1500">
+                <a:solidFill>
+                  <a:srgbClr val="FFFFFF"/>
+                </a:solidFill>
+              </a:rPr>
+              <a:t>Toni Trieu</a:t>
+            </a:r>
+            <a:endParaRPr lang="en-US" sz="1500" dirty="0">
+              <a:solidFill>
+                <a:srgbClr val="FFFFFF"/>
+              </a:solidFill>
+            </a:endParaRPr>
           </a:p>
         </p:txBody>
       </p:sp>
@@ -19449,6 +18127,162 @@
                               <p:par>
                                 <p:cTn id="11" presetID="10" presetClass="entr" presetSubtype="0" fill="hold" grpId="0" nodeType="withEffect">
                                   <p:stCondLst>
+                                    <p:cond delay="2000"/>
+                                  </p:stCondLst>
+                                  <p:iterate type="lt">
+                                    <p:tmPct val="10000"/>
+                                  </p:iterate>
+                                  <p:childTnLst>
+                                    <p:set>
+                                      <p:cBhvr>
+                                        <p:cTn id="12" dur="1" fill="hold">
+                                          <p:stCondLst>
+                                            <p:cond delay="0"/>
+                                          </p:stCondLst>
+                                        </p:cTn>
+                                        <p:tgtEl>
+                                          <p:spTgt spid="3">
+                                            <p:txEl>
+                                              <p:pRg st="1" end="1"/>
+                                            </p:txEl>
+                                          </p:spTgt>
+                                        </p:tgtEl>
+                                        <p:attrNameLst>
+                                          <p:attrName>style.visibility</p:attrName>
+                                        </p:attrNameLst>
+                                      </p:cBhvr>
+                                      <p:to>
+                                        <p:strVal val="visible"/>
+                                      </p:to>
+                                    </p:set>
+                                    <p:animEffect transition="in" filter="fade">
+                                      <p:cBhvr>
+                                        <p:cTn id="13" dur="400"/>
+                                        <p:tgtEl>
+                                          <p:spTgt spid="3">
+                                            <p:txEl>
+                                              <p:pRg st="1" end="1"/>
+                                            </p:txEl>
+                                          </p:spTgt>
+                                        </p:tgtEl>
+                                      </p:cBhvr>
+                                    </p:animEffect>
+                                  </p:childTnLst>
+                                </p:cTn>
+                              </p:par>
+                              <p:par>
+                                <p:cTn id="14" presetID="10" presetClass="entr" presetSubtype="0" fill="hold" grpId="0" nodeType="withEffect">
+                                  <p:stCondLst>
+                                    <p:cond delay="2000"/>
+                                  </p:stCondLst>
+                                  <p:iterate type="lt">
+                                    <p:tmPct val="10000"/>
+                                  </p:iterate>
+                                  <p:childTnLst>
+                                    <p:set>
+                                      <p:cBhvr>
+                                        <p:cTn id="15" dur="1" fill="hold">
+                                          <p:stCondLst>
+                                            <p:cond delay="0"/>
+                                          </p:stCondLst>
+                                        </p:cTn>
+                                        <p:tgtEl>
+                                          <p:spTgt spid="3">
+                                            <p:txEl>
+                                              <p:pRg st="2" end="2"/>
+                                            </p:txEl>
+                                          </p:spTgt>
+                                        </p:tgtEl>
+                                        <p:attrNameLst>
+                                          <p:attrName>style.visibility</p:attrName>
+                                        </p:attrNameLst>
+                                      </p:cBhvr>
+                                      <p:to>
+                                        <p:strVal val="visible"/>
+                                      </p:to>
+                                    </p:set>
+                                    <p:animEffect transition="in" filter="fade">
+                                      <p:cBhvr>
+                                        <p:cTn id="16" dur="400"/>
+                                        <p:tgtEl>
+                                          <p:spTgt spid="3">
+                                            <p:txEl>
+                                              <p:pRg st="2" end="2"/>
+                                            </p:txEl>
+                                          </p:spTgt>
+                                        </p:tgtEl>
+                                      </p:cBhvr>
+                                    </p:animEffect>
+                                  </p:childTnLst>
+                                </p:cTn>
+                              </p:par>
+                            </p:childTnLst>
+                          </p:cTn>
+                        </p:par>
+                      </p:childTnLst>
+                    </p:cTn>
+                  </p:par>
+                  <p:par>
+                    <p:cTn id="17" fill="hold">
+                      <p:stCondLst>
+                        <p:cond delay="indefinite"/>
+                      </p:stCondLst>
+                      <p:childTnLst>
+                        <p:par>
+                          <p:cTn id="18" fill="hold">
+                            <p:stCondLst>
+                              <p:cond delay="0"/>
+                            </p:stCondLst>
+                            <p:childTnLst>
+                              <p:par>
+                                <p:cTn id="19" presetID="10" presetClass="entr" presetSubtype="0" fill="hold" grpId="0" nodeType="clickEffect">
+                                  <p:stCondLst>
+                                    <p:cond delay="2000"/>
+                                  </p:stCondLst>
+                                  <p:iterate type="lt">
+                                    <p:tmPct val="10000"/>
+                                  </p:iterate>
+                                  <p:childTnLst>
+                                    <p:set>
+                                      <p:cBhvr>
+                                        <p:cTn id="20" dur="1" fill="hold">
+                                          <p:stCondLst>
+                                            <p:cond delay="0"/>
+                                          </p:stCondLst>
+                                        </p:cTn>
+                                        <p:tgtEl>
+                                          <p:spTgt spid="3">
+                                            <p:txEl>
+                                              <p:pRg st="3" end="3"/>
+                                            </p:txEl>
+                                          </p:spTgt>
+                                        </p:tgtEl>
+                                        <p:attrNameLst>
+                                          <p:attrName>style.visibility</p:attrName>
+                                        </p:attrNameLst>
+                                      </p:cBhvr>
+                                      <p:to>
+                                        <p:strVal val="visible"/>
+                                      </p:to>
+                                    </p:set>
+                                    <p:animEffect transition="in" filter="fade">
+                                      <p:cBhvr>
+                                        <p:cTn id="21" dur="400"/>
+                                        <p:tgtEl>
+                                          <p:spTgt spid="3">
+                                            <p:txEl>
+                                              <p:pRg st="3" end="3"/>
+                                            </p:txEl>
+                                          </p:spTgt>
+                                        </p:tgtEl>
+                                      </p:cBhvr>
+                                    </p:animEffect>
+                                  </p:childTnLst>
+                                </p:cTn>
+                              </p:par>
+                              <p:par>
+                                <p:cTn id="22" presetID="10" presetClass="entr" presetSubtype="0" fill="hold" grpId="0" nodeType="withEffect">
+                                  <p:stCondLst>
                                     <p:cond delay="1000"/>
                                   </p:stCondLst>
                                   <p:iterate type="lt">
@@ -19457,7 +18291,7 @@
                                   <p:childTnLst>
                                     <p:set>
                                       <p:cBhvr>
-                                        <p:cTn id="12" dur="1" fill="hold">
+                                        <p:cTn id="23" dur="1" fill="hold">
                                           <p:stCondLst>
                                             <p:cond delay="0"/>
                                           </p:stCondLst>
@@ -19475,7 +18309,7 @@
                                     </p:set>
                                     <p:animEffect transition="in" filter="fade">
                                       <p:cBhvr>
-                                        <p:cTn id="13" dur="400"/>
+                                        <p:cTn id="24" dur="400"/>
                                         <p:tgtEl>
                                           <p:spTgt spid="2"/>
                                         </p:tgtEl>
@@ -19520,139 +18354,6 @@
 </file>
 
 <file path=ppt/slides/slide10.xml><?xml version="1.0" encoding="utf-8"?>
-<p:sld xmlns:a="http://schemas.openxmlformats.org/drawingml/2006/main" xmlns:r="http://schemas.openxmlformats.org/officeDocument/2006/relationships" xmlns:p="http://schemas.openxmlformats.org/presentationml/2006/main">
-  <p:cSld>
-    <p:bg>
-      <p:bgPr>
-        <a:solidFill>
-          <a:schemeClr val="bg1"/>
-        </a:solidFill>
-        <a:effectLst/>
-      </p:bgPr>
-    </p:bg>
-    <p:spTree>
-      <p:nvGrpSpPr>
-        <p:cNvPr id="1" name=""/>
-        <p:cNvGrpSpPr/>
-        <p:nvPr/>
-      </p:nvGrpSpPr>
-      <p:grpSpPr>
-        <a:xfrm>
-          <a:off x="0" y="0"/>
-          <a:ext cx="0" cy="0"/>
-          <a:chOff x="0" y="0"/>
-          <a:chExt cx="0" cy="0"/>
-        </a:xfrm>
-      </p:grpSpPr>
-      <p:pic>
-        <p:nvPicPr>
-          <p:cNvPr id="5" name="Picture 4" descr="A picture containing tree, outdoor, conifer, slope&#10;&#10;Description automatically generated">
-            <a:extLst>
-              <a:ext uri="{FF2B5EF4-FFF2-40B4-BE49-F238E27FC236}">
-                <a16:creationId xmlns:a16="http://schemas.microsoft.com/office/drawing/2014/main" id="{0E3A3E54-0FC0-4311-A9BA-1C6194BEE8BC}"/>
-              </a:ext>
-            </a:extLst>
-          </p:cNvPr>
-          <p:cNvPicPr>
-            <a:picLocks noChangeAspect="1"/>
-          </p:cNvPicPr>
-          <p:nvPr/>
-        </p:nvPicPr>
-        <p:blipFill>
-          <a:blip r:embed="rId2"/>
-          <a:stretch>
-            <a:fillRect/>
-          </a:stretch>
-        </p:blipFill>
-        <p:spPr>
-          <a:xfrm>
-            <a:off x="-18080" y="-1"/>
-            <a:ext cx="4572000" cy="6858000"/>
-          </a:xfrm>
-          <a:prstGeom prst="rect">
-            <a:avLst/>
-          </a:prstGeom>
-        </p:spPr>
-      </p:pic>
-      <p:graphicFrame>
-        <p:nvGraphicFramePr>
-          <p:cNvPr id="7" name="Content Placeholder 2" descr="icon circle label list SmartArt">
-            <a:extLst>
-              <a:ext uri="{FF2B5EF4-FFF2-40B4-BE49-F238E27FC236}">
-                <a16:creationId xmlns:a16="http://schemas.microsoft.com/office/drawing/2014/main" id="{0002C7DF-F81B-407C-BA97-43A6DC80D1B8}"/>
-              </a:ext>
-            </a:extLst>
-          </p:cNvPr>
-          <p:cNvGraphicFramePr>
-            <a:graphicFrameLocks/>
-          </p:cNvGraphicFramePr>
-          <p:nvPr>
-            <p:extLst>
-              <p:ext uri="{D42A27DB-BD31-4B8C-83A1-F6EECF244321}">
-                <p14:modId xmlns:p14="http://schemas.microsoft.com/office/powerpoint/2010/main" val="3995558001"/>
-              </p:ext>
-            </p:extLst>
-          </p:nvPr>
-        </p:nvGraphicFramePr>
-        <p:xfrm>
-          <a:off x="5435601" y="280660"/>
-          <a:ext cx="5321299" cy="2792740"/>
-        </p:xfrm>
-        <a:graphic>
-          <a:graphicData uri="http://schemas.openxmlformats.org/drawingml/2006/diagram">
-            <dgm:relIds xmlns:dgm="http://schemas.openxmlformats.org/drawingml/2006/diagram" xmlns:r="http://schemas.openxmlformats.org/officeDocument/2006/relationships" r:dm="rId3" r:lo="rId4" r:qs="rId5" r:cs="rId6"/>
-          </a:graphicData>
-        </a:graphic>
-      </p:graphicFrame>
-      <p:pic>
-        <p:nvPicPr>
-          <p:cNvPr id="3" name="Picture 2">
-            <a:extLst>
-              <a:ext uri="{FF2B5EF4-FFF2-40B4-BE49-F238E27FC236}">
-                <a16:creationId xmlns:a16="http://schemas.microsoft.com/office/drawing/2014/main" id="{1CEB5B72-A905-4F75-BDDD-693DF6CB2E6A}"/>
-              </a:ext>
-            </a:extLst>
-          </p:cNvPr>
-          <p:cNvPicPr>
-            <a:picLocks noChangeAspect="1"/>
-          </p:cNvPicPr>
-          <p:nvPr/>
-        </p:nvPicPr>
-        <p:blipFill>
-          <a:blip r:embed="rId8"/>
-          <a:stretch>
-            <a:fillRect/>
-          </a:stretch>
-        </p:blipFill>
-        <p:spPr>
-          <a:xfrm>
-            <a:off x="4553920" y="3054786"/>
-            <a:ext cx="7638080" cy="3293954"/>
-          </a:xfrm>
-          <a:prstGeom prst="rect">
-            <a:avLst/>
-          </a:prstGeom>
-          <a:ln>
-            <a:solidFill>
-              <a:schemeClr val="accent6"/>
-            </a:solidFill>
-          </a:ln>
-        </p:spPr>
-      </p:pic>
-    </p:spTree>
-    <p:extLst>
-      <p:ext uri="{BB962C8B-B14F-4D97-AF65-F5344CB8AC3E}">
-        <p14:creationId xmlns:p14="http://schemas.microsoft.com/office/powerpoint/2010/main" val="2055746629"/>
-      </p:ext>
-    </p:extLst>
-  </p:cSld>
-  <p:clrMapOvr>
-    <a:masterClrMapping/>
-  </p:clrMapOvr>
-</p:sld>
-</file>
-
-<file path=ppt/slides/slide11.xml><?xml version="1.0" encoding="utf-8"?>
 <p:sld xmlns:a="http://schemas.openxmlformats.org/drawingml/2006/main" xmlns:r="http://schemas.openxmlformats.org/officeDocument/2006/relationships" xmlns:p="http://schemas.openxmlformats.org/presentationml/2006/main">
   <p:cSld>
     <p:spTree>
@@ -19720,7 +18421,9 @@
           </a:xfrm>
         </p:spPr>
         <p:txBody>
-          <a:bodyPr/>
+          <a:bodyPr>
+            <a:normAutofit fontScale="85000" lnSpcReduction="10000"/>
+          </a:bodyPr>
           <a:lstStyle/>
           <a:p>
             <a:r>
@@ -19739,7 +18442,29 @@
             <a:pPr lvl="2"/>
             <a:r>
               <a:rPr lang="en-US" dirty="0"/>
-              <a:t>Just looking at the last 20 years, there appears to be an increase in the percentage of California experiencing drought conditions</a:t>
+              <a:t>Just looking at the last 20 years, there appears to be an increase in the percentage of California experiencing drought conditions. In 2014, 2015 and 2016 all or most of the state was in extreme drought.</a:t>
+            </a:r>
+          </a:p>
+          <a:p>
+            <a:pPr lvl="1"/>
+            <a:r>
+              <a:rPr lang="en-US" dirty="0"/>
+              <a:t>Could drought be a leading indicator?</a:t>
+            </a:r>
+          </a:p>
+          <a:p>
+            <a:pPr lvl="2"/>
+            <a:r>
+              <a:rPr lang="en-US" dirty="0"/>
+              <a:t>It certainly appears </a:t>
+            </a:r>
+            <a:r>
+              <a:rPr lang="en-US" dirty="0" err="1"/>
+              <a:t>plausible,as</a:t>
+            </a:r>
+            <a:r>
+              <a:rPr lang="en-US" dirty="0"/>
+              <a:t> 2017 and 2018 were such extreme wildfire years, but this would require additional data and analysis. </a:t>
             </a:r>
           </a:p>
           <a:p>
@@ -19803,7 +18528,7 @@
           <p:nvPr/>
         </p:nvPicPr>
         <p:blipFill>
-          <a:blip r:embed="rId2"/>
+          <a:blip r:embed="rId3"/>
           <a:stretch>
             <a:fillRect/>
           </a:stretch>
@@ -19818,6 +18543,68 @@
           </a:prstGeom>
         </p:spPr>
       </p:pic>
+      <p:sp>
+        <p:nvSpPr>
+          <p:cNvPr id="8" name="Rectangle 7" descr="Water with solid fill">
+            <a:extLst>
+              <a:ext uri="{FF2B5EF4-FFF2-40B4-BE49-F238E27FC236}">
+                <a16:creationId xmlns:a16="http://schemas.microsoft.com/office/drawing/2014/main" id="{95A25177-4FB7-4ADD-8515-EEC1AD7B7FD8}"/>
+              </a:ext>
+            </a:extLst>
+          </p:cNvPr>
+          <p:cNvSpPr/>
+          <p:nvPr/>
+        </p:nvSpPr>
+        <p:spPr>
+          <a:xfrm>
+            <a:off x="1276772" y="3311910"/>
+            <a:ext cx="1260000" cy="1260000"/>
+          </a:xfrm>
+          <a:prstGeom prst="rect">
+            <a:avLst/>
+          </a:prstGeom>
+          <a:blipFill>
+            <a:blip r:embed="rId4">
+              <a:extLst>
+                <a:ext uri="{96DAC541-7B7A-43D3-8B79-37D633B846F1}">
+                  <asvg:svgBlip xmlns:asvg="http://schemas.microsoft.com/office/drawing/2016/SVG/main" r:embed="rId5"/>
+                </a:ext>
+              </a:extLst>
+            </a:blip>
+            <a:srcRect/>
+            <a:stretch>
+              <a:fillRect/>
+            </a:stretch>
+          </a:blipFill>
+          <a:ln>
+            <a:noFill/>
+          </a:ln>
+        </p:spPr>
+        <p:style>
+          <a:lnRef idx="2">
+            <a:scrgbClr r="0" g="0" b="0"/>
+          </a:lnRef>
+          <a:fillRef idx="1">
+            <a:scrgbClr r="0" g="0" b="0"/>
+          </a:fillRef>
+          <a:effectRef idx="0">
+            <a:schemeClr val="bg1">
+              <a:hueOff val="0"/>
+              <a:satOff val="0"/>
+              <a:lumOff val="0"/>
+              <a:alphaOff val="0"/>
+            </a:schemeClr>
+          </a:effectRef>
+          <a:fontRef idx="minor">
+            <a:schemeClr val="dk1">
+              <a:hueOff val="0"/>
+              <a:satOff val="0"/>
+              <a:lumOff val="0"/>
+              <a:alphaOff val="0"/>
+            </a:schemeClr>
+          </a:fontRef>
+        </p:style>
+      </p:sp>
     </p:spTree>
     <p:extLst>
       <p:ext uri="{BB962C8B-B14F-4D97-AF65-F5344CB8AC3E}">
@@ -20083,7 +18870,7 @@
             <p:ph idx="1"/>
             <p:extLst>
               <p:ext uri="{D42A27DB-BD31-4B8C-83A1-F6EECF244321}">
-                <p14:modId xmlns:p14="http://schemas.microsoft.com/office/powerpoint/2010/main" val="2699180334"/>
+                <p14:modId xmlns:p14="http://schemas.microsoft.com/office/powerpoint/2010/main" val="3167490755"/>
               </p:ext>
             </p:extLst>
           </p:nvPr>
@@ -20094,7 +18881,7 @@
         </p:xfrm>
         <a:graphic>
           <a:graphicData uri="http://schemas.openxmlformats.org/drawingml/2006/diagram">
-            <dgm:relIds xmlns:dgm="http://schemas.openxmlformats.org/drawingml/2006/diagram" xmlns:r="http://schemas.openxmlformats.org/officeDocument/2006/relationships" r:dm="rId2" r:lo="rId3" r:qs="rId4" r:cs="rId5"/>
+            <dgm:relIds xmlns:dgm="http://schemas.openxmlformats.org/drawingml/2006/diagram" xmlns:r="http://schemas.openxmlformats.org/officeDocument/2006/relationships" r:dm="rId3" r:lo="rId4" r:qs="rId5" r:cs="rId6"/>
           </a:graphicData>
         </a:graphic>
       </p:graphicFrame>
@@ -20113,7 +18900,7 @@
           <p:nvPr/>
         </p:nvPicPr>
         <p:blipFill>
-          <a:blip r:embed="rId7"/>
+          <a:blip r:embed="rId8"/>
           <a:stretch>
             <a:fillRect/>
           </a:stretch>
@@ -20209,7 +18996,7 @@
           <a:p>
             <a:r>
               <a:rPr lang="en-US" dirty="0"/>
-              <a:t>Historical California Wildfire data is not easily accessible but we found a pretty good dataset covering 2013-2019.</a:t>
+              <a:t>Historical California Wildfire data is not easily accessible, but we found a pretty good dataset covering 2013-2019.</a:t>
             </a:r>
           </a:p>
         </p:txBody>
@@ -20520,7 +19307,7 @@
         </p:nvSpPr>
         <p:spPr>
           <a:xfrm>
-            <a:off x="4999191" y="1218280"/>
+            <a:off x="4894416" y="594359"/>
             <a:ext cx="6492240" cy="5257800"/>
           </a:xfrm>
         </p:spPr>
@@ -20541,7 +19328,7 @@
             </a:r>
             <a:r>
               <a:rPr lang="en-US" dirty="0">
-                <a:hlinkClick r:id="rId2"/>
+                <a:hlinkClick r:id="rId3"/>
               </a:rPr>
               <a:t>https://www.fire.ca.gov/incidents/</a:t>
             </a:r>
@@ -20557,7 +19344,7 @@
                 <a:effectLst/>
                 <a:ea typeface="Calibri" panose="020F0502020204030204" pitchFamily="34" charset="0"/>
                 <a:cs typeface="Arial" panose="020B0604020202020204" pitchFamily="34" charset="0"/>
-                <a:hlinkClick r:id="rId3"/>
+                <a:hlinkClick r:id="rId4"/>
               </a:rPr>
               <a:t>https://www.kaggle.com/ananthu017/california-wildfire-incidents-20132020</a:t>
             </a:r>
@@ -20580,6 +19367,20 @@
             <a:pPr lvl="2"/>
             <a:r>
               <a:rPr lang="en-US" dirty="0"/>
+              <a:t>NIFC (National Interagency Fire Center) completely changed how wildfire incident data is managed &amp; hosted in 2020, so we didn’t have time to get 2020 data.</a:t>
+            </a:r>
+          </a:p>
+          <a:p>
+            <a:pPr lvl="2"/>
+            <a:r>
+              <a:rPr lang="en-US" dirty="0"/>
+              <a:t>Because of the cutoff point for this data, some of the 2019 incidents were not closed out and finalized when fully extinguished (only finalized incidents are included in this dataset), so the 2019 data is  incomplete.</a:t>
+            </a:r>
+          </a:p>
+          <a:p>
+            <a:pPr lvl="2"/>
+            <a:r>
+              <a:rPr lang="en-US" dirty="0"/>
               <a:t>A handful of incidents with missing or invalid coordinates – so while they are included in stats &amp; queries, they do not appear on the map. </a:t>
             </a:r>
           </a:p>
@@ -20587,14 +19388,7 @@
             <a:pPr lvl="2"/>
             <a:r>
               <a:rPr lang="en-US" dirty="0"/>
-              <a:t>NIFC (National Interagency Fire Center) completely changed how wildfire incident data is managed &amp; hosted in 2020, so we don’t have 2020 data.</a:t>
-            </a:r>
-          </a:p>
-          <a:p>
-            <a:pPr lvl="2"/>
-            <a:r>
-              <a:rPr lang="en-US" dirty="0"/>
-              <a:t>Because of the cutoff point for this data, some of the 2019 incidents were not closed out and finalized when fully extinguished, so the 2019 data is a bit incomplete</a:t>
+              <a:t>A handful of large fires that spanned multiple counties had duplicate records in the dataset that we had to remove. </a:t>
             </a:r>
           </a:p>
           <a:p>
@@ -20621,7 +19415,7 @@
                 <a:latin typeface="Helvetica" panose="020B0604020202020204" pitchFamily="34" charset="0"/>
                 <a:ea typeface="Calibri" panose="020F0502020204030204" pitchFamily="34" charset="0"/>
                 <a:cs typeface="Arial" panose="020B0604020202020204" pitchFamily="34" charset="0"/>
-                <a:hlinkClick r:id="rId4"/>
+                <a:hlinkClick r:id="rId5"/>
               </a:rPr>
               <a:t>https://droughtmonitor.unl.edu/Data/DataTables.aspx</a:t>
             </a:r>
@@ -20687,7 +19481,7 @@
           <p:nvPr/>
         </p:nvPicPr>
         <p:blipFill>
-          <a:blip r:embed="rId2"/>
+          <a:blip r:embed="rId3"/>
           <a:stretch>
             <a:fillRect/>
           </a:stretch>
@@ -20720,8 +19514,8 @@
         </p:nvSpPr>
         <p:spPr>
           <a:xfrm>
-            <a:off x="8854444" y="30598"/>
-            <a:ext cx="3337556" cy="598041"/>
+            <a:off x="7067550" y="30598"/>
+            <a:ext cx="5124450" cy="598041"/>
           </a:xfrm>
           <a:ln>
             <a:solidFill>
@@ -20737,14 +19531,14 @@
           <a:p>
             <a:r>
               <a:rPr lang="en-US" sz="3200" dirty="0"/>
-              <a:t>Wildfire Incident data</a:t>
+              <a:t>Wildfire Incident Data Engineering</a:t>
             </a:r>
             <a:br>
               <a:rPr lang="en-US" sz="3200" dirty="0"/>
             </a:br>
             <a:r>
               <a:rPr lang="en-US" sz="2000" dirty="0"/>
-              <a:t>Solution architecture</a:t>
+              <a:t>Solution Architecture</a:t>
             </a:r>
           </a:p>
         </p:txBody>
@@ -20764,7 +19558,7 @@
           <p:nvPr/>
         </p:nvPicPr>
         <p:blipFill>
-          <a:blip r:embed="rId3"/>
+          <a:blip r:embed="rId4"/>
           <a:stretch>
             <a:fillRect/>
           </a:stretch>
@@ -20904,7 +19698,7 @@
             <p:nvPr/>
           </p:nvPicPr>
           <p:blipFill>
-            <a:blip r:embed="rId4">
+            <a:blip r:embed="rId5">
               <a:extLst>
                 <a:ext uri="{28A0092B-C50C-407E-A947-70E740481C1C}">
                   <a14:useLocalDpi xmlns:a14="http://schemas.microsoft.com/office/drawing/2010/main" val="0"/>
@@ -20951,11 +19745,11 @@
             <p:nvPr/>
           </p:nvPicPr>
           <p:blipFill>
-            <a:blip r:embed="rId5">
+            <a:blip r:embed="rId6">
               <a:extLst>
                 <a:ext uri="{BEBA8EAE-BF5A-486C-A8C5-ECC9F3942E4B}">
                   <a14:imgProps xmlns:a14="http://schemas.microsoft.com/office/drawing/2010/main">
-                    <a14:imgLayer r:embed="rId6">
+                    <a14:imgLayer r:embed="rId7">
                       <a14:imgEffect>
                         <a14:backgroundRemoval t="10000" b="90000" l="10000" r="90000">
                           <a14:foregroundMark x1="33766" y1="12195" x2="33766" y2="12195"/>
@@ -21036,10 +19830,10 @@
             <p:nvPr/>
           </p:nvPicPr>
           <p:blipFill>
-            <a:blip r:embed="rId7">
+            <a:blip r:embed="rId8">
               <a:extLst>
                 <a:ext uri="{96DAC541-7B7A-43D3-8B79-37D633B846F1}">
-                  <asvg:svgBlip xmlns:asvg="http://schemas.microsoft.com/office/drawing/2016/SVG/main" r:embed="rId8"/>
+                  <asvg:svgBlip xmlns:asvg="http://schemas.microsoft.com/office/drawing/2016/SVG/main" r:embed="rId9"/>
                 </a:ext>
               </a:extLst>
             </a:blip>
@@ -21072,7 +19866,7 @@
             <p:nvPr/>
           </p:nvPicPr>
           <p:blipFill>
-            <a:blip r:embed="rId9"/>
+            <a:blip r:embed="rId10"/>
             <a:stretch>
               <a:fillRect/>
             </a:stretch>
@@ -21204,7 +19998,7 @@
           <p:nvPr/>
         </p:nvPicPr>
         <p:blipFill>
-          <a:blip r:embed="rId10">
+          <a:blip r:embed="rId11">
             <a:extLst>
               <a:ext uri="{28A0092B-C50C-407E-A947-70E740481C1C}">
                 <a14:useLocalDpi xmlns:a14="http://schemas.microsoft.com/office/drawing/2010/main" val="0"/>
@@ -21251,7 +20045,7 @@
           <p:nvPr/>
         </p:nvPicPr>
         <p:blipFill>
-          <a:blip r:embed="rId11"/>
+          <a:blip r:embed="rId12"/>
           <a:stretch>
             <a:fillRect/>
           </a:stretch>
@@ -21422,7 +20216,7 @@
           <p:nvPr/>
         </p:nvPicPr>
         <p:blipFill>
-          <a:blip r:embed="rId12"/>
+          <a:blip r:embed="rId13"/>
           <a:stretch>
             <a:fillRect/>
           </a:stretch>
@@ -21460,7 +20254,7 @@
           <p:nvPr/>
         </p:nvPicPr>
         <p:blipFill>
-          <a:blip r:embed="rId13"/>
+          <a:blip r:embed="rId14"/>
           <a:stretch>
             <a:fillRect/>
           </a:stretch>
@@ -21498,7 +20292,7 @@
           <p:nvPr/>
         </p:nvPicPr>
         <p:blipFill>
-          <a:blip r:embed="rId14"/>
+          <a:blip r:embed="rId15"/>
           <a:stretch>
             <a:fillRect/>
           </a:stretch>
@@ -21586,7 +20380,7 @@
           <p:nvPr/>
         </p:nvPicPr>
         <p:blipFill>
-          <a:blip r:embed="rId15"/>
+          <a:blip r:embed="rId16"/>
           <a:stretch>
             <a:fillRect/>
           </a:stretch>
@@ -21878,7 +20672,7 @@
           <a:p>
             <a:r>
               <a:rPr lang="en-US" dirty="0"/>
-              <a:t>Findings</a:t>
+              <a:t>Summary of Findings</a:t>
             </a:r>
           </a:p>
         </p:txBody>
@@ -21955,7 +20749,7 @@
             <p:ph idx="1"/>
             <p:extLst>
               <p:ext uri="{D42A27DB-BD31-4B8C-83A1-F6EECF244321}">
-                <p14:modId xmlns:p14="http://schemas.microsoft.com/office/powerpoint/2010/main" val="981041958"/>
+                <p14:modId xmlns:p14="http://schemas.microsoft.com/office/powerpoint/2010/main" val="1084638829"/>
               </p:ext>
             </p:extLst>
           </p:nvPr>
@@ -21966,7 +20760,7 @@
         </p:xfrm>
         <a:graphic>
           <a:graphicData uri="http://schemas.openxmlformats.org/drawingml/2006/diagram">
-            <dgm:relIds xmlns:dgm="http://schemas.openxmlformats.org/drawingml/2006/diagram" xmlns:r="http://schemas.openxmlformats.org/officeDocument/2006/relationships" r:dm="rId2" r:lo="rId3" r:qs="rId4" r:cs="rId5"/>
+            <dgm:relIds xmlns:dgm="http://schemas.openxmlformats.org/drawingml/2006/diagram" xmlns:r="http://schemas.openxmlformats.org/officeDocument/2006/relationships" r:dm="rId3" r:lo="rId4" r:qs="rId5" r:cs="rId6"/>
           </a:graphicData>
         </a:graphic>
       </p:graphicFrame>
@@ -21985,7 +20779,7 @@
           <p:nvPr/>
         </p:nvPicPr>
         <p:blipFill>
-          <a:blip r:embed="rId7"/>
+          <a:blip r:embed="rId8"/>
           <a:stretch>
             <a:fillRect/>
           </a:stretch>
@@ -22038,217 +20832,6 @@
           <a:chExt cx="0" cy="0"/>
         </a:xfrm>
       </p:grpSpPr>
-      <p:sp useBgFill="1">
-        <p:nvSpPr>
-          <p:cNvPr id="11" name="Rectangle 10">
-            <a:extLst>
-              <a:ext uri="{FF2B5EF4-FFF2-40B4-BE49-F238E27FC236}">
-                <a16:creationId xmlns:a16="http://schemas.microsoft.com/office/drawing/2014/main" id="{311973C2-EB8B-452A-A698-4A252FD3AE28}"/>
-              </a:ext>
-              <a:ext uri="{C183D7F6-B498-43B3-948B-1728B52AA6E4}">
-                <adec:decorative xmlns:adec="http://schemas.microsoft.com/office/drawing/2017/decorative" val="1"/>
-              </a:ext>
-            </a:extLst>
-          </p:cNvPr>
-          <p:cNvSpPr>
-            <a:spLocks noGrp="1" noRot="1" noChangeAspect="1" noMove="1" noResize="1" noEditPoints="1" noAdjustHandles="1" noChangeArrowheads="1" noChangeShapeType="1" noTextEdit="1"/>
-          </p:cNvSpPr>
-          <p:nvPr>
-            <p:extLst>
-              <p:ext uri="{386F3935-93C4-4BCD-93E2-E3B085C9AB24}">
-                <p16:designElem xmlns:p16="http://schemas.microsoft.com/office/powerpoint/2015/main" val="1"/>
-              </p:ext>
-            </p:extLst>
-          </p:nvPr>
-        </p:nvSpPr>
-        <p:spPr>
-          <a:xfrm>
-            <a:off x="0" y="1"/>
-            <a:ext cx="12192000" cy="6857999"/>
-          </a:xfrm>
-          <a:prstGeom prst="rect">
-            <a:avLst/>
-          </a:prstGeom>
-          <a:ln>
-            <a:noFill/>
-          </a:ln>
-        </p:spPr>
-        <p:style>
-          <a:lnRef idx="2">
-            <a:schemeClr val="accent1">
-              <a:shade val="50000"/>
-            </a:schemeClr>
-          </a:lnRef>
-          <a:fillRef idx="1">
-            <a:schemeClr val="accent1"/>
-          </a:fillRef>
-          <a:effectRef idx="0">
-            <a:schemeClr val="accent1"/>
-          </a:effectRef>
-          <a:fontRef idx="minor">
-            <a:schemeClr val="lt1"/>
-          </a:fontRef>
-        </p:style>
-        <p:txBody>
-          <a:bodyPr rtlCol="0" anchor="ctr"/>
-          <a:lstStyle/>
-          <a:p>
-            <a:pPr algn="ctr"/>
-            <a:endParaRPr lang="en-US" dirty="0"/>
-          </a:p>
-        </p:txBody>
-      </p:sp>
-      <p:sp useBgFill="1">
-        <p:nvSpPr>
-          <p:cNvPr id="13" name="Rectangle 12">
-            <a:extLst>
-              <a:ext uri="{FF2B5EF4-FFF2-40B4-BE49-F238E27FC236}">
-                <a16:creationId xmlns:a16="http://schemas.microsoft.com/office/drawing/2014/main" id="{10162E77-11AD-44A7-84EC-40C59EEFBD2E}"/>
-              </a:ext>
-              <a:ext uri="{C183D7F6-B498-43B3-948B-1728B52AA6E4}">
-                <adec:decorative xmlns:adec="http://schemas.microsoft.com/office/drawing/2017/decorative" val="1"/>
-              </a:ext>
-            </a:extLst>
-          </p:cNvPr>
-          <p:cNvSpPr>
-            <a:spLocks noGrp="1" noRot="1" noChangeAspect="1" noMove="1" noResize="1" noEditPoints="1" noAdjustHandles="1" noChangeArrowheads="1" noChangeShapeType="1" noTextEdit="1"/>
-          </p:cNvSpPr>
-          <p:nvPr>
-            <p:extLst>
-              <p:ext uri="{386F3935-93C4-4BCD-93E2-E3B085C9AB24}">
-                <p16:designElem xmlns:p16="http://schemas.microsoft.com/office/powerpoint/2015/main" val="1"/>
-              </p:ext>
-            </p:extLst>
-          </p:nvPr>
-        </p:nvSpPr>
-        <p:spPr>
-          <a:xfrm>
-            <a:off x="0" y="0"/>
-            <a:ext cx="12192001" cy="6334316"/>
-          </a:xfrm>
-          <a:prstGeom prst="rect">
-            <a:avLst/>
-          </a:prstGeom>
-          <a:ln>
-            <a:noFill/>
-          </a:ln>
-        </p:spPr>
-        <p:style>
-          <a:lnRef idx="2">
-            <a:schemeClr val="accent1">
-              <a:shade val="50000"/>
-            </a:schemeClr>
-          </a:lnRef>
-          <a:fillRef idx="1">
-            <a:schemeClr val="accent1"/>
-          </a:fillRef>
-          <a:effectRef idx="0">
-            <a:schemeClr val="accent1"/>
-          </a:effectRef>
-          <a:fontRef idx="minor">
-            <a:schemeClr val="lt1"/>
-          </a:fontRef>
-        </p:style>
-        <p:txBody>
-          <a:bodyPr rtlCol="0" anchor="ctr"/>
-          <a:lstStyle/>
-          <a:p>
-            <a:pPr algn="ctr"/>
-            <a:endParaRPr lang="en-US" dirty="0"/>
-          </a:p>
-        </p:txBody>
-      </p:sp>
-      <p:sp>
-        <p:nvSpPr>
-          <p:cNvPr id="2" name="Title 1">
-            <a:extLst>
-              <a:ext uri="{FF2B5EF4-FFF2-40B4-BE49-F238E27FC236}">
-                <a16:creationId xmlns:a16="http://schemas.microsoft.com/office/drawing/2014/main" id="{58939E06-B884-48E2-A024-042AA6CB08FA}"/>
-              </a:ext>
-            </a:extLst>
-          </p:cNvPr>
-          <p:cNvSpPr>
-            <a:spLocks noGrp="1"/>
-          </p:cNvSpPr>
-          <p:nvPr>
-            <p:ph type="title"/>
-          </p:nvPr>
-        </p:nvSpPr>
-        <p:spPr>
-          <a:xfrm>
-            <a:off x="5181601" y="634946"/>
-            <a:ext cx="6368142" cy="1450757"/>
-          </a:xfrm>
-        </p:spPr>
-        <p:txBody>
-          <a:bodyPr>
-            <a:normAutofit/>
-          </a:bodyPr>
-          <a:lstStyle/>
-          <a:p>
-            <a:r>
-              <a:rPr lang="en-US" dirty="0"/>
-              <a:t>Findings</a:t>
-            </a:r>
-          </a:p>
-        </p:txBody>
-      </p:sp>
-      <p:cxnSp>
-        <p:nvCxnSpPr>
-          <p:cNvPr id="15" name="Straight Connector 14">
-            <a:extLst>
-              <a:ext uri="{FF2B5EF4-FFF2-40B4-BE49-F238E27FC236}">
-                <a16:creationId xmlns:a16="http://schemas.microsoft.com/office/drawing/2014/main" id="{5AB158E9-1B40-4CD6-95F0-95CA11DF7B7A}"/>
-              </a:ext>
-              <a:ext uri="{C183D7F6-B498-43B3-948B-1728B52AA6E4}">
-                <adec:decorative xmlns:adec="http://schemas.microsoft.com/office/drawing/2017/decorative" val="1"/>
-              </a:ext>
-            </a:extLst>
-          </p:cNvPr>
-          <p:cNvCxnSpPr>
-            <a:cxnSpLocks noGrp="1" noRot="1" noChangeAspect="1" noMove="1" noResize="1" noEditPoints="1" noAdjustHandles="1" noChangeArrowheads="1" noChangeShapeType="1"/>
-          </p:cNvCxnSpPr>
-          <p:nvPr>
-            <p:extLst>
-              <p:ext uri="{386F3935-93C4-4BCD-93E2-E3B085C9AB24}">
-                <p16:designElem xmlns:p16="http://schemas.microsoft.com/office/powerpoint/2015/main" val="1"/>
-              </p:ext>
-            </p:extLst>
-          </p:nvPr>
-        </p:nvCxnSpPr>
-        <p:spPr>
-          <a:xfrm>
-            <a:off x="5287617" y="2085703"/>
-            <a:ext cx="6170686" cy="0"/>
-          </a:xfrm>
-          <a:prstGeom prst="line">
-            <a:avLst/>
-          </a:prstGeom>
-          <a:ln w="6350">
-            <a:solidFill>
-              <a:schemeClr val="tx1">
-                <a:lumMod val="50000"/>
-                <a:lumOff val="50000"/>
-                <a:alpha val="90000"/>
-              </a:schemeClr>
-            </a:solidFill>
-          </a:ln>
-        </p:spPr>
-        <p:style>
-          <a:lnRef idx="1">
-            <a:schemeClr val="accent1"/>
-          </a:lnRef>
-          <a:fillRef idx="0">
-            <a:schemeClr val="accent1"/>
-          </a:fillRef>
-          <a:effectRef idx="0">
-            <a:schemeClr val="accent1"/>
-          </a:effectRef>
-          <a:fontRef idx="minor">
-            <a:schemeClr val="tx1"/>
-          </a:fontRef>
-        </p:style>
-      </p:cxnSp>
       <p:graphicFrame>
         <p:nvGraphicFramePr>
           <p:cNvPr id="6" name="Content Placeholder 2" descr="icon circle label list SmartArt">
@@ -22262,21 +20845,21 @@
             <a:graphicFrameLocks noGrp="1"/>
           </p:cNvGraphicFramePr>
           <p:nvPr>
-            <p:ph idx="1"/>
+            <p:ph idx="4294967295"/>
             <p:extLst>
               <p:ext uri="{D42A27DB-BD31-4B8C-83A1-F6EECF244321}">
-                <p14:modId xmlns:p14="http://schemas.microsoft.com/office/powerpoint/2010/main" val="2951104570"/>
+                <p14:modId xmlns:p14="http://schemas.microsoft.com/office/powerpoint/2010/main" val="3333926073"/>
               </p:ext>
             </p:extLst>
           </p:nvPr>
         </p:nvGraphicFramePr>
         <p:xfrm>
-          <a:off x="5181601" y="2198914"/>
-          <a:ext cx="6368142" cy="3670180"/>
+          <a:off x="4851400" y="190500"/>
+          <a:ext cx="6731000" cy="2743200"/>
         </p:xfrm>
         <a:graphic>
           <a:graphicData uri="http://schemas.openxmlformats.org/drawingml/2006/diagram">
-            <dgm:relIds xmlns:dgm="http://schemas.openxmlformats.org/drawingml/2006/diagram" xmlns:r="http://schemas.openxmlformats.org/officeDocument/2006/relationships" r:dm="rId2" r:lo="rId3" r:qs="rId4" r:cs="rId5"/>
+            <dgm:relIds xmlns:dgm="http://schemas.openxmlformats.org/drawingml/2006/diagram" xmlns:r="http://schemas.openxmlformats.org/officeDocument/2006/relationships" r:dm="rId3" r:lo="rId4" r:qs="rId5" r:cs="rId6"/>
           </a:graphicData>
         </a:graphic>
       </p:graphicFrame>
@@ -22295,7 +20878,7 @@
           <p:nvPr/>
         </p:nvPicPr>
         <p:blipFill>
-          <a:blip r:embed="rId7"/>
+          <a:blip r:embed="rId8"/>
           <a:stretch>
             <a:fillRect/>
           </a:stretch>
@@ -22310,10 +20893,40 @@
           </a:prstGeom>
         </p:spPr>
       </p:pic>
+      <p:pic>
+        <p:nvPicPr>
+          <p:cNvPr id="3" name="Picture 2">
+            <a:extLst>
+              <a:ext uri="{FF2B5EF4-FFF2-40B4-BE49-F238E27FC236}">
+                <a16:creationId xmlns:a16="http://schemas.microsoft.com/office/drawing/2014/main" id="{13A95119-BEC9-4278-8D0B-07AD25DF2376}"/>
+              </a:ext>
+            </a:extLst>
+          </p:cNvPr>
+          <p:cNvPicPr>
+            <a:picLocks noChangeAspect="1"/>
+          </p:cNvPicPr>
+          <p:nvPr/>
+        </p:nvPicPr>
+        <p:blipFill>
+          <a:blip r:embed="rId9"/>
+          <a:stretch>
+            <a:fillRect/>
+          </a:stretch>
+        </p:blipFill>
+        <p:spPr>
+          <a:xfrm>
+            <a:off x="5461000" y="2644249"/>
+            <a:ext cx="5873750" cy="3626744"/>
+          </a:xfrm>
+          <a:prstGeom prst="rect">
+            <a:avLst/>
+          </a:prstGeom>
+        </p:spPr>
+      </p:pic>
     </p:spTree>
     <p:extLst>
       <p:ext uri="{BB962C8B-B14F-4D97-AF65-F5344CB8AC3E}">
-        <p14:creationId xmlns:p14="http://schemas.microsoft.com/office/powerpoint/2010/main" val="2190971297"/>
+        <p14:creationId xmlns:p14="http://schemas.microsoft.com/office/powerpoint/2010/main" val="497530620"/>
       </p:ext>
     </p:extLst>
   </p:cSld>
@@ -22348,37 +20961,6 @@
           <a:chExt cx="0" cy="0"/>
         </a:xfrm>
       </p:grpSpPr>
-      <p:graphicFrame>
-        <p:nvGraphicFramePr>
-          <p:cNvPr id="6" name="Content Placeholder 2" descr="icon circle label list SmartArt">
-            <a:extLst>
-              <a:ext uri="{FF2B5EF4-FFF2-40B4-BE49-F238E27FC236}">
-                <a16:creationId xmlns:a16="http://schemas.microsoft.com/office/drawing/2014/main" id="{6AD0D85D-BF36-4325-B97D-1085C7E5B130}"/>
-              </a:ext>
-            </a:extLst>
-          </p:cNvPr>
-          <p:cNvGraphicFramePr>
-            <a:graphicFrameLocks noGrp="1"/>
-          </p:cNvGraphicFramePr>
-          <p:nvPr>
-            <p:ph idx="4294967295"/>
-            <p:extLst>
-              <p:ext uri="{D42A27DB-BD31-4B8C-83A1-F6EECF244321}">
-                <p14:modId xmlns:p14="http://schemas.microsoft.com/office/powerpoint/2010/main" val="2059500356"/>
-              </p:ext>
-            </p:extLst>
-          </p:nvPr>
-        </p:nvGraphicFramePr>
-        <p:xfrm>
-          <a:off x="5461000" y="228600"/>
-          <a:ext cx="5873750" cy="2882900"/>
-        </p:xfrm>
-        <a:graphic>
-          <a:graphicData uri="http://schemas.openxmlformats.org/drawingml/2006/diagram">
-            <dgm:relIds xmlns:dgm="http://schemas.openxmlformats.org/drawingml/2006/diagram" xmlns:r="http://schemas.openxmlformats.org/officeDocument/2006/relationships" r:dm="rId2" r:lo="rId3" r:qs="rId4" r:cs="rId5"/>
-          </a:graphicData>
-        </a:graphic>
-      </p:graphicFrame>
       <p:pic>
         <p:nvPicPr>
           <p:cNvPr id="5" name="Picture 4" descr="A picture containing tree, outdoor, conifer, slope&#10;&#10;Description automatically generated">
@@ -22394,7 +20976,7 @@
           <p:nvPr/>
         </p:nvPicPr>
         <p:blipFill>
-          <a:blip r:embed="rId7"/>
+          <a:blip r:embed="rId3"/>
           <a:stretch>
             <a:fillRect/>
           </a:stretch>
@@ -22409,12 +20991,42 @@
           </a:prstGeom>
         </p:spPr>
       </p:pic>
+      <p:graphicFrame>
+        <p:nvGraphicFramePr>
+          <p:cNvPr id="7" name="Content Placeholder 2" descr="icon circle label list SmartArt">
+            <a:extLst>
+              <a:ext uri="{FF2B5EF4-FFF2-40B4-BE49-F238E27FC236}">
+                <a16:creationId xmlns:a16="http://schemas.microsoft.com/office/drawing/2014/main" id="{4D4DC26C-5AE0-4F28-B23E-3B7F7BE7AACF}"/>
+              </a:ext>
+            </a:extLst>
+          </p:cNvPr>
+          <p:cNvGraphicFramePr>
+            <a:graphicFrameLocks/>
+          </p:cNvGraphicFramePr>
+          <p:nvPr>
+            <p:extLst>
+              <p:ext uri="{D42A27DB-BD31-4B8C-83A1-F6EECF244321}">
+                <p14:modId xmlns:p14="http://schemas.microsoft.com/office/powerpoint/2010/main" val="3998487453"/>
+              </p:ext>
+            </p:extLst>
+          </p:nvPr>
+        </p:nvGraphicFramePr>
+        <p:xfrm>
+          <a:off x="4553920" y="215256"/>
+          <a:ext cx="7638080" cy="2865545"/>
+        </p:xfrm>
+        <a:graphic>
+          <a:graphicData uri="http://schemas.openxmlformats.org/drawingml/2006/diagram">
+            <dgm:relIds xmlns:dgm="http://schemas.openxmlformats.org/drawingml/2006/diagram" xmlns:r="http://schemas.openxmlformats.org/officeDocument/2006/relationships" r:dm="rId4" r:lo="rId5" r:qs="rId6" r:cs="rId7"/>
+          </a:graphicData>
+        </a:graphic>
+      </p:graphicFrame>
       <p:pic>
         <p:nvPicPr>
-          <p:cNvPr id="8" name="Picture 7">
+          <p:cNvPr id="3" name="Picture 2">
             <a:extLst>
               <a:ext uri="{FF2B5EF4-FFF2-40B4-BE49-F238E27FC236}">
-                <a16:creationId xmlns:a16="http://schemas.microsoft.com/office/drawing/2014/main" id="{F9809B85-8149-43BF-817C-BD29889812BD}"/>
+                <a16:creationId xmlns:a16="http://schemas.microsoft.com/office/drawing/2014/main" id="{B300B7A9-5323-4C7C-8BE7-B15FFCB98D0A}"/>
               </a:ext>
             </a:extLst>
           </p:cNvPr>
@@ -22424,30 +21036,25 @@
           <p:nvPr/>
         </p:nvPicPr>
         <p:blipFill>
-          <a:blip r:embed="rId8"/>
+          <a:blip r:embed="rId9"/>
           <a:stretch>
             <a:fillRect/>
           </a:stretch>
         </p:blipFill>
         <p:spPr>
           <a:xfrm>
-            <a:off x="4567224" y="4086226"/>
-            <a:ext cx="7624776" cy="2249934"/>
+            <a:off x="4553920" y="3517721"/>
+            <a:ext cx="7542830" cy="2826016"/>
           </a:xfrm>
           <a:prstGeom prst="rect">
             <a:avLst/>
           </a:prstGeom>
-          <a:ln>
-            <a:solidFill>
-              <a:schemeClr val="accent6"/>
-            </a:solidFill>
-          </a:ln>
         </p:spPr>
       </p:pic>
     </p:spTree>
     <p:extLst>
       <p:ext uri="{BB962C8B-B14F-4D97-AF65-F5344CB8AC3E}">
-        <p14:creationId xmlns:p14="http://schemas.microsoft.com/office/powerpoint/2010/main" val="497530620"/>
+        <p14:creationId xmlns:p14="http://schemas.microsoft.com/office/powerpoint/2010/main" val="2245723163"/>
       </p:ext>
     </p:extLst>
   </p:cSld>
@@ -22497,7 +21104,7 @@
           <p:nvPr/>
         </p:nvPicPr>
         <p:blipFill>
-          <a:blip r:embed="rId2"/>
+          <a:blip r:embed="rId3"/>
           <a:stretch>
             <a:fillRect/>
           </a:stretch>
@@ -22517,7 +21124,7 @@
           <p:cNvPr id="7" name="Content Placeholder 2" descr="icon circle label list SmartArt">
             <a:extLst>
               <a:ext uri="{FF2B5EF4-FFF2-40B4-BE49-F238E27FC236}">
-                <a16:creationId xmlns:a16="http://schemas.microsoft.com/office/drawing/2014/main" id="{4D4DC26C-5AE0-4F28-B23E-3B7F7BE7AACF}"/>
+                <a16:creationId xmlns:a16="http://schemas.microsoft.com/office/drawing/2014/main" id="{0002C7DF-F81B-407C-BA97-43A6DC80D1B8}"/>
               </a:ext>
             </a:extLst>
           </p:cNvPr>
@@ -22527,27 +21134,27 @@
           <p:nvPr>
             <p:extLst>
               <p:ext uri="{D42A27DB-BD31-4B8C-83A1-F6EECF244321}">
-                <p14:modId xmlns:p14="http://schemas.microsoft.com/office/powerpoint/2010/main" val="3998487453"/>
+                <p14:modId xmlns:p14="http://schemas.microsoft.com/office/powerpoint/2010/main" val="895507690"/>
               </p:ext>
             </p:extLst>
           </p:nvPr>
         </p:nvGraphicFramePr>
         <p:xfrm>
-          <a:off x="4553920" y="215256"/>
-          <a:ext cx="7638080" cy="2865545"/>
+          <a:off x="4692651" y="38098"/>
+          <a:ext cx="7423149" cy="2376628"/>
         </p:xfrm>
         <a:graphic>
           <a:graphicData uri="http://schemas.openxmlformats.org/drawingml/2006/diagram">
-            <dgm:relIds xmlns:dgm="http://schemas.openxmlformats.org/drawingml/2006/diagram" xmlns:r="http://schemas.openxmlformats.org/officeDocument/2006/relationships" r:dm="rId3" r:lo="rId4" r:qs="rId5" r:cs="rId6"/>
+            <dgm:relIds xmlns:dgm="http://schemas.openxmlformats.org/drawingml/2006/diagram" xmlns:r="http://schemas.openxmlformats.org/officeDocument/2006/relationships" r:dm="rId4" r:lo="rId5" r:qs="rId6" r:cs="rId7"/>
           </a:graphicData>
         </a:graphic>
       </p:graphicFrame>
       <p:pic>
         <p:nvPicPr>
-          <p:cNvPr id="9" name="Picture 8">
+          <p:cNvPr id="4" name="Picture 3">
             <a:extLst>
               <a:ext uri="{FF2B5EF4-FFF2-40B4-BE49-F238E27FC236}">
-                <a16:creationId xmlns:a16="http://schemas.microsoft.com/office/drawing/2014/main" id="{E5DFD050-8F7C-4B73-AE3A-EC37BCF1BEA0}"/>
+                <a16:creationId xmlns:a16="http://schemas.microsoft.com/office/drawing/2014/main" id="{00662183-B170-4FF5-A917-B3762B5E26EA}"/>
               </a:ext>
             </a:extLst>
           </p:cNvPr>
@@ -22557,25 +21164,69 @@
           <p:nvPr/>
         </p:nvPicPr>
         <p:blipFill>
-          <a:blip r:embed="rId8"/>
+          <a:blip r:embed="rId9"/>
           <a:stretch>
             <a:fillRect/>
           </a:stretch>
         </p:blipFill>
         <p:spPr>
           <a:xfrm>
-            <a:off x="5768859" y="3197156"/>
-            <a:ext cx="4515082" cy="2673487"/>
+            <a:off x="4692651" y="2226649"/>
+            <a:ext cx="3417940" cy="2089826"/>
           </a:xfrm>
           <a:prstGeom prst="rect">
             <a:avLst/>
           </a:prstGeom>
+          <a:ln>
+            <a:solidFill>
+              <a:schemeClr val="bg1">
+                <a:lumMod val="75000"/>
+              </a:schemeClr>
+            </a:solidFill>
+          </a:ln>
+        </p:spPr>
+      </p:pic>
+      <p:pic>
+        <p:nvPicPr>
+          <p:cNvPr id="8" name="Picture 7">
+            <a:extLst>
+              <a:ext uri="{FF2B5EF4-FFF2-40B4-BE49-F238E27FC236}">
+                <a16:creationId xmlns:a16="http://schemas.microsoft.com/office/drawing/2014/main" id="{69414400-C606-405F-AA68-0A0D0FDB05A0}"/>
+              </a:ext>
+            </a:extLst>
+          </p:cNvPr>
+          <p:cNvPicPr>
+            <a:picLocks noChangeAspect="1"/>
+          </p:cNvPicPr>
+          <p:nvPr/>
+        </p:nvPicPr>
+        <p:blipFill>
+          <a:blip r:embed="rId10"/>
+          <a:stretch>
+            <a:fillRect/>
+          </a:stretch>
+        </p:blipFill>
+        <p:spPr>
+          <a:xfrm>
+            <a:off x="5073319" y="4183108"/>
+            <a:ext cx="7042481" cy="2089826"/>
+          </a:xfrm>
+          <a:prstGeom prst="rect">
+            <a:avLst/>
+          </a:prstGeom>
+          <a:ln>
+            <a:solidFill>
+              <a:schemeClr val="bg1">
+                <a:lumMod val="75000"/>
+              </a:schemeClr>
+            </a:solidFill>
+          </a:ln>
         </p:spPr>
       </p:pic>
     </p:spTree>
     <p:extLst>
       <p:ext uri="{BB962C8B-B14F-4D97-AF65-F5344CB8AC3E}">
-        <p14:creationId xmlns:p14="http://schemas.microsoft.com/office/powerpoint/2010/main" val="2245723163"/>
+        <p14:creationId xmlns:p14="http://schemas.microsoft.com/office/powerpoint/2010/main" val="2055746629"/>
       </p:ext>
     </p:extLst>
   </p:cSld>
@@ -23172,15 +21823,6 @@
 </file>
 
 <file path=customXml/item2.xml><?xml version="1.0" encoding="utf-8"?>
-<?mso-contentType ?>
-<FormTemplates xmlns="http://schemas.microsoft.com/sharepoint/v3/contenttype/forms">
-  <Display>DocumentLibraryForm</Display>
-  <Edit>DocumentLibraryForm</Edit>
-  <New>DocumentLibraryForm</New>
-</FormTemplates>
-</file>
-
-<file path=customXml/item3.xml><?xml version="1.0" encoding="utf-8"?>
 <ct:contentTypeSchema xmlns:ct="http://schemas.microsoft.com/office/2006/metadata/contentType" xmlns:ma="http://schemas.microsoft.com/office/2006/metadata/properties/metaAttributes" ct:_="" ma:_="" ma:contentTypeName="Document" ma:contentTypeID="0x01010079F111ED35F8CC479449609E8A0923A6" ma:contentTypeVersion="11" ma:contentTypeDescription="Create a new document." ma:contentTypeScope="" ma:versionID="9677210f24a1be23c92c90fd886aa0aa">
   <xsd:schema xmlns:xsd="http://www.w3.org/2001/XMLSchema" xmlns:xs="http://www.w3.org/2001/XMLSchema" xmlns:p="http://schemas.microsoft.com/office/2006/metadata/properties" xmlns:ns2="71af3243-3dd4-4a8d-8c0d-dd76da1f02a5" xmlns:ns3="16c05727-aa75-4e4a-9b5f-8a80a1165891" targetNamespace="http://schemas.microsoft.com/office/2006/metadata/properties" ma:root="true" ma:fieldsID="60e05723c5c1908df1a1a4ebf11d344e" ns2:_="" ns3:_="">
     <xsd:import namespace="71af3243-3dd4-4a8d-8c0d-dd76da1f02a5"/>
@@ -23391,6 +22033,15 @@
 </ct:contentTypeSchema>
 </file>
 
+<file path=customXml/item3.xml><?xml version="1.0" encoding="utf-8"?>
+<?mso-contentType ?>
+<FormTemplates xmlns="http://schemas.microsoft.com/sharepoint/v3/contenttype/forms">
+  <Display>DocumentLibraryForm</Display>
+  <Edit>DocumentLibraryForm</Edit>
+  <New>DocumentLibraryForm</New>
+</FormTemplates>
+</file>
+
 <file path=customXml/itemProps1.xml><?xml version="1.0" encoding="utf-8"?>
 <ds:datastoreItem xmlns:ds="http://schemas.openxmlformats.org/officeDocument/2006/customXml" ds:itemID="{B05550B3-F1C0-4D73-82FC-DDABEC8F0952}">
   <ds:schemaRefs>
@@ -23402,14 +22053,6 @@
 </file>
 
 <file path=customXml/itemProps2.xml><?xml version="1.0" encoding="utf-8"?>
-<ds:datastoreItem xmlns:ds="http://schemas.openxmlformats.org/officeDocument/2006/customXml" ds:itemID="{D226911E-AE6C-4963-864C-FEDEB2DC7729}">
-  <ds:schemaRefs>
-    <ds:schemaRef ds:uri="http://schemas.microsoft.com/sharepoint/v3/contenttype/forms"/>
-  </ds:schemaRefs>
-</ds:datastoreItem>
-</file>
-
-<file path=customXml/itemProps3.xml><?xml version="1.0" encoding="utf-8"?>
 <ds:datastoreItem xmlns:ds="http://schemas.openxmlformats.org/officeDocument/2006/customXml" ds:itemID="{B6451C01-71EB-4236-9458-377C31D5C06D}">
   <ds:schemaRefs>
     <ds:schemaRef ds:uri="http://schemas.microsoft.com/office/2006/metadata/contentType"/>
@@ -23426,4 +22069,12 @@
     <ds:schemaRef ds:uri="http://schemas.microsoft.com/internal/obd"/>
   </ds:schemaRefs>
 </ds:datastoreItem>
+</file>
+
+<file path=customXml/itemProps3.xml><?xml version="1.0" encoding="utf-8"?>
+<ds:datastoreItem xmlns:ds="http://schemas.openxmlformats.org/officeDocument/2006/customXml" ds:itemID="{D226911E-AE6C-4963-864C-FEDEB2DC7729}">
+  <ds:schemaRefs>
+    <ds:schemaRef ds:uri="http://schemas.microsoft.com/sharepoint/v3/contenttype/forms"/>
+  </ds:schemaRefs>
+</ds:datastoreItem>
 </file>